--- a/assets/Sprint Cadence Diagrams.pptx
+++ b/assets/Sprint Cadence Diagrams.pptx
@@ -19,6 +19,7 @@
     <p:sldId id="265" r:id="rId13"/>
     <p:sldId id="268" r:id="rId14"/>
     <p:sldId id="269" r:id="rId15"/>
+    <p:sldId id="270" r:id="rId16"/>
   </p:sldIdLst>
   <p:sldSz cx="12192000" cy="6858000"/>
   <p:notesSz cx="6858000" cy="9144000"/>
@@ -2786,7 +2787,7 @@
           <a:p>
             <a:fld id="{0C3A9CC2-761E-433C-A323-6D1ABF677EB6}" type="datetimeFigureOut">
               <a:rPr lang="en-US" smtClean="0"/>
-              <a:t>9/4/2020</a:t>
+              <a:t>9/11/2020</a:t>
             </a:fld>
             <a:endParaRPr lang="en-US"/>
           </a:p>
@@ -2984,7 +2985,7 @@
           <a:p>
             <a:fld id="{0C3A9CC2-761E-433C-A323-6D1ABF677EB6}" type="datetimeFigureOut">
               <a:rPr lang="en-US" smtClean="0"/>
-              <a:t>9/4/2020</a:t>
+              <a:t>9/11/2020</a:t>
             </a:fld>
             <a:endParaRPr lang="en-US"/>
           </a:p>
@@ -3192,7 +3193,7 @@
           <a:p>
             <a:fld id="{0C3A9CC2-761E-433C-A323-6D1ABF677EB6}" type="datetimeFigureOut">
               <a:rPr lang="en-US" smtClean="0"/>
-              <a:t>9/4/2020</a:t>
+              <a:t>9/11/2020</a:t>
             </a:fld>
             <a:endParaRPr lang="en-US"/>
           </a:p>
@@ -3390,7 +3391,7 @@
           <a:p>
             <a:fld id="{0C3A9CC2-761E-433C-A323-6D1ABF677EB6}" type="datetimeFigureOut">
               <a:rPr lang="en-US" smtClean="0"/>
-              <a:t>9/4/2020</a:t>
+              <a:t>9/11/2020</a:t>
             </a:fld>
             <a:endParaRPr lang="en-US"/>
           </a:p>
@@ -3665,7 +3666,7 @@
           <a:p>
             <a:fld id="{0C3A9CC2-761E-433C-A323-6D1ABF677EB6}" type="datetimeFigureOut">
               <a:rPr lang="en-US" smtClean="0"/>
-              <a:t>9/4/2020</a:t>
+              <a:t>9/11/2020</a:t>
             </a:fld>
             <a:endParaRPr lang="en-US"/>
           </a:p>
@@ -3930,7 +3931,7 @@
           <a:p>
             <a:fld id="{0C3A9CC2-761E-433C-A323-6D1ABF677EB6}" type="datetimeFigureOut">
               <a:rPr lang="en-US" smtClean="0"/>
-              <a:t>9/4/2020</a:t>
+              <a:t>9/11/2020</a:t>
             </a:fld>
             <a:endParaRPr lang="en-US"/>
           </a:p>
@@ -4342,7 +4343,7 @@
           <a:p>
             <a:fld id="{0C3A9CC2-761E-433C-A323-6D1ABF677EB6}" type="datetimeFigureOut">
               <a:rPr lang="en-US" smtClean="0"/>
-              <a:t>9/4/2020</a:t>
+              <a:t>9/11/2020</a:t>
             </a:fld>
             <a:endParaRPr lang="en-US"/>
           </a:p>
@@ -4483,7 +4484,7 @@
           <a:p>
             <a:fld id="{0C3A9CC2-761E-433C-A323-6D1ABF677EB6}" type="datetimeFigureOut">
               <a:rPr lang="en-US" smtClean="0"/>
-              <a:t>9/4/2020</a:t>
+              <a:t>9/11/2020</a:t>
             </a:fld>
             <a:endParaRPr lang="en-US"/>
           </a:p>
@@ -4596,7 +4597,7 @@
           <a:p>
             <a:fld id="{0C3A9CC2-761E-433C-A323-6D1ABF677EB6}" type="datetimeFigureOut">
               <a:rPr lang="en-US" smtClean="0"/>
-              <a:t>9/4/2020</a:t>
+              <a:t>9/11/2020</a:t>
             </a:fld>
             <a:endParaRPr lang="en-US"/>
           </a:p>
@@ -4907,7 +4908,7 @@
           <a:p>
             <a:fld id="{0C3A9CC2-761E-433C-A323-6D1ABF677EB6}" type="datetimeFigureOut">
               <a:rPr lang="en-US" smtClean="0"/>
-              <a:t>9/4/2020</a:t>
+              <a:t>9/11/2020</a:t>
             </a:fld>
             <a:endParaRPr lang="en-US"/>
           </a:p>
@@ -5195,7 +5196,7 @@
           <a:p>
             <a:fld id="{0C3A9CC2-761E-433C-A323-6D1ABF677EB6}" type="datetimeFigureOut">
               <a:rPr lang="en-US" smtClean="0"/>
-              <a:t>9/4/2020</a:t>
+              <a:t>9/11/2020</a:t>
             </a:fld>
             <a:endParaRPr lang="en-US"/>
           </a:p>
@@ -5436,7 +5437,7 @@
           <a:p>
             <a:fld id="{0C3A9CC2-761E-433C-A323-6D1ABF677EB6}" type="datetimeFigureOut">
               <a:rPr lang="en-US" smtClean="0"/>
-              <a:t>9/4/2020</a:t>
+              <a:t>9/11/2020</a:t>
             </a:fld>
             <a:endParaRPr lang="en-US"/>
           </a:p>
@@ -10874,6 +10875,36 @@
     <p:extLst>
       <p:ext uri="{BB962C8B-B14F-4D97-AF65-F5344CB8AC3E}">
         <p14:creationId xmlns:p14="http://schemas.microsoft.com/office/powerpoint/2010/main" val="2785974703"/>
+      </p:ext>
+    </p:extLst>
+  </p:cSld>
+  <p:clrMapOvr>
+    <a:masterClrMapping/>
+  </p:clrMapOvr>
+</p:sld>
+</file>
+
+<file path=ppt/slides/slide15.xml><?xml version="1.0" encoding="utf-8"?>
+<p:sld xmlns:a="http://schemas.openxmlformats.org/drawingml/2006/main" xmlns:r="http://schemas.openxmlformats.org/officeDocument/2006/relationships" xmlns:p="http://schemas.openxmlformats.org/presentationml/2006/main">
+  <p:cSld>
+    <p:spTree>
+      <p:nvGrpSpPr>
+        <p:cNvPr id="1" name=""/>
+        <p:cNvGrpSpPr/>
+        <p:nvPr/>
+      </p:nvGrpSpPr>
+      <p:grpSpPr>
+        <a:xfrm>
+          <a:off x="0" y="0"/>
+          <a:ext cx="0" cy="0"/>
+          <a:chOff x="0" y="0"/>
+          <a:chExt cx="0" cy="0"/>
+        </a:xfrm>
+      </p:grpSpPr>
+    </p:spTree>
+    <p:extLst>
+      <p:ext uri="{BB962C8B-B14F-4D97-AF65-F5344CB8AC3E}">
+        <p14:creationId xmlns:p14="http://schemas.microsoft.com/office/powerpoint/2010/main" val="1338552838"/>
       </p:ext>
     </p:extLst>
   </p:cSld>

--- a/assets/Sprint Cadence Diagrams.pptx
+++ b/assets/Sprint Cadence Diagrams.pptx
@@ -3456,7 +3456,7 @@
         </p:nvSpPr>
         <p:spPr>
           <a:xfrm>
-            <a:off x="5967567" y="2651752"/>
+            <a:off x="5938138" y="3215154"/>
             <a:ext cx="779739" cy="369332"/>
           </a:xfrm>
           <a:prstGeom prst="rect">
@@ -3528,7 +3528,7 @@
         </p:nvSpPr>
         <p:spPr>
           <a:xfrm>
-            <a:off x="7062589" y="1652233"/>
+            <a:off x="7038769" y="1589035"/>
             <a:ext cx="779739" cy="276999"/>
           </a:xfrm>
           <a:prstGeom prst="rect">
@@ -3590,10 +3590,7 @@
           <a:lstStyle/>
           <a:p>
             <a:pPr algn="ctr"/>
-            <a:r>
-              <a:rPr lang="en-US" sz="1000" dirty="0"/>
-              <a:t>Product Backlog</a:t>
-            </a:r>
+            <a:endParaRPr lang="en-US" sz="1000" dirty="0"/>
           </a:p>
         </p:txBody>
       </p:sp>
@@ -3637,10 +3634,7 @@
           <a:lstStyle/>
           <a:p>
             <a:pPr algn="ctr"/>
-            <a:r>
-              <a:rPr lang="en-US" sz="1000" dirty="0"/>
-              <a:t>Sprint Planning</a:t>
-            </a:r>
+            <a:endParaRPr lang="en-US" sz="1000" dirty="0"/>
           </a:p>
         </p:txBody>
       </p:sp>
@@ -3684,10 +3678,7 @@
           <a:lstStyle/>
           <a:p>
             <a:pPr algn="ctr"/>
-            <a:r>
-              <a:rPr lang="en-US" sz="1000" dirty="0"/>
-              <a:t>Sprint Backlog</a:t>
-            </a:r>
+            <a:endParaRPr lang="en-US" sz="1000" dirty="0"/>
           </a:p>
         </p:txBody>
       </p:sp>
@@ -3731,10 +3722,7 @@
           <a:lstStyle/>
           <a:p>
             <a:pPr algn="ctr"/>
-            <a:r>
-              <a:rPr lang="en-US" sz="1000" dirty="0"/>
-              <a:t>Sprint Review</a:t>
-            </a:r>
+            <a:endParaRPr lang="en-US" sz="1000" dirty="0"/>
           </a:p>
         </p:txBody>
       </p:sp>
@@ -3778,14 +3766,6 @@
           <a:lstStyle/>
           <a:p>
             <a:pPr algn="ctr"/>
-            <a:r>
-              <a:rPr lang="en-US" sz="1000" dirty="0"/>
-              <a:t>Sprint Retro-</a:t>
-            </a:r>
-            <a:r>
-              <a:rPr lang="en-US" sz="1000" dirty="0" err="1"/>
-              <a:t>spective</a:t>
-            </a:r>
             <a:endParaRPr lang="en-US" sz="1000" dirty="0"/>
           </a:p>
         </p:txBody>
@@ -3830,10 +3810,7 @@
           <a:lstStyle/>
           <a:p>
             <a:pPr algn="ctr"/>
-            <a:r>
-              <a:rPr lang="en-US" sz="1000" dirty="0"/>
-              <a:t>Releasable Increment</a:t>
-            </a:r>
+            <a:endParaRPr lang="en-US" sz="1000" dirty="0"/>
           </a:p>
         </p:txBody>
       </p:sp>
@@ -4133,7 +4110,7 @@
         </p:nvSpPr>
         <p:spPr>
           <a:xfrm>
-            <a:off x="1371542" y="4650797"/>
+            <a:off x="1390203" y="4584722"/>
             <a:ext cx="10095780" cy="293563"/>
           </a:xfrm>
           <a:prstGeom prst="homePlate">
@@ -4165,6 +4142,8135 @@
               <a:rPr lang="en-US" dirty="0"/>
               <a:t>Backlog Refinement</a:t>
             </a:r>
+          </a:p>
+        </p:txBody>
+      </p:sp>
+      <p:grpSp>
+        <p:nvGrpSpPr>
+          <p:cNvPr id="20" name="Group 128">
+            <a:extLst>
+              <a:ext uri="{FF2B5EF4-FFF2-40B4-BE49-F238E27FC236}">
+                <a16:creationId xmlns:a16="http://schemas.microsoft.com/office/drawing/2014/main" id="{529124FC-1210-4187-9863-D7A3555166C4}"/>
+              </a:ext>
+            </a:extLst>
+          </p:cNvPr>
+          <p:cNvGrpSpPr>
+            <a:grpSpLocks noChangeAspect="1"/>
+          </p:cNvGrpSpPr>
+          <p:nvPr/>
+        </p:nvGrpSpPr>
+        <p:grpSpPr bwMode="auto">
+          <a:xfrm>
+            <a:off x="1550260" y="3606522"/>
+            <a:ext cx="564262" cy="564262"/>
+            <a:chOff x="6546" y="1729"/>
+            <a:chExt cx="408" cy="408"/>
+          </a:xfrm>
+          <a:solidFill>
+            <a:schemeClr val="tx2"/>
+          </a:solidFill>
+        </p:grpSpPr>
+        <p:sp>
+          <p:nvSpPr>
+            <p:cNvPr id="22" name="Freeform 129">
+              <a:extLst>
+                <a:ext uri="{FF2B5EF4-FFF2-40B4-BE49-F238E27FC236}">
+                  <a16:creationId xmlns:a16="http://schemas.microsoft.com/office/drawing/2014/main" id="{857269C7-1CBC-4CAA-9F74-6C09B02ABBD4}"/>
+                </a:ext>
+              </a:extLst>
+            </p:cNvPr>
+            <p:cNvSpPr>
+              <a:spLocks noEditPoints="1"/>
+            </p:cNvSpPr>
+            <p:nvPr/>
+          </p:nvSpPr>
+          <p:spPr bwMode="auto">
+            <a:xfrm>
+              <a:off x="6688" y="1729"/>
+              <a:ext cx="124" cy="124"/>
+            </a:xfrm>
+            <a:custGeom>
+              <a:avLst/>
+              <a:gdLst>
+                <a:gd name="T0" fmla="*/ 78 w 84"/>
+                <a:gd name="T1" fmla="*/ 84 h 84"/>
+                <a:gd name="T2" fmla="*/ 6 w 84"/>
+                <a:gd name="T3" fmla="*/ 84 h 84"/>
+                <a:gd name="T4" fmla="*/ 0 w 84"/>
+                <a:gd name="T5" fmla="*/ 78 h 84"/>
+                <a:gd name="T6" fmla="*/ 0 w 84"/>
+                <a:gd name="T7" fmla="*/ 6 h 84"/>
+                <a:gd name="T8" fmla="*/ 6 w 84"/>
+                <a:gd name="T9" fmla="*/ 0 h 84"/>
+                <a:gd name="T10" fmla="*/ 78 w 84"/>
+                <a:gd name="T11" fmla="*/ 0 h 84"/>
+                <a:gd name="T12" fmla="*/ 84 w 84"/>
+                <a:gd name="T13" fmla="*/ 6 h 84"/>
+                <a:gd name="T14" fmla="*/ 84 w 84"/>
+                <a:gd name="T15" fmla="*/ 78 h 84"/>
+                <a:gd name="T16" fmla="*/ 78 w 84"/>
+                <a:gd name="T17" fmla="*/ 84 h 84"/>
+                <a:gd name="T18" fmla="*/ 12 w 84"/>
+                <a:gd name="T19" fmla="*/ 72 h 84"/>
+                <a:gd name="T20" fmla="*/ 72 w 84"/>
+                <a:gd name="T21" fmla="*/ 72 h 84"/>
+                <a:gd name="T22" fmla="*/ 72 w 84"/>
+                <a:gd name="T23" fmla="*/ 12 h 84"/>
+                <a:gd name="T24" fmla="*/ 12 w 84"/>
+                <a:gd name="T25" fmla="*/ 12 h 84"/>
+                <a:gd name="T26" fmla="*/ 12 w 84"/>
+                <a:gd name="T27" fmla="*/ 72 h 84"/>
+              </a:gdLst>
+              <a:ahLst/>
+              <a:cxnLst>
+                <a:cxn ang="0">
+                  <a:pos x="T0" y="T1"/>
+                </a:cxn>
+                <a:cxn ang="0">
+                  <a:pos x="T2" y="T3"/>
+                </a:cxn>
+                <a:cxn ang="0">
+                  <a:pos x="T4" y="T5"/>
+                </a:cxn>
+                <a:cxn ang="0">
+                  <a:pos x="T6" y="T7"/>
+                </a:cxn>
+                <a:cxn ang="0">
+                  <a:pos x="T8" y="T9"/>
+                </a:cxn>
+                <a:cxn ang="0">
+                  <a:pos x="T10" y="T11"/>
+                </a:cxn>
+                <a:cxn ang="0">
+                  <a:pos x="T12" y="T13"/>
+                </a:cxn>
+                <a:cxn ang="0">
+                  <a:pos x="T14" y="T15"/>
+                </a:cxn>
+                <a:cxn ang="0">
+                  <a:pos x="T16" y="T17"/>
+                </a:cxn>
+                <a:cxn ang="0">
+                  <a:pos x="T18" y="T19"/>
+                </a:cxn>
+                <a:cxn ang="0">
+                  <a:pos x="T20" y="T21"/>
+                </a:cxn>
+                <a:cxn ang="0">
+                  <a:pos x="T22" y="T23"/>
+                </a:cxn>
+                <a:cxn ang="0">
+                  <a:pos x="T24" y="T25"/>
+                </a:cxn>
+                <a:cxn ang="0">
+                  <a:pos x="T26" y="T27"/>
+                </a:cxn>
+              </a:cxnLst>
+              <a:rect l="0" t="0" r="r" b="b"/>
+              <a:pathLst>
+                <a:path w="84" h="84">
+                  <a:moveTo>
+                    <a:pt x="78" y="84"/>
+                  </a:moveTo>
+                  <a:cubicBezTo>
+                    <a:pt x="6" y="84"/>
+                    <a:pt x="6" y="84"/>
+                    <a:pt x="6" y="84"/>
+                  </a:cubicBezTo>
+                  <a:cubicBezTo>
+                    <a:pt x="3" y="84"/>
+                    <a:pt x="0" y="82"/>
+                    <a:pt x="0" y="78"/>
+                  </a:cubicBezTo>
+                  <a:cubicBezTo>
+                    <a:pt x="0" y="6"/>
+                    <a:pt x="0" y="6"/>
+                    <a:pt x="0" y="6"/>
+                  </a:cubicBezTo>
+                  <a:cubicBezTo>
+                    <a:pt x="0" y="3"/>
+                    <a:pt x="3" y="0"/>
+                    <a:pt x="6" y="0"/>
+                  </a:cubicBezTo>
+                  <a:cubicBezTo>
+                    <a:pt x="78" y="0"/>
+                    <a:pt x="78" y="0"/>
+                    <a:pt x="78" y="0"/>
+                  </a:cubicBezTo>
+                  <a:cubicBezTo>
+                    <a:pt x="82" y="0"/>
+                    <a:pt x="84" y="3"/>
+                    <a:pt x="84" y="6"/>
+                  </a:cubicBezTo>
+                  <a:cubicBezTo>
+                    <a:pt x="84" y="78"/>
+                    <a:pt x="84" y="78"/>
+                    <a:pt x="84" y="78"/>
+                  </a:cubicBezTo>
+                  <a:cubicBezTo>
+                    <a:pt x="84" y="82"/>
+                    <a:pt x="82" y="84"/>
+                    <a:pt x="78" y="84"/>
+                  </a:cubicBezTo>
+                  <a:close/>
+                  <a:moveTo>
+                    <a:pt x="12" y="72"/>
+                  </a:moveTo>
+                  <a:cubicBezTo>
+                    <a:pt x="72" y="72"/>
+                    <a:pt x="72" y="72"/>
+                    <a:pt x="72" y="72"/>
+                  </a:cubicBezTo>
+                  <a:cubicBezTo>
+                    <a:pt x="72" y="12"/>
+                    <a:pt x="72" y="12"/>
+                    <a:pt x="72" y="12"/>
+                  </a:cubicBezTo>
+                  <a:cubicBezTo>
+                    <a:pt x="12" y="12"/>
+                    <a:pt x="12" y="12"/>
+                    <a:pt x="12" y="12"/>
+                  </a:cubicBezTo>
+                  <a:lnTo>
+                    <a:pt x="12" y="72"/>
+                  </a:lnTo>
+                  <a:close/>
+                </a:path>
+              </a:pathLst>
+            </a:custGeom>
+            <a:grpFill/>
+            <a:ln>
+              <a:noFill/>
+            </a:ln>
+            <a:extLst>
+              <a:ext uri="{91240B29-F687-4F45-9708-019B960494DF}">
+                <a14:hiddenLine xmlns:a14="http://schemas.microsoft.com/office/drawing/2010/main" w="9525">
+                  <a:solidFill>
+                    <a:srgbClr val="000000"/>
+                  </a:solidFill>
+                  <a:round/>
+                  <a:headEnd/>
+                  <a:tailEnd/>
+                </a14:hiddenLine>
+              </a:ext>
+            </a:extLst>
+          </p:spPr>
+          <p:txBody>
+            <a:bodyPr vert="horz" wrap="square" lIns="91440" tIns="45720" rIns="91440" bIns="45720" numCol="1" anchor="t" anchorCtr="0" compatLnSpc="1">
+              <a:prstTxWarp prst="textNoShape">
+                <a:avLst/>
+              </a:prstTxWarp>
+            </a:bodyPr>
+            <a:lstStyle/>
+            <a:p>
+              <a:endParaRPr lang="en-AU">
+                <a:latin typeface="+mn-lt"/>
+              </a:endParaRPr>
+            </a:p>
+          </p:txBody>
+        </p:sp>
+        <p:sp>
+          <p:nvSpPr>
+            <p:cNvPr id="24" name="Freeform 130">
+              <a:extLst>
+                <a:ext uri="{FF2B5EF4-FFF2-40B4-BE49-F238E27FC236}">
+                  <a16:creationId xmlns:a16="http://schemas.microsoft.com/office/drawing/2014/main" id="{5CC07444-6735-4E5E-9251-D87460A93276}"/>
+                </a:ext>
+              </a:extLst>
+            </p:cNvPr>
+            <p:cNvSpPr>
+              <a:spLocks noEditPoints="1"/>
+            </p:cNvSpPr>
+            <p:nvPr/>
+          </p:nvSpPr>
+          <p:spPr bwMode="auto">
+            <a:xfrm>
+              <a:off x="6546" y="1729"/>
+              <a:ext cx="124" cy="124"/>
+            </a:xfrm>
+            <a:custGeom>
+              <a:avLst/>
+              <a:gdLst>
+                <a:gd name="T0" fmla="*/ 78 w 84"/>
+                <a:gd name="T1" fmla="*/ 84 h 84"/>
+                <a:gd name="T2" fmla="*/ 6 w 84"/>
+                <a:gd name="T3" fmla="*/ 84 h 84"/>
+                <a:gd name="T4" fmla="*/ 0 w 84"/>
+                <a:gd name="T5" fmla="*/ 78 h 84"/>
+                <a:gd name="T6" fmla="*/ 0 w 84"/>
+                <a:gd name="T7" fmla="*/ 6 h 84"/>
+                <a:gd name="T8" fmla="*/ 6 w 84"/>
+                <a:gd name="T9" fmla="*/ 0 h 84"/>
+                <a:gd name="T10" fmla="*/ 78 w 84"/>
+                <a:gd name="T11" fmla="*/ 0 h 84"/>
+                <a:gd name="T12" fmla="*/ 84 w 84"/>
+                <a:gd name="T13" fmla="*/ 6 h 84"/>
+                <a:gd name="T14" fmla="*/ 84 w 84"/>
+                <a:gd name="T15" fmla="*/ 78 h 84"/>
+                <a:gd name="T16" fmla="*/ 78 w 84"/>
+                <a:gd name="T17" fmla="*/ 84 h 84"/>
+                <a:gd name="T18" fmla="*/ 12 w 84"/>
+                <a:gd name="T19" fmla="*/ 72 h 84"/>
+                <a:gd name="T20" fmla="*/ 72 w 84"/>
+                <a:gd name="T21" fmla="*/ 72 h 84"/>
+                <a:gd name="T22" fmla="*/ 72 w 84"/>
+                <a:gd name="T23" fmla="*/ 12 h 84"/>
+                <a:gd name="T24" fmla="*/ 12 w 84"/>
+                <a:gd name="T25" fmla="*/ 12 h 84"/>
+                <a:gd name="T26" fmla="*/ 12 w 84"/>
+                <a:gd name="T27" fmla="*/ 72 h 84"/>
+              </a:gdLst>
+              <a:ahLst/>
+              <a:cxnLst>
+                <a:cxn ang="0">
+                  <a:pos x="T0" y="T1"/>
+                </a:cxn>
+                <a:cxn ang="0">
+                  <a:pos x="T2" y="T3"/>
+                </a:cxn>
+                <a:cxn ang="0">
+                  <a:pos x="T4" y="T5"/>
+                </a:cxn>
+                <a:cxn ang="0">
+                  <a:pos x="T6" y="T7"/>
+                </a:cxn>
+                <a:cxn ang="0">
+                  <a:pos x="T8" y="T9"/>
+                </a:cxn>
+                <a:cxn ang="0">
+                  <a:pos x="T10" y="T11"/>
+                </a:cxn>
+                <a:cxn ang="0">
+                  <a:pos x="T12" y="T13"/>
+                </a:cxn>
+                <a:cxn ang="0">
+                  <a:pos x="T14" y="T15"/>
+                </a:cxn>
+                <a:cxn ang="0">
+                  <a:pos x="T16" y="T17"/>
+                </a:cxn>
+                <a:cxn ang="0">
+                  <a:pos x="T18" y="T19"/>
+                </a:cxn>
+                <a:cxn ang="0">
+                  <a:pos x="T20" y="T21"/>
+                </a:cxn>
+                <a:cxn ang="0">
+                  <a:pos x="T22" y="T23"/>
+                </a:cxn>
+                <a:cxn ang="0">
+                  <a:pos x="T24" y="T25"/>
+                </a:cxn>
+                <a:cxn ang="0">
+                  <a:pos x="T26" y="T27"/>
+                </a:cxn>
+              </a:cxnLst>
+              <a:rect l="0" t="0" r="r" b="b"/>
+              <a:pathLst>
+                <a:path w="84" h="84">
+                  <a:moveTo>
+                    <a:pt x="78" y="84"/>
+                  </a:moveTo>
+                  <a:cubicBezTo>
+                    <a:pt x="6" y="84"/>
+                    <a:pt x="6" y="84"/>
+                    <a:pt x="6" y="84"/>
+                  </a:cubicBezTo>
+                  <a:cubicBezTo>
+                    <a:pt x="3" y="84"/>
+                    <a:pt x="0" y="82"/>
+                    <a:pt x="0" y="78"/>
+                  </a:cubicBezTo>
+                  <a:cubicBezTo>
+                    <a:pt x="0" y="6"/>
+                    <a:pt x="0" y="6"/>
+                    <a:pt x="0" y="6"/>
+                  </a:cubicBezTo>
+                  <a:cubicBezTo>
+                    <a:pt x="0" y="3"/>
+                    <a:pt x="3" y="0"/>
+                    <a:pt x="6" y="0"/>
+                  </a:cubicBezTo>
+                  <a:cubicBezTo>
+                    <a:pt x="78" y="0"/>
+                    <a:pt x="78" y="0"/>
+                    <a:pt x="78" y="0"/>
+                  </a:cubicBezTo>
+                  <a:cubicBezTo>
+                    <a:pt x="82" y="0"/>
+                    <a:pt x="84" y="3"/>
+                    <a:pt x="84" y="6"/>
+                  </a:cubicBezTo>
+                  <a:cubicBezTo>
+                    <a:pt x="84" y="78"/>
+                    <a:pt x="84" y="78"/>
+                    <a:pt x="84" y="78"/>
+                  </a:cubicBezTo>
+                  <a:cubicBezTo>
+                    <a:pt x="84" y="82"/>
+                    <a:pt x="82" y="84"/>
+                    <a:pt x="78" y="84"/>
+                  </a:cubicBezTo>
+                  <a:close/>
+                  <a:moveTo>
+                    <a:pt x="12" y="72"/>
+                  </a:moveTo>
+                  <a:cubicBezTo>
+                    <a:pt x="72" y="72"/>
+                    <a:pt x="72" y="72"/>
+                    <a:pt x="72" y="72"/>
+                  </a:cubicBezTo>
+                  <a:cubicBezTo>
+                    <a:pt x="72" y="12"/>
+                    <a:pt x="72" y="12"/>
+                    <a:pt x="72" y="12"/>
+                  </a:cubicBezTo>
+                  <a:cubicBezTo>
+                    <a:pt x="12" y="12"/>
+                    <a:pt x="12" y="12"/>
+                    <a:pt x="12" y="12"/>
+                  </a:cubicBezTo>
+                  <a:lnTo>
+                    <a:pt x="12" y="72"/>
+                  </a:lnTo>
+                  <a:close/>
+                </a:path>
+              </a:pathLst>
+            </a:custGeom>
+            <a:grpFill/>
+            <a:ln>
+              <a:noFill/>
+            </a:ln>
+            <a:extLst>
+              <a:ext uri="{91240B29-F687-4F45-9708-019B960494DF}">
+                <a14:hiddenLine xmlns:a14="http://schemas.microsoft.com/office/drawing/2010/main" w="9525">
+                  <a:solidFill>
+                    <a:srgbClr val="000000"/>
+                  </a:solidFill>
+                  <a:round/>
+                  <a:headEnd/>
+                  <a:tailEnd/>
+                </a14:hiddenLine>
+              </a:ext>
+            </a:extLst>
+          </p:spPr>
+          <p:txBody>
+            <a:bodyPr vert="horz" wrap="square" lIns="91440" tIns="45720" rIns="91440" bIns="45720" numCol="1" anchor="t" anchorCtr="0" compatLnSpc="1">
+              <a:prstTxWarp prst="textNoShape">
+                <a:avLst/>
+              </a:prstTxWarp>
+            </a:bodyPr>
+            <a:lstStyle/>
+            <a:p>
+              <a:endParaRPr lang="en-AU">
+                <a:latin typeface="+mn-lt"/>
+              </a:endParaRPr>
+            </a:p>
+          </p:txBody>
+        </p:sp>
+        <p:sp>
+          <p:nvSpPr>
+            <p:cNvPr id="26" name="Freeform 131">
+              <a:extLst>
+                <a:ext uri="{FF2B5EF4-FFF2-40B4-BE49-F238E27FC236}">
+                  <a16:creationId xmlns:a16="http://schemas.microsoft.com/office/drawing/2014/main" id="{794D9C48-FAC5-4825-9D30-3970DBE43DCD}"/>
+                </a:ext>
+              </a:extLst>
+            </p:cNvPr>
+            <p:cNvSpPr>
+              <a:spLocks noEditPoints="1"/>
+            </p:cNvSpPr>
+            <p:nvPr/>
+          </p:nvSpPr>
+          <p:spPr bwMode="auto">
+            <a:xfrm>
+              <a:off x="6830" y="1729"/>
+              <a:ext cx="124" cy="124"/>
+            </a:xfrm>
+            <a:custGeom>
+              <a:avLst/>
+              <a:gdLst>
+                <a:gd name="T0" fmla="*/ 78 w 84"/>
+                <a:gd name="T1" fmla="*/ 84 h 84"/>
+                <a:gd name="T2" fmla="*/ 6 w 84"/>
+                <a:gd name="T3" fmla="*/ 84 h 84"/>
+                <a:gd name="T4" fmla="*/ 0 w 84"/>
+                <a:gd name="T5" fmla="*/ 78 h 84"/>
+                <a:gd name="T6" fmla="*/ 0 w 84"/>
+                <a:gd name="T7" fmla="*/ 6 h 84"/>
+                <a:gd name="T8" fmla="*/ 6 w 84"/>
+                <a:gd name="T9" fmla="*/ 0 h 84"/>
+                <a:gd name="T10" fmla="*/ 78 w 84"/>
+                <a:gd name="T11" fmla="*/ 0 h 84"/>
+                <a:gd name="T12" fmla="*/ 84 w 84"/>
+                <a:gd name="T13" fmla="*/ 6 h 84"/>
+                <a:gd name="T14" fmla="*/ 84 w 84"/>
+                <a:gd name="T15" fmla="*/ 78 h 84"/>
+                <a:gd name="T16" fmla="*/ 78 w 84"/>
+                <a:gd name="T17" fmla="*/ 84 h 84"/>
+                <a:gd name="T18" fmla="*/ 12 w 84"/>
+                <a:gd name="T19" fmla="*/ 72 h 84"/>
+                <a:gd name="T20" fmla="*/ 72 w 84"/>
+                <a:gd name="T21" fmla="*/ 72 h 84"/>
+                <a:gd name="T22" fmla="*/ 72 w 84"/>
+                <a:gd name="T23" fmla="*/ 12 h 84"/>
+                <a:gd name="T24" fmla="*/ 12 w 84"/>
+                <a:gd name="T25" fmla="*/ 12 h 84"/>
+                <a:gd name="T26" fmla="*/ 12 w 84"/>
+                <a:gd name="T27" fmla="*/ 72 h 84"/>
+              </a:gdLst>
+              <a:ahLst/>
+              <a:cxnLst>
+                <a:cxn ang="0">
+                  <a:pos x="T0" y="T1"/>
+                </a:cxn>
+                <a:cxn ang="0">
+                  <a:pos x="T2" y="T3"/>
+                </a:cxn>
+                <a:cxn ang="0">
+                  <a:pos x="T4" y="T5"/>
+                </a:cxn>
+                <a:cxn ang="0">
+                  <a:pos x="T6" y="T7"/>
+                </a:cxn>
+                <a:cxn ang="0">
+                  <a:pos x="T8" y="T9"/>
+                </a:cxn>
+                <a:cxn ang="0">
+                  <a:pos x="T10" y="T11"/>
+                </a:cxn>
+                <a:cxn ang="0">
+                  <a:pos x="T12" y="T13"/>
+                </a:cxn>
+                <a:cxn ang="0">
+                  <a:pos x="T14" y="T15"/>
+                </a:cxn>
+                <a:cxn ang="0">
+                  <a:pos x="T16" y="T17"/>
+                </a:cxn>
+                <a:cxn ang="0">
+                  <a:pos x="T18" y="T19"/>
+                </a:cxn>
+                <a:cxn ang="0">
+                  <a:pos x="T20" y="T21"/>
+                </a:cxn>
+                <a:cxn ang="0">
+                  <a:pos x="T22" y="T23"/>
+                </a:cxn>
+                <a:cxn ang="0">
+                  <a:pos x="T24" y="T25"/>
+                </a:cxn>
+                <a:cxn ang="0">
+                  <a:pos x="T26" y="T27"/>
+                </a:cxn>
+              </a:cxnLst>
+              <a:rect l="0" t="0" r="r" b="b"/>
+              <a:pathLst>
+                <a:path w="84" h="84">
+                  <a:moveTo>
+                    <a:pt x="78" y="84"/>
+                  </a:moveTo>
+                  <a:cubicBezTo>
+                    <a:pt x="6" y="84"/>
+                    <a:pt x="6" y="84"/>
+                    <a:pt x="6" y="84"/>
+                  </a:cubicBezTo>
+                  <a:cubicBezTo>
+                    <a:pt x="3" y="84"/>
+                    <a:pt x="0" y="82"/>
+                    <a:pt x="0" y="78"/>
+                  </a:cubicBezTo>
+                  <a:cubicBezTo>
+                    <a:pt x="0" y="6"/>
+                    <a:pt x="0" y="6"/>
+                    <a:pt x="0" y="6"/>
+                  </a:cubicBezTo>
+                  <a:cubicBezTo>
+                    <a:pt x="0" y="3"/>
+                    <a:pt x="3" y="0"/>
+                    <a:pt x="6" y="0"/>
+                  </a:cubicBezTo>
+                  <a:cubicBezTo>
+                    <a:pt x="78" y="0"/>
+                    <a:pt x="78" y="0"/>
+                    <a:pt x="78" y="0"/>
+                  </a:cubicBezTo>
+                  <a:cubicBezTo>
+                    <a:pt x="82" y="0"/>
+                    <a:pt x="84" y="3"/>
+                    <a:pt x="84" y="6"/>
+                  </a:cubicBezTo>
+                  <a:cubicBezTo>
+                    <a:pt x="84" y="78"/>
+                    <a:pt x="84" y="78"/>
+                    <a:pt x="84" y="78"/>
+                  </a:cubicBezTo>
+                  <a:cubicBezTo>
+                    <a:pt x="84" y="82"/>
+                    <a:pt x="82" y="84"/>
+                    <a:pt x="78" y="84"/>
+                  </a:cubicBezTo>
+                  <a:close/>
+                  <a:moveTo>
+                    <a:pt x="12" y="72"/>
+                  </a:moveTo>
+                  <a:cubicBezTo>
+                    <a:pt x="72" y="72"/>
+                    <a:pt x="72" y="72"/>
+                    <a:pt x="72" y="72"/>
+                  </a:cubicBezTo>
+                  <a:cubicBezTo>
+                    <a:pt x="72" y="12"/>
+                    <a:pt x="72" y="12"/>
+                    <a:pt x="72" y="12"/>
+                  </a:cubicBezTo>
+                  <a:cubicBezTo>
+                    <a:pt x="12" y="12"/>
+                    <a:pt x="12" y="12"/>
+                    <a:pt x="12" y="12"/>
+                  </a:cubicBezTo>
+                  <a:lnTo>
+                    <a:pt x="12" y="72"/>
+                  </a:lnTo>
+                  <a:close/>
+                </a:path>
+              </a:pathLst>
+            </a:custGeom>
+            <a:grpFill/>
+            <a:ln>
+              <a:noFill/>
+            </a:ln>
+            <a:extLst>
+              <a:ext uri="{91240B29-F687-4F45-9708-019B960494DF}">
+                <a14:hiddenLine xmlns:a14="http://schemas.microsoft.com/office/drawing/2010/main" w="9525">
+                  <a:solidFill>
+                    <a:srgbClr val="000000"/>
+                  </a:solidFill>
+                  <a:round/>
+                  <a:headEnd/>
+                  <a:tailEnd/>
+                </a14:hiddenLine>
+              </a:ext>
+            </a:extLst>
+          </p:spPr>
+          <p:txBody>
+            <a:bodyPr vert="horz" wrap="square" lIns="91440" tIns="45720" rIns="91440" bIns="45720" numCol="1" anchor="t" anchorCtr="0" compatLnSpc="1">
+              <a:prstTxWarp prst="textNoShape">
+                <a:avLst/>
+              </a:prstTxWarp>
+            </a:bodyPr>
+            <a:lstStyle/>
+            <a:p>
+              <a:endParaRPr lang="en-AU">
+                <a:latin typeface="+mn-lt"/>
+              </a:endParaRPr>
+            </a:p>
+          </p:txBody>
+        </p:sp>
+        <p:sp>
+          <p:nvSpPr>
+            <p:cNvPr id="29" name="Freeform 132">
+              <a:extLst>
+                <a:ext uri="{FF2B5EF4-FFF2-40B4-BE49-F238E27FC236}">
+                  <a16:creationId xmlns:a16="http://schemas.microsoft.com/office/drawing/2014/main" id="{554A113A-BBAC-411A-9BAB-F1A8063BF3C9}"/>
+                </a:ext>
+              </a:extLst>
+            </p:cNvPr>
+            <p:cNvSpPr>
+              <a:spLocks noEditPoints="1"/>
+            </p:cNvSpPr>
+            <p:nvPr/>
+          </p:nvSpPr>
+          <p:spPr bwMode="auto">
+            <a:xfrm>
+              <a:off x="6688" y="1871"/>
+              <a:ext cx="124" cy="124"/>
+            </a:xfrm>
+            <a:custGeom>
+              <a:avLst/>
+              <a:gdLst>
+                <a:gd name="T0" fmla="*/ 78 w 84"/>
+                <a:gd name="T1" fmla="*/ 84 h 84"/>
+                <a:gd name="T2" fmla="*/ 6 w 84"/>
+                <a:gd name="T3" fmla="*/ 84 h 84"/>
+                <a:gd name="T4" fmla="*/ 0 w 84"/>
+                <a:gd name="T5" fmla="*/ 78 h 84"/>
+                <a:gd name="T6" fmla="*/ 0 w 84"/>
+                <a:gd name="T7" fmla="*/ 6 h 84"/>
+                <a:gd name="T8" fmla="*/ 6 w 84"/>
+                <a:gd name="T9" fmla="*/ 0 h 84"/>
+                <a:gd name="T10" fmla="*/ 78 w 84"/>
+                <a:gd name="T11" fmla="*/ 0 h 84"/>
+                <a:gd name="T12" fmla="*/ 84 w 84"/>
+                <a:gd name="T13" fmla="*/ 6 h 84"/>
+                <a:gd name="T14" fmla="*/ 84 w 84"/>
+                <a:gd name="T15" fmla="*/ 78 h 84"/>
+                <a:gd name="T16" fmla="*/ 78 w 84"/>
+                <a:gd name="T17" fmla="*/ 84 h 84"/>
+                <a:gd name="T18" fmla="*/ 12 w 84"/>
+                <a:gd name="T19" fmla="*/ 72 h 84"/>
+                <a:gd name="T20" fmla="*/ 72 w 84"/>
+                <a:gd name="T21" fmla="*/ 72 h 84"/>
+                <a:gd name="T22" fmla="*/ 72 w 84"/>
+                <a:gd name="T23" fmla="*/ 12 h 84"/>
+                <a:gd name="T24" fmla="*/ 12 w 84"/>
+                <a:gd name="T25" fmla="*/ 12 h 84"/>
+                <a:gd name="T26" fmla="*/ 12 w 84"/>
+                <a:gd name="T27" fmla="*/ 72 h 84"/>
+              </a:gdLst>
+              <a:ahLst/>
+              <a:cxnLst>
+                <a:cxn ang="0">
+                  <a:pos x="T0" y="T1"/>
+                </a:cxn>
+                <a:cxn ang="0">
+                  <a:pos x="T2" y="T3"/>
+                </a:cxn>
+                <a:cxn ang="0">
+                  <a:pos x="T4" y="T5"/>
+                </a:cxn>
+                <a:cxn ang="0">
+                  <a:pos x="T6" y="T7"/>
+                </a:cxn>
+                <a:cxn ang="0">
+                  <a:pos x="T8" y="T9"/>
+                </a:cxn>
+                <a:cxn ang="0">
+                  <a:pos x="T10" y="T11"/>
+                </a:cxn>
+                <a:cxn ang="0">
+                  <a:pos x="T12" y="T13"/>
+                </a:cxn>
+                <a:cxn ang="0">
+                  <a:pos x="T14" y="T15"/>
+                </a:cxn>
+                <a:cxn ang="0">
+                  <a:pos x="T16" y="T17"/>
+                </a:cxn>
+                <a:cxn ang="0">
+                  <a:pos x="T18" y="T19"/>
+                </a:cxn>
+                <a:cxn ang="0">
+                  <a:pos x="T20" y="T21"/>
+                </a:cxn>
+                <a:cxn ang="0">
+                  <a:pos x="T22" y="T23"/>
+                </a:cxn>
+                <a:cxn ang="0">
+                  <a:pos x="T24" y="T25"/>
+                </a:cxn>
+                <a:cxn ang="0">
+                  <a:pos x="T26" y="T27"/>
+                </a:cxn>
+              </a:cxnLst>
+              <a:rect l="0" t="0" r="r" b="b"/>
+              <a:pathLst>
+                <a:path w="84" h="84">
+                  <a:moveTo>
+                    <a:pt x="78" y="84"/>
+                  </a:moveTo>
+                  <a:cubicBezTo>
+                    <a:pt x="6" y="84"/>
+                    <a:pt x="6" y="84"/>
+                    <a:pt x="6" y="84"/>
+                  </a:cubicBezTo>
+                  <a:cubicBezTo>
+                    <a:pt x="3" y="84"/>
+                    <a:pt x="0" y="82"/>
+                    <a:pt x="0" y="78"/>
+                  </a:cubicBezTo>
+                  <a:cubicBezTo>
+                    <a:pt x="0" y="6"/>
+                    <a:pt x="0" y="6"/>
+                    <a:pt x="0" y="6"/>
+                  </a:cubicBezTo>
+                  <a:cubicBezTo>
+                    <a:pt x="0" y="3"/>
+                    <a:pt x="3" y="0"/>
+                    <a:pt x="6" y="0"/>
+                  </a:cubicBezTo>
+                  <a:cubicBezTo>
+                    <a:pt x="78" y="0"/>
+                    <a:pt x="78" y="0"/>
+                    <a:pt x="78" y="0"/>
+                  </a:cubicBezTo>
+                  <a:cubicBezTo>
+                    <a:pt x="82" y="0"/>
+                    <a:pt x="84" y="3"/>
+                    <a:pt x="84" y="6"/>
+                  </a:cubicBezTo>
+                  <a:cubicBezTo>
+                    <a:pt x="84" y="78"/>
+                    <a:pt x="84" y="78"/>
+                    <a:pt x="84" y="78"/>
+                  </a:cubicBezTo>
+                  <a:cubicBezTo>
+                    <a:pt x="84" y="82"/>
+                    <a:pt x="82" y="84"/>
+                    <a:pt x="78" y="84"/>
+                  </a:cubicBezTo>
+                  <a:close/>
+                  <a:moveTo>
+                    <a:pt x="12" y="72"/>
+                  </a:moveTo>
+                  <a:cubicBezTo>
+                    <a:pt x="72" y="72"/>
+                    <a:pt x="72" y="72"/>
+                    <a:pt x="72" y="72"/>
+                  </a:cubicBezTo>
+                  <a:cubicBezTo>
+                    <a:pt x="72" y="12"/>
+                    <a:pt x="72" y="12"/>
+                    <a:pt x="72" y="12"/>
+                  </a:cubicBezTo>
+                  <a:cubicBezTo>
+                    <a:pt x="12" y="12"/>
+                    <a:pt x="12" y="12"/>
+                    <a:pt x="12" y="12"/>
+                  </a:cubicBezTo>
+                  <a:lnTo>
+                    <a:pt x="12" y="72"/>
+                  </a:lnTo>
+                  <a:close/>
+                </a:path>
+              </a:pathLst>
+            </a:custGeom>
+            <a:grpFill/>
+            <a:ln>
+              <a:noFill/>
+            </a:ln>
+            <a:extLst>
+              <a:ext uri="{91240B29-F687-4F45-9708-019B960494DF}">
+                <a14:hiddenLine xmlns:a14="http://schemas.microsoft.com/office/drawing/2010/main" w="9525">
+                  <a:solidFill>
+                    <a:srgbClr val="000000"/>
+                  </a:solidFill>
+                  <a:round/>
+                  <a:headEnd/>
+                  <a:tailEnd/>
+                </a14:hiddenLine>
+              </a:ext>
+            </a:extLst>
+          </p:spPr>
+          <p:txBody>
+            <a:bodyPr vert="horz" wrap="square" lIns="91440" tIns="45720" rIns="91440" bIns="45720" numCol="1" anchor="t" anchorCtr="0" compatLnSpc="1">
+              <a:prstTxWarp prst="textNoShape">
+                <a:avLst/>
+              </a:prstTxWarp>
+            </a:bodyPr>
+            <a:lstStyle/>
+            <a:p>
+              <a:endParaRPr lang="en-AU">
+                <a:latin typeface="+mn-lt"/>
+              </a:endParaRPr>
+            </a:p>
+          </p:txBody>
+        </p:sp>
+        <p:sp>
+          <p:nvSpPr>
+            <p:cNvPr id="31" name="Freeform 133">
+              <a:extLst>
+                <a:ext uri="{FF2B5EF4-FFF2-40B4-BE49-F238E27FC236}">
+                  <a16:creationId xmlns:a16="http://schemas.microsoft.com/office/drawing/2014/main" id="{8E9B987A-63ED-44F6-A7CF-874B3FAAA937}"/>
+                </a:ext>
+              </a:extLst>
+            </p:cNvPr>
+            <p:cNvSpPr>
+              <a:spLocks noEditPoints="1"/>
+            </p:cNvSpPr>
+            <p:nvPr/>
+          </p:nvSpPr>
+          <p:spPr bwMode="auto">
+            <a:xfrm>
+              <a:off x="6546" y="1871"/>
+              <a:ext cx="124" cy="124"/>
+            </a:xfrm>
+            <a:custGeom>
+              <a:avLst/>
+              <a:gdLst>
+                <a:gd name="T0" fmla="*/ 78 w 84"/>
+                <a:gd name="T1" fmla="*/ 84 h 84"/>
+                <a:gd name="T2" fmla="*/ 6 w 84"/>
+                <a:gd name="T3" fmla="*/ 84 h 84"/>
+                <a:gd name="T4" fmla="*/ 0 w 84"/>
+                <a:gd name="T5" fmla="*/ 78 h 84"/>
+                <a:gd name="T6" fmla="*/ 0 w 84"/>
+                <a:gd name="T7" fmla="*/ 6 h 84"/>
+                <a:gd name="T8" fmla="*/ 6 w 84"/>
+                <a:gd name="T9" fmla="*/ 0 h 84"/>
+                <a:gd name="T10" fmla="*/ 78 w 84"/>
+                <a:gd name="T11" fmla="*/ 0 h 84"/>
+                <a:gd name="T12" fmla="*/ 84 w 84"/>
+                <a:gd name="T13" fmla="*/ 6 h 84"/>
+                <a:gd name="T14" fmla="*/ 84 w 84"/>
+                <a:gd name="T15" fmla="*/ 78 h 84"/>
+                <a:gd name="T16" fmla="*/ 78 w 84"/>
+                <a:gd name="T17" fmla="*/ 84 h 84"/>
+                <a:gd name="T18" fmla="*/ 12 w 84"/>
+                <a:gd name="T19" fmla="*/ 72 h 84"/>
+                <a:gd name="T20" fmla="*/ 72 w 84"/>
+                <a:gd name="T21" fmla="*/ 72 h 84"/>
+                <a:gd name="T22" fmla="*/ 72 w 84"/>
+                <a:gd name="T23" fmla="*/ 12 h 84"/>
+                <a:gd name="T24" fmla="*/ 12 w 84"/>
+                <a:gd name="T25" fmla="*/ 12 h 84"/>
+                <a:gd name="T26" fmla="*/ 12 w 84"/>
+                <a:gd name="T27" fmla="*/ 72 h 84"/>
+              </a:gdLst>
+              <a:ahLst/>
+              <a:cxnLst>
+                <a:cxn ang="0">
+                  <a:pos x="T0" y="T1"/>
+                </a:cxn>
+                <a:cxn ang="0">
+                  <a:pos x="T2" y="T3"/>
+                </a:cxn>
+                <a:cxn ang="0">
+                  <a:pos x="T4" y="T5"/>
+                </a:cxn>
+                <a:cxn ang="0">
+                  <a:pos x="T6" y="T7"/>
+                </a:cxn>
+                <a:cxn ang="0">
+                  <a:pos x="T8" y="T9"/>
+                </a:cxn>
+                <a:cxn ang="0">
+                  <a:pos x="T10" y="T11"/>
+                </a:cxn>
+                <a:cxn ang="0">
+                  <a:pos x="T12" y="T13"/>
+                </a:cxn>
+                <a:cxn ang="0">
+                  <a:pos x="T14" y="T15"/>
+                </a:cxn>
+                <a:cxn ang="0">
+                  <a:pos x="T16" y="T17"/>
+                </a:cxn>
+                <a:cxn ang="0">
+                  <a:pos x="T18" y="T19"/>
+                </a:cxn>
+                <a:cxn ang="0">
+                  <a:pos x="T20" y="T21"/>
+                </a:cxn>
+                <a:cxn ang="0">
+                  <a:pos x="T22" y="T23"/>
+                </a:cxn>
+                <a:cxn ang="0">
+                  <a:pos x="T24" y="T25"/>
+                </a:cxn>
+                <a:cxn ang="0">
+                  <a:pos x="T26" y="T27"/>
+                </a:cxn>
+              </a:cxnLst>
+              <a:rect l="0" t="0" r="r" b="b"/>
+              <a:pathLst>
+                <a:path w="84" h="84">
+                  <a:moveTo>
+                    <a:pt x="78" y="84"/>
+                  </a:moveTo>
+                  <a:cubicBezTo>
+                    <a:pt x="6" y="84"/>
+                    <a:pt x="6" y="84"/>
+                    <a:pt x="6" y="84"/>
+                  </a:cubicBezTo>
+                  <a:cubicBezTo>
+                    <a:pt x="3" y="84"/>
+                    <a:pt x="0" y="82"/>
+                    <a:pt x="0" y="78"/>
+                  </a:cubicBezTo>
+                  <a:cubicBezTo>
+                    <a:pt x="0" y="6"/>
+                    <a:pt x="0" y="6"/>
+                    <a:pt x="0" y="6"/>
+                  </a:cubicBezTo>
+                  <a:cubicBezTo>
+                    <a:pt x="0" y="3"/>
+                    <a:pt x="3" y="0"/>
+                    <a:pt x="6" y="0"/>
+                  </a:cubicBezTo>
+                  <a:cubicBezTo>
+                    <a:pt x="78" y="0"/>
+                    <a:pt x="78" y="0"/>
+                    <a:pt x="78" y="0"/>
+                  </a:cubicBezTo>
+                  <a:cubicBezTo>
+                    <a:pt x="82" y="0"/>
+                    <a:pt x="84" y="3"/>
+                    <a:pt x="84" y="6"/>
+                  </a:cubicBezTo>
+                  <a:cubicBezTo>
+                    <a:pt x="84" y="78"/>
+                    <a:pt x="84" y="78"/>
+                    <a:pt x="84" y="78"/>
+                  </a:cubicBezTo>
+                  <a:cubicBezTo>
+                    <a:pt x="84" y="82"/>
+                    <a:pt x="82" y="84"/>
+                    <a:pt x="78" y="84"/>
+                  </a:cubicBezTo>
+                  <a:close/>
+                  <a:moveTo>
+                    <a:pt x="12" y="72"/>
+                  </a:moveTo>
+                  <a:cubicBezTo>
+                    <a:pt x="72" y="72"/>
+                    <a:pt x="72" y="72"/>
+                    <a:pt x="72" y="72"/>
+                  </a:cubicBezTo>
+                  <a:cubicBezTo>
+                    <a:pt x="72" y="12"/>
+                    <a:pt x="72" y="12"/>
+                    <a:pt x="72" y="12"/>
+                  </a:cubicBezTo>
+                  <a:cubicBezTo>
+                    <a:pt x="12" y="12"/>
+                    <a:pt x="12" y="12"/>
+                    <a:pt x="12" y="12"/>
+                  </a:cubicBezTo>
+                  <a:lnTo>
+                    <a:pt x="12" y="72"/>
+                  </a:lnTo>
+                  <a:close/>
+                </a:path>
+              </a:pathLst>
+            </a:custGeom>
+            <a:grpFill/>
+            <a:ln>
+              <a:noFill/>
+            </a:ln>
+            <a:extLst>
+              <a:ext uri="{91240B29-F687-4F45-9708-019B960494DF}">
+                <a14:hiddenLine xmlns:a14="http://schemas.microsoft.com/office/drawing/2010/main" w="9525">
+                  <a:solidFill>
+                    <a:srgbClr val="000000"/>
+                  </a:solidFill>
+                  <a:round/>
+                  <a:headEnd/>
+                  <a:tailEnd/>
+                </a14:hiddenLine>
+              </a:ext>
+            </a:extLst>
+          </p:spPr>
+          <p:txBody>
+            <a:bodyPr vert="horz" wrap="square" lIns="91440" tIns="45720" rIns="91440" bIns="45720" numCol="1" anchor="t" anchorCtr="0" compatLnSpc="1">
+              <a:prstTxWarp prst="textNoShape">
+                <a:avLst/>
+              </a:prstTxWarp>
+            </a:bodyPr>
+            <a:lstStyle/>
+            <a:p>
+              <a:endParaRPr lang="en-AU">
+                <a:latin typeface="+mn-lt"/>
+              </a:endParaRPr>
+            </a:p>
+          </p:txBody>
+        </p:sp>
+        <p:sp>
+          <p:nvSpPr>
+            <p:cNvPr id="33" name="Freeform 134">
+              <a:extLst>
+                <a:ext uri="{FF2B5EF4-FFF2-40B4-BE49-F238E27FC236}">
+                  <a16:creationId xmlns:a16="http://schemas.microsoft.com/office/drawing/2014/main" id="{E13B5A0A-5283-4087-A958-38CCE805CE09}"/>
+                </a:ext>
+              </a:extLst>
+            </p:cNvPr>
+            <p:cNvSpPr>
+              <a:spLocks noEditPoints="1"/>
+            </p:cNvSpPr>
+            <p:nvPr/>
+          </p:nvSpPr>
+          <p:spPr bwMode="auto">
+            <a:xfrm>
+              <a:off x="6830" y="1871"/>
+              <a:ext cx="124" cy="124"/>
+            </a:xfrm>
+            <a:custGeom>
+              <a:avLst/>
+              <a:gdLst>
+                <a:gd name="T0" fmla="*/ 78 w 84"/>
+                <a:gd name="T1" fmla="*/ 84 h 84"/>
+                <a:gd name="T2" fmla="*/ 6 w 84"/>
+                <a:gd name="T3" fmla="*/ 84 h 84"/>
+                <a:gd name="T4" fmla="*/ 0 w 84"/>
+                <a:gd name="T5" fmla="*/ 78 h 84"/>
+                <a:gd name="T6" fmla="*/ 0 w 84"/>
+                <a:gd name="T7" fmla="*/ 6 h 84"/>
+                <a:gd name="T8" fmla="*/ 6 w 84"/>
+                <a:gd name="T9" fmla="*/ 0 h 84"/>
+                <a:gd name="T10" fmla="*/ 78 w 84"/>
+                <a:gd name="T11" fmla="*/ 0 h 84"/>
+                <a:gd name="T12" fmla="*/ 84 w 84"/>
+                <a:gd name="T13" fmla="*/ 6 h 84"/>
+                <a:gd name="T14" fmla="*/ 84 w 84"/>
+                <a:gd name="T15" fmla="*/ 78 h 84"/>
+                <a:gd name="T16" fmla="*/ 78 w 84"/>
+                <a:gd name="T17" fmla="*/ 84 h 84"/>
+                <a:gd name="T18" fmla="*/ 12 w 84"/>
+                <a:gd name="T19" fmla="*/ 72 h 84"/>
+                <a:gd name="T20" fmla="*/ 72 w 84"/>
+                <a:gd name="T21" fmla="*/ 72 h 84"/>
+                <a:gd name="T22" fmla="*/ 72 w 84"/>
+                <a:gd name="T23" fmla="*/ 12 h 84"/>
+                <a:gd name="T24" fmla="*/ 12 w 84"/>
+                <a:gd name="T25" fmla="*/ 12 h 84"/>
+                <a:gd name="T26" fmla="*/ 12 w 84"/>
+                <a:gd name="T27" fmla="*/ 72 h 84"/>
+              </a:gdLst>
+              <a:ahLst/>
+              <a:cxnLst>
+                <a:cxn ang="0">
+                  <a:pos x="T0" y="T1"/>
+                </a:cxn>
+                <a:cxn ang="0">
+                  <a:pos x="T2" y="T3"/>
+                </a:cxn>
+                <a:cxn ang="0">
+                  <a:pos x="T4" y="T5"/>
+                </a:cxn>
+                <a:cxn ang="0">
+                  <a:pos x="T6" y="T7"/>
+                </a:cxn>
+                <a:cxn ang="0">
+                  <a:pos x="T8" y="T9"/>
+                </a:cxn>
+                <a:cxn ang="0">
+                  <a:pos x="T10" y="T11"/>
+                </a:cxn>
+                <a:cxn ang="0">
+                  <a:pos x="T12" y="T13"/>
+                </a:cxn>
+                <a:cxn ang="0">
+                  <a:pos x="T14" y="T15"/>
+                </a:cxn>
+                <a:cxn ang="0">
+                  <a:pos x="T16" y="T17"/>
+                </a:cxn>
+                <a:cxn ang="0">
+                  <a:pos x="T18" y="T19"/>
+                </a:cxn>
+                <a:cxn ang="0">
+                  <a:pos x="T20" y="T21"/>
+                </a:cxn>
+                <a:cxn ang="0">
+                  <a:pos x="T22" y="T23"/>
+                </a:cxn>
+                <a:cxn ang="0">
+                  <a:pos x="T24" y="T25"/>
+                </a:cxn>
+                <a:cxn ang="0">
+                  <a:pos x="T26" y="T27"/>
+                </a:cxn>
+              </a:cxnLst>
+              <a:rect l="0" t="0" r="r" b="b"/>
+              <a:pathLst>
+                <a:path w="84" h="84">
+                  <a:moveTo>
+                    <a:pt x="78" y="84"/>
+                  </a:moveTo>
+                  <a:cubicBezTo>
+                    <a:pt x="6" y="84"/>
+                    <a:pt x="6" y="84"/>
+                    <a:pt x="6" y="84"/>
+                  </a:cubicBezTo>
+                  <a:cubicBezTo>
+                    <a:pt x="3" y="84"/>
+                    <a:pt x="0" y="82"/>
+                    <a:pt x="0" y="78"/>
+                  </a:cubicBezTo>
+                  <a:cubicBezTo>
+                    <a:pt x="0" y="6"/>
+                    <a:pt x="0" y="6"/>
+                    <a:pt x="0" y="6"/>
+                  </a:cubicBezTo>
+                  <a:cubicBezTo>
+                    <a:pt x="0" y="3"/>
+                    <a:pt x="3" y="0"/>
+                    <a:pt x="6" y="0"/>
+                  </a:cubicBezTo>
+                  <a:cubicBezTo>
+                    <a:pt x="78" y="0"/>
+                    <a:pt x="78" y="0"/>
+                    <a:pt x="78" y="0"/>
+                  </a:cubicBezTo>
+                  <a:cubicBezTo>
+                    <a:pt x="82" y="0"/>
+                    <a:pt x="84" y="3"/>
+                    <a:pt x="84" y="6"/>
+                  </a:cubicBezTo>
+                  <a:cubicBezTo>
+                    <a:pt x="84" y="78"/>
+                    <a:pt x="84" y="78"/>
+                    <a:pt x="84" y="78"/>
+                  </a:cubicBezTo>
+                  <a:cubicBezTo>
+                    <a:pt x="84" y="82"/>
+                    <a:pt x="82" y="84"/>
+                    <a:pt x="78" y="84"/>
+                  </a:cubicBezTo>
+                  <a:close/>
+                  <a:moveTo>
+                    <a:pt x="12" y="72"/>
+                  </a:moveTo>
+                  <a:cubicBezTo>
+                    <a:pt x="72" y="72"/>
+                    <a:pt x="72" y="72"/>
+                    <a:pt x="72" y="72"/>
+                  </a:cubicBezTo>
+                  <a:cubicBezTo>
+                    <a:pt x="72" y="12"/>
+                    <a:pt x="72" y="12"/>
+                    <a:pt x="72" y="12"/>
+                  </a:cubicBezTo>
+                  <a:cubicBezTo>
+                    <a:pt x="12" y="12"/>
+                    <a:pt x="12" y="12"/>
+                    <a:pt x="12" y="12"/>
+                  </a:cubicBezTo>
+                  <a:lnTo>
+                    <a:pt x="12" y="72"/>
+                  </a:lnTo>
+                  <a:close/>
+                </a:path>
+              </a:pathLst>
+            </a:custGeom>
+            <a:grpFill/>
+            <a:ln>
+              <a:noFill/>
+            </a:ln>
+            <a:extLst>
+              <a:ext uri="{91240B29-F687-4F45-9708-019B960494DF}">
+                <a14:hiddenLine xmlns:a14="http://schemas.microsoft.com/office/drawing/2010/main" w="9525">
+                  <a:solidFill>
+                    <a:srgbClr val="000000"/>
+                  </a:solidFill>
+                  <a:round/>
+                  <a:headEnd/>
+                  <a:tailEnd/>
+                </a14:hiddenLine>
+              </a:ext>
+            </a:extLst>
+          </p:spPr>
+          <p:txBody>
+            <a:bodyPr vert="horz" wrap="square" lIns="91440" tIns="45720" rIns="91440" bIns="45720" numCol="1" anchor="t" anchorCtr="0" compatLnSpc="1">
+              <a:prstTxWarp prst="textNoShape">
+                <a:avLst/>
+              </a:prstTxWarp>
+            </a:bodyPr>
+            <a:lstStyle/>
+            <a:p>
+              <a:endParaRPr lang="en-AU">
+                <a:latin typeface="+mn-lt"/>
+              </a:endParaRPr>
+            </a:p>
+          </p:txBody>
+        </p:sp>
+        <p:sp>
+          <p:nvSpPr>
+            <p:cNvPr id="35" name="Freeform 135">
+              <a:extLst>
+                <a:ext uri="{FF2B5EF4-FFF2-40B4-BE49-F238E27FC236}">
+                  <a16:creationId xmlns:a16="http://schemas.microsoft.com/office/drawing/2014/main" id="{6BC666D7-DA2D-4FE5-8B70-78ECD0D4B882}"/>
+                </a:ext>
+              </a:extLst>
+            </p:cNvPr>
+            <p:cNvSpPr>
+              <a:spLocks noEditPoints="1"/>
+            </p:cNvSpPr>
+            <p:nvPr/>
+          </p:nvSpPr>
+          <p:spPr bwMode="auto">
+            <a:xfrm>
+              <a:off x="6688" y="2013"/>
+              <a:ext cx="124" cy="124"/>
+            </a:xfrm>
+            <a:custGeom>
+              <a:avLst/>
+              <a:gdLst>
+                <a:gd name="T0" fmla="*/ 78 w 84"/>
+                <a:gd name="T1" fmla="*/ 84 h 84"/>
+                <a:gd name="T2" fmla="*/ 6 w 84"/>
+                <a:gd name="T3" fmla="*/ 84 h 84"/>
+                <a:gd name="T4" fmla="*/ 0 w 84"/>
+                <a:gd name="T5" fmla="*/ 78 h 84"/>
+                <a:gd name="T6" fmla="*/ 0 w 84"/>
+                <a:gd name="T7" fmla="*/ 6 h 84"/>
+                <a:gd name="T8" fmla="*/ 6 w 84"/>
+                <a:gd name="T9" fmla="*/ 0 h 84"/>
+                <a:gd name="T10" fmla="*/ 78 w 84"/>
+                <a:gd name="T11" fmla="*/ 0 h 84"/>
+                <a:gd name="T12" fmla="*/ 84 w 84"/>
+                <a:gd name="T13" fmla="*/ 6 h 84"/>
+                <a:gd name="T14" fmla="*/ 84 w 84"/>
+                <a:gd name="T15" fmla="*/ 78 h 84"/>
+                <a:gd name="T16" fmla="*/ 78 w 84"/>
+                <a:gd name="T17" fmla="*/ 84 h 84"/>
+                <a:gd name="T18" fmla="*/ 12 w 84"/>
+                <a:gd name="T19" fmla="*/ 72 h 84"/>
+                <a:gd name="T20" fmla="*/ 72 w 84"/>
+                <a:gd name="T21" fmla="*/ 72 h 84"/>
+                <a:gd name="T22" fmla="*/ 72 w 84"/>
+                <a:gd name="T23" fmla="*/ 12 h 84"/>
+                <a:gd name="T24" fmla="*/ 12 w 84"/>
+                <a:gd name="T25" fmla="*/ 12 h 84"/>
+                <a:gd name="T26" fmla="*/ 12 w 84"/>
+                <a:gd name="T27" fmla="*/ 72 h 84"/>
+              </a:gdLst>
+              <a:ahLst/>
+              <a:cxnLst>
+                <a:cxn ang="0">
+                  <a:pos x="T0" y="T1"/>
+                </a:cxn>
+                <a:cxn ang="0">
+                  <a:pos x="T2" y="T3"/>
+                </a:cxn>
+                <a:cxn ang="0">
+                  <a:pos x="T4" y="T5"/>
+                </a:cxn>
+                <a:cxn ang="0">
+                  <a:pos x="T6" y="T7"/>
+                </a:cxn>
+                <a:cxn ang="0">
+                  <a:pos x="T8" y="T9"/>
+                </a:cxn>
+                <a:cxn ang="0">
+                  <a:pos x="T10" y="T11"/>
+                </a:cxn>
+                <a:cxn ang="0">
+                  <a:pos x="T12" y="T13"/>
+                </a:cxn>
+                <a:cxn ang="0">
+                  <a:pos x="T14" y="T15"/>
+                </a:cxn>
+                <a:cxn ang="0">
+                  <a:pos x="T16" y="T17"/>
+                </a:cxn>
+                <a:cxn ang="0">
+                  <a:pos x="T18" y="T19"/>
+                </a:cxn>
+                <a:cxn ang="0">
+                  <a:pos x="T20" y="T21"/>
+                </a:cxn>
+                <a:cxn ang="0">
+                  <a:pos x="T22" y="T23"/>
+                </a:cxn>
+                <a:cxn ang="0">
+                  <a:pos x="T24" y="T25"/>
+                </a:cxn>
+                <a:cxn ang="0">
+                  <a:pos x="T26" y="T27"/>
+                </a:cxn>
+              </a:cxnLst>
+              <a:rect l="0" t="0" r="r" b="b"/>
+              <a:pathLst>
+                <a:path w="84" h="84">
+                  <a:moveTo>
+                    <a:pt x="78" y="84"/>
+                  </a:moveTo>
+                  <a:cubicBezTo>
+                    <a:pt x="6" y="84"/>
+                    <a:pt x="6" y="84"/>
+                    <a:pt x="6" y="84"/>
+                  </a:cubicBezTo>
+                  <a:cubicBezTo>
+                    <a:pt x="3" y="84"/>
+                    <a:pt x="0" y="82"/>
+                    <a:pt x="0" y="78"/>
+                  </a:cubicBezTo>
+                  <a:cubicBezTo>
+                    <a:pt x="0" y="6"/>
+                    <a:pt x="0" y="6"/>
+                    <a:pt x="0" y="6"/>
+                  </a:cubicBezTo>
+                  <a:cubicBezTo>
+                    <a:pt x="0" y="3"/>
+                    <a:pt x="3" y="0"/>
+                    <a:pt x="6" y="0"/>
+                  </a:cubicBezTo>
+                  <a:cubicBezTo>
+                    <a:pt x="78" y="0"/>
+                    <a:pt x="78" y="0"/>
+                    <a:pt x="78" y="0"/>
+                  </a:cubicBezTo>
+                  <a:cubicBezTo>
+                    <a:pt x="82" y="0"/>
+                    <a:pt x="84" y="3"/>
+                    <a:pt x="84" y="6"/>
+                  </a:cubicBezTo>
+                  <a:cubicBezTo>
+                    <a:pt x="84" y="78"/>
+                    <a:pt x="84" y="78"/>
+                    <a:pt x="84" y="78"/>
+                  </a:cubicBezTo>
+                  <a:cubicBezTo>
+                    <a:pt x="84" y="82"/>
+                    <a:pt x="82" y="84"/>
+                    <a:pt x="78" y="84"/>
+                  </a:cubicBezTo>
+                  <a:close/>
+                  <a:moveTo>
+                    <a:pt x="12" y="72"/>
+                  </a:moveTo>
+                  <a:cubicBezTo>
+                    <a:pt x="72" y="72"/>
+                    <a:pt x="72" y="72"/>
+                    <a:pt x="72" y="72"/>
+                  </a:cubicBezTo>
+                  <a:cubicBezTo>
+                    <a:pt x="72" y="12"/>
+                    <a:pt x="72" y="12"/>
+                    <a:pt x="72" y="12"/>
+                  </a:cubicBezTo>
+                  <a:cubicBezTo>
+                    <a:pt x="12" y="12"/>
+                    <a:pt x="12" y="12"/>
+                    <a:pt x="12" y="12"/>
+                  </a:cubicBezTo>
+                  <a:lnTo>
+                    <a:pt x="12" y="72"/>
+                  </a:lnTo>
+                  <a:close/>
+                </a:path>
+              </a:pathLst>
+            </a:custGeom>
+            <a:grpFill/>
+            <a:ln>
+              <a:noFill/>
+            </a:ln>
+            <a:extLst>
+              <a:ext uri="{91240B29-F687-4F45-9708-019B960494DF}">
+                <a14:hiddenLine xmlns:a14="http://schemas.microsoft.com/office/drawing/2010/main" w="9525">
+                  <a:solidFill>
+                    <a:srgbClr val="000000"/>
+                  </a:solidFill>
+                  <a:round/>
+                  <a:headEnd/>
+                  <a:tailEnd/>
+                </a14:hiddenLine>
+              </a:ext>
+            </a:extLst>
+          </p:spPr>
+          <p:txBody>
+            <a:bodyPr vert="horz" wrap="square" lIns="91440" tIns="45720" rIns="91440" bIns="45720" numCol="1" anchor="t" anchorCtr="0" compatLnSpc="1">
+              <a:prstTxWarp prst="textNoShape">
+                <a:avLst/>
+              </a:prstTxWarp>
+            </a:bodyPr>
+            <a:lstStyle/>
+            <a:p>
+              <a:endParaRPr lang="en-AU">
+                <a:latin typeface="+mn-lt"/>
+              </a:endParaRPr>
+            </a:p>
+          </p:txBody>
+        </p:sp>
+        <p:sp>
+          <p:nvSpPr>
+            <p:cNvPr id="38" name="Freeform 136">
+              <a:extLst>
+                <a:ext uri="{FF2B5EF4-FFF2-40B4-BE49-F238E27FC236}">
+                  <a16:creationId xmlns:a16="http://schemas.microsoft.com/office/drawing/2014/main" id="{B3BC4006-C09B-4F81-AAA0-EC85DFAD354F}"/>
+                </a:ext>
+              </a:extLst>
+            </p:cNvPr>
+            <p:cNvSpPr>
+              <a:spLocks noEditPoints="1"/>
+            </p:cNvSpPr>
+            <p:nvPr/>
+          </p:nvSpPr>
+          <p:spPr bwMode="auto">
+            <a:xfrm>
+              <a:off x="6546" y="2013"/>
+              <a:ext cx="124" cy="124"/>
+            </a:xfrm>
+            <a:custGeom>
+              <a:avLst/>
+              <a:gdLst>
+                <a:gd name="T0" fmla="*/ 78 w 84"/>
+                <a:gd name="T1" fmla="*/ 84 h 84"/>
+                <a:gd name="T2" fmla="*/ 6 w 84"/>
+                <a:gd name="T3" fmla="*/ 84 h 84"/>
+                <a:gd name="T4" fmla="*/ 0 w 84"/>
+                <a:gd name="T5" fmla="*/ 78 h 84"/>
+                <a:gd name="T6" fmla="*/ 0 w 84"/>
+                <a:gd name="T7" fmla="*/ 6 h 84"/>
+                <a:gd name="T8" fmla="*/ 6 w 84"/>
+                <a:gd name="T9" fmla="*/ 0 h 84"/>
+                <a:gd name="T10" fmla="*/ 78 w 84"/>
+                <a:gd name="T11" fmla="*/ 0 h 84"/>
+                <a:gd name="T12" fmla="*/ 84 w 84"/>
+                <a:gd name="T13" fmla="*/ 6 h 84"/>
+                <a:gd name="T14" fmla="*/ 84 w 84"/>
+                <a:gd name="T15" fmla="*/ 78 h 84"/>
+                <a:gd name="T16" fmla="*/ 78 w 84"/>
+                <a:gd name="T17" fmla="*/ 84 h 84"/>
+                <a:gd name="T18" fmla="*/ 12 w 84"/>
+                <a:gd name="T19" fmla="*/ 72 h 84"/>
+                <a:gd name="T20" fmla="*/ 72 w 84"/>
+                <a:gd name="T21" fmla="*/ 72 h 84"/>
+                <a:gd name="T22" fmla="*/ 72 w 84"/>
+                <a:gd name="T23" fmla="*/ 12 h 84"/>
+                <a:gd name="T24" fmla="*/ 12 w 84"/>
+                <a:gd name="T25" fmla="*/ 12 h 84"/>
+                <a:gd name="T26" fmla="*/ 12 w 84"/>
+                <a:gd name="T27" fmla="*/ 72 h 84"/>
+              </a:gdLst>
+              <a:ahLst/>
+              <a:cxnLst>
+                <a:cxn ang="0">
+                  <a:pos x="T0" y="T1"/>
+                </a:cxn>
+                <a:cxn ang="0">
+                  <a:pos x="T2" y="T3"/>
+                </a:cxn>
+                <a:cxn ang="0">
+                  <a:pos x="T4" y="T5"/>
+                </a:cxn>
+                <a:cxn ang="0">
+                  <a:pos x="T6" y="T7"/>
+                </a:cxn>
+                <a:cxn ang="0">
+                  <a:pos x="T8" y="T9"/>
+                </a:cxn>
+                <a:cxn ang="0">
+                  <a:pos x="T10" y="T11"/>
+                </a:cxn>
+                <a:cxn ang="0">
+                  <a:pos x="T12" y="T13"/>
+                </a:cxn>
+                <a:cxn ang="0">
+                  <a:pos x="T14" y="T15"/>
+                </a:cxn>
+                <a:cxn ang="0">
+                  <a:pos x="T16" y="T17"/>
+                </a:cxn>
+                <a:cxn ang="0">
+                  <a:pos x="T18" y="T19"/>
+                </a:cxn>
+                <a:cxn ang="0">
+                  <a:pos x="T20" y="T21"/>
+                </a:cxn>
+                <a:cxn ang="0">
+                  <a:pos x="T22" y="T23"/>
+                </a:cxn>
+                <a:cxn ang="0">
+                  <a:pos x="T24" y="T25"/>
+                </a:cxn>
+                <a:cxn ang="0">
+                  <a:pos x="T26" y="T27"/>
+                </a:cxn>
+              </a:cxnLst>
+              <a:rect l="0" t="0" r="r" b="b"/>
+              <a:pathLst>
+                <a:path w="84" h="84">
+                  <a:moveTo>
+                    <a:pt x="78" y="84"/>
+                  </a:moveTo>
+                  <a:cubicBezTo>
+                    <a:pt x="6" y="84"/>
+                    <a:pt x="6" y="84"/>
+                    <a:pt x="6" y="84"/>
+                  </a:cubicBezTo>
+                  <a:cubicBezTo>
+                    <a:pt x="3" y="84"/>
+                    <a:pt x="0" y="82"/>
+                    <a:pt x="0" y="78"/>
+                  </a:cubicBezTo>
+                  <a:cubicBezTo>
+                    <a:pt x="0" y="6"/>
+                    <a:pt x="0" y="6"/>
+                    <a:pt x="0" y="6"/>
+                  </a:cubicBezTo>
+                  <a:cubicBezTo>
+                    <a:pt x="0" y="3"/>
+                    <a:pt x="3" y="0"/>
+                    <a:pt x="6" y="0"/>
+                  </a:cubicBezTo>
+                  <a:cubicBezTo>
+                    <a:pt x="78" y="0"/>
+                    <a:pt x="78" y="0"/>
+                    <a:pt x="78" y="0"/>
+                  </a:cubicBezTo>
+                  <a:cubicBezTo>
+                    <a:pt x="82" y="0"/>
+                    <a:pt x="84" y="3"/>
+                    <a:pt x="84" y="6"/>
+                  </a:cubicBezTo>
+                  <a:cubicBezTo>
+                    <a:pt x="84" y="78"/>
+                    <a:pt x="84" y="78"/>
+                    <a:pt x="84" y="78"/>
+                  </a:cubicBezTo>
+                  <a:cubicBezTo>
+                    <a:pt x="84" y="82"/>
+                    <a:pt x="82" y="84"/>
+                    <a:pt x="78" y="84"/>
+                  </a:cubicBezTo>
+                  <a:close/>
+                  <a:moveTo>
+                    <a:pt x="12" y="72"/>
+                  </a:moveTo>
+                  <a:cubicBezTo>
+                    <a:pt x="72" y="72"/>
+                    <a:pt x="72" y="72"/>
+                    <a:pt x="72" y="72"/>
+                  </a:cubicBezTo>
+                  <a:cubicBezTo>
+                    <a:pt x="72" y="12"/>
+                    <a:pt x="72" y="12"/>
+                    <a:pt x="72" y="12"/>
+                  </a:cubicBezTo>
+                  <a:cubicBezTo>
+                    <a:pt x="12" y="12"/>
+                    <a:pt x="12" y="12"/>
+                    <a:pt x="12" y="12"/>
+                  </a:cubicBezTo>
+                  <a:lnTo>
+                    <a:pt x="12" y="72"/>
+                  </a:lnTo>
+                  <a:close/>
+                </a:path>
+              </a:pathLst>
+            </a:custGeom>
+            <a:grpFill/>
+            <a:ln>
+              <a:noFill/>
+            </a:ln>
+            <a:extLst>
+              <a:ext uri="{91240B29-F687-4F45-9708-019B960494DF}">
+                <a14:hiddenLine xmlns:a14="http://schemas.microsoft.com/office/drawing/2010/main" w="9525">
+                  <a:solidFill>
+                    <a:srgbClr val="000000"/>
+                  </a:solidFill>
+                  <a:round/>
+                  <a:headEnd/>
+                  <a:tailEnd/>
+                </a14:hiddenLine>
+              </a:ext>
+            </a:extLst>
+          </p:spPr>
+          <p:txBody>
+            <a:bodyPr vert="horz" wrap="square" lIns="91440" tIns="45720" rIns="91440" bIns="45720" numCol="1" anchor="t" anchorCtr="0" compatLnSpc="1">
+              <a:prstTxWarp prst="textNoShape">
+                <a:avLst/>
+              </a:prstTxWarp>
+            </a:bodyPr>
+            <a:lstStyle/>
+            <a:p>
+              <a:endParaRPr lang="en-AU">
+                <a:latin typeface="+mn-lt"/>
+              </a:endParaRPr>
+            </a:p>
+          </p:txBody>
+        </p:sp>
+        <p:sp>
+          <p:nvSpPr>
+            <p:cNvPr id="40" name="Freeform 137">
+              <a:extLst>
+                <a:ext uri="{FF2B5EF4-FFF2-40B4-BE49-F238E27FC236}">
+                  <a16:creationId xmlns:a16="http://schemas.microsoft.com/office/drawing/2014/main" id="{F279C08B-33DB-4E64-BC7F-A116DA129189}"/>
+                </a:ext>
+              </a:extLst>
+            </p:cNvPr>
+            <p:cNvSpPr>
+              <a:spLocks noEditPoints="1"/>
+            </p:cNvSpPr>
+            <p:nvPr/>
+          </p:nvSpPr>
+          <p:spPr bwMode="auto">
+            <a:xfrm>
+              <a:off x="6830" y="2013"/>
+              <a:ext cx="124" cy="124"/>
+            </a:xfrm>
+            <a:custGeom>
+              <a:avLst/>
+              <a:gdLst>
+                <a:gd name="T0" fmla="*/ 78 w 84"/>
+                <a:gd name="T1" fmla="*/ 84 h 84"/>
+                <a:gd name="T2" fmla="*/ 6 w 84"/>
+                <a:gd name="T3" fmla="*/ 84 h 84"/>
+                <a:gd name="T4" fmla="*/ 0 w 84"/>
+                <a:gd name="T5" fmla="*/ 78 h 84"/>
+                <a:gd name="T6" fmla="*/ 0 w 84"/>
+                <a:gd name="T7" fmla="*/ 6 h 84"/>
+                <a:gd name="T8" fmla="*/ 6 w 84"/>
+                <a:gd name="T9" fmla="*/ 0 h 84"/>
+                <a:gd name="T10" fmla="*/ 78 w 84"/>
+                <a:gd name="T11" fmla="*/ 0 h 84"/>
+                <a:gd name="T12" fmla="*/ 84 w 84"/>
+                <a:gd name="T13" fmla="*/ 6 h 84"/>
+                <a:gd name="T14" fmla="*/ 84 w 84"/>
+                <a:gd name="T15" fmla="*/ 78 h 84"/>
+                <a:gd name="T16" fmla="*/ 78 w 84"/>
+                <a:gd name="T17" fmla="*/ 84 h 84"/>
+                <a:gd name="T18" fmla="*/ 12 w 84"/>
+                <a:gd name="T19" fmla="*/ 72 h 84"/>
+                <a:gd name="T20" fmla="*/ 72 w 84"/>
+                <a:gd name="T21" fmla="*/ 72 h 84"/>
+                <a:gd name="T22" fmla="*/ 72 w 84"/>
+                <a:gd name="T23" fmla="*/ 12 h 84"/>
+                <a:gd name="T24" fmla="*/ 12 w 84"/>
+                <a:gd name="T25" fmla="*/ 12 h 84"/>
+                <a:gd name="T26" fmla="*/ 12 w 84"/>
+                <a:gd name="T27" fmla="*/ 72 h 84"/>
+              </a:gdLst>
+              <a:ahLst/>
+              <a:cxnLst>
+                <a:cxn ang="0">
+                  <a:pos x="T0" y="T1"/>
+                </a:cxn>
+                <a:cxn ang="0">
+                  <a:pos x="T2" y="T3"/>
+                </a:cxn>
+                <a:cxn ang="0">
+                  <a:pos x="T4" y="T5"/>
+                </a:cxn>
+                <a:cxn ang="0">
+                  <a:pos x="T6" y="T7"/>
+                </a:cxn>
+                <a:cxn ang="0">
+                  <a:pos x="T8" y="T9"/>
+                </a:cxn>
+                <a:cxn ang="0">
+                  <a:pos x="T10" y="T11"/>
+                </a:cxn>
+                <a:cxn ang="0">
+                  <a:pos x="T12" y="T13"/>
+                </a:cxn>
+                <a:cxn ang="0">
+                  <a:pos x="T14" y="T15"/>
+                </a:cxn>
+                <a:cxn ang="0">
+                  <a:pos x="T16" y="T17"/>
+                </a:cxn>
+                <a:cxn ang="0">
+                  <a:pos x="T18" y="T19"/>
+                </a:cxn>
+                <a:cxn ang="0">
+                  <a:pos x="T20" y="T21"/>
+                </a:cxn>
+                <a:cxn ang="0">
+                  <a:pos x="T22" y="T23"/>
+                </a:cxn>
+                <a:cxn ang="0">
+                  <a:pos x="T24" y="T25"/>
+                </a:cxn>
+                <a:cxn ang="0">
+                  <a:pos x="T26" y="T27"/>
+                </a:cxn>
+              </a:cxnLst>
+              <a:rect l="0" t="0" r="r" b="b"/>
+              <a:pathLst>
+                <a:path w="84" h="84">
+                  <a:moveTo>
+                    <a:pt x="78" y="84"/>
+                  </a:moveTo>
+                  <a:cubicBezTo>
+                    <a:pt x="6" y="84"/>
+                    <a:pt x="6" y="84"/>
+                    <a:pt x="6" y="84"/>
+                  </a:cubicBezTo>
+                  <a:cubicBezTo>
+                    <a:pt x="3" y="84"/>
+                    <a:pt x="0" y="82"/>
+                    <a:pt x="0" y="78"/>
+                  </a:cubicBezTo>
+                  <a:cubicBezTo>
+                    <a:pt x="0" y="6"/>
+                    <a:pt x="0" y="6"/>
+                    <a:pt x="0" y="6"/>
+                  </a:cubicBezTo>
+                  <a:cubicBezTo>
+                    <a:pt x="0" y="3"/>
+                    <a:pt x="3" y="0"/>
+                    <a:pt x="6" y="0"/>
+                  </a:cubicBezTo>
+                  <a:cubicBezTo>
+                    <a:pt x="78" y="0"/>
+                    <a:pt x="78" y="0"/>
+                    <a:pt x="78" y="0"/>
+                  </a:cubicBezTo>
+                  <a:cubicBezTo>
+                    <a:pt x="82" y="0"/>
+                    <a:pt x="84" y="3"/>
+                    <a:pt x="84" y="6"/>
+                  </a:cubicBezTo>
+                  <a:cubicBezTo>
+                    <a:pt x="84" y="78"/>
+                    <a:pt x="84" y="78"/>
+                    <a:pt x="84" y="78"/>
+                  </a:cubicBezTo>
+                  <a:cubicBezTo>
+                    <a:pt x="84" y="82"/>
+                    <a:pt x="82" y="84"/>
+                    <a:pt x="78" y="84"/>
+                  </a:cubicBezTo>
+                  <a:close/>
+                  <a:moveTo>
+                    <a:pt x="12" y="72"/>
+                  </a:moveTo>
+                  <a:cubicBezTo>
+                    <a:pt x="72" y="72"/>
+                    <a:pt x="72" y="72"/>
+                    <a:pt x="72" y="72"/>
+                  </a:cubicBezTo>
+                  <a:cubicBezTo>
+                    <a:pt x="72" y="12"/>
+                    <a:pt x="72" y="12"/>
+                    <a:pt x="72" y="12"/>
+                  </a:cubicBezTo>
+                  <a:cubicBezTo>
+                    <a:pt x="12" y="12"/>
+                    <a:pt x="12" y="12"/>
+                    <a:pt x="12" y="12"/>
+                  </a:cubicBezTo>
+                  <a:lnTo>
+                    <a:pt x="12" y="72"/>
+                  </a:lnTo>
+                  <a:close/>
+                </a:path>
+              </a:pathLst>
+            </a:custGeom>
+            <a:grpFill/>
+            <a:ln>
+              <a:noFill/>
+            </a:ln>
+            <a:extLst>
+              <a:ext uri="{91240B29-F687-4F45-9708-019B960494DF}">
+                <a14:hiddenLine xmlns:a14="http://schemas.microsoft.com/office/drawing/2010/main" w="9525">
+                  <a:solidFill>
+                    <a:srgbClr val="000000"/>
+                  </a:solidFill>
+                  <a:round/>
+                  <a:headEnd/>
+                  <a:tailEnd/>
+                </a14:hiddenLine>
+              </a:ext>
+            </a:extLst>
+          </p:spPr>
+          <p:txBody>
+            <a:bodyPr vert="horz" wrap="square" lIns="91440" tIns="45720" rIns="91440" bIns="45720" numCol="1" anchor="t" anchorCtr="0" compatLnSpc="1">
+              <a:prstTxWarp prst="textNoShape">
+                <a:avLst/>
+              </a:prstTxWarp>
+            </a:bodyPr>
+            <a:lstStyle/>
+            <a:p>
+              <a:endParaRPr lang="en-AU">
+                <a:latin typeface="+mn-lt"/>
+              </a:endParaRPr>
+            </a:p>
+          </p:txBody>
+        </p:sp>
+      </p:grpSp>
+      <p:grpSp>
+        <p:nvGrpSpPr>
+          <p:cNvPr id="41" name="Group 77">
+            <a:extLst>
+              <a:ext uri="{FF2B5EF4-FFF2-40B4-BE49-F238E27FC236}">
+                <a16:creationId xmlns:a16="http://schemas.microsoft.com/office/drawing/2014/main" id="{BE3313D5-975D-4DD3-BFCF-46928A751134}"/>
+              </a:ext>
+            </a:extLst>
+          </p:cNvPr>
+          <p:cNvGrpSpPr>
+            <a:grpSpLocks noChangeAspect="1"/>
+          </p:cNvGrpSpPr>
+          <p:nvPr/>
+        </p:nvGrpSpPr>
+        <p:grpSpPr bwMode="auto">
+          <a:xfrm>
+            <a:off x="2909088" y="3606079"/>
+            <a:ext cx="578205" cy="578205"/>
+            <a:chOff x="3613" y="1954"/>
+            <a:chExt cx="434" cy="371"/>
+          </a:xfrm>
+          <a:solidFill>
+            <a:schemeClr val="tx2"/>
+          </a:solidFill>
+        </p:grpSpPr>
+        <p:sp>
+          <p:nvSpPr>
+            <p:cNvPr id="42" name="Freeform 78">
+              <a:extLst>
+                <a:ext uri="{FF2B5EF4-FFF2-40B4-BE49-F238E27FC236}">
+                  <a16:creationId xmlns:a16="http://schemas.microsoft.com/office/drawing/2014/main" id="{6C9D76F0-A975-4890-9D3C-069B779FCE25}"/>
+                </a:ext>
+              </a:extLst>
+            </p:cNvPr>
+            <p:cNvSpPr>
+              <a:spLocks noEditPoints="1"/>
+            </p:cNvSpPr>
+            <p:nvPr/>
+          </p:nvSpPr>
+          <p:spPr bwMode="auto">
+            <a:xfrm>
+              <a:off x="3614" y="2078"/>
+              <a:ext cx="343" cy="247"/>
+            </a:xfrm>
+            <a:custGeom>
+              <a:avLst/>
+              <a:gdLst>
+                <a:gd name="T0" fmla="*/ 224 w 224"/>
+                <a:gd name="T1" fmla="*/ 109 h 165"/>
+                <a:gd name="T2" fmla="*/ 224 w 224"/>
+                <a:gd name="T3" fmla="*/ 108 h 165"/>
+                <a:gd name="T4" fmla="*/ 224 w 224"/>
+                <a:gd name="T5" fmla="*/ 107 h 165"/>
+                <a:gd name="T6" fmla="*/ 223 w 224"/>
+                <a:gd name="T7" fmla="*/ 107 h 165"/>
+                <a:gd name="T8" fmla="*/ 223 w 224"/>
+                <a:gd name="T9" fmla="*/ 106 h 165"/>
+                <a:gd name="T10" fmla="*/ 175 w 224"/>
+                <a:gd name="T11" fmla="*/ 58 h 165"/>
+                <a:gd name="T12" fmla="*/ 170 w 224"/>
+                <a:gd name="T13" fmla="*/ 56 h 165"/>
+                <a:gd name="T14" fmla="*/ 166 w 224"/>
+                <a:gd name="T15" fmla="*/ 58 h 165"/>
+                <a:gd name="T16" fmla="*/ 166 w 224"/>
+                <a:gd name="T17" fmla="*/ 67 h 165"/>
+                <a:gd name="T18" fmla="*/ 204 w 224"/>
+                <a:gd name="T19" fmla="*/ 104 h 165"/>
+                <a:gd name="T20" fmla="*/ 48 w 224"/>
+                <a:gd name="T21" fmla="*/ 104 h 165"/>
+                <a:gd name="T22" fmla="*/ 12 w 224"/>
+                <a:gd name="T23" fmla="*/ 68 h 165"/>
+                <a:gd name="T24" fmla="*/ 48 w 224"/>
+                <a:gd name="T25" fmla="*/ 32 h 165"/>
+                <a:gd name="T26" fmla="*/ 111 w 224"/>
+                <a:gd name="T27" fmla="*/ 32 h 165"/>
+                <a:gd name="T28" fmla="*/ 111 w 224"/>
+                <a:gd name="T29" fmla="*/ 44 h 165"/>
+                <a:gd name="T30" fmla="*/ 117 w 224"/>
+                <a:gd name="T31" fmla="*/ 50 h 165"/>
+                <a:gd name="T32" fmla="*/ 155 w 224"/>
+                <a:gd name="T33" fmla="*/ 50 h 165"/>
+                <a:gd name="T34" fmla="*/ 161 w 224"/>
+                <a:gd name="T35" fmla="*/ 44 h 165"/>
+                <a:gd name="T36" fmla="*/ 161 w 224"/>
+                <a:gd name="T37" fmla="*/ 6 h 165"/>
+                <a:gd name="T38" fmla="*/ 155 w 224"/>
+                <a:gd name="T39" fmla="*/ 0 h 165"/>
+                <a:gd name="T40" fmla="*/ 117 w 224"/>
+                <a:gd name="T41" fmla="*/ 0 h 165"/>
+                <a:gd name="T42" fmla="*/ 111 w 224"/>
+                <a:gd name="T43" fmla="*/ 6 h 165"/>
+                <a:gd name="T44" fmla="*/ 111 w 224"/>
+                <a:gd name="T45" fmla="*/ 21 h 165"/>
+                <a:gd name="T46" fmla="*/ 48 w 224"/>
+                <a:gd name="T47" fmla="*/ 21 h 165"/>
+                <a:gd name="T48" fmla="*/ 0 w 224"/>
+                <a:gd name="T49" fmla="*/ 68 h 165"/>
+                <a:gd name="T50" fmla="*/ 48 w 224"/>
+                <a:gd name="T51" fmla="*/ 116 h 165"/>
+                <a:gd name="T52" fmla="*/ 204 w 224"/>
+                <a:gd name="T53" fmla="*/ 116 h 165"/>
+                <a:gd name="T54" fmla="*/ 166 w 224"/>
+                <a:gd name="T55" fmla="*/ 154 h 165"/>
+                <a:gd name="T56" fmla="*/ 166 w 224"/>
+                <a:gd name="T57" fmla="*/ 163 h 165"/>
+                <a:gd name="T58" fmla="*/ 175 w 224"/>
+                <a:gd name="T59" fmla="*/ 163 h 165"/>
+                <a:gd name="T60" fmla="*/ 223 w 224"/>
+                <a:gd name="T61" fmla="*/ 115 h 165"/>
+                <a:gd name="T62" fmla="*/ 223 w 224"/>
+                <a:gd name="T63" fmla="*/ 114 h 165"/>
+                <a:gd name="T64" fmla="*/ 224 w 224"/>
+                <a:gd name="T65" fmla="*/ 113 h 165"/>
+                <a:gd name="T66" fmla="*/ 224 w 224"/>
+                <a:gd name="T67" fmla="*/ 113 h 165"/>
+                <a:gd name="T68" fmla="*/ 224 w 224"/>
+                <a:gd name="T69" fmla="*/ 112 h 165"/>
+                <a:gd name="T70" fmla="*/ 224 w 224"/>
+                <a:gd name="T71" fmla="*/ 112 h 165"/>
+                <a:gd name="T72" fmla="*/ 224 w 224"/>
+                <a:gd name="T73" fmla="*/ 109 h 165"/>
+                <a:gd name="T74" fmla="*/ 224 w 224"/>
+                <a:gd name="T75" fmla="*/ 109 h 165"/>
+                <a:gd name="T76" fmla="*/ 122 w 224"/>
+                <a:gd name="T77" fmla="*/ 12 h 165"/>
+                <a:gd name="T78" fmla="*/ 149 w 224"/>
+                <a:gd name="T79" fmla="*/ 12 h 165"/>
+                <a:gd name="T80" fmla="*/ 149 w 224"/>
+                <a:gd name="T81" fmla="*/ 38 h 165"/>
+                <a:gd name="T82" fmla="*/ 122 w 224"/>
+                <a:gd name="T83" fmla="*/ 38 h 165"/>
+                <a:gd name="T84" fmla="*/ 122 w 224"/>
+                <a:gd name="T85" fmla="*/ 12 h 165"/>
+              </a:gdLst>
+              <a:ahLst/>
+              <a:cxnLst>
+                <a:cxn ang="0">
+                  <a:pos x="T0" y="T1"/>
+                </a:cxn>
+                <a:cxn ang="0">
+                  <a:pos x="T2" y="T3"/>
+                </a:cxn>
+                <a:cxn ang="0">
+                  <a:pos x="T4" y="T5"/>
+                </a:cxn>
+                <a:cxn ang="0">
+                  <a:pos x="T6" y="T7"/>
+                </a:cxn>
+                <a:cxn ang="0">
+                  <a:pos x="T8" y="T9"/>
+                </a:cxn>
+                <a:cxn ang="0">
+                  <a:pos x="T10" y="T11"/>
+                </a:cxn>
+                <a:cxn ang="0">
+                  <a:pos x="T12" y="T13"/>
+                </a:cxn>
+                <a:cxn ang="0">
+                  <a:pos x="T14" y="T15"/>
+                </a:cxn>
+                <a:cxn ang="0">
+                  <a:pos x="T16" y="T17"/>
+                </a:cxn>
+                <a:cxn ang="0">
+                  <a:pos x="T18" y="T19"/>
+                </a:cxn>
+                <a:cxn ang="0">
+                  <a:pos x="T20" y="T21"/>
+                </a:cxn>
+                <a:cxn ang="0">
+                  <a:pos x="T22" y="T23"/>
+                </a:cxn>
+                <a:cxn ang="0">
+                  <a:pos x="T24" y="T25"/>
+                </a:cxn>
+                <a:cxn ang="0">
+                  <a:pos x="T26" y="T27"/>
+                </a:cxn>
+                <a:cxn ang="0">
+                  <a:pos x="T28" y="T29"/>
+                </a:cxn>
+                <a:cxn ang="0">
+                  <a:pos x="T30" y="T31"/>
+                </a:cxn>
+                <a:cxn ang="0">
+                  <a:pos x="T32" y="T33"/>
+                </a:cxn>
+                <a:cxn ang="0">
+                  <a:pos x="T34" y="T35"/>
+                </a:cxn>
+                <a:cxn ang="0">
+                  <a:pos x="T36" y="T37"/>
+                </a:cxn>
+                <a:cxn ang="0">
+                  <a:pos x="T38" y="T39"/>
+                </a:cxn>
+                <a:cxn ang="0">
+                  <a:pos x="T40" y="T41"/>
+                </a:cxn>
+                <a:cxn ang="0">
+                  <a:pos x="T42" y="T43"/>
+                </a:cxn>
+                <a:cxn ang="0">
+                  <a:pos x="T44" y="T45"/>
+                </a:cxn>
+                <a:cxn ang="0">
+                  <a:pos x="T46" y="T47"/>
+                </a:cxn>
+                <a:cxn ang="0">
+                  <a:pos x="T48" y="T49"/>
+                </a:cxn>
+                <a:cxn ang="0">
+                  <a:pos x="T50" y="T51"/>
+                </a:cxn>
+                <a:cxn ang="0">
+                  <a:pos x="T52" y="T53"/>
+                </a:cxn>
+                <a:cxn ang="0">
+                  <a:pos x="T54" y="T55"/>
+                </a:cxn>
+                <a:cxn ang="0">
+                  <a:pos x="T56" y="T57"/>
+                </a:cxn>
+                <a:cxn ang="0">
+                  <a:pos x="T58" y="T59"/>
+                </a:cxn>
+                <a:cxn ang="0">
+                  <a:pos x="T60" y="T61"/>
+                </a:cxn>
+                <a:cxn ang="0">
+                  <a:pos x="T62" y="T63"/>
+                </a:cxn>
+                <a:cxn ang="0">
+                  <a:pos x="T64" y="T65"/>
+                </a:cxn>
+                <a:cxn ang="0">
+                  <a:pos x="T66" y="T67"/>
+                </a:cxn>
+                <a:cxn ang="0">
+                  <a:pos x="T68" y="T69"/>
+                </a:cxn>
+                <a:cxn ang="0">
+                  <a:pos x="T70" y="T71"/>
+                </a:cxn>
+                <a:cxn ang="0">
+                  <a:pos x="T72" y="T73"/>
+                </a:cxn>
+                <a:cxn ang="0">
+                  <a:pos x="T74" y="T75"/>
+                </a:cxn>
+                <a:cxn ang="0">
+                  <a:pos x="T76" y="T77"/>
+                </a:cxn>
+                <a:cxn ang="0">
+                  <a:pos x="T78" y="T79"/>
+                </a:cxn>
+                <a:cxn ang="0">
+                  <a:pos x="T80" y="T81"/>
+                </a:cxn>
+                <a:cxn ang="0">
+                  <a:pos x="T82" y="T83"/>
+                </a:cxn>
+                <a:cxn ang="0">
+                  <a:pos x="T84" y="T85"/>
+                </a:cxn>
+              </a:cxnLst>
+              <a:rect l="0" t="0" r="r" b="b"/>
+              <a:pathLst>
+                <a:path w="224" h="165">
+                  <a:moveTo>
+                    <a:pt x="224" y="109"/>
+                  </a:moveTo>
+                  <a:cubicBezTo>
+                    <a:pt x="224" y="108"/>
+                    <a:pt x="224" y="108"/>
+                    <a:pt x="224" y="108"/>
+                  </a:cubicBezTo>
+                  <a:cubicBezTo>
+                    <a:pt x="224" y="108"/>
+                    <a:pt x="224" y="108"/>
+                    <a:pt x="224" y="107"/>
+                  </a:cubicBezTo>
+                  <a:cubicBezTo>
+                    <a:pt x="224" y="107"/>
+                    <a:pt x="223" y="107"/>
+                    <a:pt x="223" y="107"/>
+                  </a:cubicBezTo>
+                  <a:cubicBezTo>
+                    <a:pt x="223" y="107"/>
+                    <a:pt x="223" y="106"/>
+                    <a:pt x="223" y="106"/>
+                  </a:cubicBezTo>
+                  <a:cubicBezTo>
+                    <a:pt x="175" y="58"/>
+                    <a:pt x="175" y="58"/>
+                    <a:pt x="175" y="58"/>
+                  </a:cubicBezTo>
+                  <a:cubicBezTo>
+                    <a:pt x="174" y="57"/>
+                    <a:pt x="172" y="56"/>
+                    <a:pt x="170" y="56"/>
+                  </a:cubicBezTo>
+                  <a:cubicBezTo>
+                    <a:pt x="169" y="56"/>
+                    <a:pt x="167" y="57"/>
+                    <a:pt x="166" y="58"/>
+                  </a:cubicBezTo>
+                  <a:cubicBezTo>
+                    <a:pt x="164" y="61"/>
+                    <a:pt x="164" y="64"/>
+                    <a:pt x="166" y="67"/>
+                  </a:cubicBezTo>
+                  <a:cubicBezTo>
+                    <a:pt x="204" y="104"/>
+                    <a:pt x="204" y="104"/>
+                    <a:pt x="204" y="104"/>
+                  </a:cubicBezTo>
+                  <a:cubicBezTo>
+                    <a:pt x="48" y="104"/>
+                    <a:pt x="48" y="104"/>
+                    <a:pt x="48" y="104"/>
+                  </a:cubicBezTo>
+                  <a:cubicBezTo>
+                    <a:pt x="28" y="104"/>
+                    <a:pt x="12" y="88"/>
+                    <a:pt x="12" y="68"/>
+                  </a:cubicBezTo>
+                  <a:cubicBezTo>
+                    <a:pt x="12" y="49"/>
+                    <a:pt x="28" y="32"/>
+                    <a:pt x="48" y="32"/>
+                  </a:cubicBezTo>
+                  <a:cubicBezTo>
+                    <a:pt x="111" y="32"/>
+                    <a:pt x="111" y="32"/>
+                    <a:pt x="111" y="32"/>
+                  </a:cubicBezTo>
+                  <a:cubicBezTo>
+                    <a:pt x="111" y="44"/>
+                    <a:pt x="111" y="44"/>
+                    <a:pt x="111" y="44"/>
+                  </a:cubicBezTo>
+                  <a:cubicBezTo>
+                    <a:pt x="111" y="48"/>
+                    <a:pt x="113" y="50"/>
+                    <a:pt x="117" y="50"/>
+                  </a:cubicBezTo>
+                  <a:cubicBezTo>
+                    <a:pt x="155" y="50"/>
+                    <a:pt x="155" y="50"/>
+                    <a:pt x="155" y="50"/>
+                  </a:cubicBezTo>
+                  <a:cubicBezTo>
+                    <a:pt x="158" y="50"/>
+                    <a:pt x="161" y="48"/>
+                    <a:pt x="161" y="44"/>
+                  </a:cubicBezTo>
+                  <a:cubicBezTo>
+                    <a:pt x="161" y="6"/>
+                    <a:pt x="161" y="6"/>
+                    <a:pt x="161" y="6"/>
+                  </a:cubicBezTo>
+                  <a:cubicBezTo>
+                    <a:pt x="161" y="3"/>
+                    <a:pt x="158" y="0"/>
+                    <a:pt x="155" y="0"/>
+                  </a:cubicBezTo>
+                  <a:cubicBezTo>
+                    <a:pt x="117" y="0"/>
+                    <a:pt x="117" y="0"/>
+                    <a:pt x="117" y="0"/>
+                  </a:cubicBezTo>
+                  <a:cubicBezTo>
+                    <a:pt x="113" y="0"/>
+                    <a:pt x="111" y="3"/>
+                    <a:pt x="111" y="6"/>
+                  </a:cubicBezTo>
+                  <a:cubicBezTo>
+                    <a:pt x="111" y="21"/>
+                    <a:pt x="111" y="21"/>
+                    <a:pt x="111" y="21"/>
+                  </a:cubicBezTo>
+                  <a:cubicBezTo>
+                    <a:pt x="48" y="21"/>
+                    <a:pt x="48" y="21"/>
+                    <a:pt x="48" y="21"/>
+                  </a:cubicBezTo>
+                  <a:cubicBezTo>
+                    <a:pt x="21" y="21"/>
+                    <a:pt x="0" y="42"/>
+                    <a:pt x="0" y="68"/>
+                  </a:cubicBezTo>
+                  <a:cubicBezTo>
+                    <a:pt x="0" y="95"/>
+                    <a:pt x="21" y="116"/>
+                    <a:pt x="48" y="116"/>
+                  </a:cubicBezTo>
+                  <a:cubicBezTo>
+                    <a:pt x="204" y="116"/>
+                    <a:pt x="204" y="116"/>
+                    <a:pt x="204" y="116"/>
+                  </a:cubicBezTo>
+                  <a:cubicBezTo>
+                    <a:pt x="166" y="154"/>
+                    <a:pt x="166" y="154"/>
+                    <a:pt x="166" y="154"/>
+                  </a:cubicBezTo>
+                  <a:cubicBezTo>
+                    <a:pt x="164" y="156"/>
+                    <a:pt x="164" y="160"/>
+                    <a:pt x="166" y="163"/>
+                  </a:cubicBezTo>
+                  <a:cubicBezTo>
+                    <a:pt x="169" y="165"/>
+                    <a:pt x="172" y="165"/>
+                    <a:pt x="175" y="163"/>
+                  </a:cubicBezTo>
+                  <a:cubicBezTo>
+                    <a:pt x="223" y="115"/>
+                    <a:pt x="223" y="115"/>
+                    <a:pt x="223" y="115"/>
+                  </a:cubicBezTo>
+                  <a:cubicBezTo>
+                    <a:pt x="223" y="114"/>
+                    <a:pt x="223" y="114"/>
+                    <a:pt x="223" y="114"/>
+                  </a:cubicBezTo>
+                  <a:cubicBezTo>
+                    <a:pt x="223" y="114"/>
+                    <a:pt x="224" y="113"/>
+                    <a:pt x="224" y="113"/>
+                  </a:cubicBezTo>
+                  <a:cubicBezTo>
+                    <a:pt x="224" y="113"/>
+                    <a:pt x="224" y="113"/>
+                    <a:pt x="224" y="113"/>
+                  </a:cubicBezTo>
+                  <a:cubicBezTo>
+                    <a:pt x="224" y="113"/>
+                    <a:pt x="224" y="112"/>
+                    <a:pt x="224" y="112"/>
+                  </a:cubicBezTo>
+                  <a:cubicBezTo>
+                    <a:pt x="224" y="112"/>
+                    <a:pt x="224" y="112"/>
+                    <a:pt x="224" y="112"/>
+                  </a:cubicBezTo>
+                  <a:cubicBezTo>
+                    <a:pt x="224" y="111"/>
+                    <a:pt x="224" y="110"/>
+                    <a:pt x="224" y="109"/>
+                  </a:cubicBezTo>
+                  <a:cubicBezTo>
+                    <a:pt x="224" y="109"/>
+                    <a:pt x="224" y="109"/>
+                    <a:pt x="224" y="109"/>
+                  </a:cubicBezTo>
+                  <a:close/>
+                  <a:moveTo>
+                    <a:pt x="122" y="12"/>
+                  </a:moveTo>
+                  <a:cubicBezTo>
+                    <a:pt x="149" y="12"/>
+                    <a:pt x="149" y="12"/>
+                    <a:pt x="149" y="12"/>
+                  </a:cubicBezTo>
+                  <a:cubicBezTo>
+                    <a:pt x="149" y="38"/>
+                    <a:pt x="149" y="38"/>
+                    <a:pt x="149" y="38"/>
+                  </a:cubicBezTo>
+                  <a:cubicBezTo>
+                    <a:pt x="122" y="38"/>
+                    <a:pt x="122" y="38"/>
+                    <a:pt x="122" y="38"/>
+                  </a:cubicBezTo>
+                  <a:lnTo>
+                    <a:pt x="122" y="12"/>
+                  </a:lnTo>
+                  <a:close/>
+                </a:path>
+              </a:pathLst>
+            </a:custGeom>
+            <a:grpFill/>
+            <a:ln>
+              <a:noFill/>
+            </a:ln>
+            <a:extLst>
+              <a:ext uri="{91240B29-F687-4F45-9708-019B960494DF}">
+                <a14:hiddenLine xmlns:a14="http://schemas.microsoft.com/office/drawing/2010/main" w="9525">
+                  <a:solidFill>
+                    <a:srgbClr val="000000"/>
+                  </a:solidFill>
+                  <a:round/>
+                  <a:headEnd/>
+                  <a:tailEnd/>
+                </a14:hiddenLine>
+              </a:ext>
+            </a:extLst>
+          </p:spPr>
+          <p:txBody>
+            <a:bodyPr vert="horz" wrap="square" lIns="91440" tIns="45720" rIns="91440" bIns="45720" numCol="1" anchor="t" anchorCtr="0" compatLnSpc="1">
+              <a:prstTxWarp prst="textNoShape">
+                <a:avLst/>
+              </a:prstTxWarp>
+            </a:bodyPr>
+            <a:lstStyle/>
+            <a:p>
+              <a:endParaRPr lang="en-US">
+                <a:latin typeface="+mn-lt"/>
+              </a:endParaRPr>
+            </a:p>
+          </p:txBody>
+        </p:sp>
+        <p:sp>
+          <p:nvSpPr>
+            <p:cNvPr id="43" name="Freeform 79">
+              <a:extLst>
+                <a:ext uri="{FF2B5EF4-FFF2-40B4-BE49-F238E27FC236}">
+                  <a16:creationId xmlns:a16="http://schemas.microsoft.com/office/drawing/2014/main" id="{AEDD8DE7-BC5B-459C-8636-E98947E1796B}"/>
+                </a:ext>
+              </a:extLst>
+            </p:cNvPr>
+            <p:cNvSpPr>
+              <a:spLocks noEditPoints="1"/>
+            </p:cNvSpPr>
+            <p:nvPr/>
+          </p:nvSpPr>
+          <p:spPr bwMode="auto">
+            <a:xfrm>
+              <a:off x="3971" y="2203"/>
+              <a:ext cx="76" cy="75"/>
+            </a:xfrm>
+            <a:custGeom>
+              <a:avLst/>
+              <a:gdLst>
+                <a:gd name="T0" fmla="*/ 44 w 50"/>
+                <a:gd name="T1" fmla="*/ 0 h 50"/>
+                <a:gd name="T2" fmla="*/ 6 w 50"/>
+                <a:gd name="T3" fmla="*/ 0 h 50"/>
+                <a:gd name="T4" fmla="*/ 0 w 50"/>
+                <a:gd name="T5" fmla="*/ 6 h 50"/>
+                <a:gd name="T6" fmla="*/ 0 w 50"/>
+                <a:gd name="T7" fmla="*/ 44 h 50"/>
+                <a:gd name="T8" fmla="*/ 6 w 50"/>
+                <a:gd name="T9" fmla="*/ 50 h 50"/>
+                <a:gd name="T10" fmla="*/ 44 w 50"/>
+                <a:gd name="T11" fmla="*/ 50 h 50"/>
+                <a:gd name="T12" fmla="*/ 50 w 50"/>
+                <a:gd name="T13" fmla="*/ 44 h 50"/>
+                <a:gd name="T14" fmla="*/ 50 w 50"/>
+                <a:gd name="T15" fmla="*/ 6 h 50"/>
+                <a:gd name="T16" fmla="*/ 44 w 50"/>
+                <a:gd name="T17" fmla="*/ 0 h 50"/>
+                <a:gd name="T18" fmla="*/ 38 w 50"/>
+                <a:gd name="T19" fmla="*/ 38 h 50"/>
+                <a:gd name="T20" fmla="*/ 12 w 50"/>
+                <a:gd name="T21" fmla="*/ 38 h 50"/>
+                <a:gd name="T22" fmla="*/ 12 w 50"/>
+                <a:gd name="T23" fmla="*/ 12 h 50"/>
+                <a:gd name="T24" fmla="*/ 38 w 50"/>
+                <a:gd name="T25" fmla="*/ 12 h 50"/>
+                <a:gd name="T26" fmla="*/ 38 w 50"/>
+                <a:gd name="T27" fmla="*/ 38 h 50"/>
+              </a:gdLst>
+              <a:ahLst/>
+              <a:cxnLst>
+                <a:cxn ang="0">
+                  <a:pos x="T0" y="T1"/>
+                </a:cxn>
+                <a:cxn ang="0">
+                  <a:pos x="T2" y="T3"/>
+                </a:cxn>
+                <a:cxn ang="0">
+                  <a:pos x="T4" y="T5"/>
+                </a:cxn>
+                <a:cxn ang="0">
+                  <a:pos x="T6" y="T7"/>
+                </a:cxn>
+                <a:cxn ang="0">
+                  <a:pos x="T8" y="T9"/>
+                </a:cxn>
+                <a:cxn ang="0">
+                  <a:pos x="T10" y="T11"/>
+                </a:cxn>
+                <a:cxn ang="0">
+                  <a:pos x="T12" y="T13"/>
+                </a:cxn>
+                <a:cxn ang="0">
+                  <a:pos x="T14" y="T15"/>
+                </a:cxn>
+                <a:cxn ang="0">
+                  <a:pos x="T16" y="T17"/>
+                </a:cxn>
+                <a:cxn ang="0">
+                  <a:pos x="T18" y="T19"/>
+                </a:cxn>
+                <a:cxn ang="0">
+                  <a:pos x="T20" y="T21"/>
+                </a:cxn>
+                <a:cxn ang="0">
+                  <a:pos x="T22" y="T23"/>
+                </a:cxn>
+                <a:cxn ang="0">
+                  <a:pos x="T24" y="T25"/>
+                </a:cxn>
+                <a:cxn ang="0">
+                  <a:pos x="T26" y="T27"/>
+                </a:cxn>
+              </a:cxnLst>
+              <a:rect l="0" t="0" r="r" b="b"/>
+              <a:pathLst>
+                <a:path w="50" h="50">
+                  <a:moveTo>
+                    <a:pt x="44" y="0"/>
+                  </a:moveTo>
+                  <a:cubicBezTo>
+                    <a:pt x="6" y="0"/>
+                    <a:pt x="6" y="0"/>
+                    <a:pt x="6" y="0"/>
+                  </a:cubicBezTo>
+                  <a:cubicBezTo>
+                    <a:pt x="3" y="0"/>
+                    <a:pt x="0" y="3"/>
+                    <a:pt x="0" y="6"/>
+                  </a:cubicBezTo>
+                  <a:cubicBezTo>
+                    <a:pt x="0" y="44"/>
+                    <a:pt x="0" y="44"/>
+                    <a:pt x="0" y="44"/>
+                  </a:cubicBezTo>
+                  <a:cubicBezTo>
+                    <a:pt x="0" y="47"/>
+                    <a:pt x="3" y="50"/>
+                    <a:pt x="6" y="50"/>
+                  </a:cubicBezTo>
+                  <a:cubicBezTo>
+                    <a:pt x="44" y="50"/>
+                    <a:pt x="44" y="50"/>
+                    <a:pt x="44" y="50"/>
+                  </a:cubicBezTo>
+                  <a:cubicBezTo>
+                    <a:pt x="48" y="50"/>
+                    <a:pt x="50" y="47"/>
+                    <a:pt x="50" y="44"/>
+                  </a:cubicBezTo>
+                  <a:cubicBezTo>
+                    <a:pt x="50" y="6"/>
+                    <a:pt x="50" y="6"/>
+                    <a:pt x="50" y="6"/>
+                  </a:cubicBezTo>
+                  <a:cubicBezTo>
+                    <a:pt x="50" y="3"/>
+                    <a:pt x="48" y="0"/>
+                    <a:pt x="44" y="0"/>
+                  </a:cubicBezTo>
+                  <a:close/>
+                  <a:moveTo>
+                    <a:pt x="38" y="38"/>
+                  </a:moveTo>
+                  <a:cubicBezTo>
+                    <a:pt x="12" y="38"/>
+                    <a:pt x="12" y="38"/>
+                    <a:pt x="12" y="38"/>
+                  </a:cubicBezTo>
+                  <a:cubicBezTo>
+                    <a:pt x="12" y="12"/>
+                    <a:pt x="12" y="12"/>
+                    <a:pt x="12" y="12"/>
+                  </a:cubicBezTo>
+                  <a:cubicBezTo>
+                    <a:pt x="38" y="12"/>
+                    <a:pt x="38" y="12"/>
+                    <a:pt x="38" y="12"/>
+                  </a:cubicBezTo>
+                  <a:lnTo>
+                    <a:pt x="38" y="38"/>
+                  </a:lnTo>
+                  <a:close/>
+                </a:path>
+              </a:pathLst>
+            </a:custGeom>
+            <a:grpFill/>
+            <a:ln>
+              <a:noFill/>
+            </a:ln>
+            <a:extLst>
+              <a:ext uri="{91240B29-F687-4F45-9708-019B960494DF}">
+                <a14:hiddenLine xmlns:a14="http://schemas.microsoft.com/office/drawing/2010/main" w="9525">
+                  <a:solidFill>
+                    <a:srgbClr val="000000"/>
+                  </a:solidFill>
+                  <a:round/>
+                  <a:headEnd/>
+                  <a:tailEnd/>
+                </a14:hiddenLine>
+              </a:ext>
+            </a:extLst>
+          </p:spPr>
+          <p:txBody>
+            <a:bodyPr vert="horz" wrap="square" lIns="91440" tIns="45720" rIns="91440" bIns="45720" numCol="1" anchor="t" anchorCtr="0" compatLnSpc="1">
+              <a:prstTxWarp prst="textNoShape">
+                <a:avLst/>
+              </a:prstTxWarp>
+            </a:bodyPr>
+            <a:lstStyle/>
+            <a:p>
+              <a:endParaRPr lang="en-US">
+                <a:latin typeface="+mn-lt"/>
+              </a:endParaRPr>
+            </a:p>
+          </p:txBody>
+        </p:sp>
+        <p:sp>
+          <p:nvSpPr>
+            <p:cNvPr id="44" name="Freeform 80">
+              <a:extLst>
+                <a:ext uri="{FF2B5EF4-FFF2-40B4-BE49-F238E27FC236}">
+                  <a16:creationId xmlns:a16="http://schemas.microsoft.com/office/drawing/2014/main" id="{69564BB0-E137-45A5-B951-2612721D8C5A}"/>
+                </a:ext>
+              </a:extLst>
+            </p:cNvPr>
+            <p:cNvSpPr>
+              <a:spLocks noEditPoints="1"/>
+            </p:cNvSpPr>
+            <p:nvPr/>
+          </p:nvSpPr>
+          <p:spPr bwMode="auto">
+            <a:xfrm>
+              <a:off x="3613" y="1954"/>
+              <a:ext cx="434" cy="243"/>
+            </a:xfrm>
+            <a:custGeom>
+              <a:avLst/>
+              <a:gdLst>
+                <a:gd name="T0" fmla="*/ 193 w 284"/>
+                <a:gd name="T1" fmla="*/ 115 h 163"/>
+                <a:gd name="T2" fmla="*/ 236 w 284"/>
+                <a:gd name="T3" fmla="*/ 115 h 163"/>
+                <a:gd name="T4" fmla="*/ 284 w 284"/>
+                <a:gd name="T5" fmla="*/ 68 h 163"/>
+                <a:gd name="T6" fmla="*/ 236 w 284"/>
+                <a:gd name="T7" fmla="*/ 20 h 163"/>
+                <a:gd name="T8" fmla="*/ 50 w 284"/>
+                <a:gd name="T9" fmla="*/ 20 h 163"/>
+                <a:gd name="T10" fmla="*/ 50 w 284"/>
+                <a:gd name="T11" fmla="*/ 5 h 163"/>
+                <a:gd name="T12" fmla="*/ 44 w 284"/>
+                <a:gd name="T13" fmla="*/ 0 h 163"/>
+                <a:gd name="T14" fmla="*/ 6 w 284"/>
+                <a:gd name="T15" fmla="*/ 0 h 163"/>
+                <a:gd name="T16" fmla="*/ 0 w 284"/>
+                <a:gd name="T17" fmla="*/ 5 h 163"/>
+                <a:gd name="T18" fmla="*/ 0 w 284"/>
+                <a:gd name="T19" fmla="*/ 44 h 163"/>
+                <a:gd name="T20" fmla="*/ 6 w 284"/>
+                <a:gd name="T21" fmla="*/ 49 h 163"/>
+                <a:gd name="T22" fmla="*/ 44 w 284"/>
+                <a:gd name="T23" fmla="*/ 49 h 163"/>
+                <a:gd name="T24" fmla="*/ 50 w 284"/>
+                <a:gd name="T25" fmla="*/ 44 h 163"/>
+                <a:gd name="T26" fmla="*/ 50 w 284"/>
+                <a:gd name="T27" fmla="*/ 32 h 163"/>
+                <a:gd name="T28" fmla="*/ 236 w 284"/>
+                <a:gd name="T29" fmla="*/ 32 h 163"/>
+                <a:gd name="T30" fmla="*/ 272 w 284"/>
+                <a:gd name="T31" fmla="*/ 68 h 163"/>
+                <a:gd name="T32" fmla="*/ 236 w 284"/>
+                <a:gd name="T33" fmla="*/ 104 h 163"/>
+                <a:gd name="T34" fmla="*/ 192 w 284"/>
+                <a:gd name="T35" fmla="*/ 104 h 163"/>
+                <a:gd name="T36" fmla="*/ 192 w 284"/>
+                <a:gd name="T37" fmla="*/ 102 h 163"/>
+                <a:gd name="T38" fmla="*/ 229 w 284"/>
+                <a:gd name="T39" fmla="*/ 65 h 163"/>
+                <a:gd name="T40" fmla="*/ 229 w 284"/>
+                <a:gd name="T41" fmla="*/ 56 h 163"/>
+                <a:gd name="T42" fmla="*/ 225 w 284"/>
+                <a:gd name="T43" fmla="*/ 54 h 163"/>
+                <a:gd name="T44" fmla="*/ 221 w 284"/>
+                <a:gd name="T45" fmla="*/ 56 h 163"/>
+                <a:gd name="T46" fmla="*/ 173 w 284"/>
+                <a:gd name="T47" fmla="*/ 104 h 163"/>
+                <a:gd name="T48" fmla="*/ 172 w 284"/>
+                <a:gd name="T49" fmla="*/ 105 h 163"/>
+                <a:gd name="T50" fmla="*/ 172 w 284"/>
+                <a:gd name="T51" fmla="*/ 105 h 163"/>
+                <a:gd name="T52" fmla="*/ 171 w 284"/>
+                <a:gd name="T53" fmla="*/ 106 h 163"/>
+                <a:gd name="T54" fmla="*/ 171 w 284"/>
+                <a:gd name="T55" fmla="*/ 107 h 163"/>
+                <a:gd name="T56" fmla="*/ 171 w 284"/>
+                <a:gd name="T57" fmla="*/ 107 h 163"/>
+                <a:gd name="T58" fmla="*/ 171 w 284"/>
+                <a:gd name="T59" fmla="*/ 109 h 163"/>
+                <a:gd name="T60" fmla="*/ 171 w 284"/>
+                <a:gd name="T61" fmla="*/ 110 h 163"/>
+                <a:gd name="T62" fmla="*/ 171 w 284"/>
+                <a:gd name="T63" fmla="*/ 111 h 163"/>
+                <a:gd name="T64" fmla="*/ 172 w 284"/>
+                <a:gd name="T65" fmla="*/ 111 h 163"/>
+                <a:gd name="T66" fmla="*/ 172 w 284"/>
+                <a:gd name="T67" fmla="*/ 112 h 163"/>
+                <a:gd name="T68" fmla="*/ 173 w 284"/>
+                <a:gd name="T69" fmla="*/ 113 h 163"/>
+                <a:gd name="T70" fmla="*/ 221 w 284"/>
+                <a:gd name="T71" fmla="*/ 160 h 163"/>
+                <a:gd name="T72" fmla="*/ 229 w 284"/>
+                <a:gd name="T73" fmla="*/ 160 h 163"/>
+                <a:gd name="T74" fmla="*/ 229 w 284"/>
+                <a:gd name="T75" fmla="*/ 152 h 163"/>
+                <a:gd name="T76" fmla="*/ 193 w 284"/>
+                <a:gd name="T77" fmla="*/ 115 h 163"/>
+                <a:gd name="T78" fmla="*/ 38 w 284"/>
+                <a:gd name="T79" fmla="*/ 38 h 163"/>
+                <a:gd name="T80" fmla="*/ 12 w 284"/>
+                <a:gd name="T81" fmla="*/ 38 h 163"/>
+                <a:gd name="T82" fmla="*/ 12 w 284"/>
+                <a:gd name="T83" fmla="*/ 11 h 163"/>
+                <a:gd name="T84" fmla="*/ 38 w 284"/>
+                <a:gd name="T85" fmla="*/ 11 h 163"/>
+                <a:gd name="T86" fmla="*/ 38 w 284"/>
+                <a:gd name="T87" fmla="*/ 38 h 163"/>
+              </a:gdLst>
+              <a:ahLst/>
+              <a:cxnLst>
+                <a:cxn ang="0">
+                  <a:pos x="T0" y="T1"/>
+                </a:cxn>
+                <a:cxn ang="0">
+                  <a:pos x="T2" y="T3"/>
+                </a:cxn>
+                <a:cxn ang="0">
+                  <a:pos x="T4" y="T5"/>
+                </a:cxn>
+                <a:cxn ang="0">
+                  <a:pos x="T6" y="T7"/>
+                </a:cxn>
+                <a:cxn ang="0">
+                  <a:pos x="T8" y="T9"/>
+                </a:cxn>
+                <a:cxn ang="0">
+                  <a:pos x="T10" y="T11"/>
+                </a:cxn>
+                <a:cxn ang="0">
+                  <a:pos x="T12" y="T13"/>
+                </a:cxn>
+                <a:cxn ang="0">
+                  <a:pos x="T14" y="T15"/>
+                </a:cxn>
+                <a:cxn ang="0">
+                  <a:pos x="T16" y="T17"/>
+                </a:cxn>
+                <a:cxn ang="0">
+                  <a:pos x="T18" y="T19"/>
+                </a:cxn>
+                <a:cxn ang="0">
+                  <a:pos x="T20" y="T21"/>
+                </a:cxn>
+                <a:cxn ang="0">
+                  <a:pos x="T22" y="T23"/>
+                </a:cxn>
+                <a:cxn ang="0">
+                  <a:pos x="T24" y="T25"/>
+                </a:cxn>
+                <a:cxn ang="0">
+                  <a:pos x="T26" y="T27"/>
+                </a:cxn>
+                <a:cxn ang="0">
+                  <a:pos x="T28" y="T29"/>
+                </a:cxn>
+                <a:cxn ang="0">
+                  <a:pos x="T30" y="T31"/>
+                </a:cxn>
+                <a:cxn ang="0">
+                  <a:pos x="T32" y="T33"/>
+                </a:cxn>
+                <a:cxn ang="0">
+                  <a:pos x="T34" y="T35"/>
+                </a:cxn>
+                <a:cxn ang="0">
+                  <a:pos x="T36" y="T37"/>
+                </a:cxn>
+                <a:cxn ang="0">
+                  <a:pos x="T38" y="T39"/>
+                </a:cxn>
+                <a:cxn ang="0">
+                  <a:pos x="T40" y="T41"/>
+                </a:cxn>
+                <a:cxn ang="0">
+                  <a:pos x="T42" y="T43"/>
+                </a:cxn>
+                <a:cxn ang="0">
+                  <a:pos x="T44" y="T45"/>
+                </a:cxn>
+                <a:cxn ang="0">
+                  <a:pos x="T46" y="T47"/>
+                </a:cxn>
+                <a:cxn ang="0">
+                  <a:pos x="T48" y="T49"/>
+                </a:cxn>
+                <a:cxn ang="0">
+                  <a:pos x="T50" y="T51"/>
+                </a:cxn>
+                <a:cxn ang="0">
+                  <a:pos x="T52" y="T53"/>
+                </a:cxn>
+                <a:cxn ang="0">
+                  <a:pos x="T54" y="T55"/>
+                </a:cxn>
+                <a:cxn ang="0">
+                  <a:pos x="T56" y="T57"/>
+                </a:cxn>
+                <a:cxn ang="0">
+                  <a:pos x="T58" y="T59"/>
+                </a:cxn>
+                <a:cxn ang="0">
+                  <a:pos x="T60" y="T61"/>
+                </a:cxn>
+                <a:cxn ang="0">
+                  <a:pos x="T62" y="T63"/>
+                </a:cxn>
+                <a:cxn ang="0">
+                  <a:pos x="T64" y="T65"/>
+                </a:cxn>
+                <a:cxn ang="0">
+                  <a:pos x="T66" y="T67"/>
+                </a:cxn>
+                <a:cxn ang="0">
+                  <a:pos x="T68" y="T69"/>
+                </a:cxn>
+                <a:cxn ang="0">
+                  <a:pos x="T70" y="T71"/>
+                </a:cxn>
+                <a:cxn ang="0">
+                  <a:pos x="T72" y="T73"/>
+                </a:cxn>
+                <a:cxn ang="0">
+                  <a:pos x="T74" y="T75"/>
+                </a:cxn>
+                <a:cxn ang="0">
+                  <a:pos x="T76" y="T77"/>
+                </a:cxn>
+                <a:cxn ang="0">
+                  <a:pos x="T78" y="T79"/>
+                </a:cxn>
+                <a:cxn ang="0">
+                  <a:pos x="T80" y="T81"/>
+                </a:cxn>
+                <a:cxn ang="0">
+                  <a:pos x="T82" y="T83"/>
+                </a:cxn>
+                <a:cxn ang="0">
+                  <a:pos x="T84" y="T85"/>
+                </a:cxn>
+                <a:cxn ang="0">
+                  <a:pos x="T86" y="T87"/>
+                </a:cxn>
+              </a:cxnLst>
+              <a:rect l="0" t="0" r="r" b="b"/>
+              <a:pathLst>
+                <a:path w="284" h="163">
+                  <a:moveTo>
+                    <a:pt x="193" y="115"/>
+                  </a:moveTo>
+                  <a:cubicBezTo>
+                    <a:pt x="236" y="115"/>
+                    <a:pt x="236" y="115"/>
+                    <a:pt x="236" y="115"/>
+                  </a:cubicBezTo>
+                  <a:cubicBezTo>
+                    <a:pt x="262" y="115"/>
+                    <a:pt x="284" y="94"/>
+                    <a:pt x="284" y="68"/>
+                  </a:cubicBezTo>
+                  <a:cubicBezTo>
+                    <a:pt x="284" y="41"/>
+                    <a:pt x="262" y="20"/>
+                    <a:pt x="236" y="20"/>
+                  </a:cubicBezTo>
+                  <a:cubicBezTo>
+                    <a:pt x="50" y="20"/>
+                    <a:pt x="50" y="20"/>
+                    <a:pt x="50" y="20"/>
+                  </a:cubicBezTo>
+                  <a:cubicBezTo>
+                    <a:pt x="50" y="5"/>
+                    <a:pt x="50" y="5"/>
+                    <a:pt x="50" y="5"/>
+                  </a:cubicBezTo>
+                  <a:cubicBezTo>
+                    <a:pt x="50" y="2"/>
+                    <a:pt x="47" y="0"/>
+                    <a:pt x="44" y="0"/>
+                  </a:cubicBezTo>
+                  <a:cubicBezTo>
+                    <a:pt x="6" y="0"/>
+                    <a:pt x="6" y="0"/>
+                    <a:pt x="6" y="0"/>
+                  </a:cubicBezTo>
+                  <a:cubicBezTo>
+                    <a:pt x="3" y="0"/>
+                    <a:pt x="0" y="2"/>
+                    <a:pt x="0" y="5"/>
+                  </a:cubicBezTo>
+                  <a:cubicBezTo>
+                    <a:pt x="0" y="44"/>
+                    <a:pt x="0" y="44"/>
+                    <a:pt x="0" y="44"/>
+                  </a:cubicBezTo>
+                  <a:cubicBezTo>
+                    <a:pt x="0" y="47"/>
+                    <a:pt x="3" y="49"/>
+                    <a:pt x="6" y="49"/>
+                  </a:cubicBezTo>
+                  <a:cubicBezTo>
+                    <a:pt x="44" y="49"/>
+                    <a:pt x="44" y="49"/>
+                    <a:pt x="44" y="49"/>
+                  </a:cubicBezTo>
+                  <a:cubicBezTo>
+                    <a:pt x="47" y="49"/>
+                    <a:pt x="50" y="47"/>
+                    <a:pt x="50" y="44"/>
+                  </a:cubicBezTo>
+                  <a:cubicBezTo>
+                    <a:pt x="50" y="32"/>
+                    <a:pt x="50" y="32"/>
+                    <a:pt x="50" y="32"/>
+                  </a:cubicBezTo>
+                  <a:cubicBezTo>
+                    <a:pt x="236" y="32"/>
+                    <a:pt x="236" y="32"/>
+                    <a:pt x="236" y="32"/>
+                  </a:cubicBezTo>
+                  <a:cubicBezTo>
+                    <a:pt x="256" y="32"/>
+                    <a:pt x="272" y="48"/>
+                    <a:pt x="272" y="68"/>
+                  </a:cubicBezTo>
+                  <a:cubicBezTo>
+                    <a:pt x="272" y="87"/>
+                    <a:pt x="256" y="104"/>
+                    <a:pt x="236" y="104"/>
+                  </a:cubicBezTo>
+                  <a:cubicBezTo>
+                    <a:pt x="192" y="104"/>
+                    <a:pt x="192" y="104"/>
+                    <a:pt x="192" y="104"/>
+                  </a:cubicBezTo>
+                  <a:cubicBezTo>
+                    <a:pt x="192" y="102"/>
+                    <a:pt x="192" y="102"/>
+                    <a:pt x="192" y="102"/>
+                  </a:cubicBezTo>
+                  <a:cubicBezTo>
+                    <a:pt x="229" y="65"/>
+                    <a:pt x="229" y="65"/>
+                    <a:pt x="229" y="65"/>
+                  </a:cubicBezTo>
+                  <a:cubicBezTo>
+                    <a:pt x="232" y="62"/>
+                    <a:pt x="232" y="58"/>
+                    <a:pt x="229" y="56"/>
+                  </a:cubicBezTo>
+                  <a:cubicBezTo>
+                    <a:pt x="228" y="55"/>
+                    <a:pt x="227" y="54"/>
+                    <a:pt x="225" y="54"/>
+                  </a:cubicBezTo>
+                  <a:cubicBezTo>
+                    <a:pt x="223" y="54"/>
+                    <a:pt x="222" y="55"/>
+                    <a:pt x="221" y="56"/>
+                  </a:cubicBezTo>
+                  <a:cubicBezTo>
+                    <a:pt x="173" y="104"/>
+                    <a:pt x="173" y="104"/>
+                    <a:pt x="173" y="104"/>
+                  </a:cubicBezTo>
+                  <a:cubicBezTo>
+                    <a:pt x="173" y="104"/>
+                    <a:pt x="172" y="105"/>
+                    <a:pt x="172" y="105"/>
+                  </a:cubicBezTo>
+                  <a:cubicBezTo>
+                    <a:pt x="172" y="105"/>
+                    <a:pt x="172" y="105"/>
+                    <a:pt x="172" y="105"/>
+                  </a:cubicBezTo>
+                  <a:cubicBezTo>
+                    <a:pt x="172" y="106"/>
+                    <a:pt x="172" y="106"/>
+                    <a:pt x="171" y="106"/>
+                  </a:cubicBezTo>
+                  <a:cubicBezTo>
+                    <a:pt x="171" y="106"/>
+                    <a:pt x="171" y="106"/>
+                    <a:pt x="171" y="107"/>
+                  </a:cubicBezTo>
+                  <a:cubicBezTo>
+                    <a:pt x="171" y="107"/>
+                    <a:pt x="171" y="107"/>
+                    <a:pt x="171" y="107"/>
+                  </a:cubicBezTo>
+                  <a:cubicBezTo>
+                    <a:pt x="171" y="108"/>
+                    <a:pt x="171" y="109"/>
+                    <a:pt x="171" y="109"/>
+                  </a:cubicBezTo>
+                  <a:cubicBezTo>
+                    <a:pt x="171" y="110"/>
+                    <a:pt x="171" y="110"/>
+                    <a:pt x="171" y="110"/>
+                  </a:cubicBezTo>
+                  <a:cubicBezTo>
+                    <a:pt x="171" y="110"/>
+                    <a:pt x="171" y="110"/>
+                    <a:pt x="171" y="111"/>
+                  </a:cubicBezTo>
+                  <a:cubicBezTo>
+                    <a:pt x="172" y="111"/>
+                    <a:pt x="172" y="111"/>
+                    <a:pt x="172" y="111"/>
+                  </a:cubicBezTo>
+                  <a:cubicBezTo>
+                    <a:pt x="172" y="111"/>
+                    <a:pt x="172" y="111"/>
+                    <a:pt x="172" y="112"/>
+                  </a:cubicBezTo>
+                  <a:cubicBezTo>
+                    <a:pt x="172" y="112"/>
+                    <a:pt x="173" y="112"/>
+                    <a:pt x="173" y="113"/>
+                  </a:cubicBezTo>
+                  <a:cubicBezTo>
+                    <a:pt x="221" y="160"/>
+                    <a:pt x="221" y="160"/>
+                    <a:pt x="221" y="160"/>
+                  </a:cubicBezTo>
+                  <a:cubicBezTo>
+                    <a:pt x="223" y="163"/>
+                    <a:pt x="227" y="163"/>
+                    <a:pt x="229" y="160"/>
+                  </a:cubicBezTo>
+                  <a:cubicBezTo>
+                    <a:pt x="232" y="158"/>
+                    <a:pt x="232" y="154"/>
+                    <a:pt x="229" y="152"/>
+                  </a:cubicBezTo>
+                  <a:lnTo>
+                    <a:pt x="193" y="115"/>
+                  </a:lnTo>
+                  <a:close/>
+                  <a:moveTo>
+                    <a:pt x="38" y="38"/>
+                  </a:moveTo>
+                  <a:cubicBezTo>
+                    <a:pt x="12" y="38"/>
+                    <a:pt x="12" y="38"/>
+                    <a:pt x="12" y="38"/>
+                  </a:cubicBezTo>
+                  <a:cubicBezTo>
+                    <a:pt x="12" y="11"/>
+                    <a:pt x="12" y="11"/>
+                    <a:pt x="12" y="11"/>
+                  </a:cubicBezTo>
+                  <a:cubicBezTo>
+                    <a:pt x="38" y="11"/>
+                    <a:pt x="38" y="11"/>
+                    <a:pt x="38" y="11"/>
+                  </a:cubicBezTo>
+                  <a:lnTo>
+                    <a:pt x="38" y="38"/>
+                  </a:lnTo>
+                  <a:close/>
+                </a:path>
+              </a:pathLst>
+            </a:custGeom>
+            <a:grpFill/>
+            <a:ln>
+              <a:noFill/>
+            </a:ln>
+            <a:extLst>
+              <a:ext uri="{91240B29-F687-4F45-9708-019B960494DF}">
+                <a14:hiddenLine xmlns:a14="http://schemas.microsoft.com/office/drawing/2010/main" w="9525">
+                  <a:solidFill>
+                    <a:srgbClr val="000000"/>
+                  </a:solidFill>
+                  <a:round/>
+                  <a:headEnd/>
+                  <a:tailEnd/>
+                </a14:hiddenLine>
+              </a:ext>
+            </a:extLst>
+          </p:spPr>
+          <p:txBody>
+            <a:bodyPr vert="horz" wrap="square" lIns="91440" tIns="45720" rIns="91440" bIns="45720" numCol="1" anchor="t" anchorCtr="0" compatLnSpc="1">
+              <a:prstTxWarp prst="textNoShape">
+                <a:avLst/>
+              </a:prstTxWarp>
+            </a:bodyPr>
+            <a:lstStyle/>
+            <a:p>
+              <a:endParaRPr lang="en-US">
+                <a:latin typeface="+mn-lt"/>
+              </a:endParaRPr>
+            </a:p>
+          </p:txBody>
+        </p:sp>
+      </p:grpSp>
+      <p:grpSp>
+        <p:nvGrpSpPr>
+          <p:cNvPr id="45" name="Group 177">
+            <a:extLst>
+              <a:ext uri="{FF2B5EF4-FFF2-40B4-BE49-F238E27FC236}">
+                <a16:creationId xmlns:a16="http://schemas.microsoft.com/office/drawing/2014/main" id="{4EFC76C3-1E3E-4DC7-BA8B-E1657DE07288}"/>
+              </a:ext>
+            </a:extLst>
+          </p:cNvPr>
+          <p:cNvGrpSpPr>
+            <a:grpSpLocks noChangeAspect="1"/>
+          </p:cNvGrpSpPr>
+          <p:nvPr/>
+        </p:nvGrpSpPr>
+        <p:grpSpPr bwMode="auto">
+          <a:xfrm>
+            <a:off x="4258809" y="3584869"/>
+            <a:ext cx="613737" cy="637747"/>
+            <a:chOff x="3445" y="2997"/>
+            <a:chExt cx="409" cy="425"/>
+          </a:xfrm>
+          <a:solidFill>
+            <a:schemeClr val="tx2"/>
+          </a:solidFill>
+        </p:grpSpPr>
+        <p:sp>
+          <p:nvSpPr>
+            <p:cNvPr id="46" name="Freeform 178">
+              <a:extLst>
+                <a:ext uri="{FF2B5EF4-FFF2-40B4-BE49-F238E27FC236}">
+                  <a16:creationId xmlns:a16="http://schemas.microsoft.com/office/drawing/2014/main" id="{8BA61F74-2C30-411B-98DF-5583C1EA5BDD}"/>
+                </a:ext>
+              </a:extLst>
+            </p:cNvPr>
+            <p:cNvSpPr>
+              <a:spLocks/>
+            </p:cNvSpPr>
+            <p:nvPr/>
+          </p:nvSpPr>
+          <p:spPr bwMode="auto">
+            <a:xfrm>
+              <a:off x="3445" y="2997"/>
+              <a:ext cx="35" cy="35"/>
+            </a:xfrm>
+            <a:custGeom>
+              <a:avLst/>
+              <a:gdLst>
+                <a:gd name="T0" fmla="*/ 6 w 24"/>
+                <a:gd name="T1" fmla="*/ 24 h 24"/>
+                <a:gd name="T2" fmla="*/ 0 w 24"/>
+                <a:gd name="T3" fmla="*/ 18 h 24"/>
+                <a:gd name="T4" fmla="*/ 0 w 24"/>
+                <a:gd name="T5" fmla="*/ 6 h 24"/>
+                <a:gd name="T6" fmla="*/ 6 w 24"/>
+                <a:gd name="T7" fmla="*/ 0 h 24"/>
+                <a:gd name="T8" fmla="*/ 18 w 24"/>
+                <a:gd name="T9" fmla="*/ 0 h 24"/>
+                <a:gd name="T10" fmla="*/ 24 w 24"/>
+                <a:gd name="T11" fmla="*/ 6 h 24"/>
+                <a:gd name="T12" fmla="*/ 18 w 24"/>
+                <a:gd name="T13" fmla="*/ 12 h 24"/>
+                <a:gd name="T14" fmla="*/ 12 w 24"/>
+                <a:gd name="T15" fmla="*/ 12 h 24"/>
+                <a:gd name="T16" fmla="*/ 12 w 24"/>
+                <a:gd name="T17" fmla="*/ 18 h 24"/>
+                <a:gd name="T18" fmla="*/ 6 w 24"/>
+                <a:gd name="T19" fmla="*/ 24 h 24"/>
+              </a:gdLst>
+              <a:ahLst/>
+              <a:cxnLst>
+                <a:cxn ang="0">
+                  <a:pos x="T0" y="T1"/>
+                </a:cxn>
+                <a:cxn ang="0">
+                  <a:pos x="T2" y="T3"/>
+                </a:cxn>
+                <a:cxn ang="0">
+                  <a:pos x="T4" y="T5"/>
+                </a:cxn>
+                <a:cxn ang="0">
+                  <a:pos x="T6" y="T7"/>
+                </a:cxn>
+                <a:cxn ang="0">
+                  <a:pos x="T8" y="T9"/>
+                </a:cxn>
+                <a:cxn ang="0">
+                  <a:pos x="T10" y="T11"/>
+                </a:cxn>
+                <a:cxn ang="0">
+                  <a:pos x="T12" y="T13"/>
+                </a:cxn>
+                <a:cxn ang="0">
+                  <a:pos x="T14" y="T15"/>
+                </a:cxn>
+                <a:cxn ang="0">
+                  <a:pos x="T16" y="T17"/>
+                </a:cxn>
+                <a:cxn ang="0">
+                  <a:pos x="T18" y="T19"/>
+                </a:cxn>
+              </a:cxnLst>
+              <a:rect l="0" t="0" r="r" b="b"/>
+              <a:pathLst>
+                <a:path w="24" h="24">
+                  <a:moveTo>
+                    <a:pt x="6" y="24"/>
+                  </a:moveTo>
+                  <a:cubicBezTo>
+                    <a:pt x="3" y="24"/>
+                    <a:pt x="0" y="22"/>
+                    <a:pt x="0" y="18"/>
+                  </a:cubicBezTo>
+                  <a:cubicBezTo>
+                    <a:pt x="0" y="6"/>
+                    <a:pt x="0" y="6"/>
+                    <a:pt x="0" y="6"/>
+                  </a:cubicBezTo>
+                  <a:cubicBezTo>
+                    <a:pt x="0" y="3"/>
+                    <a:pt x="3" y="0"/>
+                    <a:pt x="6" y="0"/>
+                  </a:cubicBezTo>
+                  <a:cubicBezTo>
+                    <a:pt x="18" y="0"/>
+                    <a:pt x="18" y="0"/>
+                    <a:pt x="18" y="0"/>
+                  </a:cubicBezTo>
+                  <a:cubicBezTo>
+                    <a:pt x="22" y="0"/>
+                    <a:pt x="24" y="3"/>
+                    <a:pt x="24" y="6"/>
+                  </a:cubicBezTo>
+                  <a:cubicBezTo>
+                    <a:pt x="24" y="10"/>
+                    <a:pt x="22" y="12"/>
+                    <a:pt x="18" y="12"/>
+                  </a:cubicBezTo>
+                  <a:cubicBezTo>
+                    <a:pt x="12" y="12"/>
+                    <a:pt x="12" y="12"/>
+                    <a:pt x="12" y="12"/>
+                  </a:cubicBezTo>
+                  <a:cubicBezTo>
+                    <a:pt x="12" y="18"/>
+                    <a:pt x="12" y="18"/>
+                    <a:pt x="12" y="18"/>
+                  </a:cubicBezTo>
+                  <a:cubicBezTo>
+                    <a:pt x="12" y="22"/>
+                    <a:pt x="10" y="24"/>
+                    <a:pt x="6" y="24"/>
+                  </a:cubicBezTo>
+                  <a:close/>
+                </a:path>
+              </a:pathLst>
+            </a:custGeom>
+            <a:grpFill/>
+            <a:ln>
+              <a:noFill/>
+            </a:ln>
+            <a:extLst>
+              <a:ext uri="{91240B29-F687-4F45-9708-019B960494DF}">
+                <a14:hiddenLine xmlns:a14="http://schemas.microsoft.com/office/drawing/2010/main" w="9525">
+                  <a:solidFill>
+                    <a:srgbClr val="000000"/>
+                  </a:solidFill>
+                  <a:round/>
+                  <a:headEnd/>
+                  <a:tailEnd/>
+                </a14:hiddenLine>
+              </a:ext>
+            </a:extLst>
+          </p:spPr>
+          <p:txBody>
+            <a:bodyPr vert="horz" wrap="square" lIns="91440" tIns="45720" rIns="91440" bIns="45720" numCol="1" anchor="t" anchorCtr="0" compatLnSpc="1">
+              <a:prstTxWarp prst="textNoShape">
+                <a:avLst/>
+              </a:prstTxWarp>
+            </a:bodyPr>
+            <a:lstStyle/>
+            <a:p>
+              <a:endParaRPr lang="en-AU">
+                <a:latin typeface="+mn-lt"/>
+              </a:endParaRPr>
+            </a:p>
+          </p:txBody>
+        </p:sp>
+        <p:sp>
+          <p:nvSpPr>
+            <p:cNvPr id="47" name="Freeform 179">
+              <a:extLst>
+                <a:ext uri="{FF2B5EF4-FFF2-40B4-BE49-F238E27FC236}">
+                  <a16:creationId xmlns:a16="http://schemas.microsoft.com/office/drawing/2014/main" id="{2464C862-D759-4663-9AA2-B600F55988E9}"/>
+                </a:ext>
+              </a:extLst>
+            </p:cNvPr>
+            <p:cNvSpPr>
+              <a:spLocks/>
+            </p:cNvSpPr>
+            <p:nvPr/>
+          </p:nvSpPr>
+          <p:spPr bwMode="auto">
+            <a:xfrm>
+              <a:off x="3604" y="2997"/>
+              <a:ext cx="36" cy="35"/>
+            </a:xfrm>
+            <a:custGeom>
+              <a:avLst/>
+              <a:gdLst>
+                <a:gd name="T0" fmla="*/ 18 w 24"/>
+                <a:gd name="T1" fmla="*/ 24 h 24"/>
+                <a:gd name="T2" fmla="*/ 12 w 24"/>
+                <a:gd name="T3" fmla="*/ 18 h 24"/>
+                <a:gd name="T4" fmla="*/ 12 w 24"/>
+                <a:gd name="T5" fmla="*/ 12 h 24"/>
+                <a:gd name="T6" fmla="*/ 6 w 24"/>
+                <a:gd name="T7" fmla="*/ 12 h 24"/>
+                <a:gd name="T8" fmla="*/ 0 w 24"/>
+                <a:gd name="T9" fmla="*/ 6 h 24"/>
+                <a:gd name="T10" fmla="*/ 6 w 24"/>
+                <a:gd name="T11" fmla="*/ 0 h 24"/>
+                <a:gd name="T12" fmla="*/ 18 w 24"/>
+                <a:gd name="T13" fmla="*/ 0 h 24"/>
+                <a:gd name="T14" fmla="*/ 24 w 24"/>
+                <a:gd name="T15" fmla="*/ 6 h 24"/>
+                <a:gd name="T16" fmla="*/ 24 w 24"/>
+                <a:gd name="T17" fmla="*/ 18 h 24"/>
+                <a:gd name="T18" fmla="*/ 18 w 24"/>
+                <a:gd name="T19" fmla="*/ 24 h 24"/>
+              </a:gdLst>
+              <a:ahLst/>
+              <a:cxnLst>
+                <a:cxn ang="0">
+                  <a:pos x="T0" y="T1"/>
+                </a:cxn>
+                <a:cxn ang="0">
+                  <a:pos x="T2" y="T3"/>
+                </a:cxn>
+                <a:cxn ang="0">
+                  <a:pos x="T4" y="T5"/>
+                </a:cxn>
+                <a:cxn ang="0">
+                  <a:pos x="T6" y="T7"/>
+                </a:cxn>
+                <a:cxn ang="0">
+                  <a:pos x="T8" y="T9"/>
+                </a:cxn>
+                <a:cxn ang="0">
+                  <a:pos x="T10" y="T11"/>
+                </a:cxn>
+                <a:cxn ang="0">
+                  <a:pos x="T12" y="T13"/>
+                </a:cxn>
+                <a:cxn ang="0">
+                  <a:pos x="T14" y="T15"/>
+                </a:cxn>
+                <a:cxn ang="0">
+                  <a:pos x="T16" y="T17"/>
+                </a:cxn>
+                <a:cxn ang="0">
+                  <a:pos x="T18" y="T19"/>
+                </a:cxn>
+              </a:cxnLst>
+              <a:rect l="0" t="0" r="r" b="b"/>
+              <a:pathLst>
+                <a:path w="24" h="24">
+                  <a:moveTo>
+                    <a:pt x="18" y="24"/>
+                  </a:moveTo>
+                  <a:cubicBezTo>
+                    <a:pt x="15" y="24"/>
+                    <a:pt x="12" y="22"/>
+                    <a:pt x="12" y="18"/>
+                  </a:cubicBezTo>
+                  <a:cubicBezTo>
+                    <a:pt x="12" y="12"/>
+                    <a:pt x="12" y="12"/>
+                    <a:pt x="12" y="12"/>
+                  </a:cubicBezTo>
+                  <a:cubicBezTo>
+                    <a:pt x="6" y="12"/>
+                    <a:pt x="6" y="12"/>
+                    <a:pt x="6" y="12"/>
+                  </a:cubicBezTo>
+                  <a:cubicBezTo>
+                    <a:pt x="3" y="12"/>
+                    <a:pt x="0" y="10"/>
+                    <a:pt x="0" y="6"/>
+                  </a:cubicBezTo>
+                  <a:cubicBezTo>
+                    <a:pt x="0" y="3"/>
+                    <a:pt x="3" y="0"/>
+                    <a:pt x="6" y="0"/>
+                  </a:cubicBezTo>
+                  <a:cubicBezTo>
+                    <a:pt x="18" y="0"/>
+                    <a:pt x="18" y="0"/>
+                    <a:pt x="18" y="0"/>
+                  </a:cubicBezTo>
+                  <a:cubicBezTo>
+                    <a:pt x="22" y="0"/>
+                    <a:pt x="24" y="3"/>
+                    <a:pt x="24" y="6"/>
+                  </a:cubicBezTo>
+                  <a:cubicBezTo>
+                    <a:pt x="24" y="18"/>
+                    <a:pt x="24" y="18"/>
+                    <a:pt x="24" y="18"/>
+                  </a:cubicBezTo>
+                  <a:cubicBezTo>
+                    <a:pt x="24" y="22"/>
+                    <a:pt x="22" y="24"/>
+                    <a:pt x="18" y="24"/>
+                  </a:cubicBezTo>
+                  <a:close/>
+                </a:path>
+              </a:pathLst>
+            </a:custGeom>
+            <a:grpFill/>
+            <a:ln>
+              <a:noFill/>
+            </a:ln>
+            <a:extLst>
+              <a:ext uri="{91240B29-F687-4F45-9708-019B960494DF}">
+                <a14:hiddenLine xmlns:a14="http://schemas.microsoft.com/office/drawing/2010/main" w="9525">
+                  <a:solidFill>
+                    <a:srgbClr val="000000"/>
+                  </a:solidFill>
+                  <a:round/>
+                  <a:headEnd/>
+                  <a:tailEnd/>
+                </a14:hiddenLine>
+              </a:ext>
+            </a:extLst>
+          </p:spPr>
+          <p:txBody>
+            <a:bodyPr vert="horz" wrap="square" lIns="91440" tIns="45720" rIns="91440" bIns="45720" numCol="1" anchor="t" anchorCtr="0" compatLnSpc="1">
+              <a:prstTxWarp prst="textNoShape">
+                <a:avLst/>
+              </a:prstTxWarp>
+            </a:bodyPr>
+            <a:lstStyle/>
+            <a:p>
+              <a:endParaRPr lang="en-AU">
+                <a:latin typeface="+mn-lt"/>
+              </a:endParaRPr>
+            </a:p>
+          </p:txBody>
+        </p:sp>
+        <p:sp>
+          <p:nvSpPr>
+            <p:cNvPr id="48" name="Freeform 180">
+              <a:extLst>
+                <a:ext uri="{FF2B5EF4-FFF2-40B4-BE49-F238E27FC236}">
+                  <a16:creationId xmlns:a16="http://schemas.microsoft.com/office/drawing/2014/main" id="{79D9A88A-EF78-4985-AB53-34194F3EB115}"/>
+                </a:ext>
+              </a:extLst>
+            </p:cNvPr>
+            <p:cNvSpPr>
+              <a:spLocks/>
+            </p:cNvSpPr>
+            <p:nvPr/>
+          </p:nvSpPr>
+          <p:spPr bwMode="auto">
+            <a:xfrm>
+              <a:off x="3445" y="3050"/>
+              <a:ext cx="17" cy="35"/>
+            </a:xfrm>
+            <a:custGeom>
+              <a:avLst/>
+              <a:gdLst>
+                <a:gd name="T0" fmla="*/ 6 w 12"/>
+                <a:gd name="T1" fmla="*/ 24 h 24"/>
+                <a:gd name="T2" fmla="*/ 0 w 12"/>
+                <a:gd name="T3" fmla="*/ 18 h 24"/>
+                <a:gd name="T4" fmla="*/ 0 w 12"/>
+                <a:gd name="T5" fmla="*/ 6 h 24"/>
+                <a:gd name="T6" fmla="*/ 6 w 12"/>
+                <a:gd name="T7" fmla="*/ 0 h 24"/>
+                <a:gd name="T8" fmla="*/ 12 w 12"/>
+                <a:gd name="T9" fmla="*/ 6 h 24"/>
+                <a:gd name="T10" fmla="*/ 12 w 12"/>
+                <a:gd name="T11" fmla="*/ 18 h 24"/>
+                <a:gd name="T12" fmla="*/ 6 w 12"/>
+                <a:gd name="T13" fmla="*/ 24 h 24"/>
+              </a:gdLst>
+              <a:ahLst/>
+              <a:cxnLst>
+                <a:cxn ang="0">
+                  <a:pos x="T0" y="T1"/>
+                </a:cxn>
+                <a:cxn ang="0">
+                  <a:pos x="T2" y="T3"/>
+                </a:cxn>
+                <a:cxn ang="0">
+                  <a:pos x="T4" y="T5"/>
+                </a:cxn>
+                <a:cxn ang="0">
+                  <a:pos x="T6" y="T7"/>
+                </a:cxn>
+                <a:cxn ang="0">
+                  <a:pos x="T8" y="T9"/>
+                </a:cxn>
+                <a:cxn ang="0">
+                  <a:pos x="T10" y="T11"/>
+                </a:cxn>
+                <a:cxn ang="0">
+                  <a:pos x="T12" y="T13"/>
+                </a:cxn>
+              </a:cxnLst>
+              <a:rect l="0" t="0" r="r" b="b"/>
+              <a:pathLst>
+                <a:path w="12" h="24">
+                  <a:moveTo>
+                    <a:pt x="6" y="24"/>
+                  </a:moveTo>
+                  <a:cubicBezTo>
+                    <a:pt x="3" y="24"/>
+                    <a:pt x="0" y="22"/>
+                    <a:pt x="0" y="18"/>
+                  </a:cubicBezTo>
+                  <a:cubicBezTo>
+                    <a:pt x="0" y="6"/>
+                    <a:pt x="0" y="6"/>
+                    <a:pt x="0" y="6"/>
+                  </a:cubicBezTo>
+                  <a:cubicBezTo>
+                    <a:pt x="0" y="3"/>
+                    <a:pt x="3" y="0"/>
+                    <a:pt x="6" y="0"/>
+                  </a:cubicBezTo>
+                  <a:cubicBezTo>
+                    <a:pt x="10" y="0"/>
+                    <a:pt x="12" y="3"/>
+                    <a:pt x="12" y="6"/>
+                  </a:cubicBezTo>
+                  <a:cubicBezTo>
+                    <a:pt x="12" y="18"/>
+                    <a:pt x="12" y="18"/>
+                    <a:pt x="12" y="18"/>
+                  </a:cubicBezTo>
+                  <a:cubicBezTo>
+                    <a:pt x="12" y="22"/>
+                    <a:pt x="10" y="24"/>
+                    <a:pt x="6" y="24"/>
+                  </a:cubicBezTo>
+                  <a:close/>
+                </a:path>
+              </a:pathLst>
+            </a:custGeom>
+            <a:grpFill/>
+            <a:ln>
+              <a:noFill/>
+            </a:ln>
+            <a:extLst>
+              <a:ext uri="{91240B29-F687-4F45-9708-019B960494DF}">
+                <a14:hiddenLine xmlns:a14="http://schemas.microsoft.com/office/drawing/2010/main" w="9525">
+                  <a:solidFill>
+                    <a:srgbClr val="000000"/>
+                  </a:solidFill>
+                  <a:round/>
+                  <a:headEnd/>
+                  <a:tailEnd/>
+                </a14:hiddenLine>
+              </a:ext>
+            </a:extLst>
+          </p:spPr>
+          <p:txBody>
+            <a:bodyPr vert="horz" wrap="square" lIns="91440" tIns="45720" rIns="91440" bIns="45720" numCol="1" anchor="t" anchorCtr="0" compatLnSpc="1">
+              <a:prstTxWarp prst="textNoShape">
+                <a:avLst/>
+              </a:prstTxWarp>
+            </a:bodyPr>
+            <a:lstStyle/>
+            <a:p>
+              <a:endParaRPr lang="en-AU">
+                <a:latin typeface="+mn-lt"/>
+              </a:endParaRPr>
+            </a:p>
+          </p:txBody>
+        </p:sp>
+        <p:sp>
+          <p:nvSpPr>
+            <p:cNvPr id="49" name="Freeform 181">
+              <a:extLst>
+                <a:ext uri="{FF2B5EF4-FFF2-40B4-BE49-F238E27FC236}">
+                  <a16:creationId xmlns:a16="http://schemas.microsoft.com/office/drawing/2014/main" id="{D32FA6BB-4B8B-47D9-B0B1-CE4FFC583C7F}"/>
+                </a:ext>
+              </a:extLst>
+            </p:cNvPr>
+            <p:cNvSpPr>
+              <a:spLocks/>
+            </p:cNvSpPr>
+            <p:nvPr/>
+          </p:nvSpPr>
+          <p:spPr bwMode="auto">
+            <a:xfrm>
+              <a:off x="3498" y="2997"/>
+              <a:ext cx="35" cy="18"/>
+            </a:xfrm>
+            <a:custGeom>
+              <a:avLst/>
+              <a:gdLst>
+                <a:gd name="T0" fmla="*/ 18 w 24"/>
+                <a:gd name="T1" fmla="*/ 12 h 12"/>
+                <a:gd name="T2" fmla="*/ 6 w 24"/>
+                <a:gd name="T3" fmla="*/ 12 h 12"/>
+                <a:gd name="T4" fmla="*/ 0 w 24"/>
+                <a:gd name="T5" fmla="*/ 6 h 12"/>
+                <a:gd name="T6" fmla="*/ 6 w 24"/>
+                <a:gd name="T7" fmla="*/ 0 h 12"/>
+                <a:gd name="T8" fmla="*/ 18 w 24"/>
+                <a:gd name="T9" fmla="*/ 0 h 12"/>
+                <a:gd name="T10" fmla="*/ 24 w 24"/>
+                <a:gd name="T11" fmla="*/ 6 h 12"/>
+                <a:gd name="T12" fmla="*/ 18 w 24"/>
+                <a:gd name="T13" fmla="*/ 12 h 12"/>
+              </a:gdLst>
+              <a:ahLst/>
+              <a:cxnLst>
+                <a:cxn ang="0">
+                  <a:pos x="T0" y="T1"/>
+                </a:cxn>
+                <a:cxn ang="0">
+                  <a:pos x="T2" y="T3"/>
+                </a:cxn>
+                <a:cxn ang="0">
+                  <a:pos x="T4" y="T5"/>
+                </a:cxn>
+                <a:cxn ang="0">
+                  <a:pos x="T6" y="T7"/>
+                </a:cxn>
+                <a:cxn ang="0">
+                  <a:pos x="T8" y="T9"/>
+                </a:cxn>
+                <a:cxn ang="0">
+                  <a:pos x="T10" y="T11"/>
+                </a:cxn>
+                <a:cxn ang="0">
+                  <a:pos x="T12" y="T13"/>
+                </a:cxn>
+              </a:cxnLst>
+              <a:rect l="0" t="0" r="r" b="b"/>
+              <a:pathLst>
+                <a:path w="24" h="12">
+                  <a:moveTo>
+                    <a:pt x="18" y="12"/>
+                  </a:moveTo>
+                  <a:cubicBezTo>
+                    <a:pt x="6" y="12"/>
+                    <a:pt x="6" y="12"/>
+                    <a:pt x="6" y="12"/>
+                  </a:cubicBezTo>
+                  <a:cubicBezTo>
+                    <a:pt x="3" y="12"/>
+                    <a:pt x="0" y="10"/>
+                    <a:pt x="0" y="6"/>
+                  </a:cubicBezTo>
+                  <a:cubicBezTo>
+                    <a:pt x="0" y="3"/>
+                    <a:pt x="3" y="0"/>
+                    <a:pt x="6" y="0"/>
+                  </a:cubicBezTo>
+                  <a:cubicBezTo>
+                    <a:pt x="18" y="0"/>
+                    <a:pt x="18" y="0"/>
+                    <a:pt x="18" y="0"/>
+                  </a:cubicBezTo>
+                  <a:cubicBezTo>
+                    <a:pt x="22" y="0"/>
+                    <a:pt x="24" y="3"/>
+                    <a:pt x="24" y="6"/>
+                  </a:cubicBezTo>
+                  <a:cubicBezTo>
+                    <a:pt x="24" y="10"/>
+                    <a:pt x="22" y="12"/>
+                    <a:pt x="18" y="12"/>
+                  </a:cubicBezTo>
+                  <a:close/>
+                </a:path>
+              </a:pathLst>
+            </a:custGeom>
+            <a:grpFill/>
+            <a:ln>
+              <a:noFill/>
+            </a:ln>
+            <a:extLst>
+              <a:ext uri="{91240B29-F687-4F45-9708-019B960494DF}">
+                <a14:hiddenLine xmlns:a14="http://schemas.microsoft.com/office/drawing/2010/main" w="9525">
+                  <a:solidFill>
+                    <a:srgbClr val="000000"/>
+                  </a:solidFill>
+                  <a:round/>
+                  <a:headEnd/>
+                  <a:tailEnd/>
+                </a14:hiddenLine>
+              </a:ext>
+            </a:extLst>
+          </p:spPr>
+          <p:txBody>
+            <a:bodyPr vert="horz" wrap="square" lIns="91440" tIns="45720" rIns="91440" bIns="45720" numCol="1" anchor="t" anchorCtr="0" compatLnSpc="1">
+              <a:prstTxWarp prst="textNoShape">
+                <a:avLst/>
+              </a:prstTxWarp>
+            </a:bodyPr>
+            <a:lstStyle/>
+            <a:p>
+              <a:endParaRPr lang="en-AU">
+                <a:latin typeface="+mn-lt"/>
+              </a:endParaRPr>
+            </a:p>
+          </p:txBody>
+        </p:sp>
+        <p:sp>
+          <p:nvSpPr>
+            <p:cNvPr id="50" name="Freeform 182">
+              <a:extLst>
+                <a:ext uri="{FF2B5EF4-FFF2-40B4-BE49-F238E27FC236}">
+                  <a16:creationId xmlns:a16="http://schemas.microsoft.com/office/drawing/2014/main" id="{C1BBAEFA-9CFA-4691-B4FA-F379ED5F1DF0}"/>
+                </a:ext>
+              </a:extLst>
+            </p:cNvPr>
+            <p:cNvSpPr>
+              <a:spLocks/>
+            </p:cNvSpPr>
+            <p:nvPr/>
+          </p:nvSpPr>
+          <p:spPr bwMode="auto">
+            <a:xfrm>
+              <a:off x="3498" y="3174"/>
+              <a:ext cx="35" cy="18"/>
+            </a:xfrm>
+            <a:custGeom>
+              <a:avLst/>
+              <a:gdLst>
+                <a:gd name="T0" fmla="*/ 18 w 24"/>
+                <a:gd name="T1" fmla="*/ 12 h 12"/>
+                <a:gd name="T2" fmla="*/ 6 w 24"/>
+                <a:gd name="T3" fmla="*/ 12 h 12"/>
+                <a:gd name="T4" fmla="*/ 0 w 24"/>
+                <a:gd name="T5" fmla="*/ 6 h 12"/>
+                <a:gd name="T6" fmla="*/ 6 w 24"/>
+                <a:gd name="T7" fmla="*/ 0 h 12"/>
+                <a:gd name="T8" fmla="*/ 18 w 24"/>
+                <a:gd name="T9" fmla="*/ 0 h 12"/>
+                <a:gd name="T10" fmla="*/ 24 w 24"/>
+                <a:gd name="T11" fmla="*/ 6 h 12"/>
+                <a:gd name="T12" fmla="*/ 18 w 24"/>
+                <a:gd name="T13" fmla="*/ 12 h 12"/>
+              </a:gdLst>
+              <a:ahLst/>
+              <a:cxnLst>
+                <a:cxn ang="0">
+                  <a:pos x="T0" y="T1"/>
+                </a:cxn>
+                <a:cxn ang="0">
+                  <a:pos x="T2" y="T3"/>
+                </a:cxn>
+                <a:cxn ang="0">
+                  <a:pos x="T4" y="T5"/>
+                </a:cxn>
+                <a:cxn ang="0">
+                  <a:pos x="T6" y="T7"/>
+                </a:cxn>
+                <a:cxn ang="0">
+                  <a:pos x="T8" y="T9"/>
+                </a:cxn>
+                <a:cxn ang="0">
+                  <a:pos x="T10" y="T11"/>
+                </a:cxn>
+                <a:cxn ang="0">
+                  <a:pos x="T12" y="T13"/>
+                </a:cxn>
+              </a:cxnLst>
+              <a:rect l="0" t="0" r="r" b="b"/>
+              <a:pathLst>
+                <a:path w="24" h="12">
+                  <a:moveTo>
+                    <a:pt x="18" y="12"/>
+                  </a:moveTo>
+                  <a:cubicBezTo>
+                    <a:pt x="6" y="12"/>
+                    <a:pt x="6" y="12"/>
+                    <a:pt x="6" y="12"/>
+                  </a:cubicBezTo>
+                  <a:cubicBezTo>
+                    <a:pt x="3" y="12"/>
+                    <a:pt x="0" y="10"/>
+                    <a:pt x="0" y="6"/>
+                  </a:cubicBezTo>
+                  <a:cubicBezTo>
+                    <a:pt x="0" y="3"/>
+                    <a:pt x="3" y="0"/>
+                    <a:pt x="6" y="0"/>
+                  </a:cubicBezTo>
+                  <a:cubicBezTo>
+                    <a:pt x="18" y="0"/>
+                    <a:pt x="18" y="0"/>
+                    <a:pt x="18" y="0"/>
+                  </a:cubicBezTo>
+                  <a:cubicBezTo>
+                    <a:pt x="22" y="0"/>
+                    <a:pt x="24" y="3"/>
+                    <a:pt x="24" y="6"/>
+                  </a:cubicBezTo>
+                  <a:cubicBezTo>
+                    <a:pt x="24" y="10"/>
+                    <a:pt x="22" y="12"/>
+                    <a:pt x="18" y="12"/>
+                  </a:cubicBezTo>
+                  <a:close/>
+                </a:path>
+              </a:pathLst>
+            </a:custGeom>
+            <a:grpFill/>
+            <a:ln>
+              <a:noFill/>
+            </a:ln>
+            <a:extLst>
+              <a:ext uri="{91240B29-F687-4F45-9708-019B960494DF}">
+                <a14:hiddenLine xmlns:a14="http://schemas.microsoft.com/office/drawing/2010/main" w="9525">
+                  <a:solidFill>
+                    <a:srgbClr val="000000"/>
+                  </a:solidFill>
+                  <a:round/>
+                  <a:headEnd/>
+                  <a:tailEnd/>
+                </a14:hiddenLine>
+              </a:ext>
+            </a:extLst>
+          </p:spPr>
+          <p:txBody>
+            <a:bodyPr vert="horz" wrap="square" lIns="91440" tIns="45720" rIns="91440" bIns="45720" numCol="1" anchor="t" anchorCtr="0" compatLnSpc="1">
+              <a:prstTxWarp prst="textNoShape">
+                <a:avLst/>
+              </a:prstTxWarp>
+            </a:bodyPr>
+            <a:lstStyle/>
+            <a:p>
+              <a:endParaRPr lang="en-AU">
+                <a:latin typeface="+mn-lt"/>
+              </a:endParaRPr>
+            </a:p>
+          </p:txBody>
+        </p:sp>
+        <p:sp>
+          <p:nvSpPr>
+            <p:cNvPr id="51" name="Freeform 183">
+              <a:extLst>
+                <a:ext uri="{FF2B5EF4-FFF2-40B4-BE49-F238E27FC236}">
+                  <a16:creationId xmlns:a16="http://schemas.microsoft.com/office/drawing/2014/main" id="{D2398E73-3C82-4F04-A5C0-D3D6B4610AE3}"/>
+                </a:ext>
+              </a:extLst>
+            </p:cNvPr>
+            <p:cNvSpPr>
+              <a:spLocks/>
+            </p:cNvSpPr>
+            <p:nvPr/>
+          </p:nvSpPr>
+          <p:spPr bwMode="auto">
+            <a:xfrm>
+              <a:off x="3551" y="2997"/>
+              <a:ext cx="35" cy="18"/>
+            </a:xfrm>
+            <a:custGeom>
+              <a:avLst/>
+              <a:gdLst>
+                <a:gd name="T0" fmla="*/ 18 w 24"/>
+                <a:gd name="T1" fmla="*/ 12 h 12"/>
+                <a:gd name="T2" fmla="*/ 6 w 24"/>
+                <a:gd name="T3" fmla="*/ 12 h 12"/>
+                <a:gd name="T4" fmla="*/ 0 w 24"/>
+                <a:gd name="T5" fmla="*/ 6 h 12"/>
+                <a:gd name="T6" fmla="*/ 6 w 24"/>
+                <a:gd name="T7" fmla="*/ 0 h 12"/>
+                <a:gd name="T8" fmla="*/ 18 w 24"/>
+                <a:gd name="T9" fmla="*/ 0 h 12"/>
+                <a:gd name="T10" fmla="*/ 24 w 24"/>
+                <a:gd name="T11" fmla="*/ 6 h 12"/>
+                <a:gd name="T12" fmla="*/ 18 w 24"/>
+                <a:gd name="T13" fmla="*/ 12 h 12"/>
+              </a:gdLst>
+              <a:ahLst/>
+              <a:cxnLst>
+                <a:cxn ang="0">
+                  <a:pos x="T0" y="T1"/>
+                </a:cxn>
+                <a:cxn ang="0">
+                  <a:pos x="T2" y="T3"/>
+                </a:cxn>
+                <a:cxn ang="0">
+                  <a:pos x="T4" y="T5"/>
+                </a:cxn>
+                <a:cxn ang="0">
+                  <a:pos x="T6" y="T7"/>
+                </a:cxn>
+                <a:cxn ang="0">
+                  <a:pos x="T8" y="T9"/>
+                </a:cxn>
+                <a:cxn ang="0">
+                  <a:pos x="T10" y="T11"/>
+                </a:cxn>
+                <a:cxn ang="0">
+                  <a:pos x="T12" y="T13"/>
+                </a:cxn>
+              </a:cxnLst>
+              <a:rect l="0" t="0" r="r" b="b"/>
+              <a:pathLst>
+                <a:path w="24" h="12">
+                  <a:moveTo>
+                    <a:pt x="18" y="12"/>
+                  </a:moveTo>
+                  <a:cubicBezTo>
+                    <a:pt x="6" y="12"/>
+                    <a:pt x="6" y="12"/>
+                    <a:pt x="6" y="12"/>
+                  </a:cubicBezTo>
+                  <a:cubicBezTo>
+                    <a:pt x="3" y="12"/>
+                    <a:pt x="0" y="10"/>
+                    <a:pt x="0" y="6"/>
+                  </a:cubicBezTo>
+                  <a:cubicBezTo>
+                    <a:pt x="0" y="3"/>
+                    <a:pt x="3" y="0"/>
+                    <a:pt x="6" y="0"/>
+                  </a:cubicBezTo>
+                  <a:cubicBezTo>
+                    <a:pt x="18" y="0"/>
+                    <a:pt x="18" y="0"/>
+                    <a:pt x="18" y="0"/>
+                  </a:cubicBezTo>
+                  <a:cubicBezTo>
+                    <a:pt x="22" y="0"/>
+                    <a:pt x="24" y="3"/>
+                    <a:pt x="24" y="6"/>
+                  </a:cubicBezTo>
+                  <a:cubicBezTo>
+                    <a:pt x="24" y="10"/>
+                    <a:pt x="22" y="12"/>
+                    <a:pt x="18" y="12"/>
+                  </a:cubicBezTo>
+                  <a:close/>
+                </a:path>
+              </a:pathLst>
+            </a:custGeom>
+            <a:grpFill/>
+            <a:ln>
+              <a:noFill/>
+            </a:ln>
+            <a:extLst>
+              <a:ext uri="{91240B29-F687-4F45-9708-019B960494DF}">
+                <a14:hiddenLine xmlns:a14="http://schemas.microsoft.com/office/drawing/2010/main" w="9525">
+                  <a:solidFill>
+                    <a:srgbClr val="000000"/>
+                  </a:solidFill>
+                  <a:round/>
+                  <a:headEnd/>
+                  <a:tailEnd/>
+                </a14:hiddenLine>
+              </a:ext>
+            </a:extLst>
+          </p:spPr>
+          <p:txBody>
+            <a:bodyPr vert="horz" wrap="square" lIns="91440" tIns="45720" rIns="91440" bIns="45720" numCol="1" anchor="t" anchorCtr="0" compatLnSpc="1">
+              <a:prstTxWarp prst="textNoShape">
+                <a:avLst/>
+              </a:prstTxWarp>
+            </a:bodyPr>
+            <a:lstStyle/>
+            <a:p>
+              <a:endParaRPr lang="en-AU">
+                <a:latin typeface="+mn-lt"/>
+              </a:endParaRPr>
+            </a:p>
+          </p:txBody>
+        </p:sp>
+        <p:sp>
+          <p:nvSpPr>
+            <p:cNvPr id="52" name="Freeform 184">
+              <a:extLst>
+                <a:ext uri="{FF2B5EF4-FFF2-40B4-BE49-F238E27FC236}">
+                  <a16:creationId xmlns:a16="http://schemas.microsoft.com/office/drawing/2014/main" id="{8B7CD951-0BB1-4631-9D84-7BF743BA68A4}"/>
+                </a:ext>
+              </a:extLst>
+            </p:cNvPr>
+            <p:cNvSpPr>
+              <a:spLocks/>
+            </p:cNvSpPr>
+            <p:nvPr/>
+          </p:nvSpPr>
+          <p:spPr bwMode="auto">
+            <a:xfrm>
+              <a:off x="3551" y="3174"/>
+              <a:ext cx="35" cy="18"/>
+            </a:xfrm>
+            <a:custGeom>
+              <a:avLst/>
+              <a:gdLst>
+                <a:gd name="T0" fmla="*/ 18 w 24"/>
+                <a:gd name="T1" fmla="*/ 12 h 12"/>
+                <a:gd name="T2" fmla="*/ 6 w 24"/>
+                <a:gd name="T3" fmla="*/ 12 h 12"/>
+                <a:gd name="T4" fmla="*/ 0 w 24"/>
+                <a:gd name="T5" fmla="*/ 6 h 12"/>
+                <a:gd name="T6" fmla="*/ 6 w 24"/>
+                <a:gd name="T7" fmla="*/ 0 h 12"/>
+                <a:gd name="T8" fmla="*/ 18 w 24"/>
+                <a:gd name="T9" fmla="*/ 0 h 12"/>
+                <a:gd name="T10" fmla="*/ 24 w 24"/>
+                <a:gd name="T11" fmla="*/ 6 h 12"/>
+                <a:gd name="T12" fmla="*/ 18 w 24"/>
+                <a:gd name="T13" fmla="*/ 12 h 12"/>
+              </a:gdLst>
+              <a:ahLst/>
+              <a:cxnLst>
+                <a:cxn ang="0">
+                  <a:pos x="T0" y="T1"/>
+                </a:cxn>
+                <a:cxn ang="0">
+                  <a:pos x="T2" y="T3"/>
+                </a:cxn>
+                <a:cxn ang="0">
+                  <a:pos x="T4" y="T5"/>
+                </a:cxn>
+                <a:cxn ang="0">
+                  <a:pos x="T6" y="T7"/>
+                </a:cxn>
+                <a:cxn ang="0">
+                  <a:pos x="T8" y="T9"/>
+                </a:cxn>
+                <a:cxn ang="0">
+                  <a:pos x="T10" y="T11"/>
+                </a:cxn>
+                <a:cxn ang="0">
+                  <a:pos x="T12" y="T13"/>
+                </a:cxn>
+              </a:cxnLst>
+              <a:rect l="0" t="0" r="r" b="b"/>
+              <a:pathLst>
+                <a:path w="24" h="12">
+                  <a:moveTo>
+                    <a:pt x="18" y="12"/>
+                  </a:moveTo>
+                  <a:cubicBezTo>
+                    <a:pt x="6" y="12"/>
+                    <a:pt x="6" y="12"/>
+                    <a:pt x="6" y="12"/>
+                  </a:cubicBezTo>
+                  <a:cubicBezTo>
+                    <a:pt x="3" y="12"/>
+                    <a:pt x="0" y="10"/>
+                    <a:pt x="0" y="6"/>
+                  </a:cubicBezTo>
+                  <a:cubicBezTo>
+                    <a:pt x="0" y="3"/>
+                    <a:pt x="3" y="0"/>
+                    <a:pt x="6" y="0"/>
+                  </a:cubicBezTo>
+                  <a:cubicBezTo>
+                    <a:pt x="18" y="0"/>
+                    <a:pt x="18" y="0"/>
+                    <a:pt x="18" y="0"/>
+                  </a:cubicBezTo>
+                  <a:cubicBezTo>
+                    <a:pt x="22" y="0"/>
+                    <a:pt x="24" y="3"/>
+                    <a:pt x="24" y="6"/>
+                  </a:cubicBezTo>
+                  <a:cubicBezTo>
+                    <a:pt x="24" y="10"/>
+                    <a:pt x="22" y="12"/>
+                    <a:pt x="18" y="12"/>
+                  </a:cubicBezTo>
+                  <a:close/>
+                </a:path>
+              </a:pathLst>
+            </a:custGeom>
+            <a:grpFill/>
+            <a:ln>
+              <a:noFill/>
+            </a:ln>
+            <a:extLst>
+              <a:ext uri="{91240B29-F687-4F45-9708-019B960494DF}">
+                <a14:hiddenLine xmlns:a14="http://schemas.microsoft.com/office/drawing/2010/main" w="9525">
+                  <a:solidFill>
+                    <a:srgbClr val="000000"/>
+                  </a:solidFill>
+                  <a:round/>
+                  <a:headEnd/>
+                  <a:tailEnd/>
+                </a14:hiddenLine>
+              </a:ext>
+            </a:extLst>
+          </p:spPr>
+          <p:txBody>
+            <a:bodyPr vert="horz" wrap="square" lIns="91440" tIns="45720" rIns="91440" bIns="45720" numCol="1" anchor="t" anchorCtr="0" compatLnSpc="1">
+              <a:prstTxWarp prst="textNoShape">
+                <a:avLst/>
+              </a:prstTxWarp>
+            </a:bodyPr>
+            <a:lstStyle/>
+            <a:p>
+              <a:endParaRPr lang="en-AU">
+                <a:latin typeface="+mn-lt"/>
+              </a:endParaRPr>
+            </a:p>
+          </p:txBody>
+        </p:sp>
+        <p:sp>
+          <p:nvSpPr>
+            <p:cNvPr id="53" name="Freeform 185">
+              <a:extLst>
+                <a:ext uri="{FF2B5EF4-FFF2-40B4-BE49-F238E27FC236}">
+                  <a16:creationId xmlns:a16="http://schemas.microsoft.com/office/drawing/2014/main" id="{C7F7C5A6-6B93-4FC1-A7D2-78D6E5E40D66}"/>
+                </a:ext>
+              </a:extLst>
+            </p:cNvPr>
+            <p:cNvSpPr>
+              <a:spLocks/>
+            </p:cNvSpPr>
+            <p:nvPr/>
+          </p:nvSpPr>
+          <p:spPr bwMode="auto">
+            <a:xfrm>
+              <a:off x="3604" y="3156"/>
+              <a:ext cx="36" cy="36"/>
+            </a:xfrm>
+            <a:custGeom>
+              <a:avLst/>
+              <a:gdLst>
+                <a:gd name="T0" fmla="*/ 18 w 24"/>
+                <a:gd name="T1" fmla="*/ 24 h 24"/>
+                <a:gd name="T2" fmla="*/ 6 w 24"/>
+                <a:gd name="T3" fmla="*/ 24 h 24"/>
+                <a:gd name="T4" fmla="*/ 0 w 24"/>
+                <a:gd name="T5" fmla="*/ 18 h 24"/>
+                <a:gd name="T6" fmla="*/ 6 w 24"/>
+                <a:gd name="T7" fmla="*/ 12 h 24"/>
+                <a:gd name="T8" fmla="*/ 12 w 24"/>
+                <a:gd name="T9" fmla="*/ 12 h 24"/>
+                <a:gd name="T10" fmla="*/ 12 w 24"/>
+                <a:gd name="T11" fmla="*/ 6 h 24"/>
+                <a:gd name="T12" fmla="*/ 18 w 24"/>
+                <a:gd name="T13" fmla="*/ 0 h 24"/>
+                <a:gd name="T14" fmla="*/ 24 w 24"/>
+                <a:gd name="T15" fmla="*/ 6 h 24"/>
+                <a:gd name="T16" fmla="*/ 24 w 24"/>
+                <a:gd name="T17" fmla="*/ 18 h 24"/>
+                <a:gd name="T18" fmla="*/ 18 w 24"/>
+                <a:gd name="T19" fmla="*/ 24 h 24"/>
+              </a:gdLst>
+              <a:ahLst/>
+              <a:cxnLst>
+                <a:cxn ang="0">
+                  <a:pos x="T0" y="T1"/>
+                </a:cxn>
+                <a:cxn ang="0">
+                  <a:pos x="T2" y="T3"/>
+                </a:cxn>
+                <a:cxn ang="0">
+                  <a:pos x="T4" y="T5"/>
+                </a:cxn>
+                <a:cxn ang="0">
+                  <a:pos x="T6" y="T7"/>
+                </a:cxn>
+                <a:cxn ang="0">
+                  <a:pos x="T8" y="T9"/>
+                </a:cxn>
+                <a:cxn ang="0">
+                  <a:pos x="T10" y="T11"/>
+                </a:cxn>
+                <a:cxn ang="0">
+                  <a:pos x="T12" y="T13"/>
+                </a:cxn>
+                <a:cxn ang="0">
+                  <a:pos x="T14" y="T15"/>
+                </a:cxn>
+                <a:cxn ang="0">
+                  <a:pos x="T16" y="T17"/>
+                </a:cxn>
+                <a:cxn ang="0">
+                  <a:pos x="T18" y="T19"/>
+                </a:cxn>
+              </a:cxnLst>
+              <a:rect l="0" t="0" r="r" b="b"/>
+              <a:pathLst>
+                <a:path w="24" h="24">
+                  <a:moveTo>
+                    <a:pt x="18" y="24"/>
+                  </a:moveTo>
+                  <a:cubicBezTo>
+                    <a:pt x="6" y="24"/>
+                    <a:pt x="6" y="24"/>
+                    <a:pt x="6" y="24"/>
+                  </a:cubicBezTo>
+                  <a:cubicBezTo>
+                    <a:pt x="3" y="24"/>
+                    <a:pt x="0" y="22"/>
+                    <a:pt x="0" y="18"/>
+                  </a:cubicBezTo>
+                  <a:cubicBezTo>
+                    <a:pt x="0" y="15"/>
+                    <a:pt x="3" y="12"/>
+                    <a:pt x="6" y="12"/>
+                  </a:cubicBezTo>
+                  <a:cubicBezTo>
+                    <a:pt x="12" y="12"/>
+                    <a:pt x="12" y="12"/>
+                    <a:pt x="12" y="12"/>
+                  </a:cubicBezTo>
+                  <a:cubicBezTo>
+                    <a:pt x="12" y="6"/>
+                    <a:pt x="12" y="6"/>
+                    <a:pt x="12" y="6"/>
+                  </a:cubicBezTo>
+                  <a:cubicBezTo>
+                    <a:pt x="12" y="3"/>
+                    <a:pt x="15" y="0"/>
+                    <a:pt x="18" y="0"/>
+                  </a:cubicBezTo>
+                  <a:cubicBezTo>
+                    <a:pt x="22" y="0"/>
+                    <a:pt x="24" y="3"/>
+                    <a:pt x="24" y="6"/>
+                  </a:cubicBezTo>
+                  <a:cubicBezTo>
+                    <a:pt x="24" y="18"/>
+                    <a:pt x="24" y="18"/>
+                    <a:pt x="24" y="18"/>
+                  </a:cubicBezTo>
+                  <a:cubicBezTo>
+                    <a:pt x="24" y="22"/>
+                    <a:pt x="22" y="24"/>
+                    <a:pt x="18" y="24"/>
+                  </a:cubicBezTo>
+                  <a:close/>
+                </a:path>
+              </a:pathLst>
+            </a:custGeom>
+            <a:grpFill/>
+            <a:ln>
+              <a:noFill/>
+            </a:ln>
+            <a:extLst>
+              <a:ext uri="{91240B29-F687-4F45-9708-019B960494DF}">
+                <a14:hiddenLine xmlns:a14="http://schemas.microsoft.com/office/drawing/2010/main" w="9525">
+                  <a:solidFill>
+                    <a:srgbClr val="000000"/>
+                  </a:solidFill>
+                  <a:round/>
+                  <a:headEnd/>
+                  <a:tailEnd/>
+                </a14:hiddenLine>
+              </a:ext>
+            </a:extLst>
+          </p:spPr>
+          <p:txBody>
+            <a:bodyPr vert="horz" wrap="square" lIns="91440" tIns="45720" rIns="91440" bIns="45720" numCol="1" anchor="t" anchorCtr="0" compatLnSpc="1">
+              <a:prstTxWarp prst="textNoShape">
+                <a:avLst/>
+              </a:prstTxWarp>
+            </a:bodyPr>
+            <a:lstStyle/>
+            <a:p>
+              <a:endParaRPr lang="en-AU">
+                <a:latin typeface="+mn-lt"/>
+              </a:endParaRPr>
+            </a:p>
+          </p:txBody>
+        </p:sp>
+        <p:sp>
+          <p:nvSpPr>
+            <p:cNvPr id="54" name="Freeform 186">
+              <a:extLst>
+                <a:ext uri="{FF2B5EF4-FFF2-40B4-BE49-F238E27FC236}">
+                  <a16:creationId xmlns:a16="http://schemas.microsoft.com/office/drawing/2014/main" id="{BE72D0AB-8485-4ED4-9DDE-5C8316270346}"/>
+                </a:ext>
+              </a:extLst>
+            </p:cNvPr>
+            <p:cNvSpPr>
+              <a:spLocks/>
+            </p:cNvSpPr>
+            <p:nvPr/>
+          </p:nvSpPr>
+          <p:spPr bwMode="auto">
+            <a:xfrm>
+              <a:off x="3622" y="3103"/>
+              <a:ext cx="18" cy="36"/>
+            </a:xfrm>
+            <a:custGeom>
+              <a:avLst/>
+              <a:gdLst>
+                <a:gd name="T0" fmla="*/ 6 w 12"/>
+                <a:gd name="T1" fmla="*/ 24 h 24"/>
+                <a:gd name="T2" fmla="*/ 0 w 12"/>
+                <a:gd name="T3" fmla="*/ 18 h 24"/>
+                <a:gd name="T4" fmla="*/ 0 w 12"/>
+                <a:gd name="T5" fmla="*/ 6 h 24"/>
+                <a:gd name="T6" fmla="*/ 6 w 12"/>
+                <a:gd name="T7" fmla="*/ 0 h 24"/>
+                <a:gd name="T8" fmla="*/ 12 w 12"/>
+                <a:gd name="T9" fmla="*/ 6 h 24"/>
+                <a:gd name="T10" fmla="*/ 12 w 12"/>
+                <a:gd name="T11" fmla="*/ 18 h 24"/>
+                <a:gd name="T12" fmla="*/ 6 w 12"/>
+                <a:gd name="T13" fmla="*/ 24 h 24"/>
+              </a:gdLst>
+              <a:ahLst/>
+              <a:cxnLst>
+                <a:cxn ang="0">
+                  <a:pos x="T0" y="T1"/>
+                </a:cxn>
+                <a:cxn ang="0">
+                  <a:pos x="T2" y="T3"/>
+                </a:cxn>
+                <a:cxn ang="0">
+                  <a:pos x="T4" y="T5"/>
+                </a:cxn>
+                <a:cxn ang="0">
+                  <a:pos x="T6" y="T7"/>
+                </a:cxn>
+                <a:cxn ang="0">
+                  <a:pos x="T8" y="T9"/>
+                </a:cxn>
+                <a:cxn ang="0">
+                  <a:pos x="T10" y="T11"/>
+                </a:cxn>
+                <a:cxn ang="0">
+                  <a:pos x="T12" y="T13"/>
+                </a:cxn>
+              </a:cxnLst>
+              <a:rect l="0" t="0" r="r" b="b"/>
+              <a:pathLst>
+                <a:path w="12" h="24">
+                  <a:moveTo>
+                    <a:pt x="6" y="24"/>
+                  </a:moveTo>
+                  <a:cubicBezTo>
+                    <a:pt x="3" y="24"/>
+                    <a:pt x="0" y="22"/>
+                    <a:pt x="0" y="18"/>
+                  </a:cubicBezTo>
+                  <a:cubicBezTo>
+                    <a:pt x="0" y="6"/>
+                    <a:pt x="0" y="6"/>
+                    <a:pt x="0" y="6"/>
+                  </a:cubicBezTo>
+                  <a:cubicBezTo>
+                    <a:pt x="0" y="3"/>
+                    <a:pt x="3" y="0"/>
+                    <a:pt x="6" y="0"/>
+                  </a:cubicBezTo>
+                  <a:cubicBezTo>
+                    <a:pt x="10" y="0"/>
+                    <a:pt x="12" y="3"/>
+                    <a:pt x="12" y="6"/>
+                  </a:cubicBezTo>
+                  <a:cubicBezTo>
+                    <a:pt x="12" y="18"/>
+                    <a:pt x="12" y="18"/>
+                    <a:pt x="12" y="18"/>
+                  </a:cubicBezTo>
+                  <a:cubicBezTo>
+                    <a:pt x="12" y="22"/>
+                    <a:pt x="10" y="24"/>
+                    <a:pt x="6" y="24"/>
+                  </a:cubicBezTo>
+                  <a:close/>
+                </a:path>
+              </a:pathLst>
+            </a:custGeom>
+            <a:grpFill/>
+            <a:ln>
+              <a:noFill/>
+            </a:ln>
+            <a:extLst>
+              <a:ext uri="{91240B29-F687-4F45-9708-019B960494DF}">
+                <a14:hiddenLine xmlns:a14="http://schemas.microsoft.com/office/drawing/2010/main" w="9525">
+                  <a:solidFill>
+                    <a:srgbClr val="000000"/>
+                  </a:solidFill>
+                  <a:round/>
+                  <a:headEnd/>
+                  <a:tailEnd/>
+                </a14:hiddenLine>
+              </a:ext>
+            </a:extLst>
+          </p:spPr>
+          <p:txBody>
+            <a:bodyPr vert="horz" wrap="square" lIns="91440" tIns="45720" rIns="91440" bIns="45720" numCol="1" anchor="t" anchorCtr="0" compatLnSpc="1">
+              <a:prstTxWarp prst="textNoShape">
+                <a:avLst/>
+              </a:prstTxWarp>
+            </a:bodyPr>
+            <a:lstStyle/>
+            <a:p>
+              <a:endParaRPr lang="en-AU">
+                <a:latin typeface="+mn-lt"/>
+              </a:endParaRPr>
+            </a:p>
+          </p:txBody>
+        </p:sp>
+        <p:sp>
+          <p:nvSpPr>
+            <p:cNvPr id="55" name="Freeform 187">
+              <a:extLst>
+                <a:ext uri="{FF2B5EF4-FFF2-40B4-BE49-F238E27FC236}">
+                  <a16:creationId xmlns:a16="http://schemas.microsoft.com/office/drawing/2014/main" id="{2491270C-D1E4-4ADA-953E-C206E931B23B}"/>
+                </a:ext>
+              </a:extLst>
+            </p:cNvPr>
+            <p:cNvSpPr>
+              <a:spLocks/>
+            </p:cNvSpPr>
+            <p:nvPr/>
+          </p:nvSpPr>
+          <p:spPr bwMode="auto">
+            <a:xfrm>
+              <a:off x="3445" y="3156"/>
+              <a:ext cx="35" cy="36"/>
+            </a:xfrm>
+            <a:custGeom>
+              <a:avLst/>
+              <a:gdLst>
+                <a:gd name="T0" fmla="*/ 18 w 24"/>
+                <a:gd name="T1" fmla="*/ 24 h 24"/>
+                <a:gd name="T2" fmla="*/ 6 w 24"/>
+                <a:gd name="T3" fmla="*/ 24 h 24"/>
+                <a:gd name="T4" fmla="*/ 0 w 24"/>
+                <a:gd name="T5" fmla="*/ 18 h 24"/>
+                <a:gd name="T6" fmla="*/ 0 w 24"/>
+                <a:gd name="T7" fmla="*/ 6 h 24"/>
+                <a:gd name="T8" fmla="*/ 6 w 24"/>
+                <a:gd name="T9" fmla="*/ 0 h 24"/>
+                <a:gd name="T10" fmla="*/ 12 w 24"/>
+                <a:gd name="T11" fmla="*/ 6 h 24"/>
+                <a:gd name="T12" fmla="*/ 12 w 24"/>
+                <a:gd name="T13" fmla="*/ 12 h 24"/>
+                <a:gd name="T14" fmla="*/ 18 w 24"/>
+                <a:gd name="T15" fmla="*/ 12 h 24"/>
+                <a:gd name="T16" fmla="*/ 24 w 24"/>
+                <a:gd name="T17" fmla="*/ 18 h 24"/>
+                <a:gd name="T18" fmla="*/ 18 w 24"/>
+                <a:gd name="T19" fmla="*/ 24 h 24"/>
+              </a:gdLst>
+              <a:ahLst/>
+              <a:cxnLst>
+                <a:cxn ang="0">
+                  <a:pos x="T0" y="T1"/>
+                </a:cxn>
+                <a:cxn ang="0">
+                  <a:pos x="T2" y="T3"/>
+                </a:cxn>
+                <a:cxn ang="0">
+                  <a:pos x="T4" y="T5"/>
+                </a:cxn>
+                <a:cxn ang="0">
+                  <a:pos x="T6" y="T7"/>
+                </a:cxn>
+                <a:cxn ang="0">
+                  <a:pos x="T8" y="T9"/>
+                </a:cxn>
+                <a:cxn ang="0">
+                  <a:pos x="T10" y="T11"/>
+                </a:cxn>
+                <a:cxn ang="0">
+                  <a:pos x="T12" y="T13"/>
+                </a:cxn>
+                <a:cxn ang="0">
+                  <a:pos x="T14" y="T15"/>
+                </a:cxn>
+                <a:cxn ang="0">
+                  <a:pos x="T16" y="T17"/>
+                </a:cxn>
+                <a:cxn ang="0">
+                  <a:pos x="T18" y="T19"/>
+                </a:cxn>
+              </a:cxnLst>
+              <a:rect l="0" t="0" r="r" b="b"/>
+              <a:pathLst>
+                <a:path w="24" h="24">
+                  <a:moveTo>
+                    <a:pt x="18" y="24"/>
+                  </a:moveTo>
+                  <a:cubicBezTo>
+                    <a:pt x="6" y="24"/>
+                    <a:pt x="6" y="24"/>
+                    <a:pt x="6" y="24"/>
+                  </a:cubicBezTo>
+                  <a:cubicBezTo>
+                    <a:pt x="3" y="24"/>
+                    <a:pt x="0" y="22"/>
+                    <a:pt x="0" y="18"/>
+                  </a:cubicBezTo>
+                  <a:cubicBezTo>
+                    <a:pt x="0" y="6"/>
+                    <a:pt x="0" y="6"/>
+                    <a:pt x="0" y="6"/>
+                  </a:cubicBezTo>
+                  <a:cubicBezTo>
+                    <a:pt x="0" y="3"/>
+                    <a:pt x="3" y="0"/>
+                    <a:pt x="6" y="0"/>
+                  </a:cubicBezTo>
+                  <a:cubicBezTo>
+                    <a:pt x="10" y="0"/>
+                    <a:pt x="12" y="3"/>
+                    <a:pt x="12" y="6"/>
+                  </a:cubicBezTo>
+                  <a:cubicBezTo>
+                    <a:pt x="12" y="12"/>
+                    <a:pt x="12" y="12"/>
+                    <a:pt x="12" y="12"/>
+                  </a:cubicBezTo>
+                  <a:cubicBezTo>
+                    <a:pt x="18" y="12"/>
+                    <a:pt x="18" y="12"/>
+                    <a:pt x="18" y="12"/>
+                  </a:cubicBezTo>
+                  <a:cubicBezTo>
+                    <a:pt x="22" y="12"/>
+                    <a:pt x="24" y="15"/>
+                    <a:pt x="24" y="18"/>
+                  </a:cubicBezTo>
+                  <a:cubicBezTo>
+                    <a:pt x="24" y="22"/>
+                    <a:pt x="22" y="24"/>
+                    <a:pt x="18" y="24"/>
+                  </a:cubicBezTo>
+                  <a:close/>
+                </a:path>
+              </a:pathLst>
+            </a:custGeom>
+            <a:grpFill/>
+            <a:ln>
+              <a:noFill/>
+            </a:ln>
+            <a:extLst>
+              <a:ext uri="{91240B29-F687-4F45-9708-019B960494DF}">
+                <a14:hiddenLine xmlns:a14="http://schemas.microsoft.com/office/drawing/2010/main" w="9525">
+                  <a:solidFill>
+                    <a:srgbClr val="000000"/>
+                  </a:solidFill>
+                  <a:round/>
+                  <a:headEnd/>
+                  <a:tailEnd/>
+                </a14:hiddenLine>
+              </a:ext>
+            </a:extLst>
+          </p:spPr>
+          <p:txBody>
+            <a:bodyPr vert="horz" wrap="square" lIns="91440" tIns="45720" rIns="91440" bIns="45720" numCol="1" anchor="t" anchorCtr="0" compatLnSpc="1">
+              <a:prstTxWarp prst="textNoShape">
+                <a:avLst/>
+              </a:prstTxWarp>
+            </a:bodyPr>
+            <a:lstStyle/>
+            <a:p>
+              <a:endParaRPr lang="en-AU">
+                <a:latin typeface="+mn-lt"/>
+              </a:endParaRPr>
+            </a:p>
+          </p:txBody>
+        </p:sp>
+        <p:sp>
+          <p:nvSpPr>
+            <p:cNvPr id="56" name="Freeform 188">
+              <a:extLst>
+                <a:ext uri="{FF2B5EF4-FFF2-40B4-BE49-F238E27FC236}">
+                  <a16:creationId xmlns:a16="http://schemas.microsoft.com/office/drawing/2014/main" id="{EAF955C8-336C-4289-8C1F-5C84B88301CA}"/>
+                </a:ext>
+              </a:extLst>
+            </p:cNvPr>
+            <p:cNvSpPr>
+              <a:spLocks/>
+            </p:cNvSpPr>
+            <p:nvPr/>
+          </p:nvSpPr>
+          <p:spPr bwMode="auto">
+            <a:xfrm>
+              <a:off x="3445" y="3103"/>
+              <a:ext cx="17" cy="36"/>
+            </a:xfrm>
+            <a:custGeom>
+              <a:avLst/>
+              <a:gdLst>
+                <a:gd name="T0" fmla="*/ 6 w 12"/>
+                <a:gd name="T1" fmla="*/ 24 h 24"/>
+                <a:gd name="T2" fmla="*/ 0 w 12"/>
+                <a:gd name="T3" fmla="*/ 18 h 24"/>
+                <a:gd name="T4" fmla="*/ 0 w 12"/>
+                <a:gd name="T5" fmla="*/ 6 h 24"/>
+                <a:gd name="T6" fmla="*/ 6 w 12"/>
+                <a:gd name="T7" fmla="*/ 0 h 24"/>
+                <a:gd name="T8" fmla="*/ 12 w 12"/>
+                <a:gd name="T9" fmla="*/ 6 h 24"/>
+                <a:gd name="T10" fmla="*/ 12 w 12"/>
+                <a:gd name="T11" fmla="*/ 18 h 24"/>
+                <a:gd name="T12" fmla="*/ 6 w 12"/>
+                <a:gd name="T13" fmla="*/ 24 h 24"/>
+              </a:gdLst>
+              <a:ahLst/>
+              <a:cxnLst>
+                <a:cxn ang="0">
+                  <a:pos x="T0" y="T1"/>
+                </a:cxn>
+                <a:cxn ang="0">
+                  <a:pos x="T2" y="T3"/>
+                </a:cxn>
+                <a:cxn ang="0">
+                  <a:pos x="T4" y="T5"/>
+                </a:cxn>
+                <a:cxn ang="0">
+                  <a:pos x="T6" y="T7"/>
+                </a:cxn>
+                <a:cxn ang="0">
+                  <a:pos x="T8" y="T9"/>
+                </a:cxn>
+                <a:cxn ang="0">
+                  <a:pos x="T10" y="T11"/>
+                </a:cxn>
+                <a:cxn ang="0">
+                  <a:pos x="T12" y="T13"/>
+                </a:cxn>
+              </a:cxnLst>
+              <a:rect l="0" t="0" r="r" b="b"/>
+              <a:pathLst>
+                <a:path w="12" h="24">
+                  <a:moveTo>
+                    <a:pt x="6" y="24"/>
+                  </a:moveTo>
+                  <a:cubicBezTo>
+                    <a:pt x="3" y="24"/>
+                    <a:pt x="0" y="22"/>
+                    <a:pt x="0" y="18"/>
+                  </a:cubicBezTo>
+                  <a:cubicBezTo>
+                    <a:pt x="0" y="6"/>
+                    <a:pt x="0" y="6"/>
+                    <a:pt x="0" y="6"/>
+                  </a:cubicBezTo>
+                  <a:cubicBezTo>
+                    <a:pt x="0" y="3"/>
+                    <a:pt x="3" y="0"/>
+                    <a:pt x="6" y="0"/>
+                  </a:cubicBezTo>
+                  <a:cubicBezTo>
+                    <a:pt x="10" y="0"/>
+                    <a:pt x="12" y="3"/>
+                    <a:pt x="12" y="6"/>
+                  </a:cubicBezTo>
+                  <a:cubicBezTo>
+                    <a:pt x="12" y="18"/>
+                    <a:pt x="12" y="18"/>
+                    <a:pt x="12" y="18"/>
+                  </a:cubicBezTo>
+                  <a:cubicBezTo>
+                    <a:pt x="12" y="22"/>
+                    <a:pt x="10" y="24"/>
+                    <a:pt x="6" y="24"/>
+                  </a:cubicBezTo>
+                  <a:close/>
+                </a:path>
+              </a:pathLst>
+            </a:custGeom>
+            <a:grpFill/>
+            <a:ln>
+              <a:noFill/>
+            </a:ln>
+            <a:extLst>
+              <a:ext uri="{91240B29-F687-4F45-9708-019B960494DF}">
+                <a14:hiddenLine xmlns:a14="http://schemas.microsoft.com/office/drawing/2010/main" w="9525">
+                  <a:solidFill>
+                    <a:srgbClr val="000000"/>
+                  </a:solidFill>
+                  <a:round/>
+                  <a:headEnd/>
+                  <a:tailEnd/>
+                </a14:hiddenLine>
+              </a:ext>
+            </a:extLst>
+          </p:spPr>
+          <p:txBody>
+            <a:bodyPr vert="horz" wrap="square" lIns="91440" tIns="45720" rIns="91440" bIns="45720" numCol="1" anchor="t" anchorCtr="0" compatLnSpc="1">
+              <a:prstTxWarp prst="textNoShape">
+                <a:avLst/>
+              </a:prstTxWarp>
+            </a:bodyPr>
+            <a:lstStyle/>
+            <a:p>
+              <a:endParaRPr lang="en-AU">
+                <a:latin typeface="+mn-lt"/>
+              </a:endParaRPr>
+            </a:p>
+          </p:txBody>
+        </p:sp>
+        <p:sp>
+          <p:nvSpPr>
+            <p:cNvPr id="57" name="Freeform 189">
+              <a:extLst>
+                <a:ext uri="{FF2B5EF4-FFF2-40B4-BE49-F238E27FC236}">
+                  <a16:creationId xmlns:a16="http://schemas.microsoft.com/office/drawing/2014/main" id="{F99CDA03-A0AF-4DC9-8F88-5A3FF6A3A16B}"/>
+                </a:ext>
+              </a:extLst>
+            </p:cNvPr>
+            <p:cNvSpPr>
+              <a:spLocks/>
+            </p:cNvSpPr>
+            <p:nvPr/>
+          </p:nvSpPr>
+          <p:spPr bwMode="auto">
+            <a:xfrm>
+              <a:off x="3622" y="3050"/>
+              <a:ext cx="18" cy="35"/>
+            </a:xfrm>
+            <a:custGeom>
+              <a:avLst/>
+              <a:gdLst>
+                <a:gd name="T0" fmla="*/ 6 w 12"/>
+                <a:gd name="T1" fmla="*/ 24 h 24"/>
+                <a:gd name="T2" fmla="*/ 0 w 12"/>
+                <a:gd name="T3" fmla="*/ 18 h 24"/>
+                <a:gd name="T4" fmla="*/ 0 w 12"/>
+                <a:gd name="T5" fmla="*/ 6 h 24"/>
+                <a:gd name="T6" fmla="*/ 6 w 12"/>
+                <a:gd name="T7" fmla="*/ 0 h 24"/>
+                <a:gd name="T8" fmla="*/ 12 w 12"/>
+                <a:gd name="T9" fmla="*/ 6 h 24"/>
+                <a:gd name="T10" fmla="*/ 12 w 12"/>
+                <a:gd name="T11" fmla="*/ 18 h 24"/>
+                <a:gd name="T12" fmla="*/ 6 w 12"/>
+                <a:gd name="T13" fmla="*/ 24 h 24"/>
+              </a:gdLst>
+              <a:ahLst/>
+              <a:cxnLst>
+                <a:cxn ang="0">
+                  <a:pos x="T0" y="T1"/>
+                </a:cxn>
+                <a:cxn ang="0">
+                  <a:pos x="T2" y="T3"/>
+                </a:cxn>
+                <a:cxn ang="0">
+                  <a:pos x="T4" y="T5"/>
+                </a:cxn>
+                <a:cxn ang="0">
+                  <a:pos x="T6" y="T7"/>
+                </a:cxn>
+                <a:cxn ang="0">
+                  <a:pos x="T8" y="T9"/>
+                </a:cxn>
+                <a:cxn ang="0">
+                  <a:pos x="T10" y="T11"/>
+                </a:cxn>
+                <a:cxn ang="0">
+                  <a:pos x="T12" y="T13"/>
+                </a:cxn>
+              </a:cxnLst>
+              <a:rect l="0" t="0" r="r" b="b"/>
+              <a:pathLst>
+                <a:path w="12" h="24">
+                  <a:moveTo>
+                    <a:pt x="6" y="24"/>
+                  </a:moveTo>
+                  <a:cubicBezTo>
+                    <a:pt x="3" y="24"/>
+                    <a:pt x="0" y="22"/>
+                    <a:pt x="0" y="18"/>
+                  </a:cubicBezTo>
+                  <a:cubicBezTo>
+                    <a:pt x="0" y="6"/>
+                    <a:pt x="0" y="6"/>
+                    <a:pt x="0" y="6"/>
+                  </a:cubicBezTo>
+                  <a:cubicBezTo>
+                    <a:pt x="0" y="3"/>
+                    <a:pt x="3" y="0"/>
+                    <a:pt x="6" y="0"/>
+                  </a:cubicBezTo>
+                  <a:cubicBezTo>
+                    <a:pt x="10" y="0"/>
+                    <a:pt x="12" y="3"/>
+                    <a:pt x="12" y="6"/>
+                  </a:cubicBezTo>
+                  <a:cubicBezTo>
+                    <a:pt x="12" y="18"/>
+                    <a:pt x="12" y="18"/>
+                    <a:pt x="12" y="18"/>
+                  </a:cubicBezTo>
+                  <a:cubicBezTo>
+                    <a:pt x="12" y="22"/>
+                    <a:pt x="10" y="24"/>
+                    <a:pt x="6" y="24"/>
+                  </a:cubicBezTo>
+                  <a:close/>
+                </a:path>
+              </a:pathLst>
+            </a:custGeom>
+            <a:grpFill/>
+            <a:ln>
+              <a:noFill/>
+            </a:ln>
+            <a:extLst>
+              <a:ext uri="{91240B29-F687-4F45-9708-019B960494DF}">
+                <a14:hiddenLine xmlns:a14="http://schemas.microsoft.com/office/drawing/2010/main" w="9525">
+                  <a:solidFill>
+                    <a:srgbClr val="000000"/>
+                  </a:solidFill>
+                  <a:round/>
+                  <a:headEnd/>
+                  <a:tailEnd/>
+                </a14:hiddenLine>
+              </a:ext>
+            </a:extLst>
+          </p:spPr>
+          <p:txBody>
+            <a:bodyPr vert="horz" wrap="square" lIns="91440" tIns="45720" rIns="91440" bIns="45720" numCol="1" anchor="t" anchorCtr="0" compatLnSpc="1">
+              <a:prstTxWarp prst="textNoShape">
+                <a:avLst/>
+              </a:prstTxWarp>
+            </a:bodyPr>
+            <a:lstStyle/>
+            <a:p>
+              <a:endParaRPr lang="en-AU">
+                <a:latin typeface="+mn-lt"/>
+              </a:endParaRPr>
+            </a:p>
+          </p:txBody>
+        </p:sp>
+        <p:sp>
+          <p:nvSpPr>
+            <p:cNvPr id="58" name="Freeform 190">
+              <a:extLst>
+                <a:ext uri="{FF2B5EF4-FFF2-40B4-BE49-F238E27FC236}">
+                  <a16:creationId xmlns:a16="http://schemas.microsoft.com/office/drawing/2014/main" id="{2A977AE1-4D75-4F23-BFF0-E65CCEEF99FF}"/>
+                </a:ext>
+              </a:extLst>
+            </p:cNvPr>
+            <p:cNvSpPr>
+              <a:spLocks noEditPoints="1"/>
+            </p:cNvSpPr>
+            <p:nvPr/>
+          </p:nvSpPr>
+          <p:spPr bwMode="auto">
+            <a:xfrm>
+              <a:off x="3445" y="3227"/>
+              <a:ext cx="195" cy="195"/>
+            </a:xfrm>
+            <a:custGeom>
+              <a:avLst/>
+              <a:gdLst>
+                <a:gd name="T0" fmla="*/ 126 w 132"/>
+                <a:gd name="T1" fmla="*/ 132 h 132"/>
+                <a:gd name="T2" fmla="*/ 6 w 132"/>
+                <a:gd name="T3" fmla="*/ 132 h 132"/>
+                <a:gd name="T4" fmla="*/ 0 w 132"/>
+                <a:gd name="T5" fmla="*/ 126 h 132"/>
+                <a:gd name="T6" fmla="*/ 0 w 132"/>
+                <a:gd name="T7" fmla="*/ 6 h 132"/>
+                <a:gd name="T8" fmla="*/ 6 w 132"/>
+                <a:gd name="T9" fmla="*/ 0 h 132"/>
+                <a:gd name="T10" fmla="*/ 126 w 132"/>
+                <a:gd name="T11" fmla="*/ 0 h 132"/>
+                <a:gd name="T12" fmla="*/ 132 w 132"/>
+                <a:gd name="T13" fmla="*/ 6 h 132"/>
+                <a:gd name="T14" fmla="*/ 132 w 132"/>
+                <a:gd name="T15" fmla="*/ 126 h 132"/>
+                <a:gd name="T16" fmla="*/ 126 w 132"/>
+                <a:gd name="T17" fmla="*/ 132 h 132"/>
+                <a:gd name="T18" fmla="*/ 12 w 132"/>
+                <a:gd name="T19" fmla="*/ 120 h 132"/>
+                <a:gd name="T20" fmla="*/ 120 w 132"/>
+                <a:gd name="T21" fmla="*/ 120 h 132"/>
+                <a:gd name="T22" fmla="*/ 120 w 132"/>
+                <a:gd name="T23" fmla="*/ 12 h 132"/>
+                <a:gd name="T24" fmla="*/ 12 w 132"/>
+                <a:gd name="T25" fmla="*/ 12 h 132"/>
+                <a:gd name="T26" fmla="*/ 12 w 132"/>
+                <a:gd name="T27" fmla="*/ 120 h 132"/>
+              </a:gdLst>
+              <a:ahLst/>
+              <a:cxnLst>
+                <a:cxn ang="0">
+                  <a:pos x="T0" y="T1"/>
+                </a:cxn>
+                <a:cxn ang="0">
+                  <a:pos x="T2" y="T3"/>
+                </a:cxn>
+                <a:cxn ang="0">
+                  <a:pos x="T4" y="T5"/>
+                </a:cxn>
+                <a:cxn ang="0">
+                  <a:pos x="T6" y="T7"/>
+                </a:cxn>
+                <a:cxn ang="0">
+                  <a:pos x="T8" y="T9"/>
+                </a:cxn>
+                <a:cxn ang="0">
+                  <a:pos x="T10" y="T11"/>
+                </a:cxn>
+                <a:cxn ang="0">
+                  <a:pos x="T12" y="T13"/>
+                </a:cxn>
+                <a:cxn ang="0">
+                  <a:pos x="T14" y="T15"/>
+                </a:cxn>
+                <a:cxn ang="0">
+                  <a:pos x="T16" y="T17"/>
+                </a:cxn>
+                <a:cxn ang="0">
+                  <a:pos x="T18" y="T19"/>
+                </a:cxn>
+                <a:cxn ang="0">
+                  <a:pos x="T20" y="T21"/>
+                </a:cxn>
+                <a:cxn ang="0">
+                  <a:pos x="T22" y="T23"/>
+                </a:cxn>
+                <a:cxn ang="0">
+                  <a:pos x="T24" y="T25"/>
+                </a:cxn>
+                <a:cxn ang="0">
+                  <a:pos x="T26" y="T27"/>
+                </a:cxn>
+              </a:cxnLst>
+              <a:rect l="0" t="0" r="r" b="b"/>
+              <a:pathLst>
+                <a:path w="132" h="132">
+                  <a:moveTo>
+                    <a:pt x="126" y="132"/>
+                  </a:moveTo>
+                  <a:cubicBezTo>
+                    <a:pt x="6" y="132"/>
+                    <a:pt x="6" y="132"/>
+                    <a:pt x="6" y="132"/>
+                  </a:cubicBezTo>
+                  <a:cubicBezTo>
+                    <a:pt x="3" y="132"/>
+                    <a:pt x="0" y="130"/>
+                    <a:pt x="0" y="126"/>
+                  </a:cubicBezTo>
+                  <a:cubicBezTo>
+                    <a:pt x="0" y="6"/>
+                    <a:pt x="0" y="6"/>
+                    <a:pt x="0" y="6"/>
+                  </a:cubicBezTo>
+                  <a:cubicBezTo>
+                    <a:pt x="0" y="3"/>
+                    <a:pt x="3" y="0"/>
+                    <a:pt x="6" y="0"/>
+                  </a:cubicBezTo>
+                  <a:cubicBezTo>
+                    <a:pt x="126" y="0"/>
+                    <a:pt x="126" y="0"/>
+                    <a:pt x="126" y="0"/>
+                  </a:cubicBezTo>
+                  <a:cubicBezTo>
+                    <a:pt x="130" y="0"/>
+                    <a:pt x="132" y="3"/>
+                    <a:pt x="132" y="6"/>
+                  </a:cubicBezTo>
+                  <a:cubicBezTo>
+                    <a:pt x="132" y="126"/>
+                    <a:pt x="132" y="126"/>
+                    <a:pt x="132" y="126"/>
+                  </a:cubicBezTo>
+                  <a:cubicBezTo>
+                    <a:pt x="132" y="130"/>
+                    <a:pt x="130" y="132"/>
+                    <a:pt x="126" y="132"/>
+                  </a:cubicBezTo>
+                  <a:close/>
+                  <a:moveTo>
+                    <a:pt x="12" y="120"/>
+                  </a:moveTo>
+                  <a:cubicBezTo>
+                    <a:pt x="120" y="120"/>
+                    <a:pt x="120" y="120"/>
+                    <a:pt x="120" y="120"/>
+                  </a:cubicBezTo>
+                  <a:cubicBezTo>
+                    <a:pt x="120" y="12"/>
+                    <a:pt x="120" y="12"/>
+                    <a:pt x="120" y="12"/>
+                  </a:cubicBezTo>
+                  <a:cubicBezTo>
+                    <a:pt x="12" y="12"/>
+                    <a:pt x="12" y="12"/>
+                    <a:pt x="12" y="12"/>
+                  </a:cubicBezTo>
+                  <a:lnTo>
+                    <a:pt x="12" y="120"/>
+                  </a:lnTo>
+                  <a:close/>
+                </a:path>
+              </a:pathLst>
+            </a:custGeom>
+            <a:grpFill/>
+            <a:ln>
+              <a:noFill/>
+            </a:ln>
+            <a:extLst>
+              <a:ext uri="{91240B29-F687-4F45-9708-019B960494DF}">
+                <a14:hiddenLine xmlns:a14="http://schemas.microsoft.com/office/drawing/2010/main" w="9525">
+                  <a:solidFill>
+                    <a:srgbClr val="000000"/>
+                  </a:solidFill>
+                  <a:round/>
+                  <a:headEnd/>
+                  <a:tailEnd/>
+                </a14:hiddenLine>
+              </a:ext>
+            </a:extLst>
+          </p:spPr>
+          <p:txBody>
+            <a:bodyPr vert="horz" wrap="square" lIns="91440" tIns="45720" rIns="91440" bIns="45720" numCol="1" anchor="t" anchorCtr="0" compatLnSpc="1">
+              <a:prstTxWarp prst="textNoShape">
+                <a:avLst/>
+              </a:prstTxWarp>
+            </a:bodyPr>
+            <a:lstStyle/>
+            <a:p>
+              <a:endParaRPr lang="en-AU">
+                <a:latin typeface="+mn-lt"/>
+              </a:endParaRPr>
+            </a:p>
+          </p:txBody>
+        </p:sp>
+        <p:sp>
+          <p:nvSpPr>
+            <p:cNvPr id="59" name="Freeform 191">
+              <a:extLst>
+                <a:ext uri="{FF2B5EF4-FFF2-40B4-BE49-F238E27FC236}">
+                  <a16:creationId xmlns:a16="http://schemas.microsoft.com/office/drawing/2014/main" id="{31569BE6-F366-4341-A9CE-4A8B9F97C534}"/>
+                </a:ext>
+              </a:extLst>
+            </p:cNvPr>
+            <p:cNvSpPr>
+              <a:spLocks/>
+            </p:cNvSpPr>
+            <p:nvPr/>
+          </p:nvSpPr>
+          <p:spPr bwMode="auto">
+            <a:xfrm>
+              <a:off x="3693" y="3077"/>
+              <a:ext cx="161" cy="90"/>
+            </a:xfrm>
+            <a:custGeom>
+              <a:avLst/>
+              <a:gdLst>
+                <a:gd name="T0" fmla="*/ 102 w 109"/>
+                <a:gd name="T1" fmla="*/ 60 h 61"/>
+                <a:gd name="T2" fmla="*/ 98 w 109"/>
+                <a:gd name="T3" fmla="*/ 59 h 61"/>
+                <a:gd name="T4" fmla="*/ 54 w 109"/>
+                <a:gd name="T5" fmla="*/ 15 h 61"/>
+                <a:gd name="T6" fmla="*/ 10 w 109"/>
+                <a:gd name="T7" fmla="*/ 59 h 61"/>
+                <a:gd name="T8" fmla="*/ 2 w 109"/>
+                <a:gd name="T9" fmla="*/ 59 h 61"/>
+                <a:gd name="T10" fmla="*/ 2 w 109"/>
+                <a:gd name="T11" fmla="*/ 50 h 61"/>
+                <a:gd name="T12" fmla="*/ 50 w 109"/>
+                <a:gd name="T13" fmla="*/ 2 h 61"/>
+                <a:gd name="T14" fmla="*/ 58 w 109"/>
+                <a:gd name="T15" fmla="*/ 2 h 61"/>
+                <a:gd name="T16" fmla="*/ 106 w 109"/>
+                <a:gd name="T17" fmla="*/ 50 h 61"/>
+                <a:gd name="T18" fmla="*/ 106 w 109"/>
+                <a:gd name="T19" fmla="*/ 59 h 61"/>
+                <a:gd name="T20" fmla="*/ 102 w 109"/>
+                <a:gd name="T21" fmla="*/ 60 h 61"/>
+              </a:gdLst>
+              <a:ahLst/>
+              <a:cxnLst>
+                <a:cxn ang="0">
+                  <a:pos x="T0" y="T1"/>
+                </a:cxn>
+                <a:cxn ang="0">
+                  <a:pos x="T2" y="T3"/>
+                </a:cxn>
+                <a:cxn ang="0">
+                  <a:pos x="T4" y="T5"/>
+                </a:cxn>
+                <a:cxn ang="0">
+                  <a:pos x="T6" y="T7"/>
+                </a:cxn>
+                <a:cxn ang="0">
+                  <a:pos x="T8" y="T9"/>
+                </a:cxn>
+                <a:cxn ang="0">
+                  <a:pos x="T10" y="T11"/>
+                </a:cxn>
+                <a:cxn ang="0">
+                  <a:pos x="T12" y="T13"/>
+                </a:cxn>
+                <a:cxn ang="0">
+                  <a:pos x="T14" y="T15"/>
+                </a:cxn>
+                <a:cxn ang="0">
+                  <a:pos x="T16" y="T17"/>
+                </a:cxn>
+                <a:cxn ang="0">
+                  <a:pos x="T18" y="T19"/>
+                </a:cxn>
+                <a:cxn ang="0">
+                  <a:pos x="T20" y="T21"/>
+                </a:cxn>
+              </a:cxnLst>
+              <a:rect l="0" t="0" r="r" b="b"/>
+              <a:pathLst>
+                <a:path w="109" h="61">
+                  <a:moveTo>
+                    <a:pt x="102" y="60"/>
+                  </a:moveTo>
+                  <a:cubicBezTo>
+                    <a:pt x="101" y="60"/>
+                    <a:pt x="99" y="60"/>
+                    <a:pt x="98" y="59"/>
+                  </a:cubicBezTo>
+                  <a:cubicBezTo>
+                    <a:pt x="54" y="15"/>
+                    <a:pt x="54" y="15"/>
+                    <a:pt x="54" y="15"/>
+                  </a:cubicBezTo>
+                  <a:cubicBezTo>
+                    <a:pt x="10" y="59"/>
+                    <a:pt x="10" y="59"/>
+                    <a:pt x="10" y="59"/>
+                  </a:cubicBezTo>
+                  <a:cubicBezTo>
+                    <a:pt x="8" y="61"/>
+                    <a:pt x="4" y="61"/>
+                    <a:pt x="2" y="59"/>
+                  </a:cubicBezTo>
+                  <a:cubicBezTo>
+                    <a:pt x="0" y="56"/>
+                    <a:pt x="0" y="53"/>
+                    <a:pt x="2" y="50"/>
+                  </a:cubicBezTo>
+                  <a:cubicBezTo>
+                    <a:pt x="50" y="2"/>
+                    <a:pt x="50" y="2"/>
+                    <a:pt x="50" y="2"/>
+                  </a:cubicBezTo>
+                  <a:cubicBezTo>
+                    <a:pt x="52" y="0"/>
+                    <a:pt x="56" y="0"/>
+                    <a:pt x="58" y="2"/>
+                  </a:cubicBezTo>
+                  <a:cubicBezTo>
+                    <a:pt x="106" y="50"/>
+                    <a:pt x="106" y="50"/>
+                    <a:pt x="106" y="50"/>
+                  </a:cubicBezTo>
+                  <a:cubicBezTo>
+                    <a:pt x="109" y="53"/>
+                    <a:pt x="109" y="56"/>
+                    <a:pt x="106" y="59"/>
+                  </a:cubicBezTo>
+                  <a:cubicBezTo>
+                    <a:pt x="105" y="60"/>
+                    <a:pt x="104" y="60"/>
+                    <a:pt x="102" y="60"/>
+                  </a:cubicBezTo>
+                  <a:close/>
+                </a:path>
+              </a:pathLst>
+            </a:custGeom>
+            <a:grpFill/>
+            <a:ln>
+              <a:noFill/>
+            </a:ln>
+            <a:extLst>
+              <a:ext uri="{91240B29-F687-4F45-9708-019B960494DF}">
+                <a14:hiddenLine xmlns:a14="http://schemas.microsoft.com/office/drawing/2010/main" w="9525">
+                  <a:solidFill>
+                    <a:srgbClr val="000000"/>
+                  </a:solidFill>
+                  <a:round/>
+                  <a:headEnd/>
+                  <a:tailEnd/>
+                </a14:hiddenLine>
+              </a:ext>
+            </a:extLst>
+          </p:spPr>
+          <p:txBody>
+            <a:bodyPr vert="horz" wrap="square" lIns="91440" tIns="45720" rIns="91440" bIns="45720" numCol="1" anchor="t" anchorCtr="0" compatLnSpc="1">
+              <a:prstTxWarp prst="textNoShape">
+                <a:avLst/>
+              </a:prstTxWarp>
+            </a:bodyPr>
+            <a:lstStyle/>
+            <a:p>
+              <a:endParaRPr lang="en-AU">
+                <a:latin typeface="+mn-lt"/>
+              </a:endParaRPr>
+            </a:p>
+          </p:txBody>
+        </p:sp>
+        <p:sp>
+          <p:nvSpPr>
+            <p:cNvPr id="60" name="Freeform 192">
+              <a:extLst>
+                <a:ext uri="{FF2B5EF4-FFF2-40B4-BE49-F238E27FC236}">
+                  <a16:creationId xmlns:a16="http://schemas.microsoft.com/office/drawing/2014/main" id="{F90FC739-DE63-49BB-9B47-ACC1AB765E31}"/>
+                </a:ext>
+              </a:extLst>
+            </p:cNvPr>
+            <p:cNvSpPr>
+              <a:spLocks/>
+            </p:cNvSpPr>
+            <p:nvPr/>
+          </p:nvSpPr>
+          <p:spPr bwMode="auto">
+            <a:xfrm>
+              <a:off x="3764" y="3077"/>
+              <a:ext cx="17" cy="292"/>
+            </a:xfrm>
+            <a:custGeom>
+              <a:avLst/>
+              <a:gdLst>
+                <a:gd name="T0" fmla="*/ 6 w 12"/>
+                <a:gd name="T1" fmla="*/ 198 h 198"/>
+                <a:gd name="T2" fmla="*/ 0 w 12"/>
+                <a:gd name="T3" fmla="*/ 192 h 198"/>
+                <a:gd name="T4" fmla="*/ 0 w 12"/>
+                <a:gd name="T5" fmla="*/ 6 h 198"/>
+                <a:gd name="T6" fmla="*/ 6 w 12"/>
+                <a:gd name="T7" fmla="*/ 0 h 198"/>
+                <a:gd name="T8" fmla="*/ 12 w 12"/>
+                <a:gd name="T9" fmla="*/ 6 h 198"/>
+                <a:gd name="T10" fmla="*/ 12 w 12"/>
+                <a:gd name="T11" fmla="*/ 192 h 198"/>
+                <a:gd name="T12" fmla="*/ 6 w 12"/>
+                <a:gd name="T13" fmla="*/ 198 h 198"/>
+              </a:gdLst>
+              <a:ahLst/>
+              <a:cxnLst>
+                <a:cxn ang="0">
+                  <a:pos x="T0" y="T1"/>
+                </a:cxn>
+                <a:cxn ang="0">
+                  <a:pos x="T2" y="T3"/>
+                </a:cxn>
+                <a:cxn ang="0">
+                  <a:pos x="T4" y="T5"/>
+                </a:cxn>
+                <a:cxn ang="0">
+                  <a:pos x="T6" y="T7"/>
+                </a:cxn>
+                <a:cxn ang="0">
+                  <a:pos x="T8" y="T9"/>
+                </a:cxn>
+                <a:cxn ang="0">
+                  <a:pos x="T10" y="T11"/>
+                </a:cxn>
+                <a:cxn ang="0">
+                  <a:pos x="T12" y="T13"/>
+                </a:cxn>
+              </a:cxnLst>
+              <a:rect l="0" t="0" r="r" b="b"/>
+              <a:pathLst>
+                <a:path w="12" h="198">
+                  <a:moveTo>
+                    <a:pt x="6" y="198"/>
+                  </a:moveTo>
+                  <a:cubicBezTo>
+                    <a:pt x="3" y="198"/>
+                    <a:pt x="0" y="196"/>
+                    <a:pt x="0" y="192"/>
+                  </a:cubicBezTo>
+                  <a:cubicBezTo>
+                    <a:pt x="0" y="6"/>
+                    <a:pt x="0" y="6"/>
+                    <a:pt x="0" y="6"/>
+                  </a:cubicBezTo>
+                  <a:cubicBezTo>
+                    <a:pt x="0" y="3"/>
+                    <a:pt x="3" y="0"/>
+                    <a:pt x="6" y="0"/>
+                  </a:cubicBezTo>
+                  <a:cubicBezTo>
+                    <a:pt x="10" y="0"/>
+                    <a:pt x="12" y="3"/>
+                    <a:pt x="12" y="6"/>
+                  </a:cubicBezTo>
+                  <a:cubicBezTo>
+                    <a:pt x="12" y="192"/>
+                    <a:pt x="12" y="192"/>
+                    <a:pt x="12" y="192"/>
+                  </a:cubicBezTo>
+                  <a:cubicBezTo>
+                    <a:pt x="12" y="196"/>
+                    <a:pt x="10" y="198"/>
+                    <a:pt x="6" y="198"/>
+                  </a:cubicBezTo>
+                  <a:close/>
+                </a:path>
+              </a:pathLst>
+            </a:custGeom>
+            <a:grpFill/>
+            <a:ln>
+              <a:noFill/>
+            </a:ln>
+            <a:extLst>
+              <a:ext uri="{91240B29-F687-4F45-9708-019B960494DF}">
+                <a14:hiddenLine xmlns:a14="http://schemas.microsoft.com/office/drawing/2010/main" w="9525">
+                  <a:solidFill>
+                    <a:srgbClr val="000000"/>
+                  </a:solidFill>
+                  <a:round/>
+                  <a:headEnd/>
+                  <a:tailEnd/>
+                </a14:hiddenLine>
+              </a:ext>
+            </a:extLst>
+          </p:spPr>
+          <p:txBody>
+            <a:bodyPr vert="horz" wrap="square" lIns="91440" tIns="45720" rIns="91440" bIns="45720" numCol="1" anchor="t" anchorCtr="0" compatLnSpc="1">
+              <a:prstTxWarp prst="textNoShape">
+                <a:avLst/>
+              </a:prstTxWarp>
+            </a:bodyPr>
+            <a:lstStyle/>
+            <a:p>
+              <a:endParaRPr lang="en-AU">
+                <a:latin typeface="+mn-lt"/>
+              </a:endParaRPr>
+            </a:p>
+          </p:txBody>
+        </p:sp>
+      </p:grpSp>
+      <p:grpSp>
+        <p:nvGrpSpPr>
+          <p:cNvPr id="61" name="Group 19">
+            <a:extLst>
+              <a:ext uri="{FF2B5EF4-FFF2-40B4-BE49-F238E27FC236}">
+                <a16:creationId xmlns:a16="http://schemas.microsoft.com/office/drawing/2014/main" id="{98FD2166-6397-4A18-B51E-0203E24EA426}"/>
+              </a:ext>
+            </a:extLst>
+          </p:cNvPr>
+          <p:cNvGrpSpPr>
+            <a:grpSpLocks noChangeAspect="1"/>
+          </p:cNvGrpSpPr>
+          <p:nvPr/>
+        </p:nvGrpSpPr>
+        <p:grpSpPr bwMode="auto">
+          <a:xfrm>
+            <a:off x="5890102" y="2262970"/>
+            <a:ext cx="907894" cy="894569"/>
+            <a:chOff x="5410" y="2699"/>
+            <a:chExt cx="477" cy="470"/>
+          </a:xfrm>
+          <a:solidFill>
+            <a:schemeClr val="tx2"/>
+          </a:solidFill>
+        </p:grpSpPr>
+        <p:sp>
+          <p:nvSpPr>
+            <p:cNvPr id="62" name="Freeform 20">
+              <a:extLst>
+                <a:ext uri="{FF2B5EF4-FFF2-40B4-BE49-F238E27FC236}">
+                  <a16:creationId xmlns:a16="http://schemas.microsoft.com/office/drawing/2014/main" id="{E6611412-0B91-4450-9671-157A44B94B5A}"/>
+                </a:ext>
+              </a:extLst>
+            </p:cNvPr>
+            <p:cNvSpPr>
+              <a:spLocks/>
+            </p:cNvSpPr>
+            <p:nvPr/>
+          </p:nvSpPr>
+          <p:spPr bwMode="auto">
+            <a:xfrm>
+              <a:off x="5410" y="2699"/>
+              <a:ext cx="442" cy="470"/>
+            </a:xfrm>
+            <a:custGeom>
+              <a:avLst/>
+              <a:gdLst>
+                <a:gd name="T0" fmla="*/ 214 w 214"/>
+                <a:gd name="T1" fmla="*/ 143 h 227"/>
+                <a:gd name="T2" fmla="*/ 131 w 214"/>
+                <a:gd name="T3" fmla="*/ 60 h 227"/>
+                <a:gd name="T4" fmla="*/ 54 w 214"/>
+                <a:gd name="T5" fmla="*/ 109 h 227"/>
+                <a:gd name="T6" fmla="*/ 21 w 214"/>
+                <a:gd name="T7" fmla="*/ 69 h 227"/>
+                <a:gd name="T8" fmla="*/ 61 w 214"/>
+                <a:gd name="T9" fmla="*/ 29 h 227"/>
+                <a:gd name="T10" fmla="*/ 75 w 214"/>
+                <a:gd name="T11" fmla="*/ 31 h 227"/>
+                <a:gd name="T12" fmla="*/ 61 w 214"/>
+                <a:gd name="T13" fmla="*/ 34 h 227"/>
+                <a:gd name="T14" fmla="*/ 57 w 214"/>
+                <a:gd name="T15" fmla="*/ 42 h 227"/>
+                <a:gd name="T16" fmla="*/ 63 w 214"/>
+                <a:gd name="T17" fmla="*/ 46 h 227"/>
+                <a:gd name="T18" fmla="*/ 64 w 214"/>
+                <a:gd name="T19" fmla="*/ 46 h 227"/>
+                <a:gd name="T20" fmla="*/ 93 w 214"/>
+                <a:gd name="T21" fmla="*/ 39 h 227"/>
+                <a:gd name="T22" fmla="*/ 97 w 214"/>
+                <a:gd name="T23" fmla="*/ 36 h 227"/>
+                <a:gd name="T24" fmla="*/ 97 w 214"/>
+                <a:gd name="T25" fmla="*/ 31 h 227"/>
+                <a:gd name="T26" fmla="*/ 83 w 214"/>
+                <a:gd name="T27" fmla="*/ 4 h 227"/>
+                <a:gd name="T28" fmla="*/ 75 w 214"/>
+                <a:gd name="T29" fmla="*/ 2 h 227"/>
+                <a:gd name="T30" fmla="*/ 73 w 214"/>
+                <a:gd name="T31" fmla="*/ 10 h 227"/>
+                <a:gd name="T32" fmla="*/ 78 w 214"/>
+                <a:gd name="T33" fmla="*/ 19 h 227"/>
+                <a:gd name="T34" fmla="*/ 61 w 214"/>
+                <a:gd name="T35" fmla="*/ 17 h 227"/>
+                <a:gd name="T36" fmla="*/ 9 w 214"/>
+                <a:gd name="T37" fmla="*/ 69 h 227"/>
+                <a:gd name="T38" fmla="*/ 50 w 214"/>
+                <a:gd name="T39" fmla="*/ 120 h 227"/>
+                <a:gd name="T40" fmla="*/ 47 w 214"/>
+                <a:gd name="T41" fmla="*/ 143 h 227"/>
+                <a:gd name="T42" fmla="*/ 58 w 214"/>
+                <a:gd name="T43" fmla="*/ 185 h 227"/>
+                <a:gd name="T44" fmla="*/ 48 w 214"/>
+                <a:gd name="T45" fmla="*/ 182 h 227"/>
+                <a:gd name="T46" fmla="*/ 40 w 214"/>
+                <a:gd name="T47" fmla="*/ 186 h 227"/>
+                <a:gd name="T48" fmla="*/ 44 w 214"/>
+                <a:gd name="T49" fmla="*/ 193 h 227"/>
+                <a:gd name="T50" fmla="*/ 72 w 214"/>
+                <a:gd name="T51" fmla="*/ 203 h 227"/>
+                <a:gd name="T52" fmla="*/ 74 w 214"/>
+                <a:gd name="T53" fmla="*/ 203 h 227"/>
+                <a:gd name="T54" fmla="*/ 77 w 214"/>
+                <a:gd name="T55" fmla="*/ 202 h 227"/>
+                <a:gd name="T56" fmla="*/ 80 w 214"/>
+                <a:gd name="T57" fmla="*/ 197 h 227"/>
+                <a:gd name="T58" fmla="*/ 82 w 214"/>
+                <a:gd name="T59" fmla="*/ 167 h 227"/>
+                <a:gd name="T60" fmla="*/ 76 w 214"/>
+                <a:gd name="T61" fmla="*/ 161 h 227"/>
+                <a:gd name="T62" fmla="*/ 70 w 214"/>
+                <a:gd name="T63" fmla="*/ 167 h 227"/>
+                <a:gd name="T64" fmla="*/ 69 w 214"/>
+                <a:gd name="T65" fmla="*/ 181 h 227"/>
+                <a:gd name="T66" fmla="*/ 59 w 214"/>
+                <a:gd name="T67" fmla="*/ 143 h 227"/>
+                <a:gd name="T68" fmla="*/ 131 w 214"/>
+                <a:gd name="T69" fmla="*/ 72 h 227"/>
+                <a:gd name="T70" fmla="*/ 202 w 214"/>
+                <a:gd name="T71" fmla="*/ 143 h 227"/>
+                <a:gd name="T72" fmla="*/ 136 w 214"/>
+                <a:gd name="T73" fmla="*/ 215 h 227"/>
+                <a:gd name="T74" fmla="*/ 135 w 214"/>
+                <a:gd name="T75" fmla="*/ 215 h 227"/>
+                <a:gd name="T76" fmla="*/ 6 w 214"/>
+                <a:gd name="T77" fmla="*/ 215 h 227"/>
+                <a:gd name="T78" fmla="*/ 0 w 214"/>
+                <a:gd name="T79" fmla="*/ 221 h 227"/>
+                <a:gd name="T80" fmla="*/ 6 w 214"/>
+                <a:gd name="T81" fmla="*/ 227 h 227"/>
+                <a:gd name="T82" fmla="*/ 136 w 214"/>
+                <a:gd name="T83" fmla="*/ 227 h 227"/>
+                <a:gd name="T84" fmla="*/ 138 w 214"/>
+                <a:gd name="T85" fmla="*/ 227 h 227"/>
+                <a:gd name="T86" fmla="*/ 214 w 214"/>
+                <a:gd name="T87" fmla="*/ 143 h 227"/>
+              </a:gdLst>
+              <a:ahLst/>
+              <a:cxnLst>
+                <a:cxn ang="0">
+                  <a:pos x="T0" y="T1"/>
+                </a:cxn>
+                <a:cxn ang="0">
+                  <a:pos x="T2" y="T3"/>
+                </a:cxn>
+                <a:cxn ang="0">
+                  <a:pos x="T4" y="T5"/>
+                </a:cxn>
+                <a:cxn ang="0">
+                  <a:pos x="T6" y="T7"/>
+                </a:cxn>
+                <a:cxn ang="0">
+                  <a:pos x="T8" y="T9"/>
+                </a:cxn>
+                <a:cxn ang="0">
+                  <a:pos x="T10" y="T11"/>
+                </a:cxn>
+                <a:cxn ang="0">
+                  <a:pos x="T12" y="T13"/>
+                </a:cxn>
+                <a:cxn ang="0">
+                  <a:pos x="T14" y="T15"/>
+                </a:cxn>
+                <a:cxn ang="0">
+                  <a:pos x="T16" y="T17"/>
+                </a:cxn>
+                <a:cxn ang="0">
+                  <a:pos x="T18" y="T19"/>
+                </a:cxn>
+                <a:cxn ang="0">
+                  <a:pos x="T20" y="T21"/>
+                </a:cxn>
+                <a:cxn ang="0">
+                  <a:pos x="T22" y="T23"/>
+                </a:cxn>
+                <a:cxn ang="0">
+                  <a:pos x="T24" y="T25"/>
+                </a:cxn>
+                <a:cxn ang="0">
+                  <a:pos x="T26" y="T27"/>
+                </a:cxn>
+                <a:cxn ang="0">
+                  <a:pos x="T28" y="T29"/>
+                </a:cxn>
+                <a:cxn ang="0">
+                  <a:pos x="T30" y="T31"/>
+                </a:cxn>
+                <a:cxn ang="0">
+                  <a:pos x="T32" y="T33"/>
+                </a:cxn>
+                <a:cxn ang="0">
+                  <a:pos x="T34" y="T35"/>
+                </a:cxn>
+                <a:cxn ang="0">
+                  <a:pos x="T36" y="T37"/>
+                </a:cxn>
+                <a:cxn ang="0">
+                  <a:pos x="T38" y="T39"/>
+                </a:cxn>
+                <a:cxn ang="0">
+                  <a:pos x="T40" y="T41"/>
+                </a:cxn>
+                <a:cxn ang="0">
+                  <a:pos x="T42" y="T43"/>
+                </a:cxn>
+                <a:cxn ang="0">
+                  <a:pos x="T44" y="T45"/>
+                </a:cxn>
+                <a:cxn ang="0">
+                  <a:pos x="T46" y="T47"/>
+                </a:cxn>
+                <a:cxn ang="0">
+                  <a:pos x="T48" y="T49"/>
+                </a:cxn>
+                <a:cxn ang="0">
+                  <a:pos x="T50" y="T51"/>
+                </a:cxn>
+                <a:cxn ang="0">
+                  <a:pos x="T52" y="T53"/>
+                </a:cxn>
+                <a:cxn ang="0">
+                  <a:pos x="T54" y="T55"/>
+                </a:cxn>
+                <a:cxn ang="0">
+                  <a:pos x="T56" y="T57"/>
+                </a:cxn>
+                <a:cxn ang="0">
+                  <a:pos x="T58" y="T59"/>
+                </a:cxn>
+                <a:cxn ang="0">
+                  <a:pos x="T60" y="T61"/>
+                </a:cxn>
+                <a:cxn ang="0">
+                  <a:pos x="T62" y="T63"/>
+                </a:cxn>
+                <a:cxn ang="0">
+                  <a:pos x="T64" y="T65"/>
+                </a:cxn>
+                <a:cxn ang="0">
+                  <a:pos x="T66" y="T67"/>
+                </a:cxn>
+                <a:cxn ang="0">
+                  <a:pos x="T68" y="T69"/>
+                </a:cxn>
+                <a:cxn ang="0">
+                  <a:pos x="T70" y="T71"/>
+                </a:cxn>
+                <a:cxn ang="0">
+                  <a:pos x="T72" y="T73"/>
+                </a:cxn>
+                <a:cxn ang="0">
+                  <a:pos x="T74" y="T75"/>
+                </a:cxn>
+                <a:cxn ang="0">
+                  <a:pos x="T76" y="T77"/>
+                </a:cxn>
+                <a:cxn ang="0">
+                  <a:pos x="T78" y="T79"/>
+                </a:cxn>
+                <a:cxn ang="0">
+                  <a:pos x="T80" y="T81"/>
+                </a:cxn>
+                <a:cxn ang="0">
+                  <a:pos x="T82" y="T83"/>
+                </a:cxn>
+                <a:cxn ang="0">
+                  <a:pos x="T84" y="T85"/>
+                </a:cxn>
+                <a:cxn ang="0">
+                  <a:pos x="T86" y="T87"/>
+                </a:cxn>
+              </a:cxnLst>
+              <a:rect l="0" t="0" r="r" b="b"/>
+              <a:pathLst>
+                <a:path w="214" h="227">
+                  <a:moveTo>
+                    <a:pt x="214" y="143"/>
+                  </a:moveTo>
+                  <a:cubicBezTo>
+                    <a:pt x="214" y="97"/>
+                    <a:pt x="177" y="60"/>
+                    <a:pt x="131" y="60"/>
+                  </a:cubicBezTo>
+                  <a:cubicBezTo>
+                    <a:pt x="97" y="60"/>
+                    <a:pt x="68" y="80"/>
+                    <a:pt x="54" y="109"/>
+                  </a:cubicBezTo>
+                  <a:cubicBezTo>
+                    <a:pt x="35" y="105"/>
+                    <a:pt x="21" y="89"/>
+                    <a:pt x="21" y="69"/>
+                  </a:cubicBezTo>
+                  <a:cubicBezTo>
+                    <a:pt x="21" y="47"/>
+                    <a:pt x="39" y="29"/>
+                    <a:pt x="61" y="29"/>
+                  </a:cubicBezTo>
+                  <a:cubicBezTo>
+                    <a:pt x="66" y="29"/>
+                    <a:pt x="71" y="30"/>
+                    <a:pt x="75" y="31"/>
+                  </a:cubicBezTo>
+                  <a:cubicBezTo>
+                    <a:pt x="61" y="34"/>
+                    <a:pt x="61" y="34"/>
+                    <a:pt x="61" y="34"/>
+                  </a:cubicBezTo>
+                  <a:cubicBezTo>
+                    <a:pt x="58" y="35"/>
+                    <a:pt x="56" y="38"/>
+                    <a:pt x="57" y="42"/>
+                  </a:cubicBezTo>
+                  <a:cubicBezTo>
+                    <a:pt x="58" y="44"/>
+                    <a:pt x="60" y="46"/>
+                    <a:pt x="63" y="46"/>
+                  </a:cubicBezTo>
+                  <a:cubicBezTo>
+                    <a:pt x="63" y="46"/>
+                    <a:pt x="64" y="46"/>
+                    <a:pt x="64" y="46"/>
+                  </a:cubicBezTo>
+                  <a:cubicBezTo>
+                    <a:pt x="93" y="39"/>
+                    <a:pt x="93" y="39"/>
+                    <a:pt x="93" y="39"/>
+                  </a:cubicBezTo>
+                  <a:cubicBezTo>
+                    <a:pt x="95" y="39"/>
+                    <a:pt x="96" y="38"/>
+                    <a:pt x="97" y="36"/>
+                  </a:cubicBezTo>
+                  <a:cubicBezTo>
+                    <a:pt x="98" y="34"/>
+                    <a:pt x="98" y="32"/>
+                    <a:pt x="97" y="31"/>
+                  </a:cubicBezTo>
+                  <a:cubicBezTo>
+                    <a:pt x="83" y="4"/>
+                    <a:pt x="83" y="4"/>
+                    <a:pt x="83" y="4"/>
+                  </a:cubicBezTo>
+                  <a:cubicBezTo>
+                    <a:pt x="82" y="1"/>
+                    <a:pt x="78" y="0"/>
+                    <a:pt x="75" y="2"/>
+                  </a:cubicBezTo>
+                  <a:cubicBezTo>
+                    <a:pt x="72" y="3"/>
+                    <a:pt x="71" y="7"/>
+                    <a:pt x="73" y="10"/>
+                  </a:cubicBezTo>
+                  <a:cubicBezTo>
+                    <a:pt x="78" y="19"/>
+                    <a:pt x="78" y="19"/>
+                    <a:pt x="78" y="19"/>
+                  </a:cubicBezTo>
+                  <a:cubicBezTo>
+                    <a:pt x="72" y="18"/>
+                    <a:pt x="67" y="17"/>
+                    <a:pt x="61" y="17"/>
+                  </a:cubicBezTo>
+                  <a:cubicBezTo>
+                    <a:pt x="32" y="17"/>
+                    <a:pt x="9" y="40"/>
+                    <a:pt x="9" y="69"/>
+                  </a:cubicBezTo>
+                  <a:cubicBezTo>
+                    <a:pt x="9" y="94"/>
+                    <a:pt x="26" y="115"/>
+                    <a:pt x="50" y="120"/>
+                  </a:cubicBezTo>
+                  <a:cubicBezTo>
+                    <a:pt x="48" y="127"/>
+                    <a:pt x="47" y="135"/>
+                    <a:pt x="47" y="143"/>
+                  </a:cubicBezTo>
+                  <a:cubicBezTo>
+                    <a:pt x="47" y="158"/>
+                    <a:pt x="51" y="173"/>
+                    <a:pt x="58" y="185"/>
+                  </a:cubicBezTo>
+                  <a:cubicBezTo>
+                    <a:pt x="48" y="182"/>
+                    <a:pt x="48" y="182"/>
+                    <a:pt x="48" y="182"/>
+                  </a:cubicBezTo>
+                  <a:cubicBezTo>
+                    <a:pt x="44" y="181"/>
+                    <a:pt x="41" y="183"/>
+                    <a:pt x="40" y="186"/>
+                  </a:cubicBezTo>
+                  <a:cubicBezTo>
+                    <a:pt x="39" y="189"/>
+                    <a:pt x="41" y="192"/>
+                    <a:pt x="44" y="193"/>
+                  </a:cubicBezTo>
+                  <a:cubicBezTo>
+                    <a:pt x="72" y="203"/>
+                    <a:pt x="72" y="203"/>
+                    <a:pt x="72" y="203"/>
+                  </a:cubicBezTo>
+                  <a:cubicBezTo>
+                    <a:pt x="73" y="203"/>
+                    <a:pt x="73" y="203"/>
+                    <a:pt x="74" y="203"/>
+                  </a:cubicBezTo>
+                  <a:cubicBezTo>
+                    <a:pt x="75" y="203"/>
+                    <a:pt x="76" y="202"/>
+                    <a:pt x="77" y="202"/>
+                  </a:cubicBezTo>
+                  <a:cubicBezTo>
+                    <a:pt x="79" y="201"/>
+                    <a:pt x="80" y="199"/>
+                    <a:pt x="80" y="197"/>
+                  </a:cubicBezTo>
+                  <a:cubicBezTo>
+                    <a:pt x="82" y="167"/>
+                    <a:pt x="82" y="167"/>
+                    <a:pt x="82" y="167"/>
+                  </a:cubicBezTo>
+                  <a:cubicBezTo>
+                    <a:pt x="82" y="164"/>
+                    <a:pt x="80" y="161"/>
+                    <a:pt x="76" y="161"/>
+                  </a:cubicBezTo>
+                  <a:cubicBezTo>
+                    <a:pt x="73" y="161"/>
+                    <a:pt x="70" y="163"/>
+                    <a:pt x="70" y="167"/>
+                  </a:cubicBezTo>
+                  <a:cubicBezTo>
+                    <a:pt x="69" y="181"/>
+                    <a:pt x="69" y="181"/>
+                    <a:pt x="69" y="181"/>
+                  </a:cubicBezTo>
+                  <a:cubicBezTo>
+                    <a:pt x="62" y="169"/>
+                    <a:pt x="59" y="157"/>
+                    <a:pt x="59" y="143"/>
+                  </a:cubicBezTo>
+                  <a:cubicBezTo>
+                    <a:pt x="59" y="104"/>
+                    <a:pt x="91" y="72"/>
+                    <a:pt x="131" y="72"/>
+                  </a:cubicBezTo>
+                  <a:cubicBezTo>
+                    <a:pt x="170" y="72"/>
+                    <a:pt x="202" y="104"/>
+                    <a:pt x="202" y="143"/>
+                  </a:cubicBezTo>
+                  <a:cubicBezTo>
+                    <a:pt x="202" y="181"/>
+                    <a:pt x="173" y="212"/>
+                    <a:pt x="136" y="215"/>
+                  </a:cubicBezTo>
+                  <a:cubicBezTo>
+                    <a:pt x="135" y="215"/>
+                    <a:pt x="135" y="215"/>
+                    <a:pt x="135" y="215"/>
+                  </a:cubicBezTo>
+                  <a:cubicBezTo>
+                    <a:pt x="6" y="215"/>
+                    <a:pt x="6" y="215"/>
+                    <a:pt x="6" y="215"/>
+                  </a:cubicBezTo>
+                  <a:cubicBezTo>
+                    <a:pt x="3" y="215"/>
+                    <a:pt x="0" y="218"/>
+                    <a:pt x="0" y="221"/>
+                  </a:cubicBezTo>
+                  <a:cubicBezTo>
+                    <a:pt x="0" y="225"/>
+                    <a:pt x="3" y="227"/>
+                    <a:pt x="6" y="227"/>
+                  </a:cubicBezTo>
+                  <a:cubicBezTo>
+                    <a:pt x="136" y="227"/>
+                    <a:pt x="136" y="227"/>
+                    <a:pt x="136" y="227"/>
+                  </a:cubicBezTo>
+                  <a:cubicBezTo>
+                    <a:pt x="137" y="227"/>
+                    <a:pt x="138" y="227"/>
+                    <a:pt x="138" y="227"/>
+                  </a:cubicBezTo>
+                  <a:cubicBezTo>
+                    <a:pt x="181" y="223"/>
+                    <a:pt x="214" y="187"/>
+                    <a:pt x="214" y="143"/>
+                  </a:cubicBezTo>
+                  <a:close/>
+                </a:path>
+              </a:pathLst>
+            </a:custGeom>
+            <a:grpFill/>
+            <a:ln>
+              <a:noFill/>
+            </a:ln>
+            <a:extLst>
+              <a:ext uri="{91240B29-F687-4F45-9708-019B960494DF}">
+                <a14:hiddenLine xmlns:a14="http://schemas.microsoft.com/office/drawing/2010/main" w="9525">
+                  <a:solidFill>
+                    <a:srgbClr val="000000"/>
+                  </a:solidFill>
+                  <a:round/>
+                  <a:headEnd/>
+                  <a:tailEnd/>
+                </a14:hiddenLine>
+              </a:ext>
+            </a:extLst>
+          </p:spPr>
+          <p:txBody>
+            <a:bodyPr vert="horz" wrap="square" lIns="91440" tIns="45720" rIns="91440" bIns="45720" numCol="1" anchor="t" anchorCtr="0" compatLnSpc="1">
+              <a:prstTxWarp prst="textNoShape">
+                <a:avLst/>
+              </a:prstTxWarp>
+            </a:bodyPr>
+            <a:lstStyle/>
+            <a:p>
+              <a:endParaRPr lang="en-US">
+                <a:latin typeface="+mj-lt"/>
+              </a:endParaRPr>
+            </a:p>
+          </p:txBody>
+        </p:sp>
+        <p:sp>
+          <p:nvSpPr>
+            <p:cNvPr id="63" name="Freeform 21">
+              <a:extLst>
+                <a:ext uri="{FF2B5EF4-FFF2-40B4-BE49-F238E27FC236}">
+                  <a16:creationId xmlns:a16="http://schemas.microsoft.com/office/drawing/2014/main" id="{BDB258BF-EE84-4A57-9188-54FDFA807E49}"/>
+                </a:ext>
+              </a:extLst>
+            </p:cNvPr>
+            <p:cNvSpPr>
+              <a:spLocks/>
+            </p:cNvSpPr>
+            <p:nvPr/>
+          </p:nvSpPr>
+          <p:spPr bwMode="auto">
+            <a:xfrm>
+              <a:off x="5769" y="3144"/>
+              <a:ext cx="118" cy="25"/>
+            </a:xfrm>
+            <a:custGeom>
+              <a:avLst/>
+              <a:gdLst>
+                <a:gd name="T0" fmla="*/ 51 w 57"/>
+                <a:gd name="T1" fmla="*/ 0 h 12"/>
+                <a:gd name="T2" fmla="*/ 6 w 57"/>
+                <a:gd name="T3" fmla="*/ 0 h 12"/>
+                <a:gd name="T4" fmla="*/ 0 w 57"/>
+                <a:gd name="T5" fmla="*/ 6 h 12"/>
+                <a:gd name="T6" fmla="*/ 6 w 57"/>
+                <a:gd name="T7" fmla="*/ 12 h 12"/>
+                <a:gd name="T8" fmla="*/ 51 w 57"/>
+                <a:gd name="T9" fmla="*/ 12 h 12"/>
+                <a:gd name="T10" fmla="*/ 57 w 57"/>
+                <a:gd name="T11" fmla="*/ 6 h 12"/>
+                <a:gd name="T12" fmla="*/ 51 w 57"/>
+                <a:gd name="T13" fmla="*/ 0 h 12"/>
+              </a:gdLst>
+              <a:ahLst/>
+              <a:cxnLst>
+                <a:cxn ang="0">
+                  <a:pos x="T0" y="T1"/>
+                </a:cxn>
+                <a:cxn ang="0">
+                  <a:pos x="T2" y="T3"/>
+                </a:cxn>
+                <a:cxn ang="0">
+                  <a:pos x="T4" y="T5"/>
+                </a:cxn>
+                <a:cxn ang="0">
+                  <a:pos x="T6" y="T7"/>
+                </a:cxn>
+                <a:cxn ang="0">
+                  <a:pos x="T8" y="T9"/>
+                </a:cxn>
+                <a:cxn ang="0">
+                  <a:pos x="T10" y="T11"/>
+                </a:cxn>
+                <a:cxn ang="0">
+                  <a:pos x="T12" y="T13"/>
+                </a:cxn>
+              </a:cxnLst>
+              <a:rect l="0" t="0" r="r" b="b"/>
+              <a:pathLst>
+                <a:path w="57" h="12">
+                  <a:moveTo>
+                    <a:pt x="51" y="0"/>
+                  </a:moveTo>
+                  <a:cubicBezTo>
+                    <a:pt x="6" y="0"/>
+                    <a:pt x="6" y="0"/>
+                    <a:pt x="6" y="0"/>
+                  </a:cubicBezTo>
+                  <a:cubicBezTo>
+                    <a:pt x="3" y="0"/>
+                    <a:pt x="0" y="3"/>
+                    <a:pt x="0" y="6"/>
+                  </a:cubicBezTo>
+                  <a:cubicBezTo>
+                    <a:pt x="0" y="10"/>
+                    <a:pt x="3" y="12"/>
+                    <a:pt x="6" y="12"/>
+                  </a:cubicBezTo>
+                  <a:cubicBezTo>
+                    <a:pt x="51" y="12"/>
+                    <a:pt x="51" y="12"/>
+                    <a:pt x="51" y="12"/>
+                  </a:cubicBezTo>
+                  <a:cubicBezTo>
+                    <a:pt x="55" y="12"/>
+                    <a:pt x="57" y="10"/>
+                    <a:pt x="57" y="6"/>
+                  </a:cubicBezTo>
+                  <a:cubicBezTo>
+                    <a:pt x="57" y="3"/>
+                    <a:pt x="55" y="0"/>
+                    <a:pt x="51" y="0"/>
+                  </a:cubicBezTo>
+                  <a:close/>
+                </a:path>
+              </a:pathLst>
+            </a:custGeom>
+            <a:grpFill/>
+            <a:ln>
+              <a:noFill/>
+            </a:ln>
+            <a:extLst>
+              <a:ext uri="{91240B29-F687-4F45-9708-019B960494DF}">
+                <a14:hiddenLine xmlns:a14="http://schemas.microsoft.com/office/drawing/2010/main" w="9525">
+                  <a:solidFill>
+                    <a:srgbClr val="000000"/>
+                  </a:solidFill>
+                  <a:round/>
+                  <a:headEnd/>
+                  <a:tailEnd/>
+                </a14:hiddenLine>
+              </a:ext>
+            </a:extLst>
+          </p:spPr>
+          <p:txBody>
+            <a:bodyPr vert="horz" wrap="square" lIns="91440" tIns="45720" rIns="91440" bIns="45720" numCol="1" anchor="t" anchorCtr="0" compatLnSpc="1">
+              <a:prstTxWarp prst="textNoShape">
+                <a:avLst/>
+              </a:prstTxWarp>
+            </a:bodyPr>
+            <a:lstStyle/>
+            <a:p>
+              <a:endParaRPr lang="en-US">
+                <a:latin typeface="+mj-lt"/>
+              </a:endParaRPr>
+            </a:p>
+          </p:txBody>
+        </p:sp>
+      </p:grpSp>
+      <p:grpSp>
+        <p:nvGrpSpPr>
+          <p:cNvPr id="69" name="Group 18">
+            <a:extLst>
+              <a:ext uri="{FF2B5EF4-FFF2-40B4-BE49-F238E27FC236}">
+                <a16:creationId xmlns:a16="http://schemas.microsoft.com/office/drawing/2014/main" id="{2322E50C-F3C3-479D-A855-61FA2F6341C8}"/>
+              </a:ext>
+            </a:extLst>
+          </p:cNvPr>
+          <p:cNvGrpSpPr>
+            <a:grpSpLocks noChangeAspect="1"/>
+          </p:cNvGrpSpPr>
+          <p:nvPr/>
+        </p:nvGrpSpPr>
+        <p:grpSpPr bwMode="auto">
+          <a:xfrm>
+            <a:off x="7950995" y="3597814"/>
+            <a:ext cx="662168" cy="540826"/>
+            <a:chOff x="2421" y="527"/>
+            <a:chExt cx="391" cy="259"/>
+          </a:xfrm>
+          <a:solidFill>
+            <a:schemeClr val="tx2"/>
+          </a:solidFill>
+        </p:grpSpPr>
+        <p:sp>
+          <p:nvSpPr>
+            <p:cNvPr id="70" name="Freeform 19">
+              <a:extLst>
+                <a:ext uri="{FF2B5EF4-FFF2-40B4-BE49-F238E27FC236}">
+                  <a16:creationId xmlns:a16="http://schemas.microsoft.com/office/drawing/2014/main" id="{11F0C83B-66F2-487C-90A8-811FF8D68677}"/>
+                </a:ext>
+              </a:extLst>
+            </p:cNvPr>
+            <p:cNvSpPr>
+              <a:spLocks/>
+            </p:cNvSpPr>
+            <p:nvPr/>
+          </p:nvSpPr>
+          <p:spPr bwMode="auto">
+            <a:xfrm>
+              <a:off x="2534" y="527"/>
+              <a:ext cx="227" cy="122"/>
+            </a:xfrm>
+            <a:custGeom>
+              <a:avLst/>
+              <a:gdLst>
+                <a:gd name="T0" fmla="*/ 7 w 154"/>
+                <a:gd name="T1" fmla="*/ 82 h 82"/>
+                <a:gd name="T2" fmla="*/ 2 w 154"/>
+                <a:gd name="T3" fmla="*/ 79 h 82"/>
+                <a:gd name="T4" fmla="*/ 4 w 154"/>
+                <a:gd name="T5" fmla="*/ 70 h 82"/>
+                <a:gd name="T6" fmla="*/ 119 w 154"/>
+                <a:gd name="T7" fmla="*/ 4 h 82"/>
+                <a:gd name="T8" fmla="*/ 138 w 154"/>
+                <a:gd name="T9" fmla="*/ 2 h 82"/>
+                <a:gd name="T10" fmla="*/ 152 w 154"/>
+                <a:gd name="T11" fmla="*/ 13 h 82"/>
+                <a:gd name="T12" fmla="*/ 150 w 154"/>
+                <a:gd name="T13" fmla="*/ 21 h 82"/>
+                <a:gd name="T14" fmla="*/ 142 w 154"/>
+                <a:gd name="T15" fmla="*/ 19 h 82"/>
+                <a:gd name="T16" fmla="*/ 134 w 154"/>
+                <a:gd name="T17" fmla="*/ 14 h 82"/>
+                <a:gd name="T18" fmla="*/ 125 w 154"/>
+                <a:gd name="T19" fmla="*/ 15 h 82"/>
+                <a:gd name="T20" fmla="*/ 10 w 154"/>
+                <a:gd name="T21" fmla="*/ 81 h 82"/>
+                <a:gd name="T22" fmla="*/ 7 w 154"/>
+                <a:gd name="T23" fmla="*/ 82 h 82"/>
+              </a:gdLst>
+              <a:ahLst/>
+              <a:cxnLst>
+                <a:cxn ang="0">
+                  <a:pos x="T0" y="T1"/>
+                </a:cxn>
+                <a:cxn ang="0">
+                  <a:pos x="T2" y="T3"/>
+                </a:cxn>
+                <a:cxn ang="0">
+                  <a:pos x="T4" y="T5"/>
+                </a:cxn>
+                <a:cxn ang="0">
+                  <a:pos x="T6" y="T7"/>
+                </a:cxn>
+                <a:cxn ang="0">
+                  <a:pos x="T8" y="T9"/>
+                </a:cxn>
+                <a:cxn ang="0">
+                  <a:pos x="T10" y="T11"/>
+                </a:cxn>
+                <a:cxn ang="0">
+                  <a:pos x="T12" y="T13"/>
+                </a:cxn>
+                <a:cxn ang="0">
+                  <a:pos x="T14" y="T15"/>
+                </a:cxn>
+                <a:cxn ang="0">
+                  <a:pos x="T16" y="T17"/>
+                </a:cxn>
+                <a:cxn ang="0">
+                  <a:pos x="T18" y="T19"/>
+                </a:cxn>
+                <a:cxn ang="0">
+                  <a:pos x="T20" y="T21"/>
+                </a:cxn>
+                <a:cxn ang="0">
+                  <a:pos x="T22" y="T23"/>
+                </a:cxn>
+              </a:cxnLst>
+              <a:rect l="0" t="0" r="r" b="b"/>
+              <a:pathLst>
+                <a:path w="154" h="82">
+                  <a:moveTo>
+                    <a:pt x="7" y="82"/>
+                  </a:moveTo>
+                  <a:cubicBezTo>
+                    <a:pt x="5" y="82"/>
+                    <a:pt x="3" y="81"/>
+                    <a:pt x="2" y="79"/>
+                  </a:cubicBezTo>
+                  <a:cubicBezTo>
+                    <a:pt x="0" y="76"/>
+                    <a:pt x="1" y="72"/>
+                    <a:pt x="4" y="70"/>
+                  </a:cubicBezTo>
+                  <a:cubicBezTo>
+                    <a:pt x="119" y="4"/>
+                    <a:pt x="119" y="4"/>
+                    <a:pt x="119" y="4"/>
+                  </a:cubicBezTo>
+                  <a:cubicBezTo>
+                    <a:pt x="125" y="1"/>
+                    <a:pt x="131" y="0"/>
+                    <a:pt x="138" y="2"/>
+                  </a:cubicBezTo>
+                  <a:cubicBezTo>
+                    <a:pt x="144" y="4"/>
+                    <a:pt x="149" y="8"/>
+                    <a:pt x="152" y="13"/>
+                  </a:cubicBezTo>
+                  <a:cubicBezTo>
+                    <a:pt x="154" y="16"/>
+                    <a:pt x="153" y="20"/>
+                    <a:pt x="150" y="21"/>
+                  </a:cubicBezTo>
+                  <a:cubicBezTo>
+                    <a:pt x="147" y="23"/>
+                    <a:pt x="143" y="22"/>
+                    <a:pt x="142" y="19"/>
+                  </a:cubicBezTo>
+                  <a:cubicBezTo>
+                    <a:pt x="140" y="16"/>
+                    <a:pt x="138" y="14"/>
+                    <a:pt x="134" y="14"/>
+                  </a:cubicBezTo>
+                  <a:cubicBezTo>
+                    <a:pt x="131" y="13"/>
+                    <a:pt x="128" y="13"/>
+                    <a:pt x="125" y="15"/>
+                  </a:cubicBezTo>
+                  <a:cubicBezTo>
+                    <a:pt x="10" y="81"/>
+                    <a:pt x="10" y="81"/>
+                    <a:pt x="10" y="81"/>
+                  </a:cubicBezTo>
+                  <a:cubicBezTo>
+                    <a:pt x="9" y="81"/>
+                    <a:pt x="8" y="82"/>
+                    <a:pt x="7" y="82"/>
+                  </a:cubicBezTo>
+                  <a:close/>
+                </a:path>
+              </a:pathLst>
+            </a:custGeom>
+            <a:grpFill/>
+            <a:ln>
+              <a:noFill/>
+            </a:ln>
+            <a:extLst>
+              <a:ext uri="{91240B29-F687-4F45-9708-019B960494DF}">
+                <a14:hiddenLine xmlns:a14="http://schemas.microsoft.com/office/drawing/2010/main" w="9525">
+                  <a:solidFill>
+                    <a:srgbClr val="000000"/>
+                  </a:solidFill>
+                  <a:round/>
+                  <a:headEnd/>
+                  <a:tailEnd/>
+                </a14:hiddenLine>
+              </a:ext>
+            </a:extLst>
+          </p:spPr>
+          <p:txBody>
+            <a:bodyPr vert="horz" wrap="square" lIns="91440" tIns="45720" rIns="91440" bIns="45720" numCol="1" anchor="t" anchorCtr="0" compatLnSpc="1">
+              <a:prstTxWarp prst="textNoShape">
+                <a:avLst/>
+              </a:prstTxWarp>
+            </a:bodyPr>
+            <a:lstStyle/>
+            <a:p>
+              <a:endParaRPr lang="en-AU"/>
+            </a:p>
+          </p:txBody>
+        </p:sp>
+        <p:sp>
+          <p:nvSpPr>
+            <p:cNvPr id="71" name="Freeform 20">
+              <a:extLst>
+                <a:ext uri="{FF2B5EF4-FFF2-40B4-BE49-F238E27FC236}">
+                  <a16:creationId xmlns:a16="http://schemas.microsoft.com/office/drawing/2014/main" id="{8831606D-47D3-4705-A2BA-2DD52DA90FD3}"/>
+                </a:ext>
+              </a:extLst>
+            </p:cNvPr>
+            <p:cNvSpPr>
+              <a:spLocks/>
+            </p:cNvSpPr>
+            <p:nvPr/>
+          </p:nvSpPr>
+          <p:spPr bwMode="auto">
+            <a:xfrm>
+              <a:off x="2471" y="527"/>
+              <a:ext cx="228" cy="122"/>
+            </a:xfrm>
+            <a:custGeom>
+              <a:avLst/>
+              <a:gdLst>
+                <a:gd name="T0" fmla="*/ 147 w 154"/>
+                <a:gd name="T1" fmla="*/ 82 h 82"/>
+                <a:gd name="T2" fmla="*/ 144 w 154"/>
+                <a:gd name="T3" fmla="*/ 81 h 82"/>
+                <a:gd name="T4" fmla="*/ 29 w 154"/>
+                <a:gd name="T5" fmla="*/ 15 h 82"/>
+                <a:gd name="T6" fmla="*/ 20 w 154"/>
+                <a:gd name="T7" fmla="*/ 14 h 82"/>
+                <a:gd name="T8" fmla="*/ 12 w 154"/>
+                <a:gd name="T9" fmla="*/ 19 h 82"/>
+                <a:gd name="T10" fmla="*/ 4 w 154"/>
+                <a:gd name="T11" fmla="*/ 21 h 82"/>
+                <a:gd name="T12" fmla="*/ 2 w 154"/>
+                <a:gd name="T13" fmla="*/ 13 h 82"/>
+                <a:gd name="T14" fmla="*/ 17 w 154"/>
+                <a:gd name="T15" fmla="*/ 2 h 82"/>
+                <a:gd name="T16" fmla="*/ 35 w 154"/>
+                <a:gd name="T17" fmla="*/ 4 h 82"/>
+                <a:gd name="T18" fmla="*/ 150 w 154"/>
+                <a:gd name="T19" fmla="*/ 70 h 82"/>
+                <a:gd name="T20" fmla="*/ 152 w 154"/>
+                <a:gd name="T21" fmla="*/ 79 h 82"/>
+                <a:gd name="T22" fmla="*/ 147 w 154"/>
+                <a:gd name="T23" fmla="*/ 82 h 82"/>
+              </a:gdLst>
+              <a:ahLst/>
+              <a:cxnLst>
+                <a:cxn ang="0">
+                  <a:pos x="T0" y="T1"/>
+                </a:cxn>
+                <a:cxn ang="0">
+                  <a:pos x="T2" y="T3"/>
+                </a:cxn>
+                <a:cxn ang="0">
+                  <a:pos x="T4" y="T5"/>
+                </a:cxn>
+                <a:cxn ang="0">
+                  <a:pos x="T6" y="T7"/>
+                </a:cxn>
+                <a:cxn ang="0">
+                  <a:pos x="T8" y="T9"/>
+                </a:cxn>
+                <a:cxn ang="0">
+                  <a:pos x="T10" y="T11"/>
+                </a:cxn>
+                <a:cxn ang="0">
+                  <a:pos x="T12" y="T13"/>
+                </a:cxn>
+                <a:cxn ang="0">
+                  <a:pos x="T14" y="T15"/>
+                </a:cxn>
+                <a:cxn ang="0">
+                  <a:pos x="T16" y="T17"/>
+                </a:cxn>
+                <a:cxn ang="0">
+                  <a:pos x="T18" y="T19"/>
+                </a:cxn>
+                <a:cxn ang="0">
+                  <a:pos x="T20" y="T21"/>
+                </a:cxn>
+                <a:cxn ang="0">
+                  <a:pos x="T22" y="T23"/>
+                </a:cxn>
+              </a:cxnLst>
+              <a:rect l="0" t="0" r="r" b="b"/>
+              <a:pathLst>
+                <a:path w="154" h="82">
+                  <a:moveTo>
+                    <a:pt x="147" y="82"/>
+                  </a:moveTo>
+                  <a:cubicBezTo>
+                    <a:pt x="146" y="82"/>
+                    <a:pt x="145" y="81"/>
+                    <a:pt x="144" y="81"/>
+                  </a:cubicBezTo>
+                  <a:cubicBezTo>
+                    <a:pt x="29" y="15"/>
+                    <a:pt x="29" y="15"/>
+                    <a:pt x="29" y="15"/>
+                  </a:cubicBezTo>
+                  <a:cubicBezTo>
+                    <a:pt x="26" y="13"/>
+                    <a:pt x="23" y="13"/>
+                    <a:pt x="20" y="14"/>
+                  </a:cubicBezTo>
+                  <a:cubicBezTo>
+                    <a:pt x="17" y="14"/>
+                    <a:pt x="14" y="16"/>
+                    <a:pt x="12" y="19"/>
+                  </a:cubicBezTo>
+                  <a:cubicBezTo>
+                    <a:pt x="11" y="22"/>
+                    <a:pt x="7" y="23"/>
+                    <a:pt x="4" y="21"/>
+                  </a:cubicBezTo>
+                  <a:cubicBezTo>
+                    <a:pt x="1" y="20"/>
+                    <a:pt x="0" y="16"/>
+                    <a:pt x="2" y="13"/>
+                  </a:cubicBezTo>
+                  <a:cubicBezTo>
+                    <a:pt x="5" y="8"/>
+                    <a:pt x="10" y="4"/>
+                    <a:pt x="17" y="2"/>
+                  </a:cubicBezTo>
+                  <a:cubicBezTo>
+                    <a:pt x="23" y="0"/>
+                    <a:pt x="29" y="1"/>
+                    <a:pt x="35" y="4"/>
+                  </a:cubicBezTo>
+                  <a:cubicBezTo>
+                    <a:pt x="150" y="70"/>
+                    <a:pt x="150" y="70"/>
+                    <a:pt x="150" y="70"/>
+                  </a:cubicBezTo>
+                  <a:cubicBezTo>
+                    <a:pt x="153" y="72"/>
+                    <a:pt x="154" y="76"/>
+                    <a:pt x="152" y="79"/>
+                  </a:cubicBezTo>
+                  <a:cubicBezTo>
+                    <a:pt x="151" y="81"/>
+                    <a:pt x="149" y="82"/>
+                    <a:pt x="147" y="82"/>
+                  </a:cubicBezTo>
+                  <a:close/>
+                </a:path>
+              </a:pathLst>
+            </a:custGeom>
+            <a:grpFill/>
+            <a:ln>
+              <a:noFill/>
+            </a:ln>
+            <a:extLst>
+              <a:ext uri="{91240B29-F687-4F45-9708-019B960494DF}">
+                <a14:hiddenLine xmlns:a14="http://schemas.microsoft.com/office/drawing/2010/main" w="9525">
+                  <a:solidFill>
+                    <a:srgbClr val="000000"/>
+                  </a:solidFill>
+                  <a:round/>
+                  <a:headEnd/>
+                  <a:tailEnd/>
+                </a14:hiddenLine>
+              </a:ext>
+            </a:extLst>
+          </p:spPr>
+          <p:txBody>
+            <a:bodyPr vert="horz" wrap="square" lIns="91440" tIns="45720" rIns="91440" bIns="45720" numCol="1" anchor="t" anchorCtr="0" compatLnSpc="1">
+              <a:prstTxWarp prst="textNoShape">
+                <a:avLst/>
+              </a:prstTxWarp>
+            </a:bodyPr>
+            <a:lstStyle/>
+            <a:p>
+              <a:endParaRPr lang="en-AU"/>
+            </a:p>
+          </p:txBody>
+        </p:sp>
+        <p:sp>
+          <p:nvSpPr>
+            <p:cNvPr id="72" name="Freeform 21">
+              <a:extLst>
+                <a:ext uri="{FF2B5EF4-FFF2-40B4-BE49-F238E27FC236}">
+                  <a16:creationId xmlns:a16="http://schemas.microsoft.com/office/drawing/2014/main" id="{A090CD50-F431-4D00-B10A-6F4693D07D8A}"/>
+                </a:ext>
+              </a:extLst>
+            </p:cNvPr>
+            <p:cNvSpPr>
+              <a:spLocks noEditPoints="1"/>
+            </p:cNvSpPr>
+            <p:nvPr/>
+          </p:nvSpPr>
+          <p:spPr bwMode="auto">
+            <a:xfrm>
+              <a:off x="2439" y="626"/>
+              <a:ext cx="160" cy="160"/>
+            </a:xfrm>
+            <a:custGeom>
+              <a:avLst/>
+              <a:gdLst>
+                <a:gd name="T0" fmla="*/ 54 w 108"/>
+                <a:gd name="T1" fmla="*/ 108 h 108"/>
+                <a:gd name="T2" fmla="*/ 0 w 108"/>
+                <a:gd name="T3" fmla="*/ 54 h 108"/>
+                <a:gd name="T4" fmla="*/ 54 w 108"/>
+                <a:gd name="T5" fmla="*/ 0 h 108"/>
+                <a:gd name="T6" fmla="*/ 108 w 108"/>
+                <a:gd name="T7" fmla="*/ 54 h 108"/>
+                <a:gd name="T8" fmla="*/ 54 w 108"/>
+                <a:gd name="T9" fmla="*/ 108 h 108"/>
+                <a:gd name="T10" fmla="*/ 54 w 108"/>
+                <a:gd name="T11" fmla="*/ 12 h 108"/>
+                <a:gd name="T12" fmla="*/ 12 w 108"/>
+                <a:gd name="T13" fmla="*/ 54 h 108"/>
+                <a:gd name="T14" fmla="*/ 54 w 108"/>
+                <a:gd name="T15" fmla="*/ 96 h 108"/>
+                <a:gd name="T16" fmla="*/ 96 w 108"/>
+                <a:gd name="T17" fmla="*/ 54 h 108"/>
+                <a:gd name="T18" fmla="*/ 54 w 108"/>
+                <a:gd name="T19" fmla="*/ 12 h 108"/>
+              </a:gdLst>
+              <a:ahLst/>
+              <a:cxnLst>
+                <a:cxn ang="0">
+                  <a:pos x="T0" y="T1"/>
+                </a:cxn>
+                <a:cxn ang="0">
+                  <a:pos x="T2" y="T3"/>
+                </a:cxn>
+                <a:cxn ang="0">
+                  <a:pos x="T4" y="T5"/>
+                </a:cxn>
+                <a:cxn ang="0">
+                  <a:pos x="T6" y="T7"/>
+                </a:cxn>
+                <a:cxn ang="0">
+                  <a:pos x="T8" y="T9"/>
+                </a:cxn>
+                <a:cxn ang="0">
+                  <a:pos x="T10" y="T11"/>
+                </a:cxn>
+                <a:cxn ang="0">
+                  <a:pos x="T12" y="T13"/>
+                </a:cxn>
+                <a:cxn ang="0">
+                  <a:pos x="T14" y="T15"/>
+                </a:cxn>
+                <a:cxn ang="0">
+                  <a:pos x="T16" y="T17"/>
+                </a:cxn>
+                <a:cxn ang="0">
+                  <a:pos x="T18" y="T19"/>
+                </a:cxn>
+              </a:cxnLst>
+              <a:rect l="0" t="0" r="r" b="b"/>
+              <a:pathLst>
+                <a:path w="108" h="108">
+                  <a:moveTo>
+                    <a:pt x="54" y="108"/>
+                  </a:moveTo>
+                  <a:cubicBezTo>
+                    <a:pt x="24" y="108"/>
+                    <a:pt x="0" y="83"/>
+                    <a:pt x="0" y="54"/>
+                  </a:cubicBezTo>
+                  <a:cubicBezTo>
+                    <a:pt x="0" y="24"/>
+                    <a:pt x="24" y="0"/>
+                    <a:pt x="54" y="0"/>
+                  </a:cubicBezTo>
+                  <a:cubicBezTo>
+                    <a:pt x="84" y="0"/>
+                    <a:pt x="108" y="24"/>
+                    <a:pt x="108" y="54"/>
+                  </a:cubicBezTo>
+                  <a:cubicBezTo>
+                    <a:pt x="108" y="83"/>
+                    <a:pt x="84" y="108"/>
+                    <a:pt x="54" y="108"/>
+                  </a:cubicBezTo>
+                  <a:close/>
+                  <a:moveTo>
+                    <a:pt x="54" y="12"/>
+                  </a:moveTo>
+                  <a:cubicBezTo>
+                    <a:pt x="31" y="12"/>
+                    <a:pt x="12" y="30"/>
+                    <a:pt x="12" y="54"/>
+                  </a:cubicBezTo>
+                  <a:cubicBezTo>
+                    <a:pt x="12" y="77"/>
+                    <a:pt x="31" y="96"/>
+                    <a:pt x="54" y="96"/>
+                  </a:cubicBezTo>
+                  <a:cubicBezTo>
+                    <a:pt x="77" y="96"/>
+                    <a:pt x="96" y="77"/>
+                    <a:pt x="96" y="54"/>
+                  </a:cubicBezTo>
+                  <a:cubicBezTo>
+                    <a:pt x="96" y="30"/>
+                    <a:pt x="77" y="12"/>
+                    <a:pt x="54" y="12"/>
+                  </a:cubicBezTo>
+                  <a:close/>
+                </a:path>
+              </a:pathLst>
+            </a:custGeom>
+            <a:grpFill/>
+            <a:ln>
+              <a:noFill/>
+            </a:ln>
+            <a:extLst>
+              <a:ext uri="{91240B29-F687-4F45-9708-019B960494DF}">
+                <a14:hiddenLine xmlns:a14="http://schemas.microsoft.com/office/drawing/2010/main" w="9525">
+                  <a:solidFill>
+                    <a:srgbClr val="000000"/>
+                  </a:solidFill>
+                  <a:round/>
+                  <a:headEnd/>
+                  <a:tailEnd/>
+                </a14:hiddenLine>
+              </a:ext>
+            </a:extLst>
+          </p:spPr>
+          <p:txBody>
+            <a:bodyPr vert="horz" wrap="square" lIns="91440" tIns="45720" rIns="91440" bIns="45720" numCol="1" anchor="t" anchorCtr="0" compatLnSpc="1">
+              <a:prstTxWarp prst="textNoShape">
+                <a:avLst/>
+              </a:prstTxWarp>
+            </a:bodyPr>
+            <a:lstStyle/>
+            <a:p>
+              <a:endParaRPr lang="en-AU"/>
+            </a:p>
+          </p:txBody>
+        </p:sp>
+        <p:sp>
+          <p:nvSpPr>
+            <p:cNvPr id="73" name="Freeform 22">
+              <a:extLst>
+                <a:ext uri="{FF2B5EF4-FFF2-40B4-BE49-F238E27FC236}">
+                  <a16:creationId xmlns:a16="http://schemas.microsoft.com/office/drawing/2014/main" id="{DF91C4B8-21FA-4BC6-98B1-C639AA9EBDB2}"/>
+                </a:ext>
+              </a:extLst>
+            </p:cNvPr>
+            <p:cNvSpPr>
+              <a:spLocks noEditPoints="1"/>
+            </p:cNvSpPr>
+            <p:nvPr/>
+          </p:nvSpPr>
+          <p:spPr bwMode="auto">
+            <a:xfrm>
+              <a:off x="2634" y="626"/>
+              <a:ext cx="160" cy="160"/>
+            </a:xfrm>
+            <a:custGeom>
+              <a:avLst/>
+              <a:gdLst>
+                <a:gd name="T0" fmla="*/ 54 w 108"/>
+                <a:gd name="T1" fmla="*/ 108 h 108"/>
+                <a:gd name="T2" fmla="*/ 0 w 108"/>
+                <a:gd name="T3" fmla="*/ 54 h 108"/>
+                <a:gd name="T4" fmla="*/ 54 w 108"/>
+                <a:gd name="T5" fmla="*/ 0 h 108"/>
+                <a:gd name="T6" fmla="*/ 108 w 108"/>
+                <a:gd name="T7" fmla="*/ 54 h 108"/>
+                <a:gd name="T8" fmla="*/ 54 w 108"/>
+                <a:gd name="T9" fmla="*/ 108 h 108"/>
+                <a:gd name="T10" fmla="*/ 54 w 108"/>
+                <a:gd name="T11" fmla="*/ 12 h 108"/>
+                <a:gd name="T12" fmla="*/ 12 w 108"/>
+                <a:gd name="T13" fmla="*/ 54 h 108"/>
+                <a:gd name="T14" fmla="*/ 54 w 108"/>
+                <a:gd name="T15" fmla="*/ 96 h 108"/>
+                <a:gd name="T16" fmla="*/ 96 w 108"/>
+                <a:gd name="T17" fmla="*/ 54 h 108"/>
+                <a:gd name="T18" fmla="*/ 54 w 108"/>
+                <a:gd name="T19" fmla="*/ 12 h 108"/>
+              </a:gdLst>
+              <a:ahLst/>
+              <a:cxnLst>
+                <a:cxn ang="0">
+                  <a:pos x="T0" y="T1"/>
+                </a:cxn>
+                <a:cxn ang="0">
+                  <a:pos x="T2" y="T3"/>
+                </a:cxn>
+                <a:cxn ang="0">
+                  <a:pos x="T4" y="T5"/>
+                </a:cxn>
+                <a:cxn ang="0">
+                  <a:pos x="T6" y="T7"/>
+                </a:cxn>
+                <a:cxn ang="0">
+                  <a:pos x="T8" y="T9"/>
+                </a:cxn>
+                <a:cxn ang="0">
+                  <a:pos x="T10" y="T11"/>
+                </a:cxn>
+                <a:cxn ang="0">
+                  <a:pos x="T12" y="T13"/>
+                </a:cxn>
+                <a:cxn ang="0">
+                  <a:pos x="T14" y="T15"/>
+                </a:cxn>
+                <a:cxn ang="0">
+                  <a:pos x="T16" y="T17"/>
+                </a:cxn>
+                <a:cxn ang="0">
+                  <a:pos x="T18" y="T19"/>
+                </a:cxn>
+              </a:cxnLst>
+              <a:rect l="0" t="0" r="r" b="b"/>
+              <a:pathLst>
+                <a:path w="108" h="108">
+                  <a:moveTo>
+                    <a:pt x="54" y="108"/>
+                  </a:moveTo>
+                  <a:cubicBezTo>
+                    <a:pt x="24" y="108"/>
+                    <a:pt x="0" y="83"/>
+                    <a:pt x="0" y="54"/>
+                  </a:cubicBezTo>
+                  <a:cubicBezTo>
+                    <a:pt x="0" y="24"/>
+                    <a:pt x="24" y="0"/>
+                    <a:pt x="54" y="0"/>
+                  </a:cubicBezTo>
+                  <a:cubicBezTo>
+                    <a:pt x="84" y="0"/>
+                    <a:pt x="108" y="24"/>
+                    <a:pt x="108" y="54"/>
+                  </a:cubicBezTo>
+                  <a:cubicBezTo>
+                    <a:pt x="108" y="83"/>
+                    <a:pt x="84" y="108"/>
+                    <a:pt x="54" y="108"/>
+                  </a:cubicBezTo>
+                  <a:close/>
+                  <a:moveTo>
+                    <a:pt x="54" y="12"/>
+                  </a:moveTo>
+                  <a:cubicBezTo>
+                    <a:pt x="31" y="12"/>
+                    <a:pt x="12" y="30"/>
+                    <a:pt x="12" y="54"/>
+                  </a:cubicBezTo>
+                  <a:cubicBezTo>
+                    <a:pt x="12" y="77"/>
+                    <a:pt x="31" y="96"/>
+                    <a:pt x="54" y="96"/>
+                  </a:cubicBezTo>
+                  <a:cubicBezTo>
+                    <a:pt x="77" y="96"/>
+                    <a:pt x="96" y="77"/>
+                    <a:pt x="96" y="54"/>
+                  </a:cubicBezTo>
+                  <a:cubicBezTo>
+                    <a:pt x="96" y="30"/>
+                    <a:pt x="77" y="12"/>
+                    <a:pt x="54" y="12"/>
+                  </a:cubicBezTo>
+                  <a:close/>
+                </a:path>
+              </a:pathLst>
+            </a:custGeom>
+            <a:grpFill/>
+            <a:ln>
+              <a:noFill/>
+            </a:ln>
+            <a:extLst>
+              <a:ext uri="{91240B29-F687-4F45-9708-019B960494DF}">
+                <a14:hiddenLine xmlns:a14="http://schemas.microsoft.com/office/drawing/2010/main" w="9525">
+                  <a:solidFill>
+                    <a:srgbClr val="000000"/>
+                  </a:solidFill>
+                  <a:round/>
+                  <a:headEnd/>
+                  <a:tailEnd/>
+                </a14:hiddenLine>
+              </a:ext>
+            </a:extLst>
+          </p:spPr>
+          <p:txBody>
+            <a:bodyPr vert="horz" wrap="square" lIns="91440" tIns="45720" rIns="91440" bIns="45720" numCol="1" anchor="t" anchorCtr="0" compatLnSpc="1">
+              <a:prstTxWarp prst="textNoShape">
+                <a:avLst/>
+              </a:prstTxWarp>
+            </a:bodyPr>
+            <a:lstStyle/>
+            <a:p>
+              <a:endParaRPr lang="en-AU"/>
+            </a:p>
+          </p:txBody>
+        </p:sp>
+        <p:sp>
+          <p:nvSpPr>
+            <p:cNvPr id="74" name="Freeform 23">
+              <a:extLst>
+                <a:ext uri="{FF2B5EF4-FFF2-40B4-BE49-F238E27FC236}">
+                  <a16:creationId xmlns:a16="http://schemas.microsoft.com/office/drawing/2014/main" id="{2722450C-8C33-4FCE-904B-94A9D211406B}"/>
+                </a:ext>
+              </a:extLst>
+            </p:cNvPr>
+            <p:cNvSpPr>
+              <a:spLocks/>
+            </p:cNvSpPr>
+            <p:nvPr/>
+          </p:nvSpPr>
+          <p:spPr bwMode="auto">
+            <a:xfrm>
+              <a:off x="2581" y="671"/>
+              <a:ext cx="71" cy="35"/>
+            </a:xfrm>
+            <a:custGeom>
+              <a:avLst/>
+              <a:gdLst>
+                <a:gd name="T0" fmla="*/ 48 w 48"/>
+                <a:gd name="T1" fmla="*/ 24 h 24"/>
+                <a:gd name="T2" fmla="*/ 36 w 48"/>
+                <a:gd name="T3" fmla="*/ 24 h 24"/>
+                <a:gd name="T4" fmla="*/ 24 w 48"/>
+                <a:gd name="T5" fmla="*/ 12 h 24"/>
+                <a:gd name="T6" fmla="*/ 12 w 48"/>
+                <a:gd name="T7" fmla="*/ 24 h 24"/>
+                <a:gd name="T8" fmla="*/ 0 w 48"/>
+                <a:gd name="T9" fmla="*/ 24 h 24"/>
+                <a:gd name="T10" fmla="*/ 24 w 48"/>
+                <a:gd name="T11" fmla="*/ 0 h 24"/>
+                <a:gd name="T12" fmla="*/ 48 w 48"/>
+                <a:gd name="T13" fmla="*/ 24 h 24"/>
+              </a:gdLst>
+              <a:ahLst/>
+              <a:cxnLst>
+                <a:cxn ang="0">
+                  <a:pos x="T0" y="T1"/>
+                </a:cxn>
+                <a:cxn ang="0">
+                  <a:pos x="T2" y="T3"/>
+                </a:cxn>
+                <a:cxn ang="0">
+                  <a:pos x="T4" y="T5"/>
+                </a:cxn>
+                <a:cxn ang="0">
+                  <a:pos x="T6" y="T7"/>
+                </a:cxn>
+                <a:cxn ang="0">
+                  <a:pos x="T8" y="T9"/>
+                </a:cxn>
+                <a:cxn ang="0">
+                  <a:pos x="T10" y="T11"/>
+                </a:cxn>
+                <a:cxn ang="0">
+                  <a:pos x="T12" y="T13"/>
+                </a:cxn>
+              </a:cxnLst>
+              <a:rect l="0" t="0" r="r" b="b"/>
+              <a:pathLst>
+                <a:path w="48" h="24">
+                  <a:moveTo>
+                    <a:pt x="48" y="24"/>
+                  </a:moveTo>
+                  <a:cubicBezTo>
+                    <a:pt x="36" y="24"/>
+                    <a:pt x="36" y="24"/>
+                    <a:pt x="36" y="24"/>
+                  </a:cubicBezTo>
+                  <a:cubicBezTo>
+                    <a:pt x="36" y="17"/>
+                    <a:pt x="31" y="12"/>
+                    <a:pt x="24" y="12"/>
+                  </a:cubicBezTo>
+                  <a:cubicBezTo>
+                    <a:pt x="17" y="12"/>
+                    <a:pt x="12" y="17"/>
+                    <a:pt x="12" y="24"/>
+                  </a:cubicBezTo>
+                  <a:cubicBezTo>
+                    <a:pt x="0" y="24"/>
+                    <a:pt x="0" y="24"/>
+                    <a:pt x="0" y="24"/>
+                  </a:cubicBezTo>
+                  <a:cubicBezTo>
+                    <a:pt x="0" y="10"/>
+                    <a:pt x="11" y="0"/>
+                    <a:pt x="24" y="0"/>
+                  </a:cubicBezTo>
+                  <a:cubicBezTo>
+                    <a:pt x="37" y="0"/>
+                    <a:pt x="48" y="10"/>
+                    <a:pt x="48" y="24"/>
+                  </a:cubicBezTo>
+                  <a:close/>
+                </a:path>
+              </a:pathLst>
+            </a:custGeom>
+            <a:grpFill/>
+            <a:ln>
+              <a:noFill/>
+            </a:ln>
+            <a:extLst>
+              <a:ext uri="{91240B29-F687-4F45-9708-019B960494DF}">
+                <a14:hiddenLine xmlns:a14="http://schemas.microsoft.com/office/drawing/2010/main" w="9525">
+                  <a:solidFill>
+                    <a:srgbClr val="000000"/>
+                  </a:solidFill>
+                  <a:round/>
+                  <a:headEnd/>
+                  <a:tailEnd/>
+                </a14:hiddenLine>
+              </a:ext>
+            </a:extLst>
+          </p:spPr>
+          <p:txBody>
+            <a:bodyPr vert="horz" wrap="square" lIns="91440" tIns="45720" rIns="91440" bIns="45720" numCol="1" anchor="t" anchorCtr="0" compatLnSpc="1">
+              <a:prstTxWarp prst="textNoShape">
+                <a:avLst/>
+              </a:prstTxWarp>
+            </a:bodyPr>
+            <a:lstStyle/>
+            <a:p>
+              <a:endParaRPr lang="en-AU"/>
+            </a:p>
+          </p:txBody>
+        </p:sp>
+        <p:sp>
+          <p:nvSpPr>
+            <p:cNvPr id="75" name="Freeform 24">
+              <a:extLst>
+                <a:ext uri="{FF2B5EF4-FFF2-40B4-BE49-F238E27FC236}">
+                  <a16:creationId xmlns:a16="http://schemas.microsoft.com/office/drawing/2014/main" id="{A5CF2F04-A458-48EF-ABF2-9EE032ABEC0F}"/>
+                </a:ext>
+              </a:extLst>
+            </p:cNvPr>
+            <p:cNvSpPr>
+              <a:spLocks/>
+            </p:cNvSpPr>
+            <p:nvPr/>
+          </p:nvSpPr>
+          <p:spPr bwMode="auto">
+            <a:xfrm>
+              <a:off x="2421" y="700"/>
+              <a:ext cx="36" cy="18"/>
+            </a:xfrm>
+            <a:custGeom>
+              <a:avLst/>
+              <a:gdLst>
+                <a:gd name="T0" fmla="*/ 18 w 24"/>
+                <a:gd name="T1" fmla="*/ 12 h 12"/>
+                <a:gd name="T2" fmla="*/ 6 w 24"/>
+                <a:gd name="T3" fmla="*/ 12 h 12"/>
+                <a:gd name="T4" fmla="*/ 0 w 24"/>
+                <a:gd name="T5" fmla="*/ 6 h 12"/>
+                <a:gd name="T6" fmla="*/ 6 w 24"/>
+                <a:gd name="T7" fmla="*/ 0 h 12"/>
+                <a:gd name="T8" fmla="*/ 18 w 24"/>
+                <a:gd name="T9" fmla="*/ 0 h 12"/>
+                <a:gd name="T10" fmla="*/ 24 w 24"/>
+                <a:gd name="T11" fmla="*/ 6 h 12"/>
+                <a:gd name="T12" fmla="*/ 18 w 24"/>
+                <a:gd name="T13" fmla="*/ 12 h 12"/>
+              </a:gdLst>
+              <a:ahLst/>
+              <a:cxnLst>
+                <a:cxn ang="0">
+                  <a:pos x="T0" y="T1"/>
+                </a:cxn>
+                <a:cxn ang="0">
+                  <a:pos x="T2" y="T3"/>
+                </a:cxn>
+                <a:cxn ang="0">
+                  <a:pos x="T4" y="T5"/>
+                </a:cxn>
+                <a:cxn ang="0">
+                  <a:pos x="T6" y="T7"/>
+                </a:cxn>
+                <a:cxn ang="0">
+                  <a:pos x="T8" y="T9"/>
+                </a:cxn>
+                <a:cxn ang="0">
+                  <a:pos x="T10" y="T11"/>
+                </a:cxn>
+                <a:cxn ang="0">
+                  <a:pos x="T12" y="T13"/>
+                </a:cxn>
+              </a:cxnLst>
+              <a:rect l="0" t="0" r="r" b="b"/>
+              <a:pathLst>
+                <a:path w="24" h="12">
+                  <a:moveTo>
+                    <a:pt x="18" y="12"/>
+                  </a:moveTo>
+                  <a:cubicBezTo>
+                    <a:pt x="6" y="12"/>
+                    <a:pt x="6" y="12"/>
+                    <a:pt x="6" y="12"/>
+                  </a:cubicBezTo>
+                  <a:cubicBezTo>
+                    <a:pt x="3" y="12"/>
+                    <a:pt x="0" y="9"/>
+                    <a:pt x="0" y="6"/>
+                  </a:cubicBezTo>
+                  <a:cubicBezTo>
+                    <a:pt x="0" y="3"/>
+                    <a:pt x="3" y="0"/>
+                    <a:pt x="6" y="0"/>
+                  </a:cubicBezTo>
+                  <a:cubicBezTo>
+                    <a:pt x="18" y="0"/>
+                    <a:pt x="18" y="0"/>
+                    <a:pt x="18" y="0"/>
+                  </a:cubicBezTo>
+                  <a:cubicBezTo>
+                    <a:pt x="21" y="0"/>
+                    <a:pt x="24" y="3"/>
+                    <a:pt x="24" y="6"/>
+                  </a:cubicBezTo>
+                  <a:cubicBezTo>
+                    <a:pt x="24" y="9"/>
+                    <a:pt x="21" y="12"/>
+                    <a:pt x="18" y="12"/>
+                  </a:cubicBezTo>
+                  <a:close/>
+                </a:path>
+              </a:pathLst>
+            </a:custGeom>
+            <a:grpFill/>
+            <a:ln>
+              <a:noFill/>
+            </a:ln>
+            <a:extLst>
+              <a:ext uri="{91240B29-F687-4F45-9708-019B960494DF}">
+                <a14:hiddenLine xmlns:a14="http://schemas.microsoft.com/office/drawing/2010/main" w="9525">
+                  <a:solidFill>
+                    <a:srgbClr val="000000"/>
+                  </a:solidFill>
+                  <a:round/>
+                  <a:headEnd/>
+                  <a:tailEnd/>
+                </a14:hiddenLine>
+              </a:ext>
+            </a:extLst>
+          </p:spPr>
+          <p:txBody>
+            <a:bodyPr vert="horz" wrap="square" lIns="91440" tIns="45720" rIns="91440" bIns="45720" numCol="1" anchor="t" anchorCtr="0" compatLnSpc="1">
+              <a:prstTxWarp prst="textNoShape">
+                <a:avLst/>
+              </a:prstTxWarp>
+            </a:bodyPr>
+            <a:lstStyle/>
+            <a:p>
+              <a:endParaRPr lang="en-AU"/>
+            </a:p>
+          </p:txBody>
+        </p:sp>
+        <p:sp>
+          <p:nvSpPr>
+            <p:cNvPr id="76" name="Freeform 25">
+              <a:extLst>
+                <a:ext uri="{FF2B5EF4-FFF2-40B4-BE49-F238E27FC236}">
+                  <a16:creationId xmlns:a16="http://schemas.microsoft.com/office/drawing/2014/main" id="{CA9C3F58-DB68-4894-B854-4B219A6E5910}"/>
+                </a:ext>
+              </a:extLst>
+            </p:cNvPr>
+            <p:cNvSpPr>
+              <a:spLocks/>
+            </p:cNvSpPr>
+            <p:nvPr/>
+          </p:nvSpPr>
+          <p:spPr bwMode="auto">
+            <a:xfrm>
+              <a:off x="2776" y="700"/>
+              <a:ext cx="36" cy="18"/>
+            </a:xfrm>
+            <a:custGeom>
+              <a:avLst/>
+              <a:gdLst>
+                <a:gd name="T0" fmla="*/ 18 w 24"/>
+                <a:gd name="T1" fmla="*/ 12 h 12"/>
+                <a:gd name="T2" fmla="*/ 6 w 24"/>
+                <a:gd name="T3" fmla="*/ 12 h 12"/>
+                <a:gd name="T4" fmla="*/ 0 w 24"/>
+                <a:gd name="T5" fmla="*/ 6 h 12"/>
+                <a:gd name="T6" fmla="*/ 6 w 24"/>
+                <a:gd name="T7" fmla="*/ 0 h 12"/>
+                <a:gd name="T8" fmla="*/ 18 w 24"/>
+                <a:gd name="T9" fmla="*/ 0 h 12"/>
+                <a:gd name="T10" fmla="*/ 24 w 24"/>
+                <a:gd name="T11" fmla="*/ 6 h 12"/>
+                <a:gd name="T12" fmla="*/ 18 w 24"/>
+                <a:gd name="T13" fmla="*/ 12 h 12"/>
+              </a:gdLst>
+              <a:ahLst/>
+              <a:cxnLst>
+                <a:cxn ang="0">
+                  <a:pos x="T0" y="T1"/>
+                </a:cxn>
+                <a:cxn ang="0">
+                  <a:pos x="T2" y="T3"/>
+                </a:cxn>
+                <a:cxn ang="0">
+                  <a:pos x="T4" y="T5"/>
+                </a:cxn>
+                <a:cxn ang="0">
+                  <a:pos x="T6" y="T7"/>
+                </a:cxn>
+                <a:cxn ang="0">
+                  <a:pos x="T8" y="T9"/>
+                </a:cxn>
+                <a:cxn ang="0">
+                  <a:pos x="T10" y="T11"/>
+                </a:cxn>
+                <a:cxn ang="0">
+                  <a:pos x="T12" y="T13"/>
+                </a:cxn>
+              </a:cxnLst>
+              <a:rect l="0" t="0" r="r" b="b"/>
+              <a:pathLst>
+                <a:path w="24" h="12">
+                  <a:moveTo>
+                    <a:pt x="18" y="12"/>
+                  </a:moveTo>
+                  <a:cubicBezTo>
+                    <a:pt x="6" y="12"/>
+                    <a:pt x="6" y="12"/>
+                    <a:pt x="6" y="12"/>
+                  </a:cubicBezTo>
+                  <a:cubicBezTo>
+                    <a:pt x="3" y="12"/>
+                    <a:pt x="0" y="9"/>
+                    <a:pt x="0" y="6"/>
+                  </a:cubicBezTo>
+                  <a:cubicBezTo>
+                    <a:pt x="0" y="3"/>
+                    <a:pt x="3" y="0"/>
+                    <a:pt x="6" y="0"/>
+                  </a:cubicBezTo>
+                  <a:cubicBezTo>
+                    <a:pt x="18" y="0"/>
+                    <a:pt x="18" y="0"/>
+                    <a:pt x="18" y="0"/>
+                  </a:cubicBezTo>
+                  <a:cubicBezTo>
+                    <a:pt x="21" y="0"/>
+                    <a:pt x="24" y="3"/>
+                    <a:pt x="24" y="6"/>
+                  </a:cubicBezTo>
+                  <a:cubicBezTo>
+                    <a:pt x="24" y="9"/>
+                    <a:pt x="21" y="12"/>
+                    <a:pt x="18" y="12"/>
+                  </a:cubicBezTo>
+                  <a:close/>
+                </a:path>
+              </a:pathLst>
+            </a:custGeom>
+            <a:grpFill/>
+            <a:ln>
+              <a:noFill/>
+            </a:ln>
+            <a:extLst>
+              <a:ext uri="{91240B29-F687-4F45-9708-019B960494DF}">
+                <a14:hiddenLine xmlns:a14="http://schemas.microsoft.com/office/drawing/2010/main" w="9525">
+                  <a:solidFill>
+                    <a:srgbClr val="000000"/>
+                  </a:solidFill>
+                  <a:round/>
+                  <a:headEnd/>
+                  <a:tailEnd/>
+                </a14:hiddenLine>
+              </a:ext>
+            </a:extLst>
+          </p:spPr>
+          <p:txBody>
+            <a:bodyPr vert="horz" wrap="square" lIns="91440" tIns="45720" rIns="91440" bIns="45720" numCol="1" anchor="t" anchorCtr="0" compatLnSpc="1">
+              <a:prstTxWarp prst="textNoShape">
+                <a:avLst/>
+              </a:prstTxWarp>
+            </a:bodyPr>
+            <a:lstStyle/>
+            <a:p>
+              <a:endParaRPr lang="en-AU"/>
+            </a:p>
+          </p:txBody>
+        </p:sp>
+      </p:grpSp>
+      <p:grpSp>
+        <p:nvGrpSpPr>
+          <p:cNvPr id="77" name="Group 92">
+            <a:extLst>
+              <a:ext uri="{FF2B5EF4-FFF2-40B4-BE49-F238E27FC236}">
+                <a16:creationId xmlns:a16="http://schemas.microsoft.com/office/drawing/2014/main" id="{B640ACB2-FDDA-4D7D-9C32-8F8804354ACC}"/>
+              </a:ext>
+            </a:extLst>
+          </p:cNvPr>
+          <p:cNvGrpSpPr>
+            <a:grpSpLocks noChangeAspect="1"/>
+          </p:cNvGrpSpPr>
+          <p:nvPr/>
+        </p:nvGrpSpPr>
+        <p:grpSpPr bwMode="auto">
+          <a:xfrm>
+            <a:off x="9325626" y="3568653"/>
+            <a:ext cx="652955" cy="652955"/>
+            <a:chOff x="6546" y="1719"/>
+            <a:chExt cx="426" cy="426"/>
+          </a:xfrm>
+          <a:solidFill>
+            <a:schemeClr val="tx2"/>
+          </a:solidFill>
+        </p:grpSpPr>
+        <p:sp>
+          <p:nvSpPr>
+            <p:cNvPr id="78" name="Freeform 93">
+              <a:extLst>
+                <a:ext uri="{FF2B5EF4-FFF2-40B4-BE49-F238E27FC236}">
+                  <a16:creationId xmlns:a16="http://schemas.microsoft.com/office/drawing/2014/main" id="{AFAD60DC-DA00-4C96-ADAC-70CC23060B44}"/>
+                </a:ext>
+              </a:extLst>
+            </p:cNvPr>
+            <p:cNvSpPr>
+              <a:spLocks/>
+            </p:cNvSpPr>
+            <p:nvPr/>
+          </p:nvSpPr>
+          <p:spPr bwMode="auto">
+            <a:xfrm>
+              <a:off x="6662" y="1861"/>
+              <a:ext cx="196" cy="142"/>
+            </a:xfrm>
+            <a:custGeom>
+              <a:avLst/>
+              <a:gdLst>
+                <a:gd name="T0" fmla="*/ 36 w 133"/>
+                <a:gd name="T1" fmla="*/ 96 h 96"/>
+                <a:gd name="T2" fmla="*/ 32 w 133"/>
+                <a:gd name="T3" fmla="*/ 94 h 96"/>
+                <a:gd name="T4" fmla="*/ 2 w 133"/>
+                <a:gd name="T5" fmla="*/ 64 h 96"/>
+                <a:gd name="T6" fmla="*/ 2 w 133"/>
+                <a:gd name="T7" fmla="*/ 56 h 96"/>
+                <a:gd name="T8" fmla="*/ 11 w 133"/>
+                <a:gd name="T9" fmla="*/ 56 h 96"/>
+                <a:gd name="T10" fmla="*/ 36 w 133"/>
+                <a:gd name="T11" fmla="*/ 82 h 96"/>
+                <a:gd name="T12" fmla="*/ 122 w 133"/>
+                <a:gd name="T13" fmla="*/ 2 h 96"/>
+                <a:gd name="T14" fmla="*/ 131 w 133"/>
+                <a:gd name="T15" fmla="*/ 2 h 96"/>
+                <a:gd name="T16" fmla="*/ 130 w 133"/>
+                <a:gd name="T17" fmla="*/ 11 h 96"/>
+                <a:gd name="T18" fmla="*/ 40 w 133"/>
+                <a:gd name="T19" fmla="*/ 95 h 96"/>
+                <a:gd name="T20" fmla="*/ 36 w 133"/>
+                <a:gd name="T21" fmla="*/ 96 h 96"/>
+              </a:gdLst>
+              <a:ahLst/>
+              <a:cxnLst>
+                <a:cxn ang="0">
+                  <a:pos x="T0" y="T1"/>
+                </a:cxn>
+                <a:cxn ang="0">
+                  <a:pos x="T2" y="T3"/>
+                </a:cxn>
+                <a:cxn ang="0">
+                  <a:pos x="T4" y="T5"/>
+                </a:cxn>
+                <a:cxn ang="0">
+                  <a:pos x="T6" y="T7"/>
+                </a:cxn>
+                <a:cxn ang="0">
+                  <a:pos x="T8" y="T9"/>
+                </a:cxn>
+                <a:cxn ang="0">
+                  <a:pos x="T10" y="T11"/>
+                </a:cxn>
+                <a:cxn ang="0">
+                  <a:pos x="T12" y="T13"/>
+                </a:cxn>
+                <a:cxn ang="0">
+                  <a:pos x="T14" y="T15"/>
+                </a:cxn>
+                <a:cxn ang="0">
+                  <a:pos x="T16" y="T17"/>
+                </a:cxn>
+                <a:cxn ang="0">
+                  <a:pos x="T18" y="T19"/>
+                </a:cxn>
+                <a:cxn ang="0">
+                  <a:pos x="T20" y="T21"/>
+                </a:cxn>
+              </a:cxnLst>
+              <a:rect l="0" t="0" r="r" b="b"/>
+              <a:pathLst>
+                <a:path w="133" h="96">
+                  <a:moveTo>
+                    <a:pt x="36" y="96"/>
+                  </a:moveTo>
+                  <a:cubicBezTo>
+                    <a:pt x="35" y="96"/>
+                    <a:pt x="33" y="96"/>
+                    <a:pt x="32" y="94"/>
+                  </a:cubicBezTo>
+                  <a:cubicBezTo>
+                    <a:pt x="2" y="64"/>
+                    <a:pt x="2" y="64"/>
+                    <a:pt x="2" y="64"/>
+                  </a:cubicBezTo>
+                  <a:cubicBezTo>
+                    <a:pt x="0" y="62"/>
+                    <a:pt x="0" y="58"/>
+                    <a:pt x="2" y="56"/>
+                  </a:cubicBezTo>
+                  <a:cubicBezTo>
+                    <a:pt x="4" y="54"/>
+                    <a:pt x="8" y="54"/>
+                    <a:pt x="11" y="56"/>
+                  </a:cubicBezTo>
+                  <a:cubicBezTo>
+                    <a:pt x="36" y="82"/>
+                    <a:pt x="36" y="82"/>
+                    <a:pt x="36" y="82"/>
+                  </a:cubicBezTo>
+                  <a:cubicBezTo>
+                    <a:pt x="122" y="2"/>
+                    <a:pt x="122" y="2"/>
+                    <a:pt x="122" y="2"/>
+                  </a:cubicBezTo>
+                  <a:cubicBezTo>
+                    <a:pt x="125" y="0"/>
+                    <a:pt x="128" y="0"/>
+                    <a:pt x="131" y="2"/>
+                  </a:cubicBezTo>
+                  <a:cubicBezTo>
+                    <a:pt x="133" y="5"/>
+                    <a:pt x="133" y="8"/>
+                    <a:pt x="130" y="11"/>
+                  </a:cubicBezTo>
+                  <a:cubicBezTo>
+                    <a:pt x="40" y="95"/>
+                    <a:pt x="40" y="95"/>
+                    <a:pt x="40" y="95"/>
+                  </a:cubicBezTo>
+                  <a:cubicBezTo>
+                    <a:pt x="39" y="96"/>
+                    <a:pt x="38" y="96"/>
+                    <a:pt x="36" y="96"/>
+                  </a:cubicBezTo>
+                  <a:close/>
+                </a:path>
+              </a:pathLst>
+            </a:custGeom>
+            <a:grpFill/>
+            <a:ln>
+              <a:noFill/>
+            </a:ln>
+            <a:extLst>
+              <a:ext uri="{91240B29-F687-4F45-9708-019B960494DF}">
+                <a14:hiddenLine xmlns:a14="http://schemas.microsoft.com/office/drawing/2010/main" w="9525">
+                  <a:solidFill>
+                    <a:srgbClr val="000000"/>
+                  </a:solidFill>
+                  <a:round/>
+                  <a:headEnd/>
+                  <a:tailEnd/>
+                </a14:hiddenLine>
+              </a:ext>
+            </a:extLst>
+          </p:spPr>
+          <p:txBody>
+            <a:bodyPr vert="horz" wrap="square" lIns="91440" tIns="45720" rIns="91440" bIns="45720" numCol="1" anchor="t" anchorCtr="0" compatLnSpc="1">
+              <a:prstTxWarp prst="textNoShape">
+                <a:avLst/>
+              </a:prstTxWarp>
+            </a:bodyPr>
+            <a:lstStyle/>
+            <a:p>
+              <a:endParaRPr lang="en-AU">
+                <a:solidFill>
+                  <a:schemeClr val="bg2"/>
+                </a:solidFill>
+                <a:latin typeface="+mj-lt"/>
+              </a:endParaRPr>
+            </a:p>
+          </p:txBody>
+        </p:sp>
+        <p:sp>
+          <p:nvSpPr>
+            <p:cNvPr id="79" name="Freeform 94">
+              <a:extLst>
+                <a:ext uri="{FF2B5EF4-FFF2-40B4-BE49-F238E27FC236}">
+                  <a16:creationId xmlns:a16="http://schemas.microsoft.com/office/drawing/2014/main" id="{A815F279-5971-4AB3-8EA8-CDAC26415815}"/>
+                </a:ext>
+              </a:extLst>
+            </p:cNvPr>
+            <p:cNvSpPr>
+              <a:spLocks noEditPoints="1"/>
+            </p:cNvSpPr>
+            <p:nvPr/>
+          </p:nvSpPr>
+          <p:spPr bwMode="auto">
+            <a:xfrm>
+              <a:off x="6546" y="1719"/>
+              <a:ext cx="426" cy="426"/>
+            </a:xfrm>
+            <a:custGeom>
+              <a:avLst/>
+              <a:gdLst>
+                <a:gd name="T0" fmla="*/ 144 w 288"/>
+                <a:gd name="T1" fmla="*/ 288 h 288"/>
+                <a:gd name="T2" fmla="*/ 0 w 288"/>
+                <a:gd name="T3" fmla="*/ 144 h 288"/>
+                <a:gd name="T4" fmla="*/ 144 w 288"/>
+                <a:gd name="T5" fmla="*/ 0 h 288"/>
+                <a:gd name="T6" fmla="*/ 288 w 288"/>
+                <a:gd name="T7" fmla="*/ 144 h 288"/>
+                <a:gd name="T8" fmla="*/ 144 w 288"/>
+                <a:gd name="T9" fmla="*/ 288 h 288"/>
+                <a:gd name="T10" fmla="*/ 144 w 288"/>
+                <a:gd name="T11" fmla="*/ 12 h 288"/>
+                <a:gd name="T12" fmla="*/ 12 w 288"/>
+                <a:gd name="T13" fmla="*/ 144 h 288"/>
+                <a:gd name="T14" fmla="*/ 144 w 288"/>
+                <a:gd name="T15" fmla="*/ 276 h 288"/>
+                <a:gd name="T16" fmla="*/ 276 w 288"/>
+                <a:gd name="T17" fmla="*/ 144 h 288"/>
+                <a:gd name="T18" fmla="*/ 144 w 288"/>
+                <a:gd name="T19" fmla="*/ 12 h 288"/>
+              </a:gdLst>
+              <a:ahLst/>
+              <a:cxnLst>
+                <a:cxn ang="0">
+                  <a:pos x="T0" y="T1"/>
+                </a:cxn>
+                <a:cxn ang="0">
+                  <a:pos x="T2" y="T3"/>
+                </a:cxn>
+                <a:cxn ang="0">
+                  <a:pos x="T4" y="T5"/>
+                </a:cxn>
+                <a:cxn ang="0">
+                  <a:pos x="T6" y="T7"/>
+                </a:cxn>
+                <a:cxn ang="0">
+                  <a:pos x="T8" y="T9"/>
+                </a:cxn>
+                <a:cxn ang="0">
+                  <a:pos x="T10" y="T11"/>
+                </a:cxn>
+                <a:cxn ang="0">
+                  <a:pos x="T12" y="T13"/>
+                </a:cxn>
+                <a:cxn ang="0">
+                  <a:pos x="T14" y="T15"/>
+                </a:cxn>
+                <a:cxn ang="0">
+                  <a:pos x="T16" y="T17"/>
+                </a:cxn>
+                <a:cxn ang="0">
+                  <a:pos x="T18" y="T19"/>
+                </a:cxn>
+              </a:cxnLst>
+              <a:rect l="0" t="0" r="r" b="b"/>
+              <a:pathLst>
+                <a:path w="288" h="288">
+                  <a:moveTo>
+                    <a:pt x="144" y="288"/>
+                  </a:moveTo>
+                  <a:cubicBezTo>
+                    <a:pt x="65" y="288"/>
+                    <a:pt x="0" y="224"/>
+                    <a:pt x="0" y="144"/>
+                  </a:cubicBezTo>
+                  <a:cubicBezTo>
+                    <a:pt x="0" y="65"/>
+                    <a:pt x="65" y="0"/>
+                    <a:pt x="144" y="0"/>
+                  </a:cubicBezTo>
+                  <a:cubicBezTo>
+                    <a:pt x="224" y="0"/>
+                    <a:pt x="288" y="65"/>
+                    <a:pt x="288" y="144"/>
+                  </a:cubicBezTo>
+                  <a:cubicBezTo>
+                    <a:pt x="288" y="224"/>
+                    <a:pt x="224" y="288"/>
+                    <a:pt x="144" y="288"/>
+                  </a:cubicBezTo>
+                  <a:close/>
+                  <a:moveTo>
+                    <a:pt x="144" y="12"/>
+                  </a:moveTo>
+                  <a:cubicBezTo>
+                    <a:pt x="72" y="12"/>
+                    <a:pt x="12" y="71"/>
+                    <a:pt x="12" y="144"/>
+                  </a:cubicBezTo>
+                  <a:cubicBezTo>
+                    <a:pt x="12" y="217"/>
+                    <a:pt x="72" y="276"/>
+                    <a:pt x="144" y="276"/>
+                  </a:cubicBezTo>
+                  <a:cubicBezTo>
+                    <a:pt x="217" y="276"/>
+                    <a:pt x="276" y="217"/>
+                    <a:pt x="276" y="144"/>
+                  </a:cubicBezTo>
+                  <a:cubicBezTo>
+                    <a:pt x="276" y="71"/>
+                    <a:pt x="217" y="12"/>
+                    <a:pt x="144" y="12"/>
+                  </a:cubicBezTo>
+                  <a:close/>
+                </a:path>
+              </a:pathLst>
+            </a:custGeom>
+            <a:grpFill/>
+            <a:ln>
+              <a:noFill/>
+            </a:ln>
+            <a:extLst>
+              <a:ext uri="{91240B29-F687-4F45-9708-019B960494DF}">
+                <a14:hiddenLine xmlns:a14="http://schemas.microsoft.com/office/drawing/2010/main" w="9525">
+                  <a:solidFill>
+                    <a:srgbClr val="000000"/>
+                  </a:solidFill>
+                  <a:round/>
+                  <a:headEnd/>
+                  <a:tailEnd/>
+                </a14:hiddenLine>
+              </a:ext>
+            </a:extLst>
+          </p:spPr>
+          <p:txBody>
+            <a:bodyPr vert="horz" wrap="square" lIns="91440" tIns="45720" rIns="91440" bIns="45720" numCol="1" anchor="t" anchorCtr="0" compatLnSpc="1">
+              <a:prstTxWarp prst="textNoShape">
+                <a:avLst/>
+              </a:prstTxWarp>
+            </a:bodyPr>
+            <a:lstStyle/>
+            <a:p>
+              <a:endParaRPr lang="en-AU">
+                <a:solidFill>
+                  <a:schemeClr val="bg2"/>
+                </a:solidFill>
+                <a:latin typeface="+mj-lt"/>
+              </a:endParaRPr>
+            </a:p>
+          </p:txBody>
+        </p:sp>
+      </p:grpSp>
+      <p:grpSp>
+        <p:nvGrpSpPr>
+          <p:cNvPr id="80" name="Group 37">
+            <a:extLst>
+              <a:ext uri="{FF2B5EF4-FFF2-40B4-BE49-F238E27FC236}">
+                <a16:creationId xmlns:a16="http://schemas.microsoft.com/office/drawing/2014/main" id="{E1F5E33B-1203-4478-A7F7-7EA7DC60A709}"/>
+              </a:ext>
+            </a:extLst>
+          </p:cNvPr>
+          <p:cNvGrpSpPr>
+            <a:grpSpLocks noChangeAspect="1"/>
+          </p:cNvGrpSpPr>
+          <p:nvPr/>
+        </p:nvGrpSpPr>
+        <p:grpSpPr bwMode="auto">
+          <a:xfrm>
+            <a:off x="10767642" y="3555325"/>
+            <a:ext cx="558988" cy="678657"/>
+            <a:chOff x="4512" y="436"/>
+            <a:chExt cx="355" cy="431"/>
+          </a:xfrm>
+          <a:solidFill>
+            <a:schemeClr val="tx2"/>
+          </a:solidFill>
+        </p:grpSpPr>
+        <p:sp>
+          <p:nvSpPr>
+            <p:cNvPr id="81" name="Freeform 38">
+              <a:extLst>
+                <a:ext uri="{FF2B5EF4-FFF2-40B4-BE49-F238E27FC236}">
+                  <a16:creationId xmlns:a16="http://schemas.microsoft.com/office/drawing/2014/main" id="{EFAE20C9-1E1C-4E05-8520-0D854CB62F12}"/>
+                </a:ext>
+              </a:extLst>
+            </p:cNvPr>
+            <p:cNvSpPr>
+              <a:spLocks/>
+            </p:cNvSpPr>
+            <p:nvPr/>
+          </p:nvSpPr>
+          <p:spPr bwMode="auto">
+            <a:xfrm>
+              <a:off x="4512" y="440"/>
+              <a:ext cx="18" cy="427"/>
+            </a:xfrm>
+            <a:custGeom>
+              <a:avLst/>
+              <a:gdLst>
+                <a:gd name="T0" fmla="*/ 6 w 12"/>
+                <a:gd name="T1" fmla="*/ 288 h 288"/>
+                <a:gd name="T2" fmla="*/ 0 w 12"/>
+                <a:gd name="T3" fmla="*/ 282 h 288"/>
+                <a:gd name="T4" fmla="*/ 0 w 12"/>
+                <a:gd name="T5" fmla="*/ 6 h 288"/>
+                <a:gd name="T6" fmla="*/ 6 w 12"/>
+                <a:gd name="T7" fmla="*/ 0 h 288"/>
+                <a:gd name="T8" fmla="*/ 12 w 12"/>
+                <a:gd name="T9" fmla="*/ 6 h 288"/>
+                <a:gd name="T10" fmla="*/ 12 w 12"/>
+                <a:gd name="T11" fmla="*/ 282 h 288"/>
+                <a:gd name="T12" fmla="*/ 6 w 12"/>
+                <a:gd name="T13" fmla="*/ 288 h 288"/>
+              </a:gdLst>
+              <a:ahLst/>
+              <a:cxnLst>
+                <a:cxn ang="0">
+                  <a:pos x="T0" y="T1"/>
+                </a:cxn>
+                <a:cxn ang="0">
+                  <a:pos x="T2" y="T3"/>
+                </a:cxn>
+                <a:cxn ang="0">
+                  <a:pos x="T4" y="T5"/>
+                </a:cxn>
+                <a:cxn ang="0">
+                  <a:pos x="T6" y="T7"/>
+                </a:cxn>
+                <a:cxn ang="0">
+                  <a:pos x="T8" y="T9"/>
+                </a:cxn>
+                <a:cxn ang="0">
+                  <a:pos x="T10" y="T11"/>
+                </a:cxn>
+                <a:cxn ang="0">
+                  <a:pos x="T12" y="T13"/>
+                </a:cxn>
+              </a:cxnLst>
+              <a:rect l="0" t="0" r="r" b="b"/>
+              <a:pathLst>
+                <a:path w="12" h="288">
+                  <a:moveTo>
+                    <a:pt x="6" y="288"/>
+                  </a:moveTo>
+                  <a:cubicBezTo>
+                    <a:pt x="3" y="288"/>
+                    <a:pt x="0" y="285"/>
+                    <a:pt x="0" y="282"/>
+                  </a:cubicBezTo>
+                  <a:cubicBezTo>
+                    <a:pt x="0" y="6"/>
+                    <a:pt x="0" y="6"/>
+                    <a:pt x="0" y="6"/>
+                  </a:cubicBezTo>
+                  <a:cubicBezTo>
+                    <a:pt x="0" y="3"/>
+                    <a:pt x="3" y="0"/>
+                    <a:pt x="6" y="0"/>
+                  </a:cubicBezTo>
+                  <a:cubicBezTo>
+                    <a:pt x="9" y="0"/>
+                    <a:pt x="12" y="3"/>
+                    <a:pt x="12" y="6"/>
+                  </a:cubicBezTo>
+                  <a:cubicBezTo>
+                    <a:pt x="12" y="282"/>
+                    <a:pt x="12" y="282"/>
+                    <a:pt x="12" y="282"/>
+                  </a:cubicBezTo>
+                  <a:cubicBezTo>
+                    <a:pt x="12" y="285"/>
+                    <a:pt x="9" y="288"/>
+                    <a:pt x="6" y="288"/>
+                  </a:cubicBezTo>
+                  <a:close/>
+                </a:path>
+              </a:pathLst>
+            </a:custGeom>
+            <a:grpFill/>
+            <a:ln>
+              <a:noFill/>
+            </a:ln>
+            <a:extLst>
+              <a:ext uri="{91240B29-F687-4F45-9708-019B960494DF}">
+                <a14:hiddenLine xmlns:a14="http://schemas.microsoft.com/office/drawing/2010/main" w="9525">
+                  <a:solidFill>
+                    <a:srgbClr val="000000"/>
+                  </a:solidFill>
+                  <a:round/>
+                  <a:headEnd/>
+                  <a:tailEnd/>
+                </a14:hiddenLine>
+              </a:ext>
+            </a:extLst>
+          </p:spPr>
+          <p:txBody>
+            <a:bodyPr vert="horz" wrap="square" lIns="91440" tIns="45720" rIns="91440" bIns="45720" numCol="1" anchor="t" anchorCtr="0" compatLnSpc="1">
+              <a:prstTxWarp prst="textNoShape">
+                <a:avLst/>
+              </a:prstTxWarp>
+            </a:bodyPr>
+            <a:lstStyle/>
+            <a:p>
+              <a:endParaRPr lang="en-AU"/>
+            </a:p>
+          </p:txBody>
+        </p:sp>
+        <p:sp>
+          <p:nvSpPr>
+            <p:cNvPr id="82" name="Freeform 39">
+              <a:extLst>
+                <a:ext uri="{FF2B5EF4-FFF2-40B4-BE49-F238E27FC236}">
+                  <a16:creationId xmlns:a16="http://schemas.microsoft.com/office/drawing/2014/main" id="{860CB327-71F1-430C-8C19-417740AF2FF1}"/>
+                </a:ext>
+              </a:extLst>
+            </p:cNvPr>
+            <p:cNvSpPr>
+              <a:spLocks noEditPoints="1"/>
+            </p:cNvSpPr>
+            <p:nvPr/>
+          </p:nvSpPr>
+          <p:spPr bwMode="auto">
+            <a:xfrm>
+              <a:off x="4547" y="436"/>
+              <a:ext cx="320" cy="297"/>
+            </a:xfrm>
+            <a:custGeom>
+              <a:avLst/>
+              <a:gdLst>
+                <a:gd name="T0" fmla="*/ 144 w 216"/>
+                <a:gd name="T1" fmla="*/ 201 h 201"/>
+                <a:gd name="T2" fmla="*/ 110 w 216"/>
+                <a:gd name="T3" fmla="*/ 194 h 201"/>
+                <a:gd name="T4" fmla="*/ 102 w 216"/>
+                <a:gd name="T5" fmla="*/ 177 h 201"/>
+                <a:gd name="T6" fmla="*/ 99 w 216"/>
+                <a:gd name="T7" fmla="*/ 170 h 201"/>
+                <a:gd name="T8" fmla="*/ 8 w 216"/>
+                <a:gd name="T9" fmla="*/ 182 h 201"/>
+                <a:gd name="T10" fmla="*/ 3 w 216"/>
+                <a:gd name="T11" fmla="*/ 182 h 201"/>
+                <a:gd name="T12" fmla="*/ 0 w 216"/>
+                <a:gd name="T13" fmla="*/ 177 h 201"/>
+                <a:gd name="T14" fmla="*/ 0 w 216"/>
+                <a:gd name="T15" fmla="*/ 33 h 201"/>
+                <a:gd name="T16" fmla="*/ 4 w 216"/>
+                <a:gd name="T17" fmla="*/ 27 h 201"/>
+                <a:gd name="T18" fmla="*/ 106 w 216"/>
+                <a:gd name="T19" fmla="*/ 17 h 201"/>
+                <a:gd name="T20" fmla="*/ 114 w 216"/>
+                <a:gd name="T21" fmla="*/ 33 h 201"/>
+                <a:gd name="T22" fmla="*/ 118 w 216"/>
+                <a:gd name="T23" fmla="*/ 40 h 201"/>
+                <a:gd name="T24" fmla="*/ 208 w 216"/>
+                <a:gd name="T25" fmla="*/ 35 h 201"/>
+                <a:gd name="T26" fmla="*/ 214 w 216"/>
+                <a:gd name="T27" fmla="*/ 36 h 201"/>
+                <a:gd name="T28" fmla="*/ 216 w 216"/>
+                <a:gd name="T29" fmla="*/ 41 h 201"/>
+                <a:gd name="T30" fmla="*/ 216 w 216"/>
+                <a:gd name="T31" fmla="*/ 186 h 201"/>
+                <a:gd name="T32" fmla="*/ 212 w 216"/>
+                <a:gd name="T33" fmla="*/ 191 h 201"/>
+                <a:gd name="T34" fmla="*/ 144 w 216"/>
+                <a:gd name="T35" fmla="*/ 201 h 201"/>
+                <a:gd name="T36" fmla="*/ 81 w 216"/>
+                <a:gd name="T37" fmla="*/ 155 h 201"/>
+                <a:gd name="T38" fmla="*/ 106 w 216"/>
+                <a:gd name="T39" fmla="*/ 161 h 201"/>
+                <a:gd name="T40" fmla="*/ 114 w 216"/>
+                <a:gd name="T41" fmla="*/ 177 h 201"/>
+                <a:gd name="T42" fmla="*/ 118 w 216"/>
+                <a:gd name="T43" fmla="*/ 184 h 201"/>
+                <a:gd name="T44" fmla="*/ 204 w 216"/>
+                <a:gd name="T45" fmla="*/ 181 h 201"/>
+                <a:gd name="T46" fmla="*/ 204 w 216"/>
+                <a:gd name="T47" fmla="*/ 49 h 201"/>
+                <a:gd name="T48" fmla="*/ 110 w 216"/>
+                <a:gd name="T49" fmla="*/ 50 h 201"/>
+                <a:gd name="T50" fmla="*/ 102 w 216"/>
+                <a:gd name="T51" fmla="*/ 33 h 201"/>
+                <a:gd name="T52" fmla="*/ 99 w 216"/>
+                <a:gd name="T53" fmla="*/ 26 h 201"/>
+                <a:gd name="T54" fmla="*/ 12 w 216"/>
+                <a:gd name="T55" fmla="*/ 37 h 201"/>
+                <a:gd name="T56" fmla="*/ 12 w 216"/>
+                <a:gd name="T57" fmla="*/ 169 h 201"/>
+                <a:gd name="T58" fmla="*/ 81 w 216"/>
+                <a:gd name="T59" fmla="*/ 155 h 201"/>
+              </a:gdLst>
+              <a:ahLst/>
+              <a:cxnLst>
+                <a:cxn ang="0">
+                  <a:pos x="T0" y="T1"/>
+                </a:cxn>
+                <a:cxn ang="0">
+                  <a:pos x="T2" y="T3"/>
+                </a:cxn>
+                <a:cxn ang="0">
+                  <a:pos x="T4" y="T5"/>
+                </a:cxn>
+                <a:cxn ang="0">
+                  <a:pos x="T6" y="T7"/>
+                </a:cxn>
+                <a:cxn ang="0">
+                  <a:pos x="T8" y="T9"/>
+                </a:cxn>
+                <a:cxn ang="0">
+                  <a:pos x="T10" y="T11"/>
+                </a:cxn>
+                <a:cxn ang="0">
+                  <a:pos x="T12" y="T13"/>
+                </a:cxn>
+                <a:cxn ang="0">
+                  <a:pos x="T14" y="T15"/>
+                </a:cxn>
+                <a:cxn ang="0">
+                  <a:pos x="T16" y="T17"/>
+                </a:cxn>
+                <a:cxn ang="0">
+                  <a:pos x="T18" y="T19"/>
+                </a:cxn>
+                <a:cxn ang="0">
+                  <a:pos x="T20" y="T21"/>
+                </a:cxn>
+                <a:cxn ang="0">
+                  <a:pos x="T22" y="T23"/>
+                </a:cxn>
+                <a:cxn ang="0">
+                  <a:pos x="T24" y="T25"/>
+                </a:cxn>
+                <a:cxn ang="0">
+                  <a:pos x="T26" y="T27"/>
+                </a:cxn>
+                <a:cxn ang="0">
+                  <a:pos x="T28" y="T29"/>
+                </a:cxn>
+                <a:cxn ang="0">
+                  <a:pos x="T30" y="T31"/>
+                </a:cxn>
+                <a:cxn ang="0">
+                  <a:pos x="T32" y="T33"/>
+                </a:cxn>
+                <a:cxn ang="0">
+                  <a:pos x="T34" y="T35"/>
+                </a:cxn>
+                <a:cxn ang="0">
+                  <a:pos x="T36" y="T37"/>
+                </a:cxn>
+                <a:cxn ang="0">
+                  <a:pos x="T38" y="T39"/>
+                </a:cxn>
+                <a:cxn ang="0">
+                  <a:pos x="T40" y="T41"/>
+                </a:cxn>
+                <a:cxn ang="0">
+                  <a:pos x="T42" y="T43"/>
+                </a:cxn>
+                <a:cxn ang="0">
+                  <a:pos x="T44" y="T45"/>
+                </a:cxn>
+                <a:cxn ang="0">
+                  <a:pos x="T46" y="T47"/>
+                </a:cxn>
+                <a:cxn ang="0">
+                  <a:pos x="T48" y="T49"/>
+                </a:cxn>
+                <a:cxn ang="0">
+                  <a:pos x="T50" y="T51"/>
+                </a:cxn>
+                <a:cxn ang="0">
+                  <a:pos x="T52" y="T53"/>
+                </a:cxn>
+                <a:cxn ang="0">
+                  <a:pos x="T54" y="T55"/>
+                </a:cxn>
+                <a:cxn ang="0">
+                  <a:pos x="T56" y="T57"/>
+                </a:cxn>
+                <a:cxn ang="0">
+                  <a:pos x="T58" y="T59"/>
+                </a:cxn>
+              </a:cxnLst>
+              <a:rect l="0" t="0" r="r" b="b"/>
+              <a:pathLst>
+                <a:path w="216" h="201">
+                  <a:moveTo>
+                    <a:pt x="144" y="201"/>
+                  </a:moveTo>
+                  <a:cubicBezTo>
+                    <a:pt x="131" y="201"/>
+                    <a:pt x="118" y="199"/>
+                    <a:pt x="110" y="194"/>
+                  </a:cubicBezTo>
+                  <a:cubicBezTo>
+                    <a:pt x="105" y="189"/>
+                    <a:pt x="102" y="184"/>
+                    <a:pt x="102" y="177"/>
+                  </a:cubicBezTo>
+                  <a:cubicBezTo>
+                    <a:pt x="102" y="174"/>
+                    <a:pt x="101" y="172"/>
+                    <a:pt x="99" y="170"/>
+                  </a:cubicBezTo>
+                  <a:cubicBezTo>
+                    <a:pt x="85" y="161"/>
+                    <a:pt x="36" y="173"/>
+                    <a:pt x="8" y="182"/>
+                  </a:cubicBezTo>
+                  <a:cubicBezTo>
+                    <a:pt x="6" y="183"/>
+                    <a:pt x="4" y="183"/>
+                    <a:pt x="3" y="182"/>
+                  </a:cubicBezTo>
+                  <a:cubicBezTo>
+                    <a:pt x="1" y="181"/>
+                    <a:pt x="0" y="179"/>
+                    <a:pt x="0" y="177"/>
+                  </a:cubicBezTo>
+                  <a:cubicBezTo>
+                    <a:pt x="0" y="33"/>
+                    <a:pt x="0" y="33"/>
+                    <a:pt x="0" y="33"/>
+                  </a:cubicBezTo>
+                  <a:cubicBezTo>
+                    <a:pt x="0" y="30"/>
+                    <a:pt x="2" y="28"/>
+                    <a:pt x="4" y="27"/>
+                  </a:cubicBezTo>
+                  <a:cubicBezTo>
+                    <a:pt x="12" y="24"/>
+                    <a:pt x="83" y="0"/>
+                    <a:pt x="106" y="17"/>
+                  </a:cubicBezTo>
+                  <a:cubicBezTo>
+                    <a:pt x="111" y="20"/>
+                    <a:pt x="114" y="26"/>
+                    <a:pt x="114" y="33"/>
+                  </a:cubicBezTo>
+                  <a:cubicBezTo>
+                    <a:pt x="114" y="36"/>
+                    <a:pt x="115" y="38"/>
+                    <a:pt x="118" y="40"/>
+                  </a:cubicBezTo>
+                  <a:cubicBezTo>
+                    <a:pt x="132" y="51"/>
+                    <a:pt x="181" y="43"/>
+                    <a:pt x="208" y="35"/>
+                  </a:cubicBezTo>
+                  <a:cubicBezTo>
+                    <a:pt x="210" y="35"/>
+                    <a:pt x="212" y="35"/>
+                    <a:pt x="214" y="36"/>
+                  </a:cubicBezTo>
+                  <a:cubicBezTo>
+                    <a:pt x="215" y="38"/>
+                    <a:pt x="216" y="39"/>
+                    <a:pt x="216" y="41"/>
+                  </a:cubicBezTo>
+                  <a:cubicBezTo>
+                    <a:pt x="216" y="186"/>
+                    <a:pt x="216" y="186"/>
+                    <a:pt x="216" y="186"/>
+                  </a:cubicBezTo>
+                  <a:cubicBezTo>
+                    <a:pt x="216" y="188"/>
+                    <a:pt x="214" y="191"/>
+                    <a:pt x="212" y="191"/>
+                  </a:cubicBezTo>
+                  <a:cubicBezTo>
+                    <a:pt x="206" y="193"/>
+                    <a:pt x="173" y="201"/>
+                    <a:pt x="144" y="201"/>
+                  </a:cubicBezTo>
+                  <a:close/>
+                  <a:moveTo>
+                    <a:pt x="81" y="155"/>
+                  </a:moveTo>
+                  <a:cubicBezTo>
+                    <a:pt x="91" y="155"/>
+                    <a:pt x="100" y="157"/>
+                    <a:pt x="106" y="161"/>
+                  </a:cubicBezTo>
+                  <a:cubicBezTo>
+                    <a:pt x="111" y="164"/>
+                    <a:pt x="114" y="170"/>
+                    <a:pt x="114" y="177"/>
+                  </a:cubicBezTo>
+                  <a:cubicBezTo>
+                    <a:pt x="114" y="180"/>
+                    <a:pt x="115" y="182"/>
+                    <a:pt x="118" y="184"/>
+                  </a:cubicBezTo>
+                  <a:cubicBezTo>
+                    <a:pt x="131" y="194"/>
+                    <a:pt x="176" y="188"/>
+                    <a:pt x="204" y="181"/>
+                  </a:cubicBezTo>
+                  <a:cubicBezTo>
+                    <a:pt x="204" y="49"/>
+                    <a:pt x="204" y="49"/>
+                    <a:pt x="204" y="49"/>
+                  </a:cubicBezTo>
+                  <a:cubicBezTo>
+                    <a:pt x="183" y="54"/>
+                    <a:pt x="130" y="65"/>
+                    <a:pt x="110" y="50"/>
+                  </a:cubicBezTo>
+                  <a:cubicBezTo>
+                    <a:pt x="105" y="45"/>
+                    <a:pt x="102" y="40"/>
+                    <a:pt x="102" y="33"/>
+                  </a:cubicBezTo>
+                  <a:cubicBezTo>
+                    <a:pt x="102" y="30"/>
+                    <a:pt x="101" y="28"/>
+                    <a:pt x="99" y="26"/>
+                  </a:cubicBezTo>
+                  <a:cubicBezTo>
+                    <a:pt x="86" y="17"/>
+                    <a:pt x="40" y="28"/>
+                    <a:pt x="12" y="37"/>
+                  </a:cubicBezTo>
+                  <a:cubicBezTo>
+                    <a:pt x="12" y="169"/>
+                    <a:pt x="12" y="169"/>
+                    <a:pt x="12" y="169"/>
+                  </a:cubicBezTo>
+                  <a:cubicBezTo>
+                    <a:pt x="27" y="164"/>
+                    <a:pt x="58" y="155"/>
+                    <a:pt x="81" y="155"/>
+                  </a:cubicBezTo>
+                  <a:close/>
+                </a:path>
+              </a:pathLst>
+            </a:custGeom>
+            <a:grpFill/>
+            <a:ln>
+              <a:noFill/>
+            </a:ln>
+            <a:extLst>
+              <a:ext uri="{91240B29-F687-4F45-9708-019B960494DF}">
+                <a14:hiddenLine xmlns:a14="http://schemas.microsoft.com/office/drawing/2010/main" w="9525">
+                  <a:solidFill>
+                    <a:srgbClr val="000000"/>
+                  </a:solidFill>
+                  <a:round/>
+                  <a:headEnd/>
+                  <a:tailEnd/>
+                </a14:hiddenLine>
+              </a:ext>
+            </a:extLst>
+          </p:spPr>
+          <p:txBody>
+            <a:bodyPr vert="horz" wrap="square" lIns="91440" tIns="45720" rIns="91440" bIns="45720" numCol="1" anchor="t" anchorCtr="0" compatLnSpc="1">
+              <a:prstTxWarp prst="textNoShape">
+                <a:avLst/>
+              </a:prstTxWarp>
+            </a:bodyPr>
+            <a:lstStyle/>
+            <a:p>
+              <a:endParaRPr lang="en-AU"/>
+            </a:p>
+          </p:txBody>
+        </p:sp>
+      </p:grpSp>
+      <p:sp>
+        <p:nvSpPr>
+          <p:cNvPr id="2" name="TextBox 1">
+            <a:extLst>
+              <a:ext uri="{FF2B5EF4-FFF2-40B4-BE49-F238E27FC236}">
+                <a16:creationId xmlns:a16="http://schemas.microsoft.com/office/drawing/2014/main" id="{ADAF18D7-92B3-4398-BE41-CD7204A55437}"/>
+              </a:ext>
+            </a:extLst>
+          </p:cNvPr>
+          <p:cNvSpPr txBox="1"/>
+          <p:nvPr/>
+        </p:nvSpPr>
+        <p:spPr>
+          <a:xfrm>
+            <a:off x="1098016" y="2996639"/>
+            <a:ext cx="1466171" cy="276999"/>
+          </a:xfrm>
+          <a:prstGeom prst="rect">
+            <a:avLst/>
+          </a:prstGeom>
+          <a:noFill/>
+        </p:spPr>
+        <p:txBody>
+          <a:bodyPr wrap="square" rtlCol="0">
+            <a:spAutoFit/>
+          </a:bodyPr>
+          <a:lstStyle/>
+          <a:p>
+            <a:pPr algn="ctr"/>
+            <a:r>
+              <a:rPr lang="en-US" sz="1200" dirty="0"/>
+              <a:t>Product Backlog</a:t>
+            </a:r>
+          </a:p>
+        </p:txBody>
+      </p:sp>
+      <p:sp>
+        <p:nvSpPr>
+          <p:cNvPr id="3" name="TextBox 2">
+            <a:extLst>
+              <a:ext uri="{FF2B5EF4-FFF2-40B4-BE49-F238E27FC236}">
+                <a16:creationId xmlns:a16="http://schemas.microsoft.com/office/drawing/2014/main" id="{C5ED1F35-91B7-4BAF-8D9B-EEFE2AA85801}"/>
+              </a:ext>
+            </a:extLst>
+          </p:cNvPr>
+          <p:cNvSpPr txBox="1"/>
+          <p:nvPr/>
+        </p:nvSpPr>
+        <p:spPr>
+          <a:xfrm>
+            <a:off x="2502036" y="2996639"/>
+            <a:ext cx="1466171" cy="276999"/>
+          </a:xfrm>
+          <a:prstGeom prst="rect">
+            <a:avLst/>
+          </a:prstGeom>
+          <a:noFill/>
+        </p:spPr>
+        <p:txBody>
+          <a:bodyPr wrap="square" rtlCol="0">
+            <a:spAutoFit/>
+          </a:bodyPr>
+          <a:lstStyle/>
+          <a:p>
+            <a:pPr algn="ctr"/>
+            <a:r>
+              <a:rPr lang="en-US" sz="1200" dirty="0"/>
+              <a:t>Sprint Planning</a:t>
+            </a:r>
+          </a:p>
+        </p:txBody>
+      </p:sp>
+      <p:sp>
+        <p:nvSpPr>
+          <p:cNvPr id="4" name="TextBox 3">
+            <a:extLst>
+              <a:ext uri="{FF2B5EF4-FFF2-40B4-BE49-F238E27FC236}">
+                <a16:creationId xmlns:a16="http://schemas.microsoft.com/office/drawing/2014/main" id="{D7B5AFA9-08DF-44CC-87CB-22EBA698E829}"/>
+              </a:ext>
+            </a:extLst>
+          </p:cNvPr>
+          <p:cNvSpPr txBox="1"/>
+          <p:nvPr/>
+        </p:nvSpPr>
+        <p:spPr>
+          <a:xfrm>
+            <a:off x="3796144" y="2998667"/>
+            <a:ext cx="1466171" cy="276999"/>
+          </a:xfrm>
+          <a:prstGeom prst="rect">
+            <a:avLst/>
+          </a:prstGeom>
+          <a:noFill/>
+        </p:spPr>
+        <p:txBody>
+          <a:bodyPr wrap="square" rtlCol="0">
+            <a:spAutoFit/>
+          </a:bodyPr>
+          <a:lstStyle/>
+          <a:p>
+            <a:pPr algn="ctr"/>
+            <a:r>
+              <a:rPr lang="en-US" sz="1200" dirty="0"/>
+              <a:t>Sprint Backlog</a:t>
+            </a:r>
+          </a:p>
+        </p:txBody>
+      </p:sp>
+      <p:sp>
+        <p:nvSpPr>
+          <p:cNvPr id="6" name="TextBox 5">
+            <a:extLst>
+              <a:ext uri="{FF2B5EF4-FFF2-40B4-BE49-F238E27FC236}">
+                <a16:creationId xmlns:a16="http://schemas.microsoft.com/office/drawing/2014/main" id="{83F93F14-0BC6-41A8-9567-88E45D6FEA73}"/>
+              </a:ext>
+            </a:extLst>
+          </p:cNvPr>
+          <p:cNvSpPr txBox="1"/>
+          <p:nvPr/>
+        </p:nvSpPr>
+        <p:spPr>
+          <a:xfrm>
+            <a:off x="7612551" y="2998470"/>
+            <a:ext cx="1466171" cy="276999"/>
+          </a:xfrm>
+          <a:prstGeom prst="rect">
+            <a:avLst/>
+          </a:prstGeom>
+          <a:noFill/>
+        </p:spPr>
+        <p:txBody>
+          <a:bodyPr wrap="square" rtlCol="0">
+            <a:spAutoFit/>
+          </a:bodyPr>
+          <a:lstStyle/>
+          <a:p>
+            <a:pPr algn="ctr"/>
+            <a:r>
+              <a:rPr lang="en-US" sz="1200" dirty="0"/>
+              <a:t>Sprint Review</a:t>
+            </a:r>
+          </a:p>
+        </p:txBody>
+      </p:sp>
+      <p:sp>
+        <p:nvSpPr>
+          <p:cNvPr id="7" name="TextBox 6">
+            <a:extLst>
+              <a:ext uri="{FF2B5EF4-FFF2-40B4-BE49-F238E27FC236}">
+                <a16:creationId xmlns:a16="http://schemas.microsoft.com/office/drawing/2014/main" id="{23910D40-5437-4FE3-993A-6E5BE31DE373}"/>
+              </a:ext>
+            </a:extLst>
+          </p:cNvPr>
+          <p:cNvSpPr txBox="1"/>
+          <p:nvPr/>
+        </p:nvSpPr>
+        <p:spPr>
+          <a:xfrm>
+            <a:off x="8912404" y="2992264"/>
+            <a:ext cx="1466171" cy="276999"/>
+          </a:xfrm>
+          <a:prstGeom prst="rect">
+            <a:avLst/>
+          </a:prstGeom>
+          <a:noFill/>
+        </p:spPr>
+        <p:txBody>
+          <a:bodyPr wrap="square" rtlCol="0">
+            <a:spAutoFit/>
+          </a:bodyPr>
+          <a:lstStyle/>
+          <a:p>
+            <a:pPr algn="ctr"/>
+            <a:r>
+              <a:rPr lang="en-US" sz="1200" dirty="0"/>
+              <a:t>Sprint Retrospective</a:t>
+            </a:r>
+          </a:p>
+        </p:txBody>
+      </p:sp>
+      <p:sp>
+        <p:nvSpPr>
+          <p:cNvPr id="8" name="Rectangle: Rounded Corners 7">
+            <a:extLst>
+              <a:ext uri="{FF2B5EF4-FFF2-40B4-BE49-F238E27FC236}">
+                <a16:creationId xmlns:a16="http://schemas.microsoft.com/office/drawing/2014/main" id="{E8EC1F1C-777F-4042-B161-EC41C765E968}"/>
+              </a:ext>
+            </a:extLst>
+          </p:cNvPr>
+          <p:cNvSpPr/>
+          <p:nvPr/>
+        </p:nvSpPr>
+        <p:spPr>
+          <a:xfrm>
+            <a:off x="1079354" y="886408"/>
+            <a:ext cx="10882490" cy="4382557"/>
+          </a:xfrm>
+          <a:prstGeom prst="roundRect">
+            <a:avLst/>
+          </a:prstGeom>
+          <a:noFill/>
+          <a:ln w="9525" cap="flat" cmpd="sng" algn="ctr">
+            <a:solidFill>
+              <a:schemeClr val="accent1"/>
+            </a:solidFill>
+            <a:prstDash val="solid"/>
+            <a:round/>
+            <a:headEnd type="none" w="med" len="med"/>
+            <a:tailEnd type="none" w="med" len="med"/>
+          </a:ln>
+        </p:spPr>
+        <p:style>
+          <a:lnRef idx="0">
+            <a:scrgbClr r="0" g="0" b="0"/>
+          </a:lnRef>
+          <a:fillRef idx="0">
+            <a:scrgbClr r="0" g="0" b="0"/>
+          </a:fillRef>
+          <a:effectRef idx="0">
+            <a:scrgbClr r="0" g="0" b="0"/>
+          </a:effectRef>
+          <a:fontRef idx="minor">
+            <a:schemeClr val="accent1"/>
+          </a:fontRef>
+        </p:style>
+        <p:txBody>
+          <a:bodyPr rtlCol="0" anchor="ctr"/>
+          <a:lstStyle/>
+          <a:p>
+            <a:pPr algn="ctr"/>
+            <a:endParaRPr lang="en-US"/>
           </a:p>
         </p:txBody>
       </p:sp>

--- a/assets/Sprint Cadence Diagrams.pptx
+++ b/assets/Sprint Cadence Diagrams.pptx
@@ -4,6 +4,9 @@
   <p:sldMasterIdLst>
     <p:sldMasterId id="2147483648" r:id="rId1"/>
   </p:sldMasterIdLst>
+  <p:notesMasterIdLst>
+    <p:notesMasterId r:id="rId17"/>
+  </p:notesMasterIdLst>
   <p:sldIdLst>
     <p:sldId id="256" r:id="rId2"/>
     <p:sldId id="271" r:id="rId3"/>
@@ -20,7 +23,6 @@
     <p:sldId id="268" r:id="rId14"/>
     <p:sldId id="269" r:id="rId15"/>
     <p:sldId id="272" r:id="rId16"/>
-    <p:sldId id="270" r:id="rId17"/>
   </p:sldIdLst>
   <p:sldSz cx="12192000" cy="6858000"/>
   <p:notesSz cx="6858000" cy="9144000"/>
@@ -125,6 +127,355 @@
     </p:ext>
   </p:extLst>
 </p:presentation>
+</file>
+
+<file path=ppt/notesMasters/notesMaster1.xml><?xml version="1.0" encoding="utf-8"?>
+<p:notesMaster xmlns:a="http://schemas.openxmlformats.org/drawingml/2006/main" xmlns:r="http://schemas.openxmlformats.org/officeDocument/2006/relationships" xmlns:p="http://schemas.openxmlformats.org/presentationml/2006/main">
+  <p:cSld>
+    <p:bg>
+      <p:bgRef idx="1001">
+        <a:schemeClr val="bg1"/>
+      </p:bgRef>
+    </p:bg>
+    <p:spTree>
+      <p:nvGrpSpPr>
+        <p:cNvPr id="1" name=""/>
+        <p:cNvGrpSpPr/>
+        <p:nvPr/>
+      </p:nvGrpSpPr>
+      <p:grpSpPr>
+        <a:xfrm>
+          <a:off x="0" y="0"/>
+          <a:ext cx="0" cy="0"/>
+          <a:chOff x="0" y="0"/>
+          <a:chExt cx="0" cy="0"/>
+        </a:xfrm>
+      </p:grpSpPr>
+      <p:sp>
+        <p:nvSpPr>
+          <p:cNvPr id="2" name="Header Placeholder 1"/>
+          <p:cNvSpPr>
+            <a:spLocks noGrp="1"/>
+          </p:cNvSpPr>
+          <p:nvPr>
+            <p:ph type="hdr" sz="quarter"/>
+          </p:nvPr>
+        </p:nvSpPr>
+        <p:spPr>
+          <a:xfrm>
+            <a:off x="0" y="0"/>
+            <a:ext cx="2971800" cy="458788"/>
+          </a:xfrm>
+          <a:prstGeom prst="rect">
+            <a:avLst/>
+          </a:prstGeom>
+        </p:spPr>
+        <p:txBody>
+          <a:bodyPr vert="horz" lIns="91440" tIns="45720" rIns="91440" bIns="45720" rtlCol="0"/>
+          <a:lstStyle>
+            <a:lvl1pPr algn="l">
+              <a:defRPr sz="1200"/>
+            </a:lvl1pPr>
+          </a:lstStyle>
+          <a:p>
+            <a:endParaRPr lang="en-US"/>
+          </a:p>
+        </p:txBody>
+      </p:sp>
+      <p:sp>
+        <p:nvSpPr>
+          <p:cNvPr id="3" name="Date Placeholder 2"/>
+          <p:cNvSpPr>
+            <a:spLocks noGrp="1"/>
+          </p:cNvSpPr>
+          <p:nvPr>
+            <p:ph type="dt" idx="1"/>
+          </p:nvPr>
+        </p:nvSpPr>
+        <p:spPr>
+          <a:xfrm>
+            <a:off x="3884613" y="0"/>
+            <a:ext cx="2971800" cy="458788"/>
+          </a:xfrm>
+          <a:prstGeom prst="rect">
+            <a:avLst/>
+          </a:prstGeom>
+        </p:spPr>
+        <p:txBody>
+          <a:bodyPr vert="horz" lIns="91440" tIns="45720" rIns="91440" bIns="45720" rtlCol="0"/>
+          <a:lstStyle>
+            <a:lvl1pPr algn="r">
+              <a:defRPr sz="1200"/>
+            </a:lvl1pPr>
+          </a:lstStyle>
+          <a:p>
+            <a:fld id="{B5279A88-7D4A-43F4-AAE1-4398E4F7AFF7}" type="datetimeFigureOut">
+              <a:rPr lang="en-US" smtClean="0"/>
+              <a:t>9/13/2020</a:t>
+            </a:fld>
+            <a:endParaRPr lang="en-US"/>
+          </a:p>
+        </p:txBody>
+      </p:sp>
+      <p:sp>
+        <p:nvSpPr>
+          <p:cNvPr id="4" name="Slide Image Placeholder 3"/>
+          <p:cNvSpPr>
+            <a:spLocks noGrp="1" noRot="1" noChangeAspect="1"/>
+          </p:cNvSpPr>
+          <p:nvPr>
+            <p:ph type="sldImg" idx="2"/>
+          </p:nvPr>
+        </p:nvSpPr>
+        <p:spPr>
+          <a:xfrm>
+            <a:off x="685800" y="1143000"/>
+            <a:ext cx="5486400" cy="3086100"/>
+          </a:xfrm>
+          <a:prstGeom prst="rect">
+            <a:avLst/>
+          </a:prstGeom>
+          <a:noFill/>
+          <a:ln w="12700">
+            <a:solidFill>
+              <a:prstClr val="black"/>
+            </a:solidFill>
+          </a:ln>
+        </p:spPr>
+        <p:txBody>
+          <a:bodyPr vert="horz" lIns="91440" tIns="45720" rIns="91440" bIns="45720" rtlCol="0" anchor="ctr"/>
+          <a:lstStyle/>
+          <a:p>
+            <a:endParaRPr lang="en-US"/>
+          </a:p>
+        </p:txBody>
+      </p:sp>
+      <p:sp>
+        <p:nvSpPr>
+          <p:cNvPr id="5" name="Notes Placeholder 4"/>
+          <p:cNvSpPr>
+            <a:spLocks noGrp="1"/>
+          </p:cNvSpPr>
+          <p:nvPr>
+            <p:ph type="body" sz="quarter" idx="3"/>
+          </p:nvPr>
+        </p:nvSpPr>
+        <p:spPr>
+          <a:xfrm>
+            <a:off x="685800" y="4400550"/>
+            <a:ext cx="5486400" cy="3600450"/>
+          </a:xfrm>
+          <a:prstGeom prst="rect">
+            <a:avLst/>
+          </a:prstGeom>
+        </p:spPr>
+        <p:txBody>
+          <a:bodyPr vert="horz" lIns="91440" tIns="45720" rIns="91440" bIns="45720" rtlCol="0"/>
+          <a:lstStyle/>
+          <a:p>
+            <a:pPr lvl="0"/>
+            <a:r>
+              <a:rPr lang="en-US"/>
+              <a:t>Click to edit Master text styles</a:t>
+            </a:r>
+          </a:p>
+          <a:p>
+            <a:pPr lvl="1"/>
+            <a:r>
+              <a:rPr lang="en-US"/>
+              <a:t>Second level</a:t>
+            </a:r>
+          </a:p>
+          <a:p>
+            <a:pPr lvl="2"/>
+            <a:r>
+              <a:rPr lang="en-US"/>
+              <a:t>Third level</a:t>
+            </a:r>
+          </a:p>
+          <a:p>
+            <a:pPr lvl="3"/>
+            <a:r>
+              <a:rPr lang="en-US"/>
+              <a:t>Fourth level</a:t>
+            </a:r>
+          </a:p>
+          <a:p>
+            <a:pPr lvl="4"/>
+            <a:r>
+              <a:rPr lang="en-US"/>
+              <a:t>Fifth level</a:t>
+            </a:r>
+          </a:p>
+        </p:txBody>
+      </p:sp>
+      <p:sp>
+        <p:nvSpPr>
+          <p:cNvPr id="6" name="Footer Placeholder 5"/>
+          <p:cNvSpPr>
+            <a:spLocks noGrp="1"/>
+          </p:cNvSpPr>
+          <p:nvPr>
+            <p:ph type="ftr" sz="quarter" idx="4"/>
+          </p:nvPr>
+        </p:nvSpPr>
+        <p:spPr>
+          <a:xfrm>
+            <a:off x="0" y="8685213"/>
+            <a:ext cx="2971800" cy="458787"/>
+          </a:xfrm>
+          <a:prstGeom prst="rect">
+            <a:avLst/>
+          </a:prstGeom>
+        </p:spPr>
+        <p:txBody>
+          <a:bodyPr vert="horz" lIns="91440" tIns="45720" rIns="91440" bIns="45720" rtlCol="0" anchor="b"/>
+          <a:lstStyle>
+            <a:lvl1pPr algn="l">
+              <a:defRPr sz="1200"/>
+            </a:lvl1pPr>
+          </a:lstStyle>
+          <a:p>
+            <a:endParaRPr lang="en-US"/>
+          </a:p>
+        </p:txBody>
+      </p:sp>
+      <p:sp>
+        <p:nvSpPr>
+          <p:cNvPr id="7" name="Slide Number Placeholder 6"/>
+          <p:cNvSpPr>
+            <a:spLocks noGrp="1"/>
+          </p:cNvSpPr>
+          <p:nvPr>
+            <p:ph type="sldNum" sz="quarter" idx="5"/>
+          </p:nvPr>
+        </p:nvSpPr>
+        <p:spPr>
+          <a:xfrm>
+            <a:off x="3884613" y="8685213"/>
+            <a:ext cx="2971800" cy="458787"/>
+          </a:xfrm>
+          <a:prstGeom prst="rect">
+            <a:avLst/>
+          </a:prstGeom>
+        </p:spPr>
+        <p:txBody>
+          <a:bodyPr vert="horz" lIns="91440" tIns="45720" rIns="91440" bIns="45720" rtlCol="0" anchor="b"/>
+          <a:lstStyle>
+            <a:lvl1pPr algn="r">
+              <a:defRPr sz="1200"/>
+            </a:lvl1pPr>
+          </a:lstStyle>
+          <a:p>
+            <a:fld id="{53C13222-8FB3-450B-A81B-C3AFB7E0ADD9}" type="slidenum">
+              <a:rPr lang="en-US" smtClean="0"/>
+              <a:t>‹#›</a:t>
+            </a:fld>
+            <a:endParaRPr lang="en-US"/>
+          </a:p>
+        </p:txBody>
+      </p:sp>
+    </p:spTree>
+    <p:extLst>
+      <p:ext uri="{BB962C8B-B14F-4D97-AF65-F5344CB8AC3E}">
+        <p14:creationId xmlns:p14="http://schemas.microsoft.com/office/powerpoint/2010/main" val="1036991778"/>
+      </p:ext>
+    </p:extLst>
+  </p:cSld>
+  <p:clrMap bg1="lt1" tx1="dk1" bg2="lt2" tx2="dk2" accent1="accent1" accent2="accent2" accent3="accent3" accent4="accent4" accent5="accent5" accent6="accent6" hlink="hlink" folHlink="folHlink"/>
+  <p:notesStyle>
+    <a:lvl1pPr marL="0" algn="l" defTabSz="914400" rtl="0" eaLnBrk="1" latinLnBrk="0" hangingPunct="1">
+      <a:defRPr sz="1200" kern="1200">
+        <a:solidFill>
+          <a:schemeClr val="tx1"/>
+        </a:solidFill>
+        <a:latin typeface="+mn-lt"/>
+        <a:ea typeface="+mn-ea"/>
+        <a:cs typeface="+mn-cs"/>
+      </a:defRPr>
+    </a:lvl1pPr>
+    <a:lvl2pPr marL="457200" algn="l" defTabSz="914400" rtl="0" eaLnBrk="1" latinLnBrk="0" hangingPunct="1">
+      <a:defRPr sz="1200" kern="1200">
+        <a:solidFill>
+          <a:schemeClr val="tx1"/>
+        </a:solidFill>
+        <a:latin typeface="+mn-lt"/>
+        <a:ea typeface="+mn-ea"/>
+        <a:cs typeface="+mn-cs"/>
+      </a:defRPr>
+    </a:lvl2pPr>
+    <a:lvl3pPr marL="914400" algn="l" defTabSz="914400" rtl="0" eaLnBrk="1" latinLnBrk="0" hangingPunct="1">
+      <a:defRPr sz="1200" kern="1200">
+        <a:solidFill>
+          <a:schemeClr val="tx1"/>
+        </a:solidFill>
+        <a:latin typeface="+mn-lt"/>
+        <a:ea typeface="+mn-ea"/>
+        <a:cs typeface="+mn-cs"/>
+      </a:defRPr>
+    </a:lvl3pPr>
+    <a:lvl4pPr marL="1371600" algn="l" defTabSz="914400" rtl="0" eaLnBrk="1" latinLnBrk="0" hangingPunct="1">
+      <a:defRPr sz="1200" kern="1200">
+        <a:solidFill>
+          <a:schemeClr val="tx1"/>
+        </a:solidFill>
+        <a:latin typeface="+mn-lt"/>
+        <a:ea typeface="+mn-ea"/>
+        <a:cs typeface="+mn-cs"/>
+      </a:defRPr>
+    </a:lvl4pPr>
+    <a:lvl5pPr marL="1828800" algn="l" defTabSz="914400" rtl="0" eaLnBrk="1" latinLnBrk="0" hangingPunct="1">
+      <a:defRPr sz="1200" kern="1200">
+        <a:solidFill>
+          <a:schemeClr val="tx1"/>
+        </a:solidFill>
+        <a:latin typeface="+mn-lt"/>
+        <a:ea typeface="+mn-ea"/>
+        <a:cs typeface="+mn-cs"/>
+      </a:defRPr>
+    </a:lvl5pPr>
+    <a:lvl6pPr marL="2286000" algn="l" defTabSz="914400" rtl="0" eaLnBrk="1" latinLnBrk="0" hangingPunct="1">
+      <a:defRPr sz="1200" kern="1200">
+        <a:solidFill>
+          <a:schemeClr val="tx1"/>
+        </a:solidFill>
+        <a:latin typeface="+mn-lt"/>
+        <a:ea typeface="+mn-ea"/>
+        <a:cs typeface="+mn-cs"/>
+      </a:defRPr>
+    </a:lvl6pPr>
+    <a:lvl7pPr marL="2743200" algn="l" defTabSz="914400" rtl="0" eaLnBrk="1" latinLnBrk="0" hangingPunct="1">
+      <a:defRPr sz="1200" kern="1200">
+        <a:solidFill>
+          <a:schemeClr val="tx1"/>
+        </a:solidFill>
+        <a:latin typeface="+mn-lt"/>
+        <a:ea typeface="+mn-ea"/>
+        <a:cs typeface="+mn-cs"/>
+      </a:defRPr>
+    </a:lvl7pPr>
+    <a:lvl8pPr marL="3200400" algn="l" defTabSz="914400" rtl="0" eaLnBrk="1" latinLnBrk="0" hangingPunct="1">
+      <a:defRPr sz="1200" kern="1200">
+        <a:solidFill>
+          <a:schemeClr val="tx1"/>
+        </a:solidFill>
+        <a:latin typeface="+mn-lt"/>
+        <a:ea typeface="+mn-ea"/>
+        <a:cs typeface="+mn-cs"/>
+      </a:defRPr>
+    </a:lvl8pPr>
+    <a:lvl9pPr marL="3657600" algn="l" defTabSz="914400" rtl="0" eaLnBrk="1" latinLnBrk="0" hangingPunct="1">
+      <a:defRPr sz="1200" kern="1200">
+        <a:solidFill>
+          <a:schemeClr val="tx1"/>
+        </a:solidFill>
+        <a:latin typeface="+mn-lt"/>
+        <a:ea typeface="+mn-ea"/>
+        <a:cs typeface="+mn-cs"/>
+      </a:defRPr>
+    </a:lvl9pPr>
+  </p:notesStyle>
+</p:notesMaster>
 </file>
 
 <file path=ppt/slideLayouts/slideLayout1.xml><?xml version="1.0" encoding="utf-8"?>
@@ -28209,40 +28560,45 @@
           </a:p>
         </p:txBody>
       </p:sp>
+      <p:sp>
+        <p:nvSpPr>
+          <p:cNvPr id="2" name="TextBox 1">
+            <a:extLst>
+              <a:ext uri="{FF2B5EF4-FFF2-40B4-BE49-F238E27FC236}">
+                <a16:creationId xmlns:a16="http://schemas.microsoft.com/office/drawing/2014/main" id="{023A6A35-5A76-49A4-8D58-EB50D9E1F229}"/>
+              </a:ext>
+            </a:extLst>
+          </p:cNvPr>
+          <p:cNvSpPr txBox="1"/>
+          <p:nvPr/>
+        </p:nvSpPr>
+        <p:spPr>
+          <a:xfrm>
+            <a:off x="878480" y="115601"/>
+            <a:ext cx="3600160" cy="369332"/>
+          </a:xfrm>
+          <a:prstGeom prst="rect">
+            <a:avLst/>
+          </a:prstGeom>
+          <a:noFill/>
+        </p:spPr>
+        <p:txBody>
+          <a:bodyPr wrap="square" rtlCol="0">
+            <a:spAutoFit/>
+          </a:bodyPr>
+          <a:lstStyle/>
+          <a:p>
+            <a:r>
+              <a:rPr lang="en-US" b="1" dirty="0"/>
+              <a:t>Relationship Development Plan</a:t>
+            </a:r>
+          </a:p>
+        </p:txBody>
+      </p:sp>
     </p:spTree>
     <p:extLst>
       <p:ext uri="{BB962C8B-B14F-4D97-AF65-F5344CB8AC3E}">
         <p14:creationId xmlns:p14="http://schemas.microsoft.com/office/powerpoint/2010/main" val="2940537103"/>
-      </p:ext>
-    </p:extLst>
-  </p:cSld>
-  <p:clrMapOvr>
-    <a:masterClrMapping/>
-  </p:clrMapOvr>
-</p:sld>
-</file>
-
-<file path=ppt/slides/slide16.xml><?xml version="1.0" encoding="utf-8"?>
-<p:sld xmlns:a="http://schemas.openxmlformats.org/drawingml/2006/main" xmlns:r="http://schemas.openxmlformats.org/officeDocument/2006/relationships" xmlns:p="http://schemas.openxmlformats.org/presentationml/2006/main">
-  <p:cSld>
-    <p:spTree>
-      <p:nvGrpSpPr>
-        <p:cNvPr id="1" name=""/>
-        <p:cNvGrpSpPr/>
-        <p:nvPr/>
-      </p:nvGrpSpPr>
-      <p:grpSpPr>
-        <a:xfrm>
-          <a:off x="0" y="0"/>
-          <a:ext cx="0" cy="0"/>
-          <a:chOff x="0" y="0"/>
-          <a:chExt cx="0" cy="0"/>
-        </a:xfrm>
-      </p:grpSpPr>
-    </p:spTree>
-    <p:extLst>
-      <p:ext uri="{BB962C8B-B14F-4D97-AF65-F5344CB8AC3E}">
-        <p14:creationId xmlns:p14="http://schemas.microsoft.com/office/powerpoint/2010/main" val="1338552838"/>
       </p:ext>
     </p:extLst>
   </p:cSld>
@@ -49345,4 +49701,299 @@
     </a:ext>
   </a:extLst>
 </a:theme>
+</file>
+
+<file path=ppt/theme/theme2.xml><?xml version="1.0" encoding="utf-8"?>
+<a:theme xmlns:a="http://schemas.openxmlformats.org/drawingml/2006/main" name="Office Theme">
+  <a:themeElements>
+    <a:clrScheme name="Office">
+      <a:dk1>
+        <a:sysClr val="windowText" lastClr="000000"/>
+      </a:dk1>
+      <a:lt1>
+        <a:sysClr val="window" lastClr="FFFFFF"/>
+      </a:lt1>
+      <a:dk2>
+        <a:srgbClr val="44546A"/>
+      </a:dk2>
+      <a:lt2>
+        <a:srgbClr val="E7E6E6"/>
+      </a:lt2>
+      <a:accent1>
+        <a:srgbClr val="4472C4"/>
+      </a:accent1>
+      <a:accent2>
+        <a:srgbClr val="ED7D31"/>
+      </a:accent2>
+      <a:accent3>
+        <a:srgbClr val="A5A5A5"/>
+      </a:accent3>
+      <a:accent4>
+        <a:srgbClr val="FFC000"/>
+      </a:accent4>
+      <a:accent5>
+        <a:srgbClr val="5B9BD5"/>
+      </a:accent5>
+      <a:accent6>
+        <a:srgbClr val="70AD47"/>
+      </a:accent6>
+      <a:hlink>
+        <a:srgbClr val="0563C1"/>
+      </a:hlink>
+      <a:folHlink>
+        <a:srgbClr val="954F72"/>
+      </a:folHlink>
+    </a:clrScheme>
+    <a:fontScheme name="Office">
+      <a:majorFont>
+        <a:latin typeface="Calibri Light" panose="020F0302020204030204"/>
+        <a:ea typeface=""/>
+        <a:cs typeface=""/>
+        <a:font script="Jpan" typeface="游ゴシック Light"/>
+        <a:font script="Hang" typeface="맑은 고딕"/>
+        <a:font script="Hans" typeface="等线 Light"/>
+        <a:font script="Hant" typeface="新細明體"/>
+        <a:font script="Arab" typeface="Times New Roman"/>
+        <a:font script="Hebr" typeface="Times New Roman"/>
+        <a:font script="Thai" typeface="Angsana New"/>
+        <a:font script="Ethi" typeface="Nyala"/>
+        <a:font script="Beng" typeface="Vrinda"/>
+        <a:font script="Gujr" typeface="Shruti"/>
+        <a:font script="Khmr" typeface="MoolBoran"/>
+        <a:font script="Knda" typeface="Tunga"/>
+        <a:font script="Guru" typeface="Raavi"/>
+        <a:font script="Cans" typeface="Euphemia"/>
+        <a:font script="Cher" typeface="Plantagenet Cherokee"/>
+        <a:font script="Yiii" typeface="Microsoft Yi Baiti"/>
+        <a:font script="Tibt" typeface="Microsoft Himalaya"/>
+        <a:font script="Thaa" typeface="MV Boli"/>
+        <a:font script="Deva" typeface="Mangal"/>
+        <a:font script="Telu" typeface="Gautami"/>
+        <a:font script="Taml" typeface="Latha"/>
+        <a:font script="Syrc" typeface="Estrangelo Edessa"/>
+        <a:font script="Orya" typeface="Kalinga"/>
+        <a:font script="Mlym" typeface="Kartika"/>
+        <a:font script="Laoo" typeface="DokChampa"/>
+        <a:font script="Sinh" typeface="Iskoola Pota"/>
+        <a:font script="Mong" typeface="Mongolian Baiti"/>
+        <a:font script="Viet" typeface="Times New Roman"/>
+        <a:font script="Uigh" typeface="Microsoft Uighur"/>
+        <a:font script="Geor" typeface="Sylfaen"/>
+        <a:font script="Armn" typeface="Arial"/>
+        <a:font script="Bugi" typeface="Leelawadee UI"/>
+        <a:font script="Bopo" typeface="Microsoft JhengHei"/>
+        <a:font script="Java" typeface="Javanese Text"/>
+        <a:font script="Lisu" typeface="Segoe UI"/>
+        <a:font script="Mymr" typeface="Myanmar Text"/>
+        <a:font script="Nkoo" typeface="Ebrima"/>
+        <a:font script="Olck" typeface="Nirmala UI"/>
+        <a:font script="Osma" typeface="Ebrima"/>
+        <a:font script="Phag" typeface="Phagspa"/>
+        <a:font script="Syrn" typeface="Estrangelo Edessa"/>
+        <a:font script="Syrj" typeface="Estrangelo Edessa"/>
+        <a:font script="Syre" typeface="Estrangelo Edessa"/>
+        <a:font script="Sora" typeface="Nirmala UI"/>
+        <a:font script="Tale" typeface="Microsoft Tai Le"/>
+        <a:font script="Talu" typeface="Microsoft New Tai Lue"/>
+        <a:font script="Tfng" typeface="Ebrima"/>
+      </a:majorFont>
+      <a:minorFont>
+        <a:latin typeface="Calibri" panose="020F0502020204030204"/>
+        <a:ea typeface=""/>
+        <a:cs typeface=""/>
+        <a:font script="Jpan" typeface="游ゴシック"/>
+        <a:font script="Hang" typeface="맑은 고딕"/>
+        <a:font script="Hans" typeface="等线"/>
+        <a:font script="Hant" typeface="新細明體"/>
+        <a:font script="Arab" typeface="Arial"/>
+        <a:font script="Hebr" typeface="Arial"/>
+        <a:font script="Thai" typeface="Cordia New"/>
+        <a:font script="Ethi" typeface="Nyala"/>
+        <a:font script="Beng" typeface="Vrinda"/>
+        <a:font script="Gujr" typeface="Shruti"/>
+        <a:font script="Khmr" typeface="DaunPenh"/>
+        <a:font script="Knda" typeface="Tunga"/>
+        <a:font script="Guru" typeface="Raavi"/>
+        <a:font script="Cans" typeface="Euphemia"/>
+        <a:font script="Cher" typeface="Plantagenet Cherokee"/>
+        <a:font script="Yiii" typeface="Microsoft Yi Baiti"/>
+        <a:font script="Tibt" typeface="Microsoft Himalaya"/>
+        <a:font script="Thaa" typeface="MV Boli"/>
+        <a:font script="Deva" typeface="Mangal"/>
+        <a:font script="Telu" typeface="Gautami"/>
+        <a:font script="Taml" typeface="Latha"/>
+        <a:font script="Syrc" typeface="Estrangelo Edessa"/>
+        <a:font script="Orya" typeface="Kalinga"/>
+        <a:font script="Mlym" typeface="Kartika"/>
+        <a:font script="Laoo" typeface="DokChampa"/>
+        <a:font script="Sinh" typeface="Iskoola Pota"/>
+        <a:font script="Mong" typeface="Mongolian Baiti"/>
+        <a:font script="Viet" typeface="Arial"/>
+        <a:font script="Uigh" typeface="Microsoft Uighur"/>
+        <a:font script="Geor" typeface="Sylfaen"/>
+        <a:font script="Armn" typeface="Arial"/>
+        <a:font script="Bugi" typeface="Leelawadee UI"/>
+        <a:font script="Bopo" typeface="Microsoft JhengHei"/>
+        <a:font script="Java" typeface="Javanese Text"/>
+        <a:font script="Lisu" typeface="Segoe UI"/>
+        <a:font script="Mymr" typeface="Myanmar Text"/>
+        <a:font script="Nkoo" typeface="Ebrima"/>
+        <a:font script="Olck" typeface="Nirmala UI"/>
+        <a:font script="Osma" typeface="Ebrima"/>
+        <a:font script="Phag" typeface="Phagspa"/>
+        <a:font script="Syrn" typeface="Estrangelo Edessa"/>
+        <a:font script="Syrj" typeface="Estrangelo Edessa"/>
+        <a:font script="Syre" typeface="Estrangelo Edessa"/>
+        <a:font script="Sora" typeface="Nirmala UI"/>
+        <a:font script="Tale" typeface="Microsoft Tai Le"/>
+        <a:font script="Talu" typeface="Microsoft New Tai Lue"/>
+        <a:font script="Tfng" typeface="Ebrima"/>
+      </a:minorFont>
+    </a:fontScheme>
+    <a:fmtScheme name="Office">
+      <a:fillStyleLst>
+        <a:solidFill>
+          <a:schemeClr val="phClr"/>
+        </a:solidFill>
+        <a:gradFill rotWithShape="1">
+          <a:gsLst>
+            <a:gs pos="0">
+              <a:schemeClr val="phClr">
+                <a:lumMod val="110000"/>
+                <a:satMod val="105000"/>
+                <a:tint val="67000"/>
+              </a:schemeClr>
+            </a:gs>
+            <a:gs pos="50000">
+              <a:schemeClr val="phClr">
+                <a:lumMod val="105000"/>
+                <a:satMod val="103000"/>
+                <a:tint val="73000"/>
+              </a:schemeClr>
+            </a:gs>
+            <a:gs pos="100000">
+              <a:schemeClr val="phClr">
+                <a:lumMod val="105000"/>
+                <a:satMod val="109000"/>
+                <a:tint val="81000"/>
+              </a:schemeClr>
+            </a:gs>
+          </a:gsLst>
+          <a:lin ang="5400000" scaled="0"/>
+        </a:gradFill>
+        <a:gradFill rotWithShape="1">
+          <a:gsLst>
+            <a:gs pos="0">
+              <a:schemeClr val="phClr">
+                <a:satMod val="103000"/>
+                <a:lumMod val="102000"/>
+                <a:tint val="94000"/>
+              </a:schemeClr>
+            </a:gs>
+            <a:gs pos="50000">
+              <a:schemeClr val="phClr">
+                <a:satMod val="110000"/>
+                <a:lumMod val="100000"/>
+                <a:shade val="100000"/>
+              </a:schemeClr>
+            </a:gs>
+            <a:gs pos="100000">
+              <a:schemeClr val="phClr">
+                <a:lumMod val="99000"/>
+                <a:satMod val="120000"/>
+                <a:shade val="78000"/>
+              </a:schemeClr>
+            </a:gs>
+          </a:gsLst>
+          <a:lin ang="5400000" scaled="0"/>
+        </a:gradFill>
+      </a:fillStyleLst>
+      <a:lnStyleLst>
+        <a:ln w="6350" cap="flat" cmpd="sng" algn="ctr">
+          <a:solidFill>
+            <a:schemeClr val="phClr"/>
+          </a:solidFill>
+          <a:prstDash val="solid"/>
+          <a:miter lim="800000"/>
+        </a:ln>
+        <a:ln w="12700" cap="flat" cmpd="sng" algn="ctr">
+          <a:solidFill>
+            <a:schemeClr val="phClr"/>
+          </a:solidFill>
+          <a:prstDash val="solid"/>
+          <a:miter lim="800000"/>
+        </a:ln>
+        <a:ln w="19050" cap="flat" cmpd="sng" algn="ctr">
+          <a:solidFill>
+            <a:schemeClr val="phClr"/>
+          </a:solidFill>
+          <a:prstDash val="solid"/>
+          <a:miter lim="800000"/>
+        </a:ln>
+      </a:lnStyleLst>
+      <a:effectStyleLst>
+        <a:effectStyle>
+          <a:effectLst/>
+        </a:effectStyle>
+        <a:effectStyle>
+          <a:effectLst/>
+        </a:effectStyle>
+        <a:effectStyle>
+          <a:effectLst>
+            <a:outerShdw blurRad="57150" dist="19050" dir="5400000" algn="ctr" rotWithShape="0">
+              <a:srgbClr val="000000">
+                <a:alpha val="63000"/>
+              </a:srgbClr>
+            </a:outerShdw>
+          </a:effectLst>
+        </a:effectStyle>
+      </a:effectStyleLst>
+      <a:bgFillStyleLst>
+        <a:solidFill>
+          <a:schemeClr val="phClr"/>
+        </a:solidFill>
+        <a:solidFill>
+          <a:schemeClr val="phClr">
+            <a:tint val="95000"/>
+            <a:satMod val="170000"/>
+          </a:schemeClr>
+        </a:solidFill>
+        <a:gradFill rotWithShape="1">
+          <a:gsLst>
+            <a:gs pos="0">
+              <a:schemeClr val="phClr">
+                <a:tint val="93000"/>
+                <a:satMod val="150000"/>
+                <a:shade val="98000"/>
+                <a:lumMod val="102000"/>
+              </a:schemeClr>
+            </a:gs>
+            <a:gs pos="50000">
+              <a:schemeClr val="phClr">
+                <a:tint val="98000"/>
+                <a:satMod val="130000"/>
+                <a:shade val="90000"/>
+                <a:lumMod val="103000"/>
+              </a:schemeClr>
+            </a:gs>
+            <a:gs pos="100000">
+              <a:schemeClr val="phClr">
+                <a:shade val="63000"/>
+                <a:satMod val="120000"/>
+              </a:schemeClr>
+            </a:gs>
+          </a:gsLst>
+          <a:lin ang="5400000" scaled="0"/>
+        </a:gradFill>
+      </a:bgFillStyleLst>
+    </a:fmtScheme>
+  </a:themeElements>
+  <a:objectDefaults/>
+  <a:extraClrSchemeLst/>
+  <a:extLst>
+    <a:ext uri="{05A4C25C-085E-4340-85A3-A5531E510DB2}">
+      <thm15:themeFamily xmlns:thm15="http://schemas.microsoft.com/office/thememl/2012/main" name="Office Theme" id="{62F939B6-93AF-4DB8-9C6B-D6C7DFDC589F}" vid="{4A3C46E8-61CC-4603-A589-7422A47A8E4A}"/>
+    </a:ext>
+  </a:extLst>
+</a:theme>
 </file>
--- a/assets/Sprint Cadence Diagrams.pptx
+++ b/assets/Sprint Cadence Diagrams.pptx
@@ -5,7 +5,7 @@
     <p:sldMasterId id="2147483648" r:id="rId1"/>
   </p:sldMasterIdLst>
   <p:notesMasterIdLst>
-    <p:notesMasterId r:id="rId17"/>
+    <p:notesMasterId r:id="rId18"/>
   </p:notesMasterIdLst>
   <p:sldIdLst>
     <p:sldId id="256" r:id="rId2"/>
@@ -23,6 +23,7 @@
     <p:sldId id="268" r:id="rId14"/>
     <p:sldId id="269" r:id="rId15"/>
     <p:sldId id="272" r:id="rId16"/>
+    <p:sldId id="273" r:id="rId17"/>
   </p:sldIdLst>
   <p:sldSz cx="12192000" cy="6858000"/>
   <p:notesSz cx="6858000" cy="9144000"/>
@@ -211,7 +212,7 @@
           <a:p>
             <a:fld id="{B5279A88-7D4A-43F4-AAE1-4398E4F7AFF7}" type="datetimeFigureOut">
               <a:rPr lang="en-US" smtClean="0"/>
-              <a:t>9/13/2020</a:t>
+              <a:t>9/14/2020</a:t>
             </a:fld>
             <a:endParaRPr lang="en-US"/>
           </a:p>
@@ -625,7 +626,7 @@
           <a:p>
             <a:fld id="{0C3A9CC2-761E-433C-A323-6D1ABF677EB6}" type="datetimeFigureOut">
               <a:rPr lang="en-US" smtClean="0"/>
-              <a:t>9/13/2020</a:t>
+              <a:t>9/14/2020</a:t>
             </a:fld>
             <a:endParaRPr lang="en-US"/>
           </a:p>
@@ -823,7 +824,7 @@
           <a:p>
             <a:fld id="{0C3A9CC2-761E-433C-A323-6D1ABF677EB6}" type="datetimeFigureOut">
               <a:rPr lang="en-US" smtClean="0"/>
-              <a:t>9/13/2020</a:t>
+              <a:t>9/14/2020</a:t>
             </a:fld>
             <a:endParaRPr lang="en-US"/>
           </a:p>
@@ -1031,7 +1032,7 @@
           <a:p>
             <a:fld id="{0C3A9CC2-761E-433C-A323-6D1ABF677EB6}" type="datetimeFigureOut">
               <a:rPr lang="en-US" smtClean="0"/>
-              <a:t>9/13/2020</a:t>
+              <a:t>9/14/2020</a:t>
             </a:fld>
             <a:endParaRPr lang="en-US"/>
           </a:p>
@@ -1229,7 +1230,7 @@
           <a:p>
             <a:fld id="{0C3A9CC2-761E-433C-A323-6D1ABF677EB6}" type="datetimeFigureOut">
               <a:rPr lang="en-US" smtClean="0"/>
-              <a:t>9/13/2020</a:t>
+              <a:t>9/14/2020</a:t>
             </a:fld>
             <a:endParaRPr lang="en-US"/>
           </a:p>
@@ -1504,7 +1505,7 @@
           <a:p>
             <a:fld id="{0C3A9CC2-761E-433C-A323-6D1ABF677EB6}" type="datetimeFigureOut">
               <a:rPr lang="en-US" smtClean="0"/>
-              <a:t>9/13/2020</a:t>
+              <a:t>9/14/2020</a:t>
             </a:fld>
             <a:endParaRPr lang="en-US"/>
           </a:p>
@@ -1769,7 +1770,7 @@
           <a:p>
             <a:fld id="{0C3A9CC2-761E-433C-A323-6D1ABF677EB6}" type="datetimeFigureOut">
               <a:rPr lang="en-US" smtClean="0"/>
-              <a:t>9/13/2020</a:t>
+              <a:t>9/14/2020</a:t>
             </a:fld>
             <a:endParaRPr lang="en-US"/>
           </a:p>
@@ -2181,7 +2182,7 @@
           <a:p>
             <a:fld id="{0C3A9CC2-761E-433C-A323-6D1ABF677EB6}" type="datetimeFigureOut">
               <a:rPr lang="en-US" smtClean="0"/>
-              <a:t>9/13/2020</a:t>
+              <a:t>9/14/2020</a:t>
             </a:fld>
             <a:endParaRPr lang="en-US"/>
           </a:p>
@@ -2322,7 +2323,7 @@
           <a:p>
             <a:fld id="{0C3A9CC2-761E-433C-A323-6D1ABF677EB6}" type="datetimeFigureOut">
               <a:rPr lang="en-US" smtClean="0"/>
-              <a:t>9/13/2020</a:t>
+              <a:t>9/14/2020</a:t>
             </a:fld>
             <a:endParaRPr lang="en-US"/>
           </a:p>
@@ -2435,7 +2436,7 @@
           <a:p>
             <a:fld id="{0C3A9CC2-761E-433C-A323-6D1ABF677EB6}" type="datetimeFigureOut">
               <a:rPr lang="en-US" smtClean="0"/>
-              <a:t>9/13/2020</a:t>
+              <a:t>9/14/2020</a:t>
             </a:fld>
             <a:endParaRPr lang="en-US"/>
           </a:p>
@@ -2746,7 +2747,7 @@
           <a:p>
             <a:fld id="{0C3A9CC2-761E-433C-A323-6D1ABF677EB6}" type="datetimeFigureOut">
               <a:rPr lang="en-US" smtClean="0"/>
-              <a:t>9/13/2020</a:t>
+              <a:t>9/14/2020</a:t>
             </a:fld>
             <a:endParaRPr lang="en-US"/>
           </a:p>
@@ -3034,7 +3035,7 @@
           <a:p>
             <a:fld id="{0C3A9CC2-761E-433C-A323-6D1ABF677EB6}" type="datetimeFigureOut">
               <a:rPr lang="en-US" smtClean="0"/>
-              <a:t>9/13/2020</a:t>
+              <a:t>9/14/2020</a:t>
             </a:fld>
             <a:endParaRPr lang="en-US"/>
           </a:p>
@@ -3275,7 +3276,7 @@
           <a:p>
             <a:fld id="{0C3A9CC2-761E-433C-A323-6D1ABF677EB6}" type="datetimeFigureOut">
               <a:rPr lang="en-US" smtClean="0"/>
-              <a:t>9/13/2020</a:t>
+              <a:t>9/14/2020</a:t>
             </a:fld>
             <a:endParaRPr lang="en-US"/>
           </a:p>
@@ -28599,6 +28600,855 @@
     <p:extLst>
       <p:ext uri="{BB962C8B-B14F-4D97-AF65-F5344CB8AC3E}">
         <p14:creationId xmlns:p14="http://schemas.microsoft.com/office/powerpoint/2010/main" val="2940537103"/>
+      </p:ext>
+    </p:extLst>
+  </p:cSld>
+  <p:clrMapOvr>
+    <a:masterClrMapping/>
+  </p:clrMapOvr>
+</p:sld>
+</file>
+
+<file path=ppt/slides/slide16.xml><?xml version="1.0" encoding="utf-8"?>
+<p:sld xmlns:a="http://schemas.openxmlformats.org/drawingml/2006/main" xmlns:r="http://schemas.openxmlformats.org/officeDocument/2006/relationships" xmlns:p="http://schemas.openxmlformats.org/presentationml/2006/main">
+  <p:cSld>
+    <p:spTree>
+      <p:nvGrpSpPr>
+        <p:cNvPr id="1" name=""/>
+        <p:cNvGrpSpPr/>
+        <p:nvPr/>
+      </p:nvGrpSpPr>
+      <p:grpSpPr>
+        <a:xfrm>
+          <a:off x="0" y="0"/>
+          <a:ext cx="0" cy="0"/>
+          <a:chOff x="0" y="0"/>
+          <a:chExt cx="0" cy="0"/>
+        </a:xfrm>
+      </p:grpSpPr>
+      <p:sp>
+        <p:nvSpPr>
+          <p:cNvPr id="2" name="Oval 1">
+            <a:extLst>
+              <a:ext uri="{FF2B5EF4-FFF2-40B4-BE49-F238E27FC236}">
+                <a16:creationId xmlns:a16="http://schemas.microsoft.com/office/drawing/2014/main" id="{1A322FEA-4D2E-4121-B31D-E701C980E153}"/>
+              </a:ext>
+            </a:extLst>
+          </p:cNvPr>
+          <p:cNvSpPr/>
+          <p:nvPr/>
+        </p:nvSpPr>
+        <p:spPr>
+          <a:xfrm>
+            <a:off x="2331308" y="1911178"/>
+            <a:ext cx="1202724" cy="1145060"/>
+          </a:xfrm>
+          <a:prstGeom prst="ellipse">
+            <a:avLst/>
+          </a:prstGeom>
+        </p:spPr>
+        <p:style>
+          <a:lnRef idx="2">
+            <a:schemeClr val="accent1">
+              <a:shade val="50000"/>
+            </a:schemeClr>
+          </a:lnRef>
+          <a:fillRef idx="1">
+            <a:schemeClr val="accent1"/>
+          </a:fillRef>
+          <a:effectRef idx="0">
+            <a:schemeClr val="accent1"/>
+          </a:effectRef>
+          <a:fontRef idx="minor">
+            <a:schemeClr val="lt1"/>
+          </a:fontRef>
+        </p:style>
+        <p:txBody>
+          <a:bodyPr rtlCol="0" anchor="ctr"/>
+          <a:lstStyle/>
+          <a:p>
+            <a:pPr algn="ctr"/>
+            <a:r>
+              <a:rPr lang="en-US" sz="1200" dirty="0"/>
+              <a:t>Empathize</a:t>
+            </a:r>
+          </a:p>
+        </p:txBody>
+      </p:sp>
+      <p:sp>
+        <p:nvSpPr>
+          <p:cNvPr id="4" name="Oval 3">
+            <a:extLst>
+              <a:ext uri="{FF2B5EF4-FFF2-40B4-BE49-F238E27FC236}">
+                <a16:creationId xmlns:a16="http://schemas.microsoft.com/office/drawing/2014/main" id="{4C5E727A-6E98-480E-B2F8-40EC78C8935E}"/>
+              </a:ext>
+            </a:extLst>
+          </p:cNvPr>
+          <p:cNvSpPr/>
+          <p:nvPr/>
+        </p:nvSpPr>
+        <p:spPr>
+          <a:xfrm>
+            <a:off x="3838832" y="1911178"/>
+            <a:ext cx="1202724" cy="1145060"/>
+          </a:xfrm>
+          <a:prstGeom prst="ellipse">
+            <a:avLst/>
+          </a:prstGeom>
+        </p:spPr>
+        <p:style>
+          <a:lnRef idx="2">
+            <a:schemeClr val="accent1">
+              <a:shade val="50000"/>
+            </a:schemeClr>
+          </a:lnRef>
+          <a:fillRef idx="1">
+            <a:schemeClr val="accent1"/>
+          </a:fillRef>
+          <a:effectRef idx="0">
+            <a:schemeClr val="accent1"/>
+          </a:effectRef>
+          <a:fontRef idx="minor">
+            <a:schemeClr val="lt1"/>
+          </a:fontRef>
+        </p:style>
+        <p:txBody>
+          <a:bodyPr rtlCol="0" anchor="ctr"/>
+          <a:lstStyle/>
+          <a:p>
+            <a:pPr algn="ctr"/>
+            <a:r>
+              <a:rPr lang="en-US" sz="1200" dirty="0"/>
+              <a:t>Define</a:t>
+            </a:r>
+          </a:p>
+        </p:txBody>
+      </p:sp>
+      <p:sp>
+        <p:nvSpPr>
+          <p:cNvPr id="6" name="Oval 5">
+            <a:extLst>
+              <a:ext uri="{FF2B5EF4-FFF2-40B4-BE49-F238E27FC236}">
+                <a16:creationId xmlns:a16="http://schemas.microsoft.com/office/drawing/2014/main" id="{E5570E61-64A2-4065-ABE5-FCD3B7F50410}"/>
+              </a:ext>
+            </a:extLst>
+          </p:cNvPr>
+          <p:cNvSpPr/>
+          <p:nvPr/>
+        </p:nvSpPr>
+        <p:spPr>
+          <a:xfrm>
+            <a:off x="5346356" y="1911178"/>
+            <a:ext cx="1202724" cy="1145060"/>
+          </a:xfrm>
+          <a:prstGeom prst="ellipse">
+            <a:avLst/>
+          </a:prstGeom>
+        </p:spPr>
+        <p:style>
+          <a:lnRef idx="2">
+            <a:schemeClr val="accent1">
+              <a:shade val="50000"/>
+            </a:schemeClr>
+          </a:lnRef>
+          <a:fillRef idx="1">
+            <a:schemeClr val="accent1"/>
+          </a:fillRef>
+          <a:effectRef idx="0">
+            <a:schemeClr val="accent1"/>
+          </a:effectRef>
+          <a:fontRef idx="minor">
+            <a:schemeClr val="lt1"/>
+          </a:fontRef>
+        </p:style>
+        <p:txBody>
+          <a:bodyPr rtlCol="0" anchor="ctr"/>
+          <a:lstStyle/>
+          <a:p>
+            <a:pPr algn="ctr"/>
+            <a:r>
+              <a:rPr lang="en-US" sz="1200" dirty="0"/>
+              <a:t>Ideate</a:t>
+            </a:r>
+          </a:p>
+        </p:txBody>
+      </p:sp>
+      <p:sp>
+        <p:nvSpPr>
+          <p:cNvPr id="8" name="Oval 7">
+            <a:extLst>
+              <a:ext uri="{FF2B5EF4-FFF2-40B4-BE49-F238E27FC236}">
+                <a16:creationId xmlns:a16="http://schemas.microsoft.com/office/drawing/2014/main" id="{99183494-BEC0-450C-8F65-65903A0A9AE4}"/>
+              </a:ext>
+            </a:extLst>
+          </p:cNvPr>
+          <p:cNvSpPr/>
+          <p:nvPr/>
+        </p:nvSpPr>
+        <p:spPr>
+          <a:xfrm>
+            <a:off x="6853880" y="1911178"/>
+            <a:ext cx="1202724" cy="1145060"/>
+          </a:xfrm>
+          <a:prstGeom prst="ellipse">
+            <a:avLst/>
+          </a:prstGeom>
+        </p:spPr>
+        <p:style>
+          <a:lnRef idx="2">
+            <a:schemeClr val="accent1">
+              <a:shade val="50000"/>
+            </a:schemeClr>
+          </a:lnRef>
+          <a:fillRef idx="1">
+            <a:schemeClr val="accent1"/>
+          </a:fillRef>
+          <a:effectRef idx="0">
+            <a:schemeClr val="accent1"/>
+          </a:effectRef>
+          <a:fontRef idx="minor">
+            <a:schemeClr val="lt1"/>
+          </a:fontRef>
+        </p:style>
+        <p:txBody>
+          <a:bodyPr rtlCol="0" anchor="ctr"/>
+          <a:lstStyle/>
+          <a:p>
+            <a:pPr algn="ctr"/>
+            <a:r>
+              <a:rPr lang="en-US" sz="1200" dirty="0"/>
+              <a:t>Prototype</a:t>
+            </a:r>
+          </a:p>
+        </p:txBody>
+      </p:sp>
+      <p:sp>
+        <p:nvSpPr>
+          <p:cNvPr id="10" name="Oval 9">
+            <a:extLst>
+              <a:ext uri="{FF2B5EF4-FFF2-40B4-BE49-F238E27FC236}">
+                <a16:creationId xmlns:a16="http://schemas.microsoft.com/office/drawing/2014/main" id="{6FC8204C-EFB6-4E19-A3F9-A1851755B4F0}"/>
+              </a:ext>
+            </a:extLst>
+          </p:cNvPr>
+          <p:cNvSpPr/>
+          <p:nvPr/>
+        </p:nvSpPr>
+        <p:spPr>
+          <a:xfrm>
+            <a:off x="8361404" y="1911178"/>
+            <a:ext cx="1202724" cy="1145060"/>
+          </a:xfrm>
+          <a:prstGeom prst="ellipse">
+            <a:avLst/>
+          </a:prstGeom>
+        </p:spPr>
+        <p:style>
+          <a:lnRef idx="2">
+            <a:schemeClr val="accent1">
+              <a:shade val="50000"/>
+            </a:schemeClr>
+          </a:lnRef>
+          <a:fillRef idx="1">
+            <a:schemeClr val="accent1"/>
+          </a:fillRef>
+          <a:effectRef idx="0">
+            <a:schemeClr val="accent1"/>
+          </a:effectRef>
+          <a:fontRef idx="minor">
+            <a:schemeClr val="lt1"/>
+          </a:fontRef>
+        </p:style>
+        <p:txBody>
+          <a:bodyPr rtlCol="0" anchor="ctr"/>
+          <a:lstStyle/>
+          <a:p>
+            <a:pPr algn="ctr"/>
+            <a:r>
+              <a:rPr lang="en-US" sz="1200" dirty="0"/>
+              <a:t>Test</a:t>
+            </a:r>
+          </a:p>
+        </p:txBody>
+      </p:sp>
+      <p:sp>
+        <p:nvSpPr>
+          <p:cNvPr id="11" name="Rectangle: Rounded Corners 10">
+            <a:extLst>
+              <a:ext uri="{FF2B5EF4-FFF2-40B4-BE49-F238E27FC236}">
+                <a16:creationId xmlns:a16="http://schemas.microsoft.com/office/drawing/2014/main" id="{0CE21670-B194-4EE4-8CCA-C5262169AD84}"/>
+              </a:ext>
+            </a:extLst>
+          </p:cNvPr>
+          <p:cNvSpPr/>
+          <p:nvPr/>
+        </p:nvSpPr>
+        <p:spPr>
+          <a:xfrm>
+            <a:off x="2240691" y="1606378"/>
+            <a:ext cx="2907957" cy="1822622"/>
+          </a:xfrm>
+          <a:prstGeom prst="roundRect">
+            <a:avLst/>
+          </a:prstGeom>
+          <a:noFill/>
+          <a:ln w="9525" cap="flat" cmpd="sng" algn="ctr">
+            <a:solidFill>
+              <a:schemeClr val="accent3"/>
+            </a:solidFill>
+            <a:prstDash val="sysDot"/>
+            <a:round/>
+            <a:headEnd type="none" w="med" len="med"/>
+            <a:tailEnd type="none" w="med" len="med"/>
+          </a:ln>
+        </p:spPr>
+        <p:style>
+          <a:lnRef idx="0">
+            <a:scrgbClr r="0" g="0" b="0"/>
+          </a:lnRef>
+          <a:fillRef idx="0">
+            <a:scrgbClr r="0" g="0" b="0"/>
+          </a:fillRef>
+          <a:effectRef idx="0">
+            <a:scrgbClr r="0" g="0" b="0"/>
+          </a:effectRef>
+          <a:fontRef idx="minor">
+            <a:schemeClr val="accent3"/>
+          </a:fontRef>
+        </p:style>
+        <p:txBody>
+          <a:bodyPr rtlCol="0" anchor="ctr"/>
+          <a:lstStyle/>
+          <a:p>
+            <a:pPr algn="ctr"/>
+            <a:endParaRPr lang="en-US"/>
+          </a:p>
+        </p:txBody>
+      </p:sp>
+      <p:sp>
+        <p:nvSpPr>
+          <p:cNvPr id="13" name="Rectangle: Rounded Corners 12">
+            <a:extLst>
+              <a:ext uri="{FF2B5EF4-FFF2-40B4-BE49-F238E27FC236}">
+                <a16:creationId xmlns:a16="http://schemas.microsoft.com/office/drawing/2014/main" id="{8D240160-BEBA-48B4-8363-E41E0F85FE43}"/>
+              </a:ext>
+            </a:extLst>
+          </p:cNvPr>
+          <p:cNvSpPr/>
+          <p:nvPr/>
+        </p:nvSpPr>
+        <p:spPr>
+          <a:xfrm>
+            <a:off x="5239265" y="1606378"/>
+            <a:ext cx="4464908" cy="1822622"/>
+          </a:xfrm>
+          <a:prstGeom prst="roundRect">
+            <a:avLst/>
+          </a:prstGeom>
+          <a:noFill/>
+          <a:ln w="9525" cap="flat" cmpd="sng" algn="ctr">
+            <a:solidFill>
+              <a:schemeClr val="accent3"/>
+            </a:solidFill>
+            <a:prstDash val="sysDot"/>
+            <a:round/>
+            <a:headEnd type="none" w="med" len="med"/>
+            <a:tailEnd type="none" w="med" len="med"/>
+          </a:ln>
+        </p:spPr>
+        <p:style>
+          <a:lnRef idx="0">
+            <a:scrgbClr r="0" g="0" b="0"/>
+          </a:lnRef>
+          <a:fillRef idx="0">
+            <a:scrgbClr r="0" g="0" b="0"/>
+          </a:fillRef>
+          <a:effectRef idx="0">
+            <a:scrgbClr r="0" g="0" b="0"/>
+          </a:effectRef>
+          <a:fontRef idx="minor">
+            <a:schemeClr val="accent3"/>
+          </a:fontRef>
+        </p:style>
+        <p:txBody>
+          <a:bodyPr rtlCol="0" anchor="ctr"/>
+          <a:lstStyle/>
+          <a:p>
+            <a:pPr algn="ctr"/>
+            <a:endParaRPr lang="en-US"/>
+          </a:p>
+        </p:txBody>
+      </p:sp>
+      <p:sp>
+        <p:nvSpPr>
+          <p:cNvPr id="14" name="TextBox 13">
+            <a:extLst>
+              <a:ext uri="{FF2B5EF4-FFF2-40B4-BE49-F238E27FC236}">
+                <a16:creationId xmlns:a16="http://schemas.microsoft.com/office/drawing/2014/main" id="{8015D1C3-70F3-44A7-A3F1-60D0005DFDAF}"/>
+              </a:ext>
+            </a:extLst>
+          </p:cNvPr>
+          <p:cNvSpPr txBox="1"/>
+          <p:nvPr/>
+        </p:nvSpPr>
+        <p:spPr>
+          <a:xfrm>
+            <a:off x="2878240" y="1204780"/>
+            <a:ext cx="1632857" cy="369332"/>
+          </a:xfrm>
+          <a:prstGeom prst="rect">
+            <a:avLst/>
+          </a:prstGeom>
+          <a:noFill/>
+        </p:spPr>
+        <p:txBody>
+          <a:bodyPr wrap="square" rtlCol="0">
+            <a:spAutoFit/>
+          </a:bodyPr>
+          <a:lstStyle/>
+          <a:p>
+            <a:pPr algn="ctr"/>
+            <a:r>
+              <a:rPr lang="en-US" dirty="0"/>
+              <a:t>Problem</a:t>
+            </a:r>
+          </a:p>
+        </p:txBody>
+      </p:sp>
+      <p:sp>
+        <p:nvSpPr>
+          <p:cNvPr id="16" name="TextBox 15">
+            <a:extLst>
+              <a:ext uri="{FF2B5EF4-FFF2-40B4-BE49-F238E27FC236}">
+                <a16:creationId xmlns:a16="http://schemas.microsoft.com/office/drawing/2014/main" id="{586F1D87-E33E-436D-A583-498EF2F29A84}"/>
+              </a:ext>
+            </a:extLst>
+          </p:cNvPr>
+          <p:cNvSpPr txBox="1"/>
+          <p:nvPr/>
+        </p:nvSpPr>
+        <p:spPr>
+          <a:xfrm>
+            <a:off x="6728547" y="1204780"/>
+            <a:ext cx="1632857" cy="369332"/>
+          </a:xfrm>
+          <a:prstGeom prst="rect">
+            <a:avLst/>
+          </a:prstGeom>
+          <a:noFill/>
+        </p:spPr>
+        <p:txBody>
+          <a:bodyPr wrap="square" rtlCol="0">
+            <a:spAutoFit/>
+          </a:bodyPr>
+          <a:lstStyle/>
+          <a:p>
+            <a:pPr algn="ctr"/>
+            <a:r>
+              <a:rPr lang="en-US" dirty="0"/>
+              <a:t>Solution</a:t>
+            </a:r>
+          </a:p>
+        </p:txBody>
+      </p:sp>
+      <p:cxnSp>
+        <p:nvCxnSpPr>
+          <p:cNvPr id="19" name="Straight Arrow Connector 18">
+            <a:extLst>
+              <a:ext uri="{FF2B5EF4-FFF2-40B4-BE49-F238E27FC236}">
+                <a16:creationId xmlns:a16="http://schemas.microsoft.com/office/drawing/2014/main" id="{56A00EC6-5F4E-469F-9D56-C4AD0130C387}"/>
+              </a:ext>
+            </a:extLst>
+          </p:cNvPr>
+          <p:cNvCxnSpPr>
+            <a:stCxn id="2" idx="6"/>
+            <a:endCxn id="4" idx="2"/>
+          </p:cNvCxnSpPr>
+          <p:nvPr/>
+        </p:nvCxnSpPr>
+        <p:spPr>
+          <a:xfrm>
+            <a:off x="3534032" y="2483708"/>
+            <a:ext cx="304800" cy="0"/>
+          </a:xfrm>
+          <a:prstGeom prst="straightConnector1">
+            <a:avLst/>
+          </a:prstGeom>
+          <a:ln>
+            <a:tailEnd type="triangle"/>
+          </a:ln>
+        </p:spPr>
+        <p:style>
+          <a:lnRef idx="1">
+            <a:schemeClr val="accent3"/>
+          </a:lnRef>
+          <a:fillRef idx="0">
+            <a:schemeClr val="accent3"/>
+          </a:fillRef>
+          <a:effectRef idx="0">
+            <a:schemeClr val="accent3"/>
+          </a:effectRef>
+          <a:fontRef idx="minor">
+            <a:schemeClr val="tx1"/>
+          </a:fontRef>
+        </p:style>
+      </p:cxnSp>
+      <p:cxnSp>
+        <p:nvCxnSpPr>
+          <p:cNvPr id="21" name="Straight Arrow Connector 20">
+            <a:extLst>
+              <a:ext uri="{FF2B5EF4-FFF2-40B4-BE49-F238E27FC236}">
+                <a16:creationId xmlns:a16="http://schemas.microsoft.com/office/drawing/2014/main" id="{DA04697B-6B53-46BE-AA40-EF7F7F80063A}"/>
+              </a:ext>
+            </a:extLst>
+          </p:cNvPr>
+          <p:cNvCxnSpPr>
+            <a:stCxn id="4" idx="6"/>
+            <a:endCxn id="6" idx="2"/>
+          </p:cNvCxnSpPr>
+          <p:nvPr/>
+        </p:nvCxnSpPr>
+        <p:spPr>
+          <a:xfrm>
+            <a:off x="5041556" y="2483708"/>
+            <a:ext cx="304800" cy="0"/>
+          </a:xfrm>
+          <a:prstGeom prst="straightConnector1">
+            <a:avLst/>
+          </a:prstGeom>
+          <a:ln>
+            <a:tailEnd type="triangle"/>
+          </a:ln>
+        </p:spPr>
+        <p:style>
+          <a:lnRef idx="1">
+            <a:schemeClr val="accent3"/>
+          </a:lnRef>
+          <a:fillRef idx="0">
+            <a:schemeClr val="accent3"/>
+          </a:fillRef>
+          <a:effectRef idx="0">
+            <a:schemeClr val="accent3"/>
+          </a:effectRef>
+          <a:fontRef idx="minor">
+            <a:schemeClr val="tx1"/>
+          </a:fontRef>
+        </p:style>
+      </p:cxnSp>
+      <p:cxnSp>
+        <p:nvCxnSpPr>
+          <p:cNvPr id="23" name="Straight Arrow Connector 22">
+            <a:extLst>
+              <a:ext uri="{FF2B5EF4-FFF2-40B4-BE49-F238E27FC236}">
+                <a16:creationId xmlns:a16="http://schemas.microsoft.com/office/drawing/2014/main" id="{B3DF4039-9FBF-439A-93AD-8AFBA7EF39B1}"/>
+              </a:ext>
+            </a:extLst>
+          </p:cNvPr>
+          <p:cNvCxnSpPr>
+            <a:cxnSpLocks/>
+            <a:stCxn id="6" idx="6"/>
+            <a:endCxn id="8" idx="2"/>
+          </p:cNvCxnSpPr>
+          <p:nvPr/>
+        </p:nvCxnSpPr>
+        <p:spPr>
+          <a:xfrm>
+            <a:off x="6549080" y="2483708"/>
+            <a:ext cx="304800" cy="0"/>
+          </a:xfrm>
+          <a:prstGeom prst="straightConnector1">
+            <a:avLst/>
+          </a:prstGeom>
+          <a:ln>
+            <a:tailEnd type="triangle"/>
+          </a:ln>
+        </p:spPr>
+        <p:style>
+          <a:lnRef idx="1">
+            <a:schemeClr val="accent3"/>
+          </a:lnRef>
+          <a:fillRef idx="0">
+            <a:schemeClr val="accent3"/>
+          </a:fillRef>
+          <a:effectRef idx="0">
+            <a:schemeClr val="accent3"/>
+          </a:effectRef>
+          <a:fontRef idx="minor">
+            <a:schemeClr val="tx1"/>
+          </a:fontRef>
+        </p:style>
+      </p:cxnSp>
+      <p:cxnSp>
+        <p:nvCxnSpPr>
+          <p:cNvPr id="26" name="Straight Arrow Connector 25">
+            <a:extLst>
+              <a:ext uri="{FF2B5EF4-FFF2-40B4-BE49-F238E27FC236}">
+                <a16:creationId xmlns:a16="http://schemas.microsoft.com/office/drawing/2014/main" id="{AD75C747-07FF-4068-B22D-A8C8B13C23C7}"/>
+              </a:ext>
+            </a:extLst>
+          </p:cNvPr>
+          <p:cNvCxnSpPr>
+            <a:stCxn id="8" idx="6"/>
+            <a:endCxn id="10" idx="2"/>
+          </p:cNvCxnSpPr>
+          <p:nvPr/>
+        </p:nvCxnSpPr>
+        <p:spPr>
+          <a:xfrm>
+            <a:off x="8056604" y="2483708"/>
+            <a:ext cx="304800" cy="0"/>
+          </a:xfrm>
+          <a:prstGeom prst="straightConnector1">
+            <a:avLst/>
+          </a:prstGeom>
+          <a:ln>
+            <a:tailEnd type="triangle"/>
+          </a:ln>
+        </p:spPr>
+        <p:style>
+          <a:lnRef idx="1">
+            <a:schemeClr val="accent3"/>
+          </a:lnRef>
+          <a:fillRef idx="0">
+            <a:schemeClr val="accent3"/>
+          </a:fillRef>
+          <a:effectRef idx="0">
+            <a:schemeClr val="accent3"/>
+          </a:effectRef>
+          <a:fontRef idx="minor">
+            <a:schemeClr val="tx1"/>
+          </a:fontRef>
+        </p:style>
+      </p:cxnSp>
+      <p:cxnSp>
+        <p:nvCxnSpPr>
+          <p:cNvPr id="29" name="Connector: Curved 28">
+            <a:extLst>
+              <a:ext uri="{FF2B5EF4-FFF2-40B4-BE49-F238E27FC236}">
+                <a16:creationId xmlns:a16="http://schemas.microsoft.com/office/drawing/2014/main" id="{075A2606-FEF0-42E0-86E9-AA5919F42628}"/>
+              </a:ext>
+            </a:extLst>
+          </p:cNvPr>
+          <p:cNvCxnSpPr>
+            <a:stCxn id="10" idx="4"/>
+            <a:endCxn id="4" idx="4"/>
+          </p:cNvCxnSpPr>
+          <p:nvPr/>
+        </p:nvCxnSpPr>
+        <p:spPr>
+          <a:xfrm rot="5400000">
+            <a:off x="6701480" y="794952"/>
+            <a:ext cx="12700" cy="4522572"/>
+          </a:xfrm>
+          <a:prstGeom prst="curvedConnector3">
+            <a:avLst>
+              <a:gd name="adj1" fmla="val 10763260"/>
+            </a:avLst>
+          </a:prstGeom>
+          <a:ln>
+            <a:prstDash val="dash"/>
+            <a:tailEnd type="triangle"/>
+          </a:ln>
+        </p:spPr>
+        <p:style>
+          <a:lnRef idx="1">
+            <a:schemeClr val="accent3"/>
+          </a:lnRef>
+          <a:fillRef idx="0">
+            <a:schemeClr val="accent3"/>
+          </a:fillRef>
+          <a:effectRef idx="0">
+            <a:schemeClr val="accent3"/>
+          </a:effectRef>
+          <a:fontRef idx="minor">
+            <a:schemeClr val="tx1"/>
+          </a:fontRef>
+        </p:style>
+      </p:cxnSp>
+      <p:cxnSp>
+        <p:nvCxnSpPr>
+          <p:cNvPr id="33" name="Connector: Curved 32">
+            <a:extLst>
+              <a:ext uri="{FF2B5EF4-FFF2-40B4-BE49-F238E27FC236}">
+                <a16:creationId xmlns:a16="http://schemas.microsoft.com/office/drawing/2014/main" id="{019F4D61-0325-4679-BE7F-293847FC99CF}"/>
+              </a:ext>
+            </a:extLst>
+          </p:cNvPr>
+          <p:cNvCxnSpPr>
+            <a:stCxn id="10" idx="0"/>
+            <a:endCxn id="6" idx="0"/>
+          </p:cNvCxnSpPr>
+          <p:nvPr/>
+        </p:nvCxnSpPr>
+        <p:spPr>
+          <a:xfrm rot="16200000" flipV="1">
+            <a:off x="7455242" y="403654"/>
+            <a:ext cx="12700" cy="3015048"/>
+          </a:xfrm>
+          <a:prstGeom prst="curvedConnector3">
+            <a:avLst>
+              <a:gd name="adj1" fmla="val 7383677"/>
+            </a:avLst>
+          </a:prstGeom>
+          <a:ln>
+            <a:prstDash val="dash"/>
+            <a:tailEnd type="triangle"/>
+          </a:ln>
+        </p:spPr>
+        <p:style>
+          <a:lnRef idx="1">
+            <a:schemeClr val="accent3"/>
+          </a:lnRef>
+          <a:fillRef idx="0">
+            <a:schemeClr val="accent3"/>
+          </a:fillRef>
+          <a:effectRef idx="0">
+            <a:schemeClr val="accent3"/>
+          </a:effectRef>
+          <a:fontRef idx="minor">
+            <a:schemeClr val="tx1"/>
+          </a:fontRef>
+        </p:style>
+      </p:cxnSp>
+      <p:cxnSp>
+        <p:nvCxnSpPr>
+          <p:cNvPr id="36" name="Connector: Curved 35">
+            <a:extLst>
+              <a:ext uri="{FF2B5EF4-FFF2-40B4-BE49-F238E27FC236}">
+                <a16:creationId xmlns:a16="http://schemas.microsoft.com/office/drawing/2014/main" id="{BC28F053-9D8C-4F76-B3A8-9D42268E415F}"/>
+              </a:ext>
+            </a:extLst>
+          </p:cNvPr>
+          <p:cNvCxnSpPr>
+            <a:stCxn id="8" idx="4"/>
+            <a:endCxn id="6" idx="4"/>
+          </p:cNvCxnSpPr>
+          <p:nvPr/>
+        </p:nvCxnSpPr>
+        <p:spPr>
+          <a:xfrm rot="5400000">
+            <a:off x="6701480" y="2302476"/>
+            <a:ext cx="12700" cy="1507524"/>
+          </a:xfrm>
+          <a:prstGeom prst="curvedConnector3">
+            <a:avLst>
+              <a:gd name="adj1" fmla="val 5106126"/>
+            </a:avLst>
+          </a:prstGeom>
+          <a:ln>
+            <a:prstDash val="dash"/>
+            <a:tailEnd type="triangle"/>
+          </a:ln>
+        </p:spPr>
+        <p:style>
+          <a:lnRef idx="1">
+            <a:schemeClr val="accent3"/>
+          </a:lnRef>
+          <a:fillRef idx="0">
+            <a:schemeClr val="accent3"/>
+          </a:fillRef>
+          <a:effectRef idx="0">
+            <a:schemeClr val="accent3"/>
+          </a:effectRef>
+          <a:fontRef idx="minor">
+            <a:schemeClr val="tx1"/>
+          </a:fontRef>
+        </p:style>
+      </p:cxnSp>
+      <p:cxnSp>
+        <p:nvCxnSpPr>
+          <p:cNvPr id="39" name="Connector: Curved 38">
+            <a:extLst>
+              <a:ext uri="{FF2B5EF4-FFF2-40B4-BE49-F238E27FC236}">
+                <a16:creationId xmlns:a16="http://schemas.microsoft.com/office/drawing/2014/main" id="{4A90CBB6-E993-4F1A-AA3F-D153446F3C80}"/>
+              </a:ext>
+            </a:extLst>
+          </p:cNvPr>
+          <p:cNvCxnSpPr>
+            <a:stCxn id="10" idx="0"/>
+            <a:endCxn id="2" idx="0"/>
+          </p:cNvCxnSpPr>
+          <p:nvPr/>
+        </p:nvCxnSpPr>
+        <p:spPr>
+          <a:xfrm rot="16200000" flipV="1">
+            <a:off x="5947718" y="-1103870"/>
+            <a:ext cx="12700" cy="6030096"/>
+          </a:xfrm>
+          <a:prstGeom prst="curvedConnector3">
+            <a:avLst>
+              <a:gd name="adj1" fmla="val 11718370"/>
+            </a:avLst>
+          </a:prstGeom>
+          <a:ln>
+            <a:prstDash val="dash"/>
+            <a:tailEnd type="triangle"/>
+          </a:ln>
+        </p:spPr>
+        <p:style>
+          <a:lnRef idx="1">
+            <a:schemeClr val="accent3"/>
+          </a:lnRef>
+          <a:fillRef idx="0">
+            <a:schemeClr val="accent3"/>
+          </a:fillRef>
+          <a:effectRef idx="0">
+            <a:schemeClr val="accent3"/>
+          </a:effectRef>
+          <a:fontRef idx="minor">
+            <a:schemeClr val="tx1"/>
+          </a:fontRef>
+        </p:style>
+      </p:cxnSp>
+      <p:cxnSp>
+        <p:nvCxnSpPr>
+          <p:cNvPr id="42" name="Connector: Curved 41">
+            <a:extLst>
+              <a:ext uri="{FF2B5EF4-FFF2-40B4-BE49-F238E27FC236}">
+                <a16:creationId xmlns:a16="http://schemas.microsoft.com/office/drawing/2014/main" id="{B0DFEFEC-222C-4820-89A5-F6A8D3E6D139}"/>
+              </a:ext>
+            </a:extLst>
+          </p:cNvPr>
+          <p:cNvCxnSpPr>
+            <a:stCxn id="2" idx="0"/>
+            <a:endCxn id="4" idx="0"/>
+          </p:cNvCxnSpPr>
+          <p:nvPr/>
+        </p:nvCxnSpPr>
+        <p:spPr>
+          <a:xfrm rot="5400000" flipH="1" flipV="1">
+            <a:off x="3686432" y="1157416"/>
+            <a:ext cx="12700" cy="1507524"/>
+          </a:xfrm>
+          <a:prstGeom prst="curvedConnector3">
+            <a:avLst>
+              <a:gd name="adj1" fmla="val 2755102"/>
+            </a:avLst>
+          </a:prstGeom>
+          <a:ln>
+            <a:prstDash val="dash"/>
+            <a:tailEnd type="triangle"/>
+          </a:ln>
+        </p:spPr>
+        <p:style>
+          <a:lnRef idx="1">
+            <a:schemeClr val="accent3"/>
+          </a:lnRef>
+          <a:fillRef idx="0">
+            <a:schemeClr val="accent3"/>
+          </a:fillRef>
+          <a:effectRef idx="0">
+            <a:schemeClr val="accent3"/>
+          </a:effectRef>
+          <a:fontRef idx="minor">
+            <a:schemeClr val="tx1"/>
+          </a:fontRef>
+        </p:style>
+      </p:cxnSp>
+    </p:spTree>
+    <p:extLst>
+      <p:ext uri="{BB962C8B-B14F-4D97-AF65-F5344CB8AC3E}">
+        <p14:creationId xmlns:p14="http://schemas.microsoft.com/office/powerpoint/2010/main" val="3301631486"/>
       </p:ext>
     </p:extLst>
   </p:cSld>

--- a/assets/Sprint Cadence Diagrams.pptx
+++ b/assets/Sprint Cadence Diagrams.pptx
@@ -212,7 +212,7 @@
           <a:p>
             <a:fld id="{B5279A88-7D4A-43F4-AAE1-4398E4F7AFF7}" type="datetimeFigureOut">
               <a:rPr lang="en-US" smtClean="0"/>
-              <a:t>9/14/2020</a:t>
+              <a:t>9/15/2020</a:t>
             </a:fld>
             <a:endParaRPr lang="en-US"/>
           </a:p>
@@ -626,7 +626,7 @@
           <a:p>
             <a:fld id="{0C3A9CC2-761E-433C-A323-6D1ABF677EB6}" type="datetimeFigureOut">
               <a:rPr lang="en-US" smtClean="0"/>
-              <a:t>9/14/2020</a:t>
+              <a:t>9/15/2020</a:t>
             </a:fld>
             <a:endParaRPr lang="en-US"/>
           </a:p>
@@ -824,7 +824,7 @@
           <a:p>
             <a:fld id="{0C3A9CC2-761E-433C-A323-6D1ABF677EB6}" type="datetimeFigureOut">
               <a:rPr lang="en-US" smtClean="0"/>
-              <a:t>9/14/2020</a:t>
+              <a:t>9/15/2020</a:t>
             </a:fld>
             <a:endParaRPr lang="en-US"/>
           </a:p>
@@ -1032,7 +1032,7 @@
           <a:p>
             <a:fld id="{0C3A9CC2-761E-433C-A323-6D1ABF677EB6}" type="datetimeFigureOut">
               <a:rPr lang="en-US" smtClean="0"/>
-              <a:t>9/14/2020</a:t>
+              <a:t>9/15/2020</a:t>
             </a:fld>
             <a:endParaRPr lang="en-US"/>
           </a:p>
@@ -1230,7 +1230,7 @@
           <a:p>
             <a:fld id="{0C3A9CC2-761E-433C-A323-6D1ABF677EB6}" type="datetimeFigureOut">
               <a:rPr lang="en-US" smtClean="0"/>
-              <a:t>9/14/2020</a:t>
+              <a:t>9/15/2020</a:t>
             </a:fld>
             <a:endParaRPr lang="en-US"/>
           </a:p>
@@ -1505,7 +1505,7 @@
           <a:p>
             <a:fld id="{0C3A9CC2-761E-433C-A323-6D1ABF677EB6}" type="datetimeFigureOut">
               <a:rPr lang="en-US" smtClean="0"/>
-              <a:t>9/14/2020</a:t>
+              <a:t>9/15/2020</a:t>
             </a:fld>
             <a:endParaRPr lang="en-US"/>
           </a:p>
@@ -1770,7 +1770,7 @@
           <a:p>
             <a:fld id="{0C3A9CC2-761E-433C-A323-6D1ABF677EB6}" type="datetimeFigureOut">
               <a:rPr lang="en-US" smtClean="0"/>
-              <a:t>9/14/2020</a:t>
+              <a:t>9/15/2020</a:t>
             </a:fld>
             <a:endParaRPr lang="en-US"/>
           </a:p>
@@ -2182,7 +2182,7 @@
           <a:p>
             <a:fld id="{0C3A9CC2-761E-433C-A323-6D1ABF677EB6}" type="datetimeFigureOut">
               <a:rPr lang="en-US" smtClean="0"/>
-              <a:t>9/14/2020</a:t>
+              <a:t>9/15/2020</a:t>
             </a:fld>
             <a:endParaRPr lang="en-US"/>
           </a:p>
@@ -2323,7 +2323,7 @@
           <a:p>
             <a:fld id="{0C3A9CC2-761E-433C-A323-6D1ABF677EB6}" type="datetimeFigureOut">
               <a:rPr lang="en-US" smtClean="0"/>
-              <a:t>9/14/2020</a:t>
+              <a:t>9/15/2020</a:t>
             </a:fld>
             <a:endParaRPr lang="en-US"/>
           </a:p>
@@ -2436,7 +2436,7 @@
           <a:p>
             <a:fld id="{0C3A9CC2-761E-433C-A323-6D1ABF677EB6}" type="datetimeFigureOut">
               <a:rPr lang="en-US" smtClean="0"/>
-              <a:t>9/14/2020</a:t>
+              <a:t>9/15/2020</a:t>
             </a:fld>
             <a:endParaRPr lang="en-US"/>
           </a:p>
@@ -2747,7 +2747,7 @@
           <a:p>
             <a:fld id="{0C3A9CC2-761E-433C-A323-6D1ABF677EB6}" type="datetimeFigureOut">
               <a:rPr lang="en-US" smtClean="0"/>
-              <a:t>9/14/2020</a:t>
+              <a:t>9/15/2020</a:t>
             </a:fld>
             <a:endParaRPr lang="en-US"/>
           </a:p>
@@ -3035,7 +3035,7 @@
           <a:p>
             <a:fld id="{0C3A9CC2-761E-433C-A323-6D1ABF677EB6}" type="datetimeFigureOut">
               <a:rPr lang="en-US" smtClean="0"/>
-              <a:t>9/14/2020</a:t>
+              <a:t>9/15/2020</a:t>
             </a:fld>
             <a:endParaRPr lang="en-US"/>
           </a:p>
@@ -3276,7 +3276,7 @@
           <a:p>
             <a:fld id="{0C3A9CC2-761E-433C-A323-6D1ABF677EB6}" type="datetimeFigureOut">
               <a:rPr lang="en-US" smtClean="0"/>
-              <a:t>9/14/2020</a:t>
+              <a:t>9/15/2020</a:t>
             </a:fld>
             <a:endParaRPr lang="en-US"/>
           </a:p>
@@ -28646,21 +28646,29 @@
           <a:prstGeom prst="ellipse">
             <a:avLst/>
           </a:prstGeom>
+          <a:noFill/>
+          <a:ln w="9525" cap="flat" cmpd="sng" algn="ctr">
+            <a:solidFill>
+              <a:schemeClr val="accent1"/>
+            </a:solidFill>
+            <a:prstDash val="solid"/>
+            <a:round/>
+            <a:headEnd type="none" w="med" len="med"/>
+            <a:tailEnd type="none" w="med" len="med"/>
+          </a:ln>
         </p:spPr>
         <p:style>
-          <a:lnRef idx="2">
-            <a:schemeClr val="accent1">
-              <a:shade val="50000"/>
-            </a:schemeClr>
+          <a:lnRef idx="0">
+            <a:scrgbClr r="0" g="0" b="0"/>
           </a:lnRef>
-          <a:fillRef idx="1">
-            <a:schemeClr val="accent1"/>
+          <a:fillRef idx="0">
+            <a:scrgbClr r="0" g="0" b="0"/>
           </a:fillRef>
           <a:effectRef idx="0">
-            <a:schemeClr val="accent1"/>
+            <a:scrgbClr r="0" g="0" b="0"/>
           </a:effectRef>
           <a:fontRef idx="minor">
-            <a:schemeClr val="lt1"/>
+            <a:schemeClr val="accent1"/>
           </a:fontRef>
         </p:style>
         <p:txBody>
@@ -28668,10 +28676,7 @@
           <a:lstStyle/>
           <a:p>
             <a:pPr algn="ctr"/>
-            <a:r>
-              <a:rPr lang="en-US" sz="1200" dirty="0"/>
-              <a:t>Empathize</a:t>
-            </a:r>
+            <a:endParaRPr lang="en-US" sz="1200" dirty="0"/>
           </a:p>
         </p:txBody>
       </p:sp>
@@ -28695,21 +28700,29 @@
           <a:prstGeom prst="ellipse">
             <a:avLst/>
           </a:prstGeom>
+          <a:noFill/>
+          <a:ln w="9525" cap="flat" cmpd="sng" algn="ctr">
+            <a:solidFill>
+              <a:schemeClr val="accent1"/>
+            </a:solidFill>
+            <a:prstDash val="solid"/>
+            <a:round/>
+            <a:headEnd type="none" w="med" len="med"/>
+            <a:tailEnd type="none" w="med" len="med"/>
+          </a:ln>
         </p:spPr>
         <p:style>
-          <a:lnRef idx="2">
-            <a:schemeClr val="accent1">
-              <a:shade val="50000"/>
-            </a:schemeClr>
+          <a:lnRef idx="0">
+            <a:scrgbClr r="0" g="0" b="0"/>
           </a:lnRef>
-          <a:fillRef idx="1">
-            <a:schemeClr val="accent1"/>
+          <a:fillRef idx="0">
+            <a:scrgbClr r="0" g="0" b="0"/>
           </a:fillRef>
           <a:effectRef idx="0">
-            <a:schemeClr val="accent1"/>
+            <a:scrgbClr r="0" g="0" b="0"/>
           </a:effectRef>
           <a:fontRef idx="minor">
-            <a:schemeClr val="lt1"/>
+            <a:schemeClr val="accent1"/>
           </a:fontRef>
         </p:style>
         <p:txBody>
@@ -28717,10 +28730,7 @@
           <a:lstStyle/>
           <a:p>
             <a:pPr algn="ctr"/>
-            <a:r>
-              <a:rPr lang="en-US" sz="1200" dirty="0"/>
-              <a:t>Define</a:t>
-            </a:r>
+            <a:endParaRPr lang="en-US" sz="1200" dirty="0"/>
           </a:p>
         </p:txBody>
       </p:sp>
@@ -28744,21 +28754,29 @@
           <a:prstGeom prst="ellipse">
             <a:avLst/>
           </a:prstGeom>
+          <a:noFill/>
+          <a:ln w="9525" cap="flat" cmpd="sng" algn="ctr">
+            <a:solidFill>
+              <a:schemeClr val="accent1"/>
+            </a:solidFill>
+            <a:prstDash val="solid"/>
+            <a:round/>
+            <a:headEnd type="none" w="med" len="med"/>
+            <a:tailEnd type="none" w="med" len="med"/>
+          </a:ln>
         </p:spPr>
         <p:style>
-          <a:lnRef idx="2">
-            <a:schemeClr val="accent1">
-              <a:shade val="50000"/>
-            </a:schemeClr>
+          <a:lnRef idx="0">
+            <a:scrgbClr r="0" g="0" b="0"/>
           </a:lnRef>
-          <a:fillRef idx="1">
-            <a:schemeClr val="accent1"/>
+          <a:fillRef idx="0">
+            <a:scrgbClr r="0" g="0" b="0"/>
           </a:fillRef>
           <a:effectRef idx="0">
-            <a:schemeClr val="accent1"/>
+            <a:scrgbClr r="0" g="0" b="0"/>
           </a:effectRef>
           <a:fontRef idx="minor">
-            <a:schemeClr val="lt1"/>
+            <a:schemeClr val="accent1"/>
           </a:fontRef>
         </p:style>
         <p:txBody>
@@ -28766,10 +28784,7 @@
           <a:lstStyle/>
           <a:p>
             <a:pPr algn="ctr"/>
-            <a:r>
-              <a:rPr lang="en-US" sz="1200" dirty="0"/>
-              <a:t>Ideate</a:t>
-            </a:r>
+            <a:endParaRPr lang="en-US" sz="1200" dirty="0"/>
           </a:p>
         </p:txBody>
       </p:sp>
@@ -28793,21 +28808,29 @@
           <a:prstGeom prst="ellipse">
             <a:avLst/>
           </a:prstGeom>
+          <a:noFill/>
+          <a:ln w="9525" cap="flat" cmpd="sng" algn="ctr">
+            <a:solidFill>
+              <a:schemeClr val="accent1"/>
+            </a:solidFill>
+            <a:prstDash val="solid"/>
+            <a:round/>
+            <a:headEnd type="none" w="med" len="med"/>
+            <a:tailEnd type="none" w="med" len="med"/>
+          </a:ln>
         </p:spPr>
         <p:style>
-          <a:lnRef idx="2">
-            <a:schemeClr val="accent1">
-              <a:shade val="50000"/>
-            </a:schemeClr>
+          <a:lnRef idx="0">
+            <a:scrgbClr r="0" g="0" b="0"/>
           </a:lnRef>
-          <a:fillRef idx="1">
-            <a:schemeClr val="accent1"/>
+          <a:fillRef idx="0">
+            <a:scrgbClr r="0" g="0" b="0"/>
           </a:fillRef>
           <a:effectRef idx="0">
-            <a:schemeClr val="accent1"/>
+            <a:scrgbClr r="0" g="0" b="0"/>
           </a:effectRef>
           <a:fontRef idx="minor">
-            <a:schemeClr val="lt1"/>
+            <a:schemeClr val="accent1"/>
           </a:fontRef>
         </p:style>
         <p:txBody>
@@ -28815,10 +28838,7 @@
           <a:lstStyle/>
           <a:p>
             <a:pPr algn="ctr"/>
-            <a:r>
-              <a:rPr lang="en-US" sz="1200" dirty="0"/>
-              <a:t>Prototype</a:t>
-            </a:r>
+            <a:endParaRPr lang="en-US" sz="1200" dirty="0"/>
           </a:p>
         </p:txBody>
       </p:sp>
@@ -28842,21 +28862,29 @@
           <a:prstGeom prst="ellipse">
             <a:avLst/>
           </a:prstGeom>
+          <a:noFill/>
+          <a:ln w="9525" cap="flat" cmpd="sng" algn="ctr">
+            <a:solidFill>
+              <a:schemeClr val="accent1"/>
+            </a:solidFill>
+            <a:prstDash val="solid"/>
+            <a:round/>
+            <a:headEnd type="none" w="med" len="med"/>
+            <a:tailEnd type="none" w="med" len="med"/>
+          </a:ln>
         </p:spPr>
         <p:style>
-          <a:lnRef idx="2">
-            <a:schemeClr val="accent1">
-              <a:shade val="50000"/>
-            </a:schemeClr>
+          <a:lnRef idx="0">
+            <a:scrgbClr r="0" g="0" b="0"/>
           </a:lnRef>
-          <a:fillRef idx="1">
-            <a:schemeClr val="accent1"/>
+          <a:fillRef idx="0">
+            <a:scrgbClr r="0" g="0" b="0"/>
           </a:fillRef>
           <a:effectRef idx="0">
-            <a:schemeClr val="accent1"/>
+            <a:scrgbClr r="0" g="0" b="0"/>
           </a:effectRef>
           <a:fontRef idx="minor">
-            <a:schemeClr val="lt1"/>
+            <a:schemeClr val="accent1"/>
           </a:fontRef>
         </p:style>
         <p:txBody>
@@ -28864,10 +28892,7 @@
           <a:lstStyle/>
           <a:p>
             <a:pPr algn="ctr"/>
-            <a:r>
-              <a:rPr lang="en-US" sz="1200" dirty="0"/>
-              <a:t>Test</a:t>
-            </a:r>
+            <a:endParaRPr lang="en-US" sz="1200" dirty="0"/>
           </a:p>
         </p:txBody>
       </p:sp>
@@ -29445,6 +29470,6782 @@
           </a:fontRef>
         </p:style>
       </p:cxnSp>
+      <p:grpSp>
+        <p:nvGrpSpPr>
+          <p:cNvPr id="20" name="Group 42">
+            <a:extLst>
+              <a:ext uri="{FF2B5EF4-FFF2-40B4-BE49-F238E27FC236}">
+                <a16:creationId xmlns:a16="http://schemas.microsoft.com/office/drawing/2014/main" id="{5CD21F26-39C7-4A53-8946-F5FD6150A2DD}"/>
+              </a:ext>
+            </a:extLst>
+          </p:cNvPr>
+          <p:cNvGrpSpPr>
+            <a:grpSpLocks noChangeAspect="1"/>
+          </p:cNvGrpSpPr>
+          <p:nvPr/>
+        </p:nvGrpSpPr>
+        <p:grpSpPr bwMode="auto">
+          <a:xfrm>
+            <a:off x="2664458" y="2258691"/>
+            <a:ext cx="549124" cy="517996"/>
+            <a:chOff x="3617" y="670"/>
+            <a:chExt cx="441" cy="416"/>
+          </a:xfrm>
+          <a:solidFill>
+            <a:schemeClr val="tx2"/>
+          </a:solidFill>
+        </p:grpSpPr>
+        <p:sp>
+          <p:nvSpPr>
+            <p:cNvPr id="22" name="Freeform 43">
+              <a:extLst>
+                <a:ext uri="{FF2B5EF4-FFF2-40B4-BE49-F238E27FC236}">
+                  <a16:creationId xmlns:a16="http://schemas.microsoft.com/office/drawing/2014/main" id="{09B5B8DD-96DF-4469-93DE-CF737FC9B62D}"/>
+                </a:ext>
+              </a:extLst>
+            </p:cNvPr>
+            <p:cNvSpPr>
+              <a:spLocks/>
+            </p:cNvSpPr>
+            <p:nvPr/>
+          </p:nvSpPr>
+          <p:spPr bwMode="auto">
+            <a:xfrm>
+              <a:off x="3792" y="835"/>
+              <a:ext cx="84" cy="76"/>
+            </a:xfrm>
+            <a:custGeom>
+              <a:avLst/>
+              <a:gdLst>
+                <a:gd name="T0" fmla="*/ 51 w 55"/>
+                <a:gd name="T1" fmla="*/ 51 h 51"/>
+                <a:gd name="T2" fmla="*/ 4 w 55"/>
+                <a:gd name="T3" fmla="*/ 34 h 51"/>
+                <a:gd name="T4" fmla="*/ 0 w 55"/>
+                <a:gd name="T5" fmla="*/ 28 h 51"/>
+                <a:gd name="T6" fmla="*/ 0 w 55"/>
+                <a:gd name="T7" fmla="*/ 0 h 51"/>
+                <a:gd name="T8" fmla="*/ 12 w 55"/>
+                <a:gd name="T9" fmla="*/ 0 h 51"/>
+                <a:gd name="T10" fmla="*/ 12 w 55"/>
+                <a:gd name="T11" fmla="*/ 24 h 51"/>
+                <a:gd name="T12" fmla="*/ 55 w 55"/>
+                <a:gd name="T13" fmla="*/ 39 h 51"/>
+                <a:gd name="T14" fmla="*/ 51 w 55"/>
+                <a:gd name="T15" fmla="*/ 51 h 51"/>
+              </a:gdLst>
+              <a:ahLst/>
+              <a:cxnLst>
+                <a:cxn ang="0">
+                  <a:pos x="T0" y="T1"/>
+                </a:cxn>
+                <a:cxn ang="0">
+                  <a:pos x="T2" y="T3"/>
+                </a:cxn>
+                <a:cxn ang="0">
+                  <a:pos x="T4" y="T5"/>
+                </a:cxn>
+                <a:cxn ang="0">
+                  <a:pos x="T6" y="T7"/>
+                </a:cxn>
+                <a:cxn ang="0">
+                  <a:pos x="T8" y="T9"/>
+                </a:cxn>
+                <a:cxn ang="0">
+                  <a:pos x="T10" y="T11"/>
+                </a:cxn>
+                <a:cxn ang="0">
+                  <a:pos x="T12" y="T13"/>
+                </a:cxn>
+                <a:cxn ang="0">
+                  <a:pos x="T14" y="T15"/>
+                </a:cxn>
+              </a:cxnLst>
+              <a:rect l="0" t="0" r="r" b="b"/>
+              <a:pathLst>
+                <a:path w="55" h="51">
+                  <a:moveTo>
+                    <a:pt x="51" y="51"/>
+                  </a:moveTo>
+                  <a:cubicBezTo>
+                    <a:pt x="4" y="34"/>
+                    <a:pt x="4" y="34"/>
+                    <a:pt x="4" y="34"/>
+                  </a:cubicBezTo>
+                  <a:cubicBezTo>
+                    <a:pt x="1" y="33"/>
+                    <a:pt x="0" y="31"/>
+                    <a:pt x="0" y="28"/>
+                  </a:cubicBezTo>
+                  <a:cubicBezTo>
+                    <a:pt x="0" y="0"/>
+                    <a:pt x="0" y="0"/>
+                    <a:pt x="0" y="0"/>
+                  </a:cubicBezTo>
+                  <a:cubicBezTo>
+                    <a:pt x="12" y="0"/>
+                    <a:pt x="12" y="0"/>
+                    <a:pt x="12" y="0"/>
+                  </a:cubicBezTo>
+                  <a:cubicBezTo>
+                    <a:pt x="12" y="24"/>
+                    <a:pt x="12" y="24"/>
+                    <a:pt x="12" y="24"/>
+                  </a:cubicBezTo>
+                  <a:cubicBezTo>
+                    <a:pt x="55" y="39"/>
+                    <a:pt x="55" y="39"/>
+                    <a:pt x="55" y="39"/>
+                  </a:cubicBezTo>
+                  <a:lnTo>
+                    <a:pt x="51" y="51"/>
+                  </a:lnTo>
+                  <a:close/>
+                </a:path>
+              </a:pathLst>
+            </a:custGeom>
+            <a:grpFill/>
+            <a:ln>
+              <a:noFill/>
+            </a:ln>
+            <a:extLst>
+              <a:ext uri="{91240B29-F687-4F45-9708-019B960494DF}">
+                <a14:hiddenLine xmlns:a14="http://schemas.microsoft.com/office/drawing/2010/main" w="9525">
+                  <a:solidFill>
+                    <a:srgbClr val="000000"/>
+                  </a:solidFill>
+                  <a:round/>
+                  <a:headEnd/>
+                  <a:tailEnd/>
+                </a14:hiddenLine>
+              </a:ext>
+            </a:extLst>
+          </p:spPr>
+          <p:txBody>
+            <a:bodyPr vert="horz" wrap="square" lIns="91440" tIns="45720" rIns="91440" bIns="45720" numCol="1" anchor="t" anchorCtr="0" compatLnSpc="1">
+              <a:prstTxWarp prst="textNoShape">
+                <a:avLst/>
+              </a:prstTxWarp>
+            </a:bodyPr>
+            <a:lstStyle/>
+            <a:p>
+              <a:endParaRPr lang="en-US">
+                <a:latin typeface="+mn-lt"/>
+              </a:endParaRPr>
+            </a:p>
+          </p:txBody>
+        </p:sp>
+        <p:sp>
+          <p:nvSpPr>
+            <p:cNvPr id="24" name="Freeform 44">
+              <a:extLst>
+                <a:ext uri="{FF2B5EF4-FFF2-40B4-BE49-F238E27FC236}">
+                  <a16:creationId xmlns:a16="http://schemas.microsoft.com/office/drawing/2014/main" id="{0566717D-0676-4A1B-9F60-D96F3A8FD739}"/>
+                </a:ext>
+              </a:extLst>
+            </p:cNvPr>
+            <p:cNvSpPr>
+              <a:spLocks/>
+            </p:cNvSpPr>
+            <p:nvPr/>
+          </p:nvSpPr>
+          <p:spPr bwMode="auto">
+            <a:xfrm>
+              <a:off x="3617" y="838"/>
+              <a:ext cx="202" cy="140"/>
+            </a:xfrm>
+            <a:custGeom>
+              <a:avLst/>
+              <a:gdLst>
+                <a:gd name="T0" fmla="*/ 132 w 132"/>
+                <a:gd name="T1" fmla="*/ 94 h 94"/>
+                <a:gd name="T2" fmla="*/ 6 w 132"/>
+                <a:gd name="T3" fmla="*/ 94 h 94"/>
+                <a:gd name="T4" fmla="*/ 0 w 132"/>
+                <a:gd name="T5" fmla="*/ 88 h 94"/>
+                <a:gd name="T6" fmla="*/ 0 w 132"/>
+                <a:gd name="T7" fmla="*/ 70 h 94"/>
+                <a:gd name="T8" fmla="*/ 22 w 132"/>
+                <a:gd name="T9" fmla="*/ 37 h 94"/>
+                <a:gd name="T10" fmla="*/ 66 w 132"/>
+                <a:gd name="T11" fmla="*/ 22 h 94"/>
+                <a:gd name="T12" fmla="*/ 66 w 132"/>
+                <a:gd name="T13" fmla="*/ 0 h 94"/>
+                <a:gd name="T14" fmla="*/ 78 w 132"/>
+                <a:gd name="T15" fmla="*/ 0 h 94"/>
+                <a:gd name="T16" fmla="*/ 78 w 132"/>
+                <a:gd name="T17" fmla="*/ 26 h 94"/>
+                <a:gd name="T18" fmla="*/ 74 w 132"/>
+                <a:gd name="T19" fmla="*/ 32 h 94"/>
+                <a:gd name="T20" fmla="*/ 26 w 132"/>
+                <a:gd name="T21" fmla="*/ 49 h 94"/>
+                <a:gd name="T22" fmla="*/ 12 w 132"/>
+                <a:gd name="T23" fmla="*/ 70 h 94"/>
+                <a:gd name="T24" fmla="*/ 12 w 132"/>
+                <a:gd name="T25" fmla="*/ 82 h 94"/>
+                <a:gd name="T26" fmla="*/ 132 w 132"/>
+                <a:gd name="T27" fmla="*/ 82 h 94"/>
+                <a:gd name="T28" fmla="*/ 132 w 132"/>
+                <a:gd name="T29" fmla="*/ 94 h 94"/>
+              </a:gdLst>
+              <a:ahLst/>
+              <a:cxnLst>
+                <a:cxn ang="0">
+                  <a:pos x="T0" y="T1"/>
+                </a:cxn>
+                <a:cxn ang="0">
+                  <a:pos x="T2" y="T3"/>
+                </a:cxn>
+                <a:cxn ang="0">
+                  <a:pos x="T4" y="T5"/>
+                </a:cxn>
+                <a:cxn ang="0">
+                  <a:pos x="T6" y="T7"/>
+                </a:cxn>
+                <a:cxn ang="0">
+                  <a:pos x="T8" y="T9"/>
+                </a:cxn>
+                <a:cxn ang="0">
+                  <a:pos x="T10" y="T11"/>
+                </a:cxn>
+                <a:cxn ang="0">
+                  <a:pos x="T12" y="T13"/>
+                </a:cxn>
+                <a:cxn ang="0">
+                  <a:pos x="T14" y="T15"/>
+                </a:cxn>
+                <a:cxn ang="0">
+                  <a:pos x="T16" y="T17"/>
+                </a:cxn>
+                <a:cxn ang="0">
+                  <a:pos x="T18" y="T19"/>
+                </a:cxn>
+                <a:cxn ang="0">
+                  <a:pos x="T20" y="T21"/>
+                </a:cxn>
+                <a:cxn ang="0">
+                  <a:pos x="T22" y="T23"/>
+                </a:cxn>
+                <a:cxn ang="0">
+                  <a:pos x="T24" y="T25"/>
+                </a:cxn>
+                <a:cxn ang="0">
+                  <a:pos x="T26" y="T27"/>
+                </a:cxn>
+                <a:cxn ang="0">
+                  <a:pos x="T28" y="T29"/>
+                </a:cxn>
+              </a:cxnLst>
+              <a:rect l="0" t="0" r="r" b="b"/>
+              <a:pathLst>
+                <a:path w="132" h="94">
+                  <a:moveTo>
+                    <a:pt x="132" y="94"/>
+                  </a:moveTo>
+                  <a:cubicBezTo>
+                    <a:pt x="6" y="94"/>
+                    <a:pt x="6" y="94"/>
+                    <a:pt x="6" y="94"/>
+                  </a:cubicBezTo>
+                  <a:cubicBezTo>
+                    <a:pt x="2" y="94"/>
+                    <a:pt x="0" y="91"/>
+                    <a:pt x="0" y="88"/>
+                  </a:cubicBezTo>
+                  <a:cubicBezTo>
+                    <a:pt x="0" y="70"/>
+                    <a:pt x="0" y="70"/>
+                    <a:pt x="0" y="70"/>
+                  </a:cubicBezTo>
+                  <a:cubicBezTo>
+                    <a:pt x="0" y="55"/>
+                    <a:pt x="9" y="42"/>
+                    <a:pt x="22" y="37"/>
+                  </a:cubicBezTo>
+                  <a:cubicBezTo>
+                    <a:pt x="66" y="22"/>
+                    <a:pt x="66" y="22"/>
+                    <a:pt x="66" y="22"/>
+                  </a:cubicBezTo>
+                  <a:cubicBezTo>
+                    <a:pt x="66" y="0"/>
+                    <a:pt x="66" y="0"/>
+                    <a:pt x="66" y="0"/>
+                  </a:cubicBezTo>
+                  <a:cubicBezTo>
+                    <a:pt x="78" y="0"/>
+                    <a:pt x="78" y="0"/>
+                    <a:pt x="78" y="0"/>
+                  </a:cubicBezTo>
+                  <a:cubicBezTo>
+                    <a:pt x="78" y="26"/>
+                    <a:pt x="78" y="26"/>
+                    <a:pt x="78" y="26"/>
+                  </a:cubicBezTo>
+                  <a:cubicBezTo>
+                    <a:pt x="78" y="29"/>
+                    <a:pt x="76" y="31"/>
+                    <a:pt x="74" y="32"/>
+                  </a:cubicBezTo>
+                  <a:cubicBezTo>
+                    <a:pt x="26" y="49"/>
+                    <a:pt x="26" y="49"/>
+                    <a:pt x="26" y="49"/>
+                  </a:cubicBezTo>
+                  <a:cubicBezTo>
+                    <a:pt x="18" y="52"/>
+                    <a:pt x="12" y="60"/>
+                    <a:pt x="12" y="70"/>
+                  </a:cubicBezTo>
+                  <a:cubicBezTo>
+                    <a:pt x="12" y="82"/>
+                    <a:pt x="12" y="82"/>
+                    <a:pt x="12" y="82"/>
+                  </a:cubicBezTo>
+                  <a:cubicBezTo>
+                    <a:pt x="132" y="82"/>
+                    <a:pt x="132" y="82"/>
+                    <a:pt x="132" y="82"/>
+                  </a:cubicBezTo>
+                  <a:lnTo>
+                    <a:pt x="132" y="94"/>
+                  </a:lnTo>
+                  <a:close/>
+                </a:path>
+              </a:pathLst>
+            </a:custGeom>
+            <a:grpFill/>
+            <a:ln>
+              <a:noFill/>
+            </a:ln>
+            <a:extLst>
+              <a:ext uri="{91240B29-F687-4F45-9708-019B960494DF}">
+                <a14:hiddenLine xmlns:a14="http://schemas.microsoft.com/office/drawing/2010/main" w="9525">
+                  <a:solidFill>
+                    <a:srgbClr val="000000"/>
+                  </a:solidFill>
+                  <a:round/>
+                  <a:headEnd/>
+                  <a:tailEnd/>
+                </a14:hiddenLine>
+              </a:ext>
+            </a:extLst>
+          </p:spPr>
+          <p:txBody>
+            <a:bodyPr vert="horz" wrap="square" lIns="91440" tIns="45720" rIns="91440" bIns="45720" numCol="1" anchor="t" anchorCtr="0" compatLnSpc="1">
+              <a:prstTxWarp prst="textNoShape">
+                <a:avLst/>
+              </a:prstTxWarp>
+            </a:bodyPr>
+            <a:lstStyle/>
+            <a:p>
+              <a:endParaRPr lang="en-US">
+                <a:latin typeface="+mn-lt"/>
+              </a:endParaRPr>
+            </a:p>
+          </p:txBody>
+        </p:sp>
+        <p:sp>
+          <p:nvSpPr>
+            <p:cNvPr id="25" name="Freeform 45">
+              <a:extLst>
+                <a:ext uri="{FF2B5EF4-FFF2-40B4-BE49-F238E27FC236}">
+                  <a16:creationId xmlns:a16="http://schemas.microsoft.com/office/drawing/2014/main" id="{1B7DF1D6-7442-4612-BC99-58A451E8DB70}"/>
+                </a:ext>
+              </a:extLst>
+            </p:cNvPr>
+            <p:cNvSpPr>
+              <a:spLocks noEditPoints="1"/>
+            </p:cNvSpPr>
+            <p:nvPr/>
+          </p:nvSpPr>
+          <p:spPr bwMode="auto">
+            <a:xfrm>
+              <a:off x="3680" y="670"/>
+              <a:ext cx="164" cy="187"/>
+            </a:xfrm>
+            <a:custGeom>
+              <a:avLst/>
+              <a:gdLst>
+                <a:gd name="T0" fmla="*/ 53 w 107"/>
+                <a:gd name="T1" fmla="*/ 125 h 125"/>
+                <a:gd name="T2" fmla="*/ 0 w 107"/>
+                <a:gd name="T3" fmla="*/ 62 h 125"/>
+                <a:gd name="T4" fmla="*/ 53 w 107"/>
+                <a:gd name="T5" fmla="*/ 0 h 125"/>
+                <a:gd name="T6" fmla="*/ 107 w 107"/>
+                <a:gd name="T7" fmla="*/ 62 h 125"/>
+                <a:gd name="T8" fmla="*/ 53 w 107"/>
+                <a:gd name="T9" fmla="*/ 125 h 125"/>
+                <a:gd name="T10" fmla="*/ 53 w 107"/>
+                <a:gd name="T11" fmla="*/ 12 h 125"/>
+                <a:gd name="T12" fmla="*/ 12 w 107"/>
+                <a:gd name="T13" fmla="*/ 62 h 125"/>
+                <a:gd name="T14" fmla="*/ 53 w 107"/>
+                <a:gd name="T15" fmla="*/ 113 h 125"/>
+                <a:gd name="T16" fmla="*/ 95 w 107"/>
+                <a:gd name="T17" fmla="*/ 62 h 125"/>
+                <a:gd name="T18" fmla="*/ 53 w 107"/>
+                <a:gd name="T19" fmla="*/ 12 h 125"/>
+              </a:gdLst>
+              <a:ahLst/>
+              <a:cxnLst>
+                <a:cxn ang="0">
+                  <a:pos x="T0" y="T1"/>
+                </a:cxn>
+                <a:cxn ang="0">
+                  <a:pos x="T2" y="T3"/>
+                </a:cxn>
+                <a:cxn ang="0">
+                  <a:pos x="T4" y="T5"/>
+                </a:cxn>
+                <a:cxn ang="0">
+                  <a:pos x="T6" y="T7"/>
+                </a:cxn>
+                <a:cxn ang="0">
+                  <a:pos x="T8" y="T9"/>
+                </a:cxn>
+                <a:cxn ang="0">
+                  <a:pos x="T10" y="T11"/>
+                </a:cxn>
+                <a:cxn ang="0">
+                  <a:pos x="T12" y="T13"/>
+                </a:cxn>
+                <a:cxn ang="0">
+                  <a:pos x="T14" y="T15"/>
+                </a:cxn>
+                <a:cxn ang="0">
+                  <a:pos x="T16" y="T17"/>
+                </a:cxn>
+                <a:cxn ang="0">
+                  <a:pos x="T18" y="T19"/>
+                </a:cxn>
+              </a:cxnLst>
+              <a:rect l="0" t="0" r="r" b="b"/>
+              <a:pathLst>
+                <a:path w="107" h="125">
+                  <a:moveTo>
+                    <a:pt x="53" y="125"/>
+                  </a:moveTo>
+                  <a:cubicBezTo>
+                    <a:pt x="24" y="125"/>
+                    <a:pt x="0" y="97"/>
+                    <a:pt x="0" y="62"/>
+                  </a:cubicBezTo>
+                  <a:cubicBezTo>
+                    <a:pt x="0" y="28"/>
+                    <a:pt x="24" y="0"/>
+                    <a:pt x="53" y="0"/>
+                  </a:cubicBezTo>
+                  <a:cubicBezTo>
+                    <a:pt x="83" y="0"/>
+                    <a:pt x="107" y="28"/>
+                    <a:pt x="107" y="62"/>
+                  </a:cubicBezTo>
+                  <a:cubicBezTo>
+                    <a:pt x="107" y="97"/>
+                    <a:pt x="83" y="125"/>
+                    <a:pt x="53" y="125"/>
+                  </a:cubicBezTo>
+                  <a:close/>
+                  <a:moveTo>
+                    <a:pt x="53" y="12"/>
+                  </a:moveTo>
+                  <a:cubicBezTo>
+                    <a:pt x="31" y="12"/>
+                    <a:pt x="12" y="34"/>
+                    <a:pt x="12" y="62"/>
+                  </a:cubicBezTo>
+                  <a:cubicBezTo>
+                    <a:pt x="12" y="90"/>
+                    <a:pt x="31" y="113"/>
+                    <a:pt x="53" y="113"/>
+                  </a:cubicBezTo>
+                  <a:cubicBezTo>
+                    <a:pt x="76" y="113"/>
+                    <a:pt x="95" y="90"/>
+                    <a:pt x="95" y="62"/>
+                  </a:cubicBezTo>
+                  <a:cubicBezTo>
+                    <a:pt x="95" y="34"/>
+                    <a:pt x="76" y="12"/>
+                    <a:pt x="53" y="12"/>
+                  </a:cubicBezTo>
+                  <a:close/>
+                </a:path>
+              </a:pathLst>
+            </a:custGeom>
+            <a:grpFill/>
+            <a:ln>
+              <a:noFill/>
+            </a:ln>
+            <a:extLst>
+              <a:ext uri="{91240B29-F687-4F45-9708-019B960494DF}">
+                <a14:hiddenLine xmlns:a14="http://schemas.microsoft.com/office/drawing/2010/main" w="9525">
+                  <a:solidFill>
+                    <a:srgbClr val="000000"/>
+                  </a:solidFill>
+                  <a:round/>
+                  <a:headEnd/>
+                  <a:tailEnd/>
+                </a14:hiddenLine>
+              </a:ext>
+            </a:extLst>
+          </p:spPr>
+          <p:txBody>
+            <a:bodyPr vert="horz" wrap="square" lIns="91440" tIns="45720" rIns="91440" bIns="45720" numCol="1" anchor="t" anchorCtr="0" compatLnSpc="1">
+              <a:prstTxWarp prst="textNoShape">
+                <a:avLst/>
+              </a:prstTxWarp>
+            </a:bodyPr>
+            <a:lstStyle/>
+            <a:p>
+              <a:endParaRPr lang="en-US">
+                <a:latin typeface="+mn-lt"/>
+              </a:endParaRPr>
+            </a:p>
+          </p:txBody>
+        </p:sp>
+        <p:sp>
+          <p:nvSpPr>
+            <p:cNvPr id="27" name="Freeform 46">
+              <a:extLst>
+                <a:ext uri="{FF2B5EF4-FFF2-40B4-BE49-F238E27FC236}">
+                  <a16:creationId xmlns:a16="http://schemas.microsoft.com/office/drawing/2014/main" id="{A3D583D0-644C-4A75-AB86-F14D259DE43D}"/>
+                </a:ext>
+              </a:extLst>
+            </p:cNvPr>
+            <p:cNvSpPr>
+              <a:spLocks/>
+            </p:cNvSpPr>
+            <p:nvPr/>
+          </p:nvSpPr>
+          <p:spPr bwMode="auto">
+            <a:xfrm>
+              <a:off x="3686" y="720"/>
+              <a:ext cx="148" cy="46"/>
+            </a:xfrm>
+            <a:custGeom>
+              <a:avLst/>
+              <a:gdLst>
+                <a:gd name="T0" fmla="*/ 84 w 97"/>
+                <a:gd name="T1" fmla="*/ 31 h 31"/>
+                <a:gd name="T2" fmla="*/ 56 w 97"/>
+                <a:gd name="T3" fmla="*/ 17 h 31"/>
+                <a:gd name="T4" fmla="*/ 21 w 97"/>
+                <a:gd name="T5" fmla="*/ 31 h 31"/>
+                <a:gd name="T6" fmla="*/ 0 w 97"/>
+                <a:gd name="T7" fmla="*/ 26 h 31"/>
+                <a:gd name="T8" fmla="*/ 5 w 97"/>
+                <a:gd name="T9" fmla="*/ 15 h 31"/>
+                <a:gd name="T10" fmla="*/ 21 w 97"/>
+                <a:gd name="T11" fmla="*/ 19 h 31"/>
+                <a:gd name="T12" fmla="*/ 51 w 97"/>
+                <a:gd name="T13" fmla="*/ 4 h 31"/>
+                <a:gd name="T14" fmla="*/ 56 w 97"/>
+                <a:gd name="T15" fmla="*/ 0 h 31"/>
+                <a:gd name="T16" fmla="*/ 62 w 97"/>
+                <a:gd name="T17" fmla="*/ 3 h 31"/>
+                <a:gd name="T18" fmla="*/ 91 w 97"/>
+                <a:gd name="T19" fmla="*/ 19 h 31"/>
+                <a:gd name="T20" fmla="*/ 94 w 97"/>
+                <a:gd name="T21" fmla="*/ 18 h 31"/>
+                <a:gd name="T22" fmla="*/ 96 w 97"/>
+                <a:gd name="T23" fmla="*/ 18 h 31"/>
+                <a:gd name="T24" fmla="*/ 97 w 97"/>
+                <a:gd name="T25" fmla="*/ 30 h 31"/>
+                <a:gd name="T26" fmla="*/ 95 w 97"/>
+                <a:gd name="T27" fmla="*/ 30 h 31"/>
+                <a:gd name="T28" fmla="*/ 93 w 97"/>
+                <a:gd name="T29" fmla="*/ 31 h 31"/>
+                <a:gd name="T30" fmla="*/ 84 w 97"/>
+                <a:gd name="T31" fmla="*/ 31 h 31"/>
+              </a:gdLst>
+              <a:ahLst/>
+              <a:cxnLst>
+                <a:cxn ang="0">
+                  <a:pos x="T0" y="T1"/>
+                </a:cxn>
+                <a:cxn ang="0">
+                  <a:pos x="T2" y="T3"/>
+                </a:cxn>
+                <a:cxn ang="0">
+                  <a:pos x="T4" y="T5"/>
+                </a:cxn>
+                <a:cxn ang="0">
+                  <a:pos x="T6" y="T7"/>
+                </a:cxn>
+                <a:cxn ang="0">
+                  <a:pos x="T8" y="T9"/>
+                </a:cxn>
+                <a:cxn ang="0">
+                  <a:pos x="T10" y="T11"/>
+                </a:cxn>
+                <a:cxn ang="0">
+                  <a:pos x="T12" y="T13"/>
+                </a:cxn>
+                <a:cxn ang="0">
+                  <a:pos x="T14" y="T15"/>
+                </a:cxn>
+                <a:cxn ang="0">
+                  <a:pos x="T16" y="T17"/>
+                </a:cxn>
+                <a:cxn ang="0">
+                  <a:pos x="T18" y="T19"/>
+                </a:cxn>
+                <a:cxn ang="0">
+                  <a:pos x="T20" y="T21"/>
+                </a:cxn>
+                <a:cxn ang="0">
+                  <a:pos x="T22" y="T23"/>
+                </a:cxn>
+                <a:cxn ang="0">
+                  <a:pos x="T24" y="T25"/>
+                </a:cxn>
+                <a:cxn ang="0">
+                  <a:pos x="T26" y="T27"/>
+                </a:cxn>
+                <a:cxn ang="0">
+                  <a:pos x="T28" y="T29"/>
+                </a:cxn>
+                <a:cxn ang="0">
+                  <a:pos x="T30" y="T31"/>
+                </a:cxn>
+              </a:cxnLst>
+              <a:rect l="0" t="0" r="r" b="b"/>
+              <a:pathLst>
+                <a:path w="97" h="31">
+                  <a:moveTo>
+                    <a:pt x="84" y="31"/>
+                  </a:moveTo>
+                  <a:cubicBezTo>
+                    <a:pt x="73" y="31"/>
+                    <a:pt x="64" y="27"/>
+                    <a:pt x="56" y="17"/>
+                  </a:cubicBezTo>
+                  <a:cubicBezTo>
+                    <a:pt x="48" y="25"/>
+                    <a:pt x="34" y="31"/>
+                    <a:pt x="21" y="31"/>
+                  </a:cubicBezTo>
+                  <a:cubicBezTo>
+                    <a:pt x="13" y="31"/>
+                    <a:pt x="6" y="29"/>
+                    <a:pt x="0" y="26"/>
+                  </a:cubicBezTo>
+                  <a:cubicBezTo>
+                    <a:pt x="5" y="15"/>
+                    <a:pt x="5" y="15"/>
+                    <a:pt x="5" y="15"/>
+                  </a:cubicBezTo>
+                  <a:cubicBezTo>
+                    <a:pt x="10" y="17"/>
+                    <a:pt x="15" y="19"/>
+                    <a:pt x="21" y="19"/>
+                  </a:cubicBezTo>
+                  <a:cubicBezTo>
+                    <a:pt x="33" y="19"/>
+                    <a:pt x="47" y="11"/>
+                    <a:pt x="51" y="4"/>
+                  </a:cubicBezTo>
+                  <a:cubicBezTo>
+                    <a:pt x="52" y="2"/>
+                    <a:pt x="54" y="0"/>
+                    <a:pt x="56" y="0"/>
+                  </a:cubicBezTo>
+                  <a:cubicBezTo>
+                    <a:pt x="59" y="0"/>
+                    <a:pt x="61" y="1"/>
+                    <a:pt x="62" y="3"/>
+                  </a:cubicBezTo>
+                  <a:cubicBezTo>
+                    <a:pt x="70" y="17"/>
+                    <a:pt x="78" y="21"/>
+                    <a:pt x="91" y="19"/>
+                  </a:cubicBezTo>
+                  <a:cubicBezTo>
+                    <a:pt x="92" y="19"/>
+                    <a:pt x="93" y="18"/>
+                    <a:pt x="94" y="18"/>
+                  </a:cubicBezTo>
+                  <a:cubicBezTo>
+                    <a:pt x="95" y="18"/>
+                    <a:pt x="95" y="18"/>
+                    <a:pt x="96" y="18"/>
+                  </a:cubicBezTo>
+                  <a:cubicBezTo>
+                    <a:pt x="97" y="30"/>
+                    <a:pt x="97" y="30"/>
+                    <a:pt x="97" y="30"/>
+                  </a:cubicBezTo>
+                  <a:cubicBezTo>
+                    <a:pt x="96" y="30"/>
+                    <a:pt x="96" y="30"/>
+                    <a:pt x="95" y="30"/>
+                  </a:cubicBezTo>
+                  <a:cubicBezTo>
+                    <a:pt x="94" y="30"/>
+                    <a:pt x="94" y="30"/>
+                    <a:pt x="93" y="31"/>
+                  </a:cubicBezTo>
+                  <a:cubicBezTo>
+                    <a:pt x="90" y="31"/>
+                    <a:pt x="87" y="31"/>
+                    <a:pt x="84" y="31"/>
+                  </a:cubicBezTo>
+                  <a:close/>
+                </a:path>
+              </a:pathLst>
+            </a:custGeom>
+            <a:grpFill/>
+            <a:ln>
+              <a:noFill/>
+            </a:ln>
+            <a:extLst>
+              <a:ext uri="{91240B29-F687-4F45-9708-019B960494DF}">
+                <a14:hiddenLine xmlns:a14="http://schemas.microsoft.com/office/drawing/2010/main" w="9525">
+                  <a:solidFill>
+                    <a:srgbClr val="000000"/>
+                  </a:solidFill>
+                  <a:round/>
+                  <a:headEnd/>
+                  <a:tailEnd/>
+                </a14:hiddenLine>
+              </a:ext>
+            </a:extLst>
+          </p:spPr>
+          <p:txBody>
+            <a:bodyPr vert="horz" wrap="square" lIns="91440" tIns="45720" rIns="91440" bIns="45720" numCol="1" anchor="t" anchorCtr="0" compatLnSpc="1">
+              <a:prstTxWarp prst="textNoShape">
+                <a:avLst/>
+              </a:prstTxWarp>
+            </a:bodyPr>
+            <a:lstStyle/>
+            <a:p>
+              <a:endParaRPr lang="en-US">
+                <a:latin typeface="+mn-lt"/>
+              </a:endParaRPr>
+            </a:p>
+          </p:txBody>
+        </p:sp>
+        <p:sp>
+          <p:nvSpPr>
+            <p:cNvPr id="28" name="Freeform 47">
+              <a:extLst>
+                <a:ext uri="{FF2B5EF4-FFF2-40B4-BE49-F238E27FC236}">
+                  <a16:creationId xmlns:a16="http://schemas.microsoft.com/office/drawing/2014/main" id="{745B0679-162B-41D2-909F-536E232FB035}"/>
+                </a:ext>
+              </a:extLst>
+            </p:cNvPr>
+            <p:cNvSpPr>
+              <a:spLocks/>
+            </p:cNvSpPr>
+            <p:nvPr/>
+          </p:nvSpPr>
+          <p:spPr bwMode="auto">
+            <a:xfrm>
+              <a:off x="3911" y="826"/>
+              <a:ext cx="18" cy="42"/>
+            </a:xfrm>
+            <a:custGeom>
+              <a:avLst/>
+              <a:gdLst>
+                <a:gd name="T0" fmla="*/ 6 w 12"/>
+                <a:gd name="T1" fmla="*/ 28 h 28"/>
+                <a:gd name="T2" fmla="*/ 0 w 12"/>
+                <a:gd name="T3" fmla="*/ 22 h 28"/>
+                <a:gd name="T4" fmla="*/ 0 w 12"/>
+                <a:gd name="T5" fmla="*/ 6 h 28"/>
+                <a:gd name="T6" fmla="*/ 6 w 12"/>
+                <a:gd name="T7" fmla="*/ 0 h 28"/>
+                <a:gd name="T8" fmla="*/ 12 w 12"/>
+                <a:gd name="T9" fmla="*/ 6 h 28"/>
+                <a:gd name="T10" fmla="*/ 12 w 12"/>
+                <a:gd name="T11" fmla="*/ 22 h 28"/>
+                <a:gd name="T12" fmla="*/ 6 w 12"/>
+                <a:gd name="T13" fmla="*/ 28 h 28"/>
+              </a:gdLst>
+              <a:ahLst/>
+              <a:cxnLst>
+                <a:cxn ang="0">
+                  <a:pos x="T0" y="T1"/>
+                </a:cxn>
+                <a:cxn ang="0">
+                  <a:pos x="T2" y="T3"/>
+                </a:cxn>
+                <a:cxn ang="0">
+                  <a:pos x="T4" y="T5"/>
+                </a:cxn>
+                <a:cxn ang="0">
+                  <a:pos x="T6" y="T7"/>
+                </a:cxn>
+                <a:cxn ang="0">
+                  <a:pos x="T8" y="T9"/>
+                </a:cxn>
+                <a:cxn ang="0">
+                  <a:pos x="T10" y="T11"/>
+                </a:cxn>
+                <a:cxn ang="0">
+                  <a:pos x="T12" y="T13"/>
+                </a:cxn>
+              </a:cxnLst>
+              <a:rect l="0" t="0" r="r" b="b"/>
+              <a:pathLst>
+                <a:path w="12" h="28">
+                  <a:moveTo>
+                    <a:pt x="6" y="28"/>
+                  </a:moveTo>
+                  <a:cubicBezTo>
+                    <a:pt x="2" y="28"/>
+                    <a:pt x="0" y="25"/>
+                    <a:pt x="0" y="22"/>
+                  </a:cubicBezTo>
+                  <a:cubicBezTo>
+                    <a:pt x="0" y="6"/>
+                    <a:pt x="0" y="6"/>
+                    <a:pt x="0" y="6"/>
+                  </a:cubicBezTo>
+                  <a:cubicBezTo>
+                    <a:pt x="0" y="3"/>
+                    <a:pt x="2" y="0"/>
+                    <a:pt x="6" y="0"/>
+                  </a:cubicBezTo>
+                  <a:cubicBezTo>
+                    <a:pt x="9" y="0"/>
+                    <a:pt x="12" y="3"/>
+                    <a:pt x="12" y="6"/>
+                  </a:cubicBezTo>
+                  <a:cubicBezTo>
+                    <a:pt x="12" y="22"/>
+                    <a:pt x="12" y="22"/>
+                    <a:pt x="12" y="22"/>
+                  </a:cubicBezTo>
+                  <a:cubicBezTo>
+                    <a:pt x="12" y="25"/>
+                    <a:pt x="9" y="28"/>
+                    <a:pt x="6" y="28"/>
+                  </a:cubicBezTo>
+                  <a:close/>
+                </a:path>
+              </a:pathLst>
+            </a:custGeom>
+            <a:grpFill/>
+            <a:ln>
+              <a:noFill/>
+            </a:ln>
+            <a:extLst>
+              <a:ext uri="{91240B29-F687-4F45-9708-019B960494DF}">
+                <a14:hiddenLine xmlns:a14="http://schemas.microsoft.com/office/drawing/2010/main" w="9525">
+                  <a:solidFill>
+                    <a:srgbClr val="000000"/>
+                  </a:solidFill>
+                  <a:round/>
+                  <a:headEnd/>
+                  <a:tailEnd/>
+                </a14:hiddenLine>
+              </a:ext>
+            </a:extLst>
+          </p:spPr>
+          <p:txBody>
+            <a:bodyPr vert="horz" wrap="square" lIns="91440" tIns="45720" rIns="91440" bIns="45720" numCol="1" anchor="t" anchorCtr="0" compatLnSpc="1">
+              <a:prstTxWarp prst="textNoShape">
+                <a:avLst/>
+              </a:prstTxWarp>
+            </a:bodyPr>
+            <a:lstStyle/>
+            <a:p>
+              <a:endParaRPr lang="en-US">
+                <a:latin typeface="+mn-lt"/>
+              </a:endParaRPr>
+            </a:p>
+          </p:txBody>
+        </p:sp>
+        <p:sp>
+          <p:nvSpPr>
+            <p:cNvPr id="30" name="Freeform 48">
+              <a:extLst>
+                <a:ext uri="{FF2B5EF4-FFF2-40B4-BE49-F238E27FC236}">
+                  <a16:creationId xmlns:a16="http://schemas.microsoft.com/office/drawing/2014/main" id="{41401DB8-EB32-4E58-AAC1-C08D04A0EF3C}"/>
+                </a:ext>
+              </a:extLst>
+            </p:cNvPr>
+            <p:cNvSpPr>
+              <a:spLocks/>
+            </p:cNvSpPr>
+            <p:nvPr/>
+          </p:nvSpPr>
+          <p:spPr bwMode="auto">
+            <a:xfrm>
+              <a:off x="3871" y="670"/>
+              <a:ext cx="92" cy="187"/>
+            </a:xfrm>
+            <a:custGeom>
+              <a:avLst/>
+              <a:gdLst>
+                <a:gd name="T0" fmla="*/ 6 w 60"/>
+                <a:gd name="T1" fmla="*/ 125 h 125"/>
+                <a:gd name="T2" fmla="*/ 0 w 60"/>
+                <a:gd name="T3" fmla="*/ 119 h 125"/>
+                <a:gd name="T4" fmla="*/ 6 w 60"/>
+                <a:gd name="T5" fmla="*/ 113 h 125"/>
+                <a:gd name="T6" fmla="*/ 48 w 60"/>
+                <a:gd name="T7" fmla="*/ 62 h 125"/>
+                <a:gd name="T8" fmla="*/ 6 w 60"/>
+                <a:gd name="T9" fmla="*/ 12 h 125"/>
+                <a:gd name="T10" fmla="*/ 0 w 60"/>
+                <a:gd name="T11" fmla="*/ 6 h 125"/>
+                <a:gd name="T12" fmla="*/ 6 w 60"/>
+                <a:gd name="T13" fmla="*/ 0 h 125"/>
+                <a:gd name="T14" fmla="*/ 60 w 60"/>
+                <a:gd name="T15" fmla="*/ 62 h 125"/>
+                <a:gd name="T16" fmla="*/ 6 w 60"/>
+                <a:gd name="T17" fmla="*/ 125 h 125"/>
+              </a:gdLst>
+              <a:ahLst/>
+              <a:cxnLst>
+                <a:cxn ang="0">
+                  <a:pos x="T0" y="T1"/>
+                </a:cxn>
+                <a:cxn ang="0">
+                  <a:pos x="T2" y="T3"/>
+                </a:cxn>
+                <a:cxn ang="0">
+                  <a:pos x="T4" y="T5"/>
+                </a:cxn>
+                <a:cxn ang="0">
+                  <a:pos x="T6" y="T7"/>
+                </a:cxn>
+                <a:cxn ang="0">
+                  <a:pos x="T8" y="T9"/>
+                </a:cxn>
+                <a:cxn ang="0">
+                  <a:pos x="T10" y="T11"/>
+                </a:cxn>
+                <a:cxn ang="0">
+                  <a:pos x="T12" y="T13"/>
+                </a:cxn>
+                <a:cxn ang="0">
+                  <a:pos x="T14" y="T15"/>
+                </a:cxn>
+                <a:cxn ang="0">
+                  <a:pos x="T16" y="T17"/>
+                </a:cxn>
+              </a:cxnLst>
+              <a:rect l="0" t="0" r="r" b="b"/>
+              <a:pathLst>
+                <a:path w="60" h="125">
+                  <a:moveTo>
+                    <a:pt x="6" y="125"/>
+                  </a:moveTo>
+                  <a:cubicBezTo>
+                    <a:pt x="3" y="125"/>
+                    <a:pt x="0" y="123"/>
+                    <a:pt x="0" y="119"/>
+                  </a:cubicBezTo>
+                  <a:cubicBezTo>
+                    <a:pt x="0" y="116"/>
+                    <a:pt x="3" y="113"/>
+                    <a:pt x="6" y="113"/>
+                  </a:cubicBezTo>
+                  <a:cubicBezTo>
+                    <a:pt x="29" y="113"/>
+                    <a:pt x="48" y="90"/>
+                    <a:pt x="48" y="62"/>
+                  </a:cubicBezTo>
+                  <a:cubicBezTo>
+                    <a:pt x="48" y="34"/>
+                    <a:pt x="29" y="12"/>
+                    <a:pt x="6" y="12"/>
+                  </a:cubicBezTo>
+                  <a:cubicBezTo>
+                    <a:pt x="3" y="12"/>
+                    <a:pt x="0" y="9"/>
+                    <a:pt x="0" y="6"/>
+                  </a:cubicBezTo>
+                  <a:cubicBezTo>
+                    <a:pt x="0" y="2"/>
+                    <a:pt x="3" y="0"/>
+                    <a:pt x="6" y="0"/>
+                  </a:cubicBezTo>
+                  <a:cubicBezTo>
+                    <a:pt x="36" y="0"/>
+                    <a:pt x="60" y="28"/>
+                    <a:pt x="60" y="62"/>
+                  </a:cubicBezTo>
+                  <a:cubicBezTo>
+                    <a:pt x="60" y="97"/>
+                    <a:pt x="36" y="125"/>
+                    <a:pt x="6" y="125"/>
+                  </a:cubicBezTo>
+                  <a:close/>
+                </a:path>
+              </a:pathLst>
+            </a:custGeom>
+            <a:grpFill/>
+            <a:ln>
+              <a:noFill/>
+            </a:ln>
+            <a:extLst>
+              <a:ext uri="{91240B29-F687-4F45-9708-019B960494DF}">
+                <a14:hiddenLine xmlns:a14="http://schemas.microsoft.com/office/drawing/2010/main" w="9525">
+                  <a:solidFill>
+                    <a:srgbClr val="000000"/>
+                  </a:solidFill>
+                  <a:round/>
+                  <a:headEnd/>
+                  <a:tailEnd/>
+                </a14:hiddenLine>
+              </a:ext>
+            </a:extLst>
+          </p:spPr>
+          <p:txBody>
+            <a:bodyPr vert="horz" wrap="square" lIns="91440" tIns="45720" rIns="91440" bIns="45720" numCol="1" anchor="t" anchorCtr="0" compatLnSpc="1">
+              <a:prstTxWarp prst="textNoShape">
+                <a:avLst/>
+              </a:prstTxWarp>
+            </a:bodyPr>
+            <a:lstStyle/>
+            <a:p>
+              <a:endParaRPr lang="en-US">
+                <a:latin typeface="+mn-lt"/>
+              </a:endParaRPr>
+            </a:p>
+          </p:txBody>
+        </p:sp>
+        <p:sp>
+          <p:nvSpPr>
+            <p:cNvPr id="31" name="Freeform 49">
+              <a:extLst>
+                <a:ext uri="{FF2B5EF4-FFF2-40B4-BE49-F238E27FC236}">
+                  <a16:creationId xmlns:a16="http://schemas.microsoft.com/office/drawing/2014/main" id="{45CE0C1A-0506-49A2-BF7C-5BE0AB376700}"/>
+                </a:ext>
+              </a:extLst>
+            </p:cNvPr>
+            <p:cNvSpPr>
+              <a:spLocks/>
+            </p:cNvSpPr>
+            <p:nvPr/>
+          </p:nvSpPr>
+          <p:spPr bwMode="auto">
+            <a:xfrm>
+              <a:off x="3882" y="720"/>
+              <a:ext cx="81" cy="46"/>
+            </a:xfrm>
+            <a:custGeom>
+              <a:avLst/>
+              <a:gdLst>
+                <a:gd name="T0" fmla="*/ 34 w 53"/>
+                <a:gd name="T1" fmla="*/ 31 h 31"/>
+                <a:gd name="T2" fmla="*/ 1 w 53"/>
+                <a:gd name="T3" fmla="*/ 9 h 31"/>
+                <a:gd name="T4" fmla="*/ 4 w 53"/>
+                <a:gd name="T5" fmla="*/ 1 h 31"/>
+                <a:gd name="T6" fmla="*/ 12 w 53"/>
+                <a:gd name="T7" fmla="*/ 3 h 31"/>
+                <a:gd name="T8" fmla="*/ 41 w 53"/>
+                <a:gd name="T9" fmla="*/ 19 h 31"/>
+                <a:gd name="T10" fmla="*/ 44 w 53"/>
+                <a:gd name="T11" fmla="*/ 18 h 31"/>
+                <a:gd name="T12" fmla="*/ 46 w 53"/>
+                <a:gd name="T13" fmla="*/ 18 h 31"/>
+                <a:gd name="T14" fmla="*/ 52 w 53"/>
+                <a:gd name="T15" fmla="*/ 23 h 31"/>
+                <a:gd name="T16" fmla="*/ 47 w 53"/>
+                <a:gd name="T17" fmla="*/ 30 h 31"/>
+                <a:gd name="T18" fmla="*/ 45 w 53"/>
+                <a:gd name="T19" fmla="*/ 30 h 31"/>
+                <a:gd name="T20" fmla="*/ 43 w 53"/>
+                <a:gd name="T21" fmla="*/ 31 h 31"/>
+                <a:gd name="T22" fmla="*/ 34 w 53"/>
+                <a:gd name="T23" fmla="*/ 31 h 31"/>
+              </a:gdLst>
+              <a:ahLst/>
+              <a:cxnLst>
+                <a:cxn ang="0">
+                  <a:pos x="T0" y="T1"/>
+                </a:cxn>
+                <a:cxn ang="0">
+                  <a:pos x="T2" y="T3"/>
+                </a:cxn>
+                <a:cxn ang="0">
+                  <a:pos x="T4" y="T5"/>
+                </a:cxn>
+                <a:cxn ang="0">
+                  <a:pos x="T6" y="T7"/>
+                </a:cxn>
+                <a:cxn ang="0">
+                  <a:pos x="T8" y="T9"/>
+                </a:cxn>
+                <a:cxn ang="0">
+                  <a:pos x="T10" y="T11"/>
+                </a:cxn>
+                <a:cxn ang="0">
+                  <a:pos x="T12" y="T13"/>
+                </a:cxn>
+                <a:cxn ang="0">
+                  <a:pos x="T14" y="T15"/>
+                </a:cxn>
+                <a:cxn ang="0">
+                  <a:pos x="T16" y="T17"/>
+                </a:cxn>
+                <a:cxn ang="0">
+                  <a:pos x="T18" y="T19"/>
+                </a:cxn>
+                <a:cxn ang="0">
+                  <a:pos x="T20" y="T21"/>
+                </a:cxn>
+                <a:cxn ang="0">
+                  <a:pos x="T22" y="T23"/>
+                </a:cxn>
+              </a:cxnLst>
+              <a:rect l="0" t="0" r="r" b="b"/>
+              <a:pathLst>
+                <a:path w="53" h="31">
+                  <a:moveTo>
+                    <a:pt x="34" y="31"/>
+                  </a:moveTo>
+                  <a:cubicBezTo>
+                    <a:pt x="20" y="31"/>
+                    <a:pt x="10" y="24"/>
+                    <a:pt x="1" y="9"/>
+                  </a:cubicBezTo>
+                  <a:cubicBezTo>
+                    <a:pt x="0" y="6"/>
+                    <a:pt x="1" y="3"/>
+                    <a:pt x="4" y="1"/>
+                  </a:cubicBezTo>
+                  <a:cubicBezTo>
+                    <a:pt x="6" y="0"/>
+                    <a:pt x="10" y="1"/>
+                    <a:pt x="12" y="3"/>
+                  </a:cubicBezTo>
+                  <a:cubicBezTo>
+                    <a:pt x="20" y="17"/>
+                    <a:pt x="28" y="21"/>
+                    <a:pt x="41" y="19"/>
+                  </a:cubicBezTo>
+                  <a:cubicBezTo>
+                    <a:pt x="42" y="19"/>
+                    <a:pt x="43" y="18"/>
+                    <a:pt x="44" y="18"/>
+                  </a:cubicBezTo>
+                  <a:cubicBezTo>
+                    <a:pt x="45" y="18"/>
+                    <a:pt x="45" y="18"/>
+                    <a:pt x="46" y="18"/>
+                  </a:cubicBezTo>
+                  <a:cubicBezTo>
+                    <a:pt x="49" y="18"/>
+                    <a:pt x="52" y="20"/>
+                    <a:pt x="52" y="23"/>
+                  </a:cubicBezTo>
+                  <a:cubicBezTo>
+                    <a:pt x="53" y="27"/>
+                    <a:pt x="50" y="30"/>
+                    <a:pt x="47" y="30"/>
+                  </a:cubicBezTo>
+                  <a:cubicBezTo>
+                    <a:pt x="46" y="30"/>
+                    <a:pt x="46" y="30"/>
+                    <a:pt x="45" y="30"/>
+                  </a:cubicBezTo>
+                  <a:cubicBezTo>
+                    <a:pt x="44" y="30"/>
+                    <a:pt x="44" y="30"/>
+                    <a:pt x="43" y="31"/>
+                  </a:cubicBezTo>
+                  <a:cubicBezTo>
+                    <a:pt x="40" y="31"/>
+                    <a:pt x="37" y="31"/>
+                    <a:pt x="34" y="31"/>
+                  </a:cubicBezTo>
+                  <a:close/>
+                </a:path>
+              </a:pathLst>
+            </a:custGeom>
+            <a:grpFill/>
+            <a:ln>
+              <a:noFill/>
+            </a:ln>
+            <a:extLst>
+              <a:ext uri="{91240B29-F687-4F45-9708-019B960494DF}">
+                <a14:hiddenLine xmlns:a14="http://schemas.microsoft.com/office/drawing/2010/main" w="9525">
+                  <a:solidFill>
+                    <a:srgbClr val="000000"/>
+                  </a:solidFill>
+                  <a:round/>
+                  <a:headEnd/>
+                  <a:tailEnd/>
+                </a14:hiddenLine>
+              </a:ext>
+            </a:extLst>
+          </p:spPr>
+          <p:txBody>
+            <a:bodyPr vert="horz" wrap="square" lIns="91440" tIns="45720" rIns="91440" bIns="45720" numCol="1" anchor="t" anchorCtr="0" compatLnSpc="1">
+              <a:prstTxWarp prst="textNoShape">
+                <a:avLst/>
+              </a:prstTxWarp>
+            </a:bodyPr>
+            <a:lstStyle/>
+            <a:p>
+              <a:endParaRPr lang="en-US">
+                <a:latin typeface="+mn-lt"/>
+              </a:endParaRPr>
+            </a:p>
+          </p:txBody>
+        </p:sp>
+        <p:sp>
+          <p:nvSpPr>
+            <p:cNvPr id="32" name="Freeform 50">
+              <a:extLst>
+                <a:ext uri="{FF2B5EF4-FFF2-40B4-BE49-F238E27FC236}">
+                  <a16:creationId xmlns:a16="http://schemas.microsoft.com/office/drawing/2014/main" id="{ED057FCD-025B-4FD2-B711-C2AD28D19BAC}"/>
+                </a:ext>
+              </a:extLst>
+            </p:cNvPr>
+            <p:cNvSpPr>
+              <a:spLocks noEditPoints="1"/>
+            </p:cNvSpPr>
+            <p:nvPr/>
+          </p:nvSpPr>
+          <p:spPr bwMode="auto">
+            <a:xfrm>
+              <a:off x="3874" y="908"/>
+              <a:ext cx="184" cy="178"/>
+            </a:xfrm>
+            <a:custGeom>
+              <a:avLst/>
+              <a:gdLst>
+                <a:gd name="T0" fmla="*/ 60 w 120"/>
+                <a:gd name="T1" fmla="*/ 119 h 119"/>
+                <a:gd name="T2" fmla="*/ 57 w 120"/>
+                <a:gd name="T3" fmla="*/ 118 h 119"/>
+                <a:gd name="T4" fmla="*/ 0 w 120"/>
+                <a:gd name="T5" fmla="*/ 38 h 119"/>
+                <a:gd name="T6" fmla="*/ 24 w 120"/>
+                <a:gd name="T7" fmla="*/ 2 h 119"/>
+                <a:gd name="T8" fmla="*/ 60 w 120"/>
+                <a:gd name="T9" fmla="*/ 21 h 119"/>
+                <a:gd name="T10" fmla="*/ 96 w 120"/>
+                <a:gd name="T11" fmla="*/ 2 h 119"/>
+                <a:gd name="T12" fmla="*/ 120 w 120"/>
+                <a:gd name="T13" fmla="*/ 35 h 119"/>
+                <a:gd name="T14" fmla="*/ 63 w 120"/>
+                <a:gd name="T15" fmla="*/ 118 h 119"/>
+                <a:gd name="T16" fmla="*/ 60 w 120"/>
+                <a:gd name="T17" fmla="*/ 119 h 119"/>
+                <a:gd name="T18" fmla="*/ 29 w 120"/>
+                <a:gd name="T19" fmla="*/ 14 h 119"/>
+                <a:gd name="T20" fmla="*/ 26 w 120"/>
+                <a:gd name="T21" fmla="*/ 14 h 119"/>
+                <a:gd name="T22" fmla="*/ 12 w 120"/>
+                <a:gd name="T23" fmla="*/ 38 h 119"/>
+                <a:gd name="T24" fmla="*/ 60 w 120"/>
+                <a:gd name="T25" fmla="*/ 106 h 119"/>
+                <a:gd name="T26" fmla="*/ 108 w 120"/>
+                <a:gd name="T27" fmla="*/ 35 h 119"/>
+                <a:gd name="T28" fmla="*/ 94 w 120"/>
+                <a:gd name="T29" fmla="*/ 14 h 119"/>
+                <a:gd name="T30" fmla="*/ 65 w 120"/>
+                <a:gd name="T31" fmla="*/ 37 h 119"/>
+                <a:gd name="T32" fmla="*/ 60 w 120"/>
+                <a:gd name="T33" fmla="*/ 41 h 119"/>
+                <a:gd name="T34" fmla="*/ 54 w 120"/>
+                <a:gd name="T35" fmla="*/ 37 h 119"/>
+                <a:gd name="T36" fmla="*/ 29 w 120"/>
+                <a:gd name="T37" fmla="*/ 14 h 119"/>
+              </a:gdLst>
+              <a:ahLst/>
+              <a:cxnLst>
+                <a:cxn ang="0">
+                  <a:pos x="T0" y="T1"/>
+                </a:cxn>
+                <a:cxn ang="0">
+                  <a:pos x="T2" y="T3"/>
+                </a:cxn>
+                <a:cxn ang="0">
+                  <a:pos x="T4" y="T5"/>
+                </a:cxn>
+                <a:cxn ang="0">
+                  <a:pos x="T6" y="T7"/>
+                </a:cxn>
+                <a:cxn ang="0">
+                  <a:pos x="T8" y="T9"/>
+                </a:cxn>
+                <a:cxn ang="0">
+                  <a:pos x="T10" y="T11"/>
+                </a:cxn>
+                <a:cxn ang="0">
+                  <a:pos x="T12" y="T13"/>
+                </a:cxn>
+                <a:cxn ang="0">
+                  <a:pos x="T14" y="T15"/>
+                </a:cxn>
+                <a:cxn ang="0">
+                  <a:pos x="T16" y="T17"/>
+                </a:cxn>
+                <a:cxn ang="0">
+                  <a:pos x="T18" y="T19"/>
+                </a:cxn>
+                <a:cxn ang="0">
+                  <a:pos x="T20" y="T21"/>
+                </a:cxn>
+                <a:cxn ang="0">
+                  <a:pos x="T22" y="T23"/>
+                </a:cxn>
+                <a:cxn ang="0">
+                  <a:pos x="T24" y="T25"/>
+                </a:cxn>
+                <a:cxn ang="0">
+                  <a:pos x="T26" y="T27"/>
+                </a:cxn>
+                <a:cxn ang="0">
+                  <a:pos x="T28" y="T29"/>
+                </a:cxn>
+                <a:cxn ang="0">
+                  <a:pos x="T30" y="T31"/>
+                </a:cxn>
+                <a:cxn ang="0">
+                  <a:pos x="T32" y="T33"/>
+                </a:cxn>
+                <a:cxn ang="0">
+                  <a:pos x="T34" y="T35"/>
+                </a:cxn>
+                <a:cxn ang="0">
+                  <a:pos x="T36" y="T37"/>
+                </a:cxn>
+              </a:cxnLst>
+              <a:rect l="0" t="0" r="r" b="b"/>
+              <a:pathLst>
+                <a:path w="120" h="119">
+                  <a:moveTo>
+                    <a:pt x="60" y="119"/>
+                  </a:moveTo>
+                  <a:cubicBezTo>
+                    <a:pt x="59" y="119"/>
+                    <a:pt x="58" y="118"/>
+                    <a:pt x="57" y="118"/>
+                  </a:cubicBezTo>
+                  <a:cubicBezTo>
+                    <a:pt x="54" y="117"/>
+                    <a:pt x="0" y="86"/>
+                    <a:pt x="0" y="38"/>
+                  </a:cubicBezTo>
+                  <a:cubicBezTo>
+                    <a:pt x="0" y="15"/>
+                    <a:pt x="12" y="4"/>
+                    <a:pt x="24" y="2"/>
+                  </a:cubicBezTo>
+                  <a:cubicBezTo>
+                    <a:pt x="36" y="1"/>
+                    <a:pt x="50" y="6"/>
+                    <a:pt x="60" y="21"/>
+                  </a:cubicBezTo>
+                  <a:cubicBezTo>
+                    <a:pt x="69" y="6"/>
+                    <a:pt x="84" y="0"/>
+                    <a:pt x="96" y="2"/>
+                  </a:cubicBezTo>
+                  <a:cubicBezTo>
+                    <a:pt x="110" y="4"/>
+                    <a:pt x="120" y="17"/>
+                    <a:pt x="120" y="35"/>
+                  </a:cubicBezTo>
+                  <a:cubicBezTo>
+                    <a:pt x="120" y="86"/>
+                    <a:pt x="65" y="117"/>
+                    <a:pt x="63" y="118"/>
+                  </a:cubicBezTo>
+                  <a:cubicBezTo>
+                    <a:pt x="62" y="118"/>
+                    <a:pt x="61" y="119"/>
+                    <a:pt x="60" y="119"/>
+                  </a:cubicBezTo>
+                  <a:close/>
+                  <a:moveTo>
+                    <a:pt x="29" y="14"/>
+                  </a:moveTo>
+                  <a:cubicBezTo>
+                    <a:pt x="28" y="14"/>
+                    <a:pt x="27" y="14"/>
+                    <a:pt x="26" y="14"/>
+                  </a:cubicBezTo>
+                  <a:cubicBezTo>
+                    <a:pt x="17" y="16"/>
+                    <a:pt x="12" y="25"/>
+                    <a:pt x="12" y="38"/>
+                  </a:cubicBezTo>
+                  <a:cubicBezTo>
+                    <a:pt x="12" y="73"/>
+                    <a:pt x="49" y="99"/>
+                    <a:pt x="60" y="106"/>
+                  </a:cubicBezTo>
+                  <a:cubicBezTo>
+                    <a:pt x="70" y="99"/>
+                    <a:pt x="108" y="72"/>
+                    <a:pt x="108" y="35"/>
+                  </a:cubicBezTo>
+                  <a:cubicBezTo>
+                    <a:pt x="108" y="23"/>
+                    <a:pt x="102" y="15"/>
+                    <a:pt x="94" y="14"/>
+                  </a:cubicBezTo>
+                  <a:cubicBezTo>
+                    <a:pt x="84" y="12"/>
+                    <a:pt x="71" y="20"/>
+                    <a:pt x="65" y="37"/>
+                  </a:cubicBezTo>
+                  <a:cubicBezTo>
+                    <a:pt x="65" y="39"/>
+                    <a:pt x="62" y="41"/>
+                    <a:pt x="60" y="41"/>
+                  </a:cubicBezTo>
+                  <a:cubicBezTo>
+                    <a:pt x="57" y="41"/>
+                    <a:pt x="55" y="39"/>
+                    <a:pt x="54" y="37"/>
+                  </a:cubicBezTo>
+                  <a:cubicBezTo>
+                    <a:pt x="49" y="21"/>
+                    <a:pt x="38" y="14"/>
+                    <a:pt x="29" y="14"/>
+                  </a:cubicBezTo>
+                  <a:close/>
+                </a:path>
+              </a:pathLst>
+            </a:custGeom>
+            <a:grpFill/>
+            <a:ln>
+              <a:noFill/>
+            </a:ln>
+            <a:extLst>
+              <a:ext uri="{91240B29-F687-4F45-9708-019B960494DF}">
+                <a14:hiddenLine xmlns:a14="http://schemas.microsoft.com/office/drawing/2010/main" w="9525">
+                  <a:solidFill>
+                    <a:srgbClr val="000000"/>
+                  </a:solidFill>
+                  <a:round/>
+                  <a:headEnd/>
+                  <a:tailEnd/>
+                </a14:hiddenLine>
+              </a:ext>
+            </a:extLst>
+          </p:spPr>
+          <p:txBody>
+            <a:bodyPr vert="horz" wrap="square" lIns="91440" tIns="45720" rIns="91440" bIns="45720" numCol="1" anchor="t" anchorCtr="0" compatLnSpc="1">
+              <a:prstTxWarp prst="textNoShape">
+                <a:avLst/>
+              </a:prstTxWarp>
+            </a:bodyPr>
+            <a:lstStyle/>
+            <a:p>
+              <a:endParaRPr lang="en-US">
+                <a:latin typeface="+mn-lt"/>
+              </a:endParaRPr>
+            </a:p>
+          </p:txBody>
+        </p:sp>
+      </p:grpSp>
+      <p:grpSp>
+        <p:nvGrpSpPr>
+          <p:cNvPr id="45" name="Group 29">
+            <a:extLst>
+              <a:ext uri="{FF2B5EF4-FFF2-40B4-BE49-F238E27FC236}">
+                <a16:creationId xmlns:a16="http://schemas.microsoft.com/office/drawing/2014/main" id="{3977B257-65DA-4B52-BF93-BD14EA743F68}"/>
+              </a:ext>
+            </a:extLst>
+          </p:cNvPr>
+          <p:cNvGrpSpPr>
+            <a:grpSpLocks noChangeAspect="1"/>
+          </p:cNvGrpSpPr>
+          <p:nvPr/>
+        </p:nvGrpSpPr>
+        <p:grpSpPr bwMode="auto">
+          <a:xfrm>
+            <a:off x="4220866" y="2252077"/>
+            <a:ext cx="451355" cy="463261"/>
+            <a:chOff x="3443" y="440"/>
+            <a:chExt cx="417" cy="428"/>
+          </a:xfrm>
+          <a:solidFill>
+            <a:schemeClr val="tx2"/>
+          </a:solidFill>
+        </p:grpSpPr>
+        <p:sp>
+          <p:nvSpPr>
+            <p:cNvPr id="46" name="Freeform 30">
+              <a:extLst>
+                <a:ext uri="{FF2B5EF4-FFF2-40B4-BE49-F238E27FC236}">
+                  <a16:creationId xmlns:a16="http://schemas.microsoft.com/office/drawing/2014/main" id="{A70EEC9F-059A-4A35-84BA-E50C4DD3EB01}"/>
+                </a:ext>
+              </a:extLst>
+            </p:cNvPr>
+            <p:cNvSpPr>
+              <a:spLocks/>
+            </p:cNvSpPr>
+            <p:nvPr/>
+          </p:nvSpPr>
+          <p:spPr bwMode="auto">
+            <a:xfrm>
+              <a:off x="3443" y="495"/>
+              <a:ext cx="89" cy="373"/>
+            </a:xfrm>
+            <a:custGeom>
+              <a:avLst/>
+              <a:gdLst>
+                <a:gd name="T0" fmla="*/ 30 w 60"/>
+                <a:gd name="T1" fmla="*/ 252 h 252"/>
+                <a:gd name="T2" fmla="*/ 25 w 60"/>
+                <a:gd name="T3" fmla="*/ 248 h 252"/>
+                <a:gd name="T4" fmla="*/ 1 w 60"/>
+                <a:gd name="T5" fmla="*/ 194 h 252"/>
+                <a:gd name="T6" fmla="*/ 0 w 60"/>
+                <a:gd name="T7" fmla="*/ 192 h 252"/>
+                <a:gd name="T8" fmla="*/ 0 w 60"/>
+                <a:gd name="T9" fmla="*/ 30 h 252"/>
+                <a:gd name="T10" fmla="*/ 30 w 60"/>
+                <a:gd name="T11" fmla="*/ 0 h 252"/>
+                <a:gd name="T12" fmla="*/ 60 w 60"/>
+                <a:gd name="T13" fmla="*/ 30 h 252"/>
+                <a:gd name="T14" fmla="*/ 60 w 60"/>
+                <a:gd name="T15" fmla="*/ 125 h 252"/>
+                <a:gd name="T16" fmla="*/ 54 w 60"/>
+                <a:gd name="T17" fmla="*/ 131 h 252"/>
+                <a:gd name="T18" fmla="*/ 48 w 60"/>
+                <a:gd name="T19" fmla="*/ 125 h 252"/>
+                <a:gd name="T20" fmla="*/ 48 w 60"/>
+                <a:gd name="T21" fmla="*/ 30 h 252"/>
+                <a:gd name="T22" fmla="*/ 30 w 60"/>
+                <a:gd name="T23" fmla="*/ 12 h 252"/>
+                <a:gd name="T24" fmla="*/ 12 w 60"/>
+                <a:gd name="T25" fmla="*/ 30 h 252"/>
+                <a:gd name="T26" fmla="*/ 12 w 60"/>
+                <a:gd name="T27" fmla="*/ 190 h 252"/>
+                <a:gd name="T28" fmla="*/ 30 w 60"/>
+                <a:gd name="T29" fmla="*/ 231 h 252"/>
+                <a:gd name="T30" fmla="*/ 48 w 60"/>
+                <a:gd name="T31" fmla="*/ 190 h 252"/>
+                <a:gd name="T32" fmla="*/ 48 w 60"/>
+                <a:gd name="T33" fmla="*/ 149 h 252"/>
+                <a:gd name="T34" fmla="*/ 54 w 60"/>
+                <a:gd name="T35" fmla="*/ 143 h 252"/>
+                <a:gd name="T36" fmla="*/ 60 w 60"/>
+                <a:gd name="T37" fmla="*/ 149 h 252"/>
+                <a:gd name="T38" fmla="*/ 60 w 60"/>
+                <a:gd name="T39" fmla="*/ 192 h 252"/>
+                <a:gd name="T40" fmla="*/ 60 w 60"/>
+                <a:gd name="T41" fmla="*/ 194 h 252"/>
+                <a:gd name="T42" fmla="*/ 36 w 60"/>
+                <a:gd name="T43" fmla="*/ 248 h 252"/>
+                <a:gd name="T44" fmla="*/ 30 w 60"/>
+                <a:gd name="T45" fmla="*/ 252 h 252"/>
+              </a:gdLst>
+              <a:ahLst/>
+              <a:cxnLst>
+                <a:cxn ang="0">
+                  <a:pos x="T0" y="T1"/>
+                </a:cxn>
+                <a:cxn ang="0">
+                  <a:pos x="T2" y="T3"/>
+                </a:cxn>
+                <a:cxn ang="0">
+                  <a:pos x="T4" y="T5"/>
+                </a:cxn>
+                <a:cxn ang="0">
+                  <a:pos x="T6" y="T7"/>
+                </a:cxn>
+                <a:cxn ang="0">
+                  <a:pos x="T8" y="T9"/>
+                </a:cxn>
+                <a:cxn ang="0">
+                  <a:pos x="T10" y="T11"/>
+                </a:cxn>
+                <a:cxn ang="0">
+                  <a:pos x="T12" y="T13"/>
+                </a:cxn>
+                <a:cxn ang="0">
+                  <a:pos x="T14" y="T15"/>
+                </a:cxn>
+                <a:cxn ang="0">
+                  <a:pos x="T16" y="T17"/>
+                </a:cxn>
+                <a:cxn ang="0">
+                  <a:pos x="T18" y="T19"/>
+                </a:cxn>
+                <a:cxn ang="0">
+                  <a:pos x="T20" y="T21"/>
+                </a:cxn>
+                <a:cxn ang="0">
+                  <a:pos x="T22" y="T23"/>
+                </a:cxn>
+                <a:cxn ang="0">
+                  <a:pos x="T24" y="T25"/>
+                </a:cxn>
+                <a:cxn ang="0">
+                  <a:pos x="T26" y="T27"/>
+                </a:cxn>
+                <a:cxn ang="0">
+                  <a:pos x="T28" y="T29"/>
+                </a:cxn>
+                <a:cxn ang="0">
+                  <a:pos x="T30" y="T31"/>
+                </a:cxn>
+                <a:cxn ang="0">
+                  <a:pos x="T32" y="T33"/>
+                </a:cxn>
+                <a:cxn ang="0">
+                  <a:pos x="T34" y="T35"/>
+                </a:cxn>
+                <a:cxn ang="0">
+                  <a:pos x="T36" y="T37"/>
+                </a:cxn>
+                <a:cxn ang="0">
+                  <a:pos x="T38" y="T39"/>
+                </a:cxn>
+                <a:cxn ang="0">
+                  <a:pos x="T40" y="T41"/>
+                </a:cxn>
+                <a:cxn ang="0">
+                  <a:pos x="T42" y="T43"/>
+                </a:cxn>
+                <a:cxn ang="0">
+                  <a:pos x="T44" y="T45"/>
+                </a:cxn>
+              </a:cxnLst>
+              <a:rect l="0" t="0" r="r" b="b"/>
+              <a:pathLst>
+                <a:path w="60" h="252">
+                  <a:moveTo>
+                    <a:pt x="30" y="252"/>
+                  </a:moveTo>
+                  <a:cubicBezTo>
+                    <a:pt x="28" y="252"/>
+                    <a:pt x="26" y="250"/>
+                    <a:pt x="25" y="248"/>
+                  </a:cubicBezTo>
+                  <a:cubicBezTo>
+                    <a:pt x="1" y="194"/>
+                    <a:pt x="1" y="194"/>
+                    <a:pt x="1" y="194"/>
+                  </a:cubicBezTo>
+                  <a:cubicBezTo>
+                    <a:pt x="1" y="193"/>
+                    <a:pt x="0" y="192"/>
+                    <a:pt x="0" y="192"/>
+                  </a:cubicBezTo>
+                  <a:cubicBezTo>
+                    <a:pt x="0" y="30"/>
+                    <a:pt x="0" y="30"/>
+                    <a:pt x="0" y="30"/>
+                  </a:cubicBezTo>
+                  <a:cubicBezTo>
+                    <a:pt x="0" y="13"/>
+                    <a:pt x="14" y="0"/>
+                    <a:pt x="30" y="0"/>
+                  </a:cubicBezTo>
+                  <a:cubicBezTo>
+                    <a:pt x="47" y="0"/>
+                    <a:pt x="60" y="13"/>
+                    <a:pt x="60" y="30"/>
+                  </a:cubicBezTo>
+                  <a:cubicBezTo>
+                    <a:pt x="60" y="125"/>
+                    <a:pt x="60" y="125"/>
+                    <a:pt x="60" y="125"/>
+                  </a:cubicBezTo>
+                  <a:cubicBezTo>
+                    <a:pt x="60" y="129"/>
+                    <a:pt x="58" y="131"/>
+                    <a:pt x="54" y="131"/>
+                  </a:cubicBezTo>
+                  <a:cubicBezTo>
+                    <a:pt x="51" y="131"/>
+                    <a:pt x="48" y="129"/>
+                    <a:pt x="48" y="125"/>
+                  </a:cubicBezTo>
+                  <a:cubicBezTo>
+                    <a:pt x="48" y="30"/>
+                    <a:pt x="48" y="30"/>
+                    <a:pt x="48" y="30"/>
+                  </a:cubicBezTo>
+                  <a:cubicBezTo>
+                    <a:pt x="48" y="20"/>
+                    <a:pt x="40" y="12"/>
+                    <a:pt x="30" y="12"/>
+                  </a:cubicBezTo>
+                  <a:cubicBezTo>
+                    <a:pt x="20" y="12"/>
+                    <a:pt x="12" y="20"/>
+                    <a:pt x="12" y="30"/>
+                  </a:cubicBezTo>
+                  <a:cubicBezTo>
+                    <a:pt x="12" y="190"/>
+                    <a:pt x="12" y="190"/>
+                    <a:pt x="12" y="190"/>
+                  </a:cubicBezTo>
+                  <a:cubicBezTo>
+                    <a:pt x="30" y="231"/>
+                    <a:pt x="30" y="231"/>
+                    <a:pt x="30" y="231"/>
+                  </a:cubicBezTo>
+                  <a:cubicBezTo>
+                    <a:pt x="48" y="190"/>
+                    <a:pt x="48" y="190"/>
+                    <a:pt x="48" y="190"/>
+                  </a:cubicBezTo>
+                  <a:cubicBezTo>
+                    <a:pt x="48" y="149"/>
+                    <a:pt x="48" y="149"/>
+                    <a:pt x="48" y="149"/>
+                  </a:cubicBezTo>
+                  <a:cubicBezTo>
+                    <a:pt x="48" y="146"/>
+                    <a:pt x="51" y="143"/>
+                    <a:pt x="54" y="143"/>
+                  </a:cubicBezTo>
+                  <a:cubicBezTo>
+                    <a:pt x="58" y="143"/>
+                    <a:pt x="60" y="146"/>
+                    <a:pt x="60" y="149"/>
+                  </a:cubicBezTo>
+                  <a:cubicBezTo>
+                    <a:pt x="60" y="192"/>
+                    <a:pt x="60" y="192"/>
+                    <a:pt x="60" y="192"/>
+                  </a:cubicBezTo>
+                  <a:cubicBezTo>
+                    <a:pt x="60" y="192"/>
+                    <a:pt x="60" y="193"/>
+                    <a:pt x="60" y="194"/>
+                  </a:cubicBezTo>
+                  <a:cubicBezTo>
+                    <a:pt x="36" y="248"/>
+                    <a:pt x="36" y="248"/>
+                    <a:pt x="36" y="248"/>
+                  </a:cubicBezTo>
+                  <a:cubicBezTo>
+                    <a:pt x="35" y="250"/>
+                    <a:pt x="33" y="252"/>
+                    <a:pt x="30" y="252"/>
+                  </a:cubicBezTo>
+                  <a:close/>
+                </a:path>
+              </a:pathLst>
+            </a:custGeom>
+            <a:grpFill/>
+            <a:ln>
+              <a:noFill/>
+            </a:ln>
+            <a:extLst>
+              <a:ext uri="{91240B29-F687-4F45-9708-019B960494DF}">
+                <a14:hiddenLine xmlns:a14="http://schemas.microsoft.com/office/drawing/2010/main" w="9525">
+                  <a:solidFill>
+                    <a:srgbClr val="000000"/>
+                  </a:solidFill>
+                  <a:round/>
+                  <a:headEnd/>
+                  <a:tailEnd/>
+                </a14:hiddenLine>
+              </a:ext>
+            </a:extLst>
+          </p:spPr>
+          <p:txBody>
+            <a:bodyPr vert="horz" wrap="square" lIns="91440" tIns="45720" rIns="91440" bIns="45720" numCol="1" anchor="t" anchorCtr="0" compatLnSpc="1">
+              <a:prstTxWarp prst="textNoShape">
+                <a:avLst/>
+              </a:prstTxWarp>
+            </a:bodyPr>
+            <a:lstStyle/>
+            <a:p>
+              <a:endParaRPr lang="en-US" dirty="0"/>
+            </a:p>
+          </p:txBody>
+        </p:sp>
+        <p:sp>
+          <p:nvSpPr>
+            <p:cNvPr id="47" name="Freeform 31">
+              <a:extLst>
+                <a:ext uri="{FF2B5EF4-FFF2-40B4-BE49-F238E27FC236}">
+                  <a16:creationId xmlns:a16="http://schemas.microsoft.com/office/drawing/2014/main" id="{F1964139-F043-495F-8F00-D1F3AA8644F4}"/>
+                </a:ext>
+              </a:extLst>
+            </p:cNvPr>
+            <p:cNvSpPr>
+              <a:spLocks/>
+            </p:cNvSpPr>
+            <p:nvPr/>
+          </p:nvSpPr>
+          <p:spPr bwMode="auto">
+            <a:xfrm>
+              <a:off x="3443" y="548"/>
+              <a:ext cx="89" cy="18"/>
+            </a:xfrm>
+            <a:custGeom>
+              <a:avLst/>
+              <a:gdLst>
+                <a:gd name="T0" fmla="*/ 54 w 60"/>
+                <a:gd name="T1" fmla="*/ 12 h 12"/>
+                <a:gd name="T2" fmla="*/ 6 w 60"/>
+                <a:gd name="T3" fmla="*/ 12 h 12"/>
+                <a:gd name="T4" fmla="*/ 0 w 60"/>
+                <a:gd name="T5" fmla="*/ 6 h 12"/>
+                <a:gd name="T6" fmla="*/ 6 w 60"/>
+                <a:gd name="T7" fmla="*/ 0 h 12"/>
+                <a:gd name="T8" fmla="*/ 54 w 60"/>
+                <a:gd name="T9" fmla="*/ 0 h 12"/>
+                <a:gd name="T10" fmla="*/ 60 w 60"/>
+                <a:gd name="T11" fmla="*/ 6 h 12"/>
+                <a:gd name="T12" fmla="*/ 54 w 60"/>
+                <a:gd name="T13" fmla="*/ 12 h 12"/>
+              </a:gdLst>
+              <a:ahLst/>
+              <a:cxnLst>
+                <a:cxn ang="0">
+                  <a:pos x="T0" y="T1"/>
+                </a:cxn>
+                <a:cxn ang="0">
+                  <a:pos x="T2" y="T3"/>
+                </a:cxn>
+                <a:cxn ang="0">
+                  <a:pos x="T4" y="T5"/>
+                </a:cxn>
+                <a:cxn ang="0">
+                  <a:pos x="T6" y="T7"/>
+                </a:cxn>
+                <a:cxn ang="0">
+                  <a:pos x="T8" y="T9"/>
+                </a:cxn>
+                <a:cxn ang="0">
+                  <a:pos x="T10" y="T11"/>
+                </a:cxn>
+                <a:cxn ang="0">
+                  <a:pos x="T12" y="T13"/>
+                </a:cxn>
+              </a:cxnLst>
+              <a:rect l="0" t="0" r="r" b="b"/>
+              <a:pathLst>
+                <a:path w="60" h="12">
+                  <a:moveTo>
+                    <a:pt x="54" y="12"/>
+                  </a:moveTo>
+                  <a:cubicBezTo>
+                    <a:pt x="6" y="12"/>
+                    <a:pt x="6" y="12"/>
+                    <a:pt x="6" y="12"/>
+                  </a:cubicBezTo>
+                  <a:cubicBezTo>
+                    <a:pt x="3" y="12"/>
+                    <a:pt x="0" y="9"/>
+                    <a:pt x="0" y="6"/>
+                  </a:cubicBezTo>
+                  <a:cubicBezTo>
+                    <a:pt x="0" y="2"/>
+                    <a:pt x="3" y="0"/>
+                    <a:pt x="6" y="0"/>
+                  </a:cubicBezTo>
+                  <a:cubicBezTo>
+                    <a:pt x="54" y="0"/>
+                    <a:pt x="54" y="0"/>
+                    <a:pt x="54" y="0"/>
+                  </a:cubicBezTo>
+                  <a:cubicBezTo>
+                    <a:pt x="58" y="0"/>
+                    <a:pt x="60" y="2"/>
+                    <a:pt x="60" y="6"/>
+                  </a:cubicBezTo>
+                  <a:cubicBezTo>
+                    <a:pt x="60" y="9"/>
+                    <a:pt x="58" y="12"/>
+                    <a:pt x="54" y="12"/>
+                  </a:cubicBezTo>
+                  <a:close/>
+                </a:path>
+              </a:pathLst>
+            </a:custGeom>
+            <a:grpFill/>
+            <a:ln>
+              <a:noFill/>
+            </a:ln>
+            <a:extLst>
+              <a:ext uri="{91240B29-F687-4F45-9708-019B960494DF}">
+                <a14:hiddenLine xmlns:a14="http://schemas.microsoft.com/office/drawing/2010/main" w="9525">
+                  <a:solidFill>
+                    <a:srgbClr val="000000"/>
+                  </a:solidFill>
+                  <a:round/>
+                  <a:headEnd/>
+                  <a:tailEnd/>
+                </a14:hiddenLine>
+              </a:ext>
+            </a:extLst>
+          </p:spPr>
+          <p:txBody>
+            <a:bodyPr vert="horz" wrap="square" lIns="91440" tIns="45720" rIns="91440" bIns="45720" numCol="1" anchor="t" anchorCtr="0" compatLnSpc="1">
+              <a:prstTxWarp prst="textNoShape">
+                <a:avLst/>
+              </a:prstTxWarp>
+            </a:bodyPr>
+            <a:lstStyle/>
+            <a:p>
+              <a:endParaRPr lang="en-US" dirty="0"/>
+            </a:p>
+          </p:txBody>
+        </p:sp>
+        <p:sp>
+          <p:nvSpPr>
+            <p:cNvPr id="48" name="Freeform 32">
+              <a:extLst>
+                <a:ext uri="{FF2B5EF4-FFF2-40B4-BE49-F238E27FC236}">
+                  <a16:creationId xmlns:a16="http://schemas.microsoft.com/office/drawing/2014/main" id="{3F0DA6F3-0F3D-4C72-972A-35F0D9F419E9}"/>
+                </a:ext>
+              </a:extLst>
+            </p:cNvPr>
+            <p:cNvSpPr>
+              <a:spLocks/>
+            </p:cNvSpPr>
+            <p:nvPr/>
+          </p:nvSpPr>
+          <p:spPr bwMode="auto">
+            <a:xfrm>
+              <a:off x="3452" y="777"/>
+              <a:ext cx="71" cy="18"/>
+            </a:xfrm>
+            <a:custGeom>
+              <a:avLst/>
+              <a:gdLst>
+                <a:gd name="T0" fmla="*/ 42 w 48"/>
+                <a:gd name="T1" fmla="*/ 12 h 12"/>
+                <a:gd name="T2" fmla="*/ 6 w 48"/>
+                <a:gd name="T3" fmla="*/ 12 h 12"/>
+                <a:gd name="T4" fmla="*/ 0 w 48"/>
+                <a:gd name="T5" fmla="*/ 6 h 12"/>
+                <a:gd name="T6" fmla="*/ 6 w 48"/>
+                <a:gd name="T7" fmla="*/ 0 h 12"/>
+                <a:gd name="T8" fmla="*/ 42 w 48"/>
+                <a:gd name="T9" fmla="*/ 0 h 12"/>
+                <a:gd name="T10" fmla="*/ 48 w 48"/>
+                <a:gd name="T11" fmla="*/ 6 h 12"/>
+                <a:gd name="T12" fmla="*/ 42 w 48"/>
+                <a:gd name="T13" fmla="*/ 12 h 12"/>
+              </a:gdLst>
+              <a:ahLst/>
+              <a:cxnLst>
+                <a:cxn ang="0">
+                  <a:pos x="T0" y="T1"/>
+                </a:cxn>
+                <a:cxn ang="0">
+                  <a:pos x="T2" y="T3"/>
+                </a:cxn>
+                <a:cxn ang="0">
+                  <a:pos x="T4" y="T5"/>
+                </a:cxn>
+                <a:cxn ang="0">
+                  <a:pos x="T6" y="T7"/>
+                </a:cxn>
+                <a:cxn ang="0">
+                  <a:pos x="T8" y="T9"/>
+                </a:cxn>
+                <a:cxn ang="0">
+                  <a:pos x="T10" y="T11"/>
+                </a:cxn>
+                <a:cxn ang="0">
+                  <a:pos x="T12" y="T13"/>
+                </a:cxn>
+              </a:cxnLst>
+              <a:rect l="0" t="0" r="r" b="b"/>
+              <a:pathLst>
+                <a:path w="48" h="12">
+                  <a:moveTo>
+                    <a:pt x="42" y="12"/>
+                  </a:moveTo>
+                  <a:cubicBezTo>
+                    <a:pt x="6" y="12"/>
+                    <a:pt x="6" y="12"/>
+                    <a:pt x="6" y="12"/>
+                  </a:cubicBezTo>
+                  <a:cubicBezTo>
+                    <a:pt x="3" y="12"/>
+                    <a:pt x="0" y="10"/>
+                    <a:pt x="0" y="6"/>
+                  </a:cubicBezTo>
+                  <a:cubicBezTo>
+                    <a:pt x="0" y="3"/>
+                    <a:pt x="3" y="0"/>
+                    <a:pt x="6" y="0"/>
+                  </a:cubicBezTo>
+                  <a:cubicBezTo>
+                    <a:pt x="42" y="0"/>
+                    <a:pt x="42" y="0"/>
+                    <a:pt x="42" y="0"/>
+                  </a:cubicBezTo>
+                  <a:cubicBezTo>
+                    <a:pt x="46" y="0"/>
+                    <a:pt x="48" y="3"/>
+                    <a:pt x="48" y="6"/>
+                  </a:cubicBezTo>
+                  <a:cubicBezTo>
+                    <a:pt x="48" y="10"/>
+                    <a:pt x="46" y="12"/>
+                    <a:pt x="42" y="12"/>
+                  </a:cubicBezTo>
+                  <a:close/>
+                </a:path>
+              </a:pathLst>
+            </a:custGeom>
+            <a:grpFill/>
+            <a:ln>
+              <a:noFill/>
+            </a:ln>
+            <a:extLst>
+              <a:ext uri="{91240B29-F687-4F45-9708-019B960494DF}">
+                <a14:hiddenLine xmlns:a14="http://schemas.microsoft.com/office/drawing/2010/main" w="9525">
+                  <a:solidFill>
+                    <a:srgbClr val="000000"/>
+                  </a:solidFill>
+                  <a:round/>
+                  <a:headEnd/>
+                  <a:tailEnd/>
+                </a14:hiddenLine>
+              </a:ext>
+            </a:extLst>
+          </p:spPr>
+          <p:txBody>
+            <a:bodyPr vert="horz" wrap="square" lIns="91440" tIns="45720" rIns="91440" bIns="45720" numCol="1" anchor="t" anchorCtr="0" compatLnSpc="1">
+              <a:prstTxWarp prst="textNoShape">
+                <a:avLst/>
+              </a:prstTxWarp>
+            </a:bodyPr>
+            <a:lstStyle/>
+            <a:p>
+              <a:endParaRPr lang="en-US" dirty="0"/>
+            </a:p>
+          </p:txBody>
+        </p:sp>
+        <p:sp>
+          <p:nvSpPr>
+            <p:cNvPr id="49" name="Freeform 33">
+              <a:extLst>
+                <a:ext uri="{FF2B5EF4-FFF2-40B4-BE49-F238E27FC236}">
+                  <a16:creationId xmlns:a16="http://schemas.microsoft.com/office/drawing/2014/main" id="{6B7A4DDC-048C-4C24-9A24-11A26B1D9EC6}"/>
+                </a:ext>
+              </a:extLst>
+            </p:cNvPr>
+            <p:cNvSpPr>
+              <a:spLocks/>
+            </p:cNvSpPr>
+            <p:nvPr/>
+          </p:nvSpPr>
+          <p:spPr bwMode="auto">
+            <a:xfrm>
+              <a:off x="3638" y="563"/>
+              <a:ext cx="210" cy="265"/>
+            </a:xfrm>
+            <a:custGeom>
+              <a:avLst/>
+              <a:gdLst>
+                <a:gd name="T0" fmla="*/ 108 w 142"/>
+                <a:gd name="T1" fmla="*/ 179 h 179"/>
+                <a:gd name="T2" fmla="*/ 103 w 142"/>
+                <a:gd name="T3" fmla="*/ 176 h 179"/>
+                <a:gd name="T4" fmla="*/ 2 w 142"/>
+                <a:gd name="T5" fmla="*/ 11 h 179"/>
+                <a:gd name="T6" fmla="*/ 4 w 142"/>
+                <a:gd name="T7" fmla="*/ 3 h 179"/>
+                <a:gd name="T8" fmla="*/ 12 w 142"/>
+                <a:gd name="T9" fmla="*/ 5 h 179"/>
+                <a:gd name="T10" fmla="*/ 110 w 142"/>
+                <a:gd name="T11" fmla="*/ 165 h 179"/>
+                <a:gd name="T12" fmla="*/ 128 w 142"/>
+                <a:gd name="T13" fmla="*/ 155 h 179"/>
+                <a:gd name="T14" fmla="*/ 37 w 142"/>
+                <a:gd name="T15" fmla="*/ 10 h 179"/>
+                <a:gd name="T16" fmla="*/ 39 w 142"/>
+                <a:gd name="T17" fmla="*/ 2 h 179"/>
+                <a:gd name="T18" fmla="*/ 47 w 142"/>
+                <a:gd name="T19" fmla="*/ 4 h 179"/>
+                <a:gd name="T20" fmla="*/ 141 w 142"/>
+                <a:gd name="T21" fmla="*/ 153 h 179"/>
+                <a:gd name="T22" fmla="*/ 142 w 142"/>
+                <a:gd name="T23" fmla="*/ 158 h 179"/>
+                <a:gd name="T24" fmla="*/ 139 w 142"/>
+                <a:gd name="T25" fmla="*/ 162 h 179"/>
+                <a:gd name="T26" fmla="*/ 112 w 142"/>
+                <a:gd name="T27" fmla="*/ 178 h 179"/>
+                <a:gd name="T28" fmla="*/ 108 w 142"/>
+                <a:gd name="T29" fmla="*/ 179 h 179"/>
+              </a:gdLst>
+              <a:ahLst/>
+              <a:cxnLst>
+                <a:cxn ang="0">
+                  <a:pos x="T0" y="T1"/>
+                </a:cxn>
+                <a:cxn ang="0">
+                  <a:pos x="T2" y="T3"/>
+                </a:cxn>
+                <a:cxn ang="0">
+                  <a:pos x="T4" y="T5"/>
+                </a:cxn>
+                <a:cxn ang="0">
+                  <a:pos x="T6" y="T7"/>
+                </a:cxn>
+                <a:cxn ang="0">
+                  <a:pos x="T8" y="T9"/>
+                </a:cxn>
+                <a:cxn ang="0">
+                  <a:pos x="T10" y="T11"/>
+                </a:cxn>
+                <a:cxn ang="0">
+                  <a:pos x="T12" y="T13"/>
+                </a:cxn>
+                <a:cxn ang="0">
+                  <a:pos x="T14" y="T15"/>
+                </a:cxn>
+                <a:cxn ang="0">
+                  <a:pos x="T16" y="T17"/>
+                </a:cxn>
+                <a:cxn ang="0">
+                  <a:pos x="T18" y="T19"/>
+                </a:cxn>
+                <a:cxn ang="0">
+                  <a:pos x="T20" y="T21"/>
+                </a:cxn>
+                <a:cxn ang="0">
+                  <a:pos x="T22" y="T23"/>
+                </a:cxn>
+                <a:cxn ang="0">
+                  <a:pos x="T24" y="T25"/>
+                </a:cxn>
+                <a:cxn ang="0">
+                  <a:pos x="T26" y="T27"/>
+                </a:cxn>
+                <a:cxn ang="0">
+                  <a:pos x="T28" y="T29"/>
+                </a:cxn>
+              </a:cxnLst>
+              <a:rect l="0" t="0" r="r" b="b"/>
+              <a:pathLst>
+                <a:path w="142" h="179">
+                  <a:moveTo>
+                    <a:pt x="108" y="179"/>
+                  </a:moveTo>
+                  <a:cubicBezTo>
+                    <a:pt x="106" y="179"/>
+                    <a:pt x="104" y="178"/>
+                    <a:pt x="103" y="176"/>
+                  </a:cubicBezTo>
+                  <a:cubicBezTo>
+                    <a:pt x="2" y="11"/>
+                    <a:pt x="2" y="11"/>
+                    <a:pt x="2" y="11"/>
+                  </a:cubicBezTo>
+                  <a:cubicBezTo>
+                    <a:pt x="0" y="8"/>
+                    <a:pt x="1" y="5"/>
+                    <a:pt x="4" y="3"/>
+                  </a:cubicBezTo>
+                  <a:cubicBezTo>
+                    <a:pt x="7" y="1"/>
+                    <a:pt x="10" y="2"/>
+                    <a:pt x="12" y="5"/>
+                  </a:cubicBezTo>
+                  <a:cubicBezTo>
+                    <a:pt x="110" y="165"/>
+                    <a:pt x="110" y="165"/>
+                    <a:pt x="110" y="165"/>
+                  </a:cubicBezTo>
+                  <a:cubicBezTo>
+                    <a:pt x="128" y="155"/>
+                    <a:pt x="128" y="155"/>
+                    <a:pt x="128" y="155"/>
+                  </a:cubicBezTo>
+                  <a:cubicBezTo>
+                    <a:pt x="37" y="10"/>
+                    <a:pt x="37" y="10"/>
+                    <a:pt x="37" y="10"/>
+                  </a:cubicBezTo>
+                  <a:cubicBezTo>
+                    <a:pt x="36" y="8"/>
+                    <a:pt x="36" y="4"/>
+                    <a:pt x="39" y="2"/>
+                  </a:cubicBezTo>
+                  <a:cubicBezTo>
+                    <a:pt x="42" y="0"/>
+                    <a:pt x="46" y="1"/>
+                    <a:pt x="47" y="4"/>
+                  </a:cubicBezTo>
+                  <a:cubicBezTo>
+                    <a:pt x="141" y="153"/>
+                    <a:pt x="141" y="153"/>
+                    <a:pt x="141" y="153"/>
+                  </a:cubicBezTo>
+                  <a:cubicBezTo>
+                    <a:pt x="142" y="155"/>
+                    <a:pt x="142" y="156"/>
+                    <a:pt x="142" y="158"/>
+                  </a:cubicBezTo>
+                  <a:cubicBezTo>
+                    <a:pt x="142" y="159"/>
+                    <a:pt x="141" y="161"/>
+                    <a:pt x="139" y="162"/>
+                  </a:cubicBezTo>
+                  <a:cubicBezTo>
+                    <a:pt x="112" y="178"/>
+                    <a:pt x="112" y="178"/>
+                    <a:pt x="112" y="178"/>
+                  </a:cubicBezTo>
+                  <a:cubicBezTo>
+                    <a:pt x="111" y="179"/>
+                    <a:pt x="110" y="179"/>
+                    <a:pt x="108" y="179"/>
+                  </a:cubicBezTo>
+                  <a:close/>
+                </a:path>
+              </a:pathLst>
+            </a:custGeom>
+            <a:grpFill/>
+            <a:ln>
+              <a:noFill/>
+            </a:ln>
+            <a:extLst>
+              <a:ext uri="{91240B29-F687-4F45-9708-019B960494DF}">
+                <a14:hiddenLine xmlns:a14="http://schemas.microsoft.com/office/drawing/2010/main" w="9525">
+                  <a:solidFill>
+                    <a:srgbClr val="000000"/>
+                  </a:solidFill>
+                  <a:round/>
+                  <a:headEnd/>
+                  <a:tailEnd/>
+                </a14:hiddenLine>
+              </a:ext>
+            </a:extLst>
+          </p:spPr>
+          <p:txBody>
+            <a:bodyPr vert="horz" wrap="square" lIns="91440" tIns="45720" rIns="91440" bIns="45720" numCol="1" anchor="t" anchorCtr="0" compatLnSpc="1">
+              <a:prstTxWarp prst="textNoShape">
+                <a:avLst/>
+              </a:prstTxWarp>
+            </a:bodyPr>
+            <a:lstStyle/>
+            <a:p>
+              <a:endParaRPr lang="en-US" dirty="0"/>
+            </a:p>
+          </p:txBody>
+        </p:sp>
+        <p:sp>
+          <p:nvSpPr>
+            <p:cNvPr id="50" name="Freeform 34">
+              <a:extLst>
+                <a:ext uri="{FF2B5EF4-FFF2-40B4-BE49-F238E27FC236}">
+                  <a16:creationId xmlns:a16="http://schemas.microsoft.com/office/drawing/2014/main" id="{CEF9833A-6D4D-4FFC-9773-1FA3998867B7}"/>
+                </a:ext>
+              </a:extLst>
+            </p:cNvPr>
+            <p:cNvSpPr>
+              <a:spLocks/>
+            </p:cNvSpPr>
+            <p:nvPr/>
+          </p:nvSpPr>
+          <p:spPr bwMode="auto">
+            <a:xfrm>
+              <a:off x="3810" y="797"/>
+              <a:ext cx="50" cy="69"/>
+            </a:xfrm>
+            <a:custGeom>
+              <a:avLst/>
+              <a:gdLst>
+                <a:gd name="T0" fmla="*/ 27 w 34"/>
+                <a:gd name="T1" fmla="*/ 47 h 47"/>
+                <a:gd name="T2" fmla="*/ 22 w 34"/>
+                <a:gd name="T3" fmla="*/ 44 h 47"/>
+                <a:gd name="T4" fmla="*/ 2 w 34"/>
+                <a:gd name="T5" fmla="*/ 10 h 47"/>
+                <a:gd name="T6" fmla="*/ 4 w 34"/>
+                <a:gd name="T7" fmla="*/ 2 h 47"/>
+                <a:gd name="T8" fmla="*/ 12 w 34"/>
+                <a:gd name="T9" fmla="*/ 4 h 47"/>
+                <a:gd name="T10" fmla="*/ 32 w 34"/>
+                <a:gd name="T11" fmla="*/ 38 h 47"/>
+                <a:gd name="T12" fmla="*/ 30 w 34"/>
+                <a:gd name="T13" fmla="*/ 47 h 47"/>
+                <a:gd name="T14" fmla="*/ 27 w 34"/>
+                <a:gd name="T15" fmla="*/ 47 h 47"/>
+              </a:gdLst>
+              <a:ahLst/>
+              <a:cxnLst>
+                <a:cxn ang="0">
+                  <a:pos x="T0" y="T1"/>
+                </a:cxn>
+                <a:cxn ang="0">
+                  <a:pos x="T2" y="T3"/>
+                </a:cxn>
+                <a:cxn ang="0">
+                  <a:pos x="T4" y="T5"/>
+                </a:cxn>
+                <a:cxn ang="0">
+                  <a:pos x="T6" y="T7"/>
+                </a:cxn>
+                <a:cxn ang="0">
+                  <a:pos x="T8" y="T9"/>
+                </a:cxn>
+                <a:cxn ang="0">
+                  <a:pos x="T10" y="T11"/>
+                </a:cxn>
+                <a:cxn ang="0">
+                  <a:pos x="T12" y="T13"/>
+                </a:cxn>
+                <a:cxn ang="0">
+                  <a:pos x="T14" y="T15"/>
+                </a:cxn>
+              </a:cxnLst>
+              <a:rect l="0" t="0" r="r" b="b"/>
+              <a:pathLst>
+                <a:path w="34" h="47">
+                  <a:moveTo>
+                    <a:pt x="27" y="47"/>
+                  </a:moveTo>
+                  <a:cubicBezTo>
+                    <a:pt x="25" y="47"/>
+                    <a:pt x="23" y="46"/>
+                    <a:pt x="22" y="44"/>
+                  </a:cubicBezTo>
+                  <a:cubicBezTo>
+                    <a:pt x="2" y="10"/>
+                    <a:pt x="2" y="10"/>
+                    <a:pt x="2" y="10"/>
+                  </a:cubicBezTo>
+                  <a:cubicBezTo>
+                    <a:pt x="0" y="7"/>
+                    <a:pt x="1" y="3"/>
+                    <a:pt x="4" y="2"/>
+                  </a:cubicBezTo>
+                  <a:cubicBezTo>
+                    <a:pt x="6" y="0"/>
+                    <a:pt x="10" y="1"/>
+                    <a:pt x="12" y="4"/>
+                  </a:cubicBezTo>
+                  <a:cubicBezTo>
+                    <a:pt x="32" y="38"/>
+                    <a:pt x="32" y="38"/>
+                    <a:pt x="32" y="38"/>
+                  </a:cubicBezTo>
+                  <a:cubicBezTo>
+                    <a:pt x="34" y="41"/>
+                    <a:pt x="33" y="45"/>
+                    <a:pt x="30" y="47"/>
+                  </a:cubicBezTo>
+                  <a:cubicBezTo>
+                    <a:pt x="29" y="47"/>
+                    <a:pt x="28" y="47"/>
+                    <a:pt x="27" y="47"/>
+                  </a:cubicBezTo>
+                  <a:close/>
+                </a:path>
+              </a:pathLst>
+            </a:custGeom>
+            <a:grpFill/>
+            <a:ln>
+              <a:noFill/>
+            </a:ln>
+            <a:extLst>
+              <a:ext uri="{91240B29-F687-4F45-9708-019B960494DF}">
+                <a14:hiddenLine xmlns:a14="http://schemas.microsoft.com/office/drawing/2010/main" w="9525">
+                  <a:solidFill>
+                    <a:srgbClr val="000000"/>
+                  </a:solidFill>
+                  <a:round/>
+                  <a:headEnd/>
+                  <a:tailEnd/>
+                </a14:hiddenLine>
+              </a:ext>
+            </a:extLst>
+          </p:spPr>
+          <p:txBody>
+            <a:bodyPr vert="horz" wrap="square" lIns="91440" tIns="45720" rIns="91440" bIns="45720" numCol="1" anchor="t" anchorCtr="0" compatLnSpc="1">
+              <a:prstTxWarp prst="textNoShape">
+                <a:avLst/>
+              </a:prstTxWarp>
+            </a:bodyPr>
+            <a:lstStyle/>
+            <a:p>
+              <a:endParaRPr lang="en-US" dirty="0"/>
+            </a:p>
+          </p:txBody>
+        </p:sp>
+        <p:sp>
+          <p:nvSpPr>
+            <p:cNvPr id="51" name="Freeform 35">
+              <a:extLst>
+                <a:ext uri="{FF2B5EF4-FFF2-40B4-BE49-F238E27FC236}">
+                  <a16:creationId xmlns:a16="http://schemas.microsoft.com/office/drawing/2014/main" id="{133B5CAE-940C-4E7C-B67E-8A549A85BA89}"/>
+                </a:ext>
+              </a:extLst>
+            </p:cNvPr>
+            <p:cNvSpPr>
+              <a:spLocks noEditPoints="1"/>
+            </p:cNvSpPr>
+            <p:nvPr/>
+          </p:nvSpPr>
+          <p:spPr bwMode="auto">
+            <a:xfrm>
+              <a:off x="3585" y="440"/>
+              <a:ext cx="124" cy="142"/>
+            </a:xfrm>
+            <a:custGeom>
+              <a:avLst/>
+              <a:gdLst>
+                <a:gd name="T0" fmla="*/ 78 w 84"/>
+                <a:gd name="T1" fmla="*/ 96 h 96"/>
+                <a:gd name="T2" fmla="*/ 6 w 84"/>
+                <a:gd name="T3" fmla="*/ 96 h 96"/>
+                <a:gd name="T4" fmla="*/ 0 w 84"/>
+                <a:gd name="T5" fmla="*/ 90 h 96"/>
+                <a:gd name="T6" fmla="*/ 0 w 84"/>
+                <a:gd name="T7" fmla="*/ 42 h 96"/>
+                <a:gd name="T8" fmla="*/ 42 w 84"/>
+                <a:gd name="T9" fmla="*/ 0 h 96"/>
+                <a:gd name="T10" fmla="*/ 84 w 84"/>
+                <a:gd name="T11" fmla="*/ 42 h 96"/>
+                <a:gd name="T12" fmla="*/ 84 w 84"/>
+                <a:gd name="T13" fmla="*/ 90 h 96"/>
+                <a:gd name="T14" fmla="*/ 78 w 84"/>
+                <a:gd name="T15" fmla="*/ 96 h 96"/>
+                <a:gd name="T16" fmla="*/ 12 w 84"/>
+                <a:gd name="T17" fmla="*/ 84 h 96"/>
+                <a:gd name="T18" fmla="*/ 72 w 84"/>
+                <a:gd name="T19" fmla="*/ 84 h 96"/>
+                <a:gd name="T20" fmla="*/ 72 w 84"/>
+                <a:gd name="T21" fmla="*/ 42 h 96"/>
+                <a:gd name="T22" fmla="*/ 42 w 84"/>
+                <a:gd name="T23" fmla="*/ 12 h 96"/>
+                <a:gd name="T24" fmla="*/ 12 w 84"/>
+                <a:gd name="T25" fmla="*/ 42 h 96"/>
+                <a:gd name="T26" fmla="*/ 12 w 84"/>
+                <a:gd name="T27" fmla="*/ 84 h 96"/>
+              </a:gdLst>
+              <a:ahLst/>
+              <a:cxnLst>
+                <a:cxn ang="0">
+                  <a:pos x="T0" y="T1"/>
+                </a:cxn>
+                <a:cxn ang="0">
+                  <a:pos x="T2" y="T3"/>
+                </a:cxn>
+                <a:cxn ang="0">
+                  <a:pos x="T4" y="T5"/>
+                </a:cxn>
+                <a:cxn ang="0">
+                  <a:pos x="T6" y="T7"/>
+                </a:cxn>
+                <a:cxn ang="0">
+                  <a:pos x="T8" y="T9"/>
+                </a:cxn>
+                <a:cxn ang="0">
+                  <a:pos x="T10" y="T11"/>
+                </a:cxn>
+                <a:cxn ang="0">
+                  <a:pos x="T12" y="T13"/>
+                </a:cxn>
+                <a:cxn ang="0">
+                  <a:pos x="T14" y="T15"/>
+                </a:cxn>
+                <a:cxn ang="0">
+                  <a:pos x="T16" y="T17"/>
+                </a:cxn>
+                <a:cxn ang="0">
+                  <a:pos x="T18" y="T19"/>
+                </a:cxn>
+                <a:cxn ang="0">
+                  <a:pos x="T20" y="T21"/>
+                </a:cxn>
+                <a:cxn ang="0">
+                  <a:pos x="T22" y="T23"/>
+                </a:cxn>
+                <a:cxn ang="0">
+                  <a:pos x="T24" y="T25"/>
+                </a:cxn>
+                <a:cxn ang="0">
+                  <a:pos x="T26" y="T27"/>
+                </a:cxn>
+              </a:cxnLst>
+              <a:rect l="0" t="0" r="r" b="b"/>
+              <a:pathLst>
+                <a:path w="84" h="96">
+                  <a:moveTo>
+                    <a:pt x="78" y="96"/>
+                  </a:moveTo>
+                  <a:cubicBezTo>
+                    <a:pt x="6" y="96"/>
+                    <a:pt x="6" y="96"/>
+                    <a:pt x="6" y="96"/>
+                  </a:cubicBezTo>
+                  <a:cubicBezTo>
+                    <a:pt x="3" y="96"/>
+                    <a:pt x="0" y="94"/>
+                    <a:pt x="0" y="90"/>
+                  </a:cubicBezTo>
+                  <a:cubicBezTo>
+                    <a:pt x="0" y="42"/>
+                    <a:pt x="0" y="42"/>
+                    <a:pt x="0" y="42"/>
+                  </a:cubicBezTo>
+                  <a:cubicBezTo>
+                    <a:pt x="0" y="19"/>
+                    <a:pt x="19" y="0"/>
+                    <a:pt x="42" y="0"/>
+                  </a:cubicBezTo>
+                  <a:cubicBezTo>
+                    <a:pt x="66" y="0"/>
+                    <a:pt x="84" y="19"/>
+                    <a:pt x="84" y="42"/>
+                  </a:cubicBezTo>
+                  <a:cubicBezTo>
+                    <a:pt x="84" y="90"/>
+                    <a:pt x="84" y="90"/>
+                    <a:pt x="84" y="90"/>
+                  </a:cubicBezTo>
+                  <a:cubicBezTo>
+                    <a:pt x="84" y="94"/>
+                    <a:pt x="82" y="96"/>
+                    <a:pt x="78" y="96"/>
+                  </a:cubicBezTo>
+                  <a:close/>
+                  <a:moveTo>
+                    <a:pt x="12" y="84"/>
+                  </a:moveTo>
+                  <a:cubicBezTo>
+                    <a:pt x="72" y="84"/>
+                    <a:pt x="72" y="84"/>
+                    <a:pt x="72" y="84"/>
+                  </a:cubicBezTo>
+                  <a:cubicBezTo>
+                    <a:pt x="72" y="42"/>
+                    <a:pt x="72" y="42"/>
+                    <a:pt x="72" y="42"/>
+                  </a:cubicBezTo>
+                  <a:cubicBezTo>
+                    <a:pt x="72" y="26"/>
+                    <a:pt x="59" y="12"/>
+                    <a:pt x="42" y="12"/>
+                  </a:cubicBezTo>
+                  <a:cubicBezTo>
+                    <a:pt x="26" y="12"/>
+                    <a:pt x="12" y="26"/>
+                    <a:pt x="12" y="42"/>
+                  </a:cubicBezTo>
+                  <a:lnTo>
+                    <a:pt x="12" y="84"/>
+                  </a:lnTo>
+                  <a:close/>
+                </a:path>
+              </a:pathLst>
+            </a:custGeom>
+            <a:grpFill/>
+            <a:ln>
+              <a:noFill/>
+            </a:ln>
+            <a:extLst>
+              <a:ext uri="{91240B29-F687-4F45-9708-019B960494DF}">
+                <a14:hiddenLine xmlns:a14="http://schemas.microsoft.com/office/drawing/2010/main" w="9525">
+                  <a:solidFill>
+                    <a:srgbClr val="000000"/>
+                  </a:solidFill>
+                  <a:round/>
+                  <a:headEnd/>
+                  <a:tailEnd/>
+                </a14:hiddenLine>
+              </a:ext>
+            </a:extLst>
+          </p:spPr>
+          <p:txBody>
+            <a:bodyPr vert="horz" wrap="square" lIns="91440" tIns="45720" rIns="91440" bIns="45720" numCol="1" anchor="t" anchorCtr="0" compatLnSpc="1">
+              <a:prstTxWarp prst="textNoShape">
+                <a:avLst/>
+              </a:prstTxWarp>
+            </a:bodyPr>
+            <a:lstStyle/>
+            <a:p>
+              <a:endParaRPr lang="en-US" dirty="0"/>
+            </a:p>
+          </p:txBody>
+        </p:sp>
+        <p:sp>
+          <p:nvSpPr>
+            <p:cNvPr id="52" name="Freeform 36">
+              <a:extLst>
+                <a:ext uri="{FF2B5EF4-FFF2-40B4-BE49-F238E27FC236}">
+                  <a16:creationId xmlns:a16="http://schemas.microsoft.com/office/drawing/2014/main" id="{672E8881-5EEB-455F-9B2C-E0289B2EFD80}"/>
+                </a:ext>
+              </a:extLst>
+            </p:cNvPr>
+            <p:cNvSpPr>
+              <a:spLocks/>
+            </p:cNvSpPr>
+            <p:nvPr/>
+          </p:nvSpPr>
+          <p:spPr bwMode="auto">
+            <a:xfrm>
+              <a:off x="3443" y="563"/>
+              <a:ext cx="217" cy="161"/>
+            </a:xfrm>
+            <a:custGeom>
+              <a:avLst/>
+              <a:gdLst>
+                <a:gd name="T0" fmla="*/ 102 w 147"/>
+                <a:gd name="T1" fmla="*/ 109 h 109"/>
+                <a:gd name="T2" fmla="*/ 6 w 147"/>
+                <a:gd name="T3" fmla="*/ 109 h 109"/>
+                <a:gd name="T4" fmla="*/ 0 w 147"/>
+                <a:gd name="T5" fmla="*/ 103 h 109"/>
+                <a:gd name="T6" fmla="*/ 0 w 147"/>
+                <a:gd name="T7" fmla="*/ 79 h 109"/>
+                <a:gd name="T8" fmla="*/ 6 w 147"/>
+                <a:gd name="T9" fmla="*/ 73 h 109"/>
+                <a:gd name="T10" fmla="*/ 72 w 147"/>
+                <a:gd name="T11" fmla="*/ 73 h 109"/>
+                <a:gd name="T12" fmla="*/ 96 w 147"/>
+                <a:gd name="T13" fmla="*/ 5 h 109"/>
+                <a:gd name="T14" fmla="*/ 104 w 147"/>
+                <a:gd name="T15" fmla="*/ 1 h 109"/>
+                <a:gd name="T16" fmla="*/ 107 w 147"/>
+                <a:gd name="T17" fmla="*/ 9 h 109"/>
+                <a:gd name="T18" fmla="*/ 81 w 147"/>
+                <a:gd name="T19" fmla="*/ 81 h 109"/>
+                <a:gd name="T20" fmla="*/ 76 w 147"/>
+                <a:gd name="T21" fmla="*/ 85 h 109"/>
+                <a:gd name="T22" fmla="*/ 12 w 147"/>
+                <a:gd name="T23" fmla="*/ 85 h 109"/>
+                <a:gd name="T24" fmla="*/ 12 w 147"/>
+                <a:gd name="T25" fmla="*/ 97 h 109"/>
+                <a:gd name="T26" fmla="*/ 98 w 147"/>
+                <a:gd name="T27" fmla="*/ 97 h 109"/>
+                <a:gd name="T28" fmla="*/ 134 w 147"/>
+                <a:gd name="T29" fmla="*/ 6 h 109"/>
+                <a:gd name="T30" fmla="*/ 142 w 147"/>
+                <a:gd name="T31" fmla="*/ 2 h 109"/>
+                <a:gd name="T32" fmla="*/ 145 w 147"/>
+                <a:gd name="T33" fmla="*/ 10 h 109"/>
+                <a:gd name="T34" fmla="*/ 108 w 147"/>
+                <a:gd name="T35" fmla="*/ 105 h 109"/>
+                <a:gd name="T36" fmla="*/ 102 w 147"/>
+                <a:gd name="T37" fmla="*/ 109 h 109"/>
+              </a:gdLst>
+              <a:ahLst/>
+              <a:cxnLst>
+                <a:cxn ang="0">
+                  <a:pos x="T0" y="T1"/>
+                </a:cxn>
+                <a:cxn ang="0">
+                  <a:pos x="T2" y="T3"/>
+                </a:cxn>
+                <a:cxn ang="0">
+                  <a:pos x="T4" y="T5"/>
+                </a:cxn>
+                <a:cxn ang="0">
+                  <a:pos x="T6" y="T7"/>
+                </a:cxn>
+                <a:cxn ang="0">
+                  <a:pos x="T8" y="T9"/>
+                </a:cxn>
+                <a:cxn ang="0">
+                  <a:pos x="T10" y="T11"/>
+                </a:cxn>
+                <a:cxn ang="0">
+                  <a:pos x="T12" y="T13"/>
+                </a:cxn>
+                <a:cxn ang="0">
+                  <a:pos x="T14" y="T15"/>
+                </a:cxn>
+                <a:cxn ang="0">
+                  <a:pos x="T16" y="T17"/>
+                </a:cxn>
+                <a:cxn ang="0">
+                  <a:pos x="T18" y="T19"/>
+                </a:cxn>
+                <a:cxn ang="0">
+                  <a:pos x="T20" y="T21"/>
+                </a:cxn>
+                <a:cxn ang="0">
+                  <a:pos x="T22" y="T23"/>
+                </a:cxn>
+                <a:cxn ang="0">
+                  <a:pos x="T24" y="T25"/>
+                </a:cxn>
+                <a:cxn ang="0">
+                  <a:pos x="T26" y="T27"/>
+                </a:cxn>
+                <a:cxn ang="0">
+                  <a:pos x="T28" y="T29"/>
+                </a:cxn>
+                <a:cxn ang="0">
+                  <a:pos x="T30" y="T31"/>
+                </a:cxn>
+                <a:cxn ang="0">
+                  <a:pos x="T32" y="T33"/>
+                </a:cxn>
+                <a:cxn ang="0">
+                  <a:pos x="T34" y="T35"/>
+                </a:cxn>
+                <a:cxn ang="0">
+                  <a:pos x="T36" y="T37"/>
+                </a:cxn>
+              </a:cxnLst>
+              <a:rect l="0" t="0" r="r" b="b"/>
+              <a:pathLst>
+                <a:path w="147" h="109">
+                  <a:moveTo>
+                    <a:pt x="102" y="109"/>
+                  </a:moveTo>
+                  <a:cubicBezTo>
+                    <a:pt x="6" y="109"/>
+                    <a:pt x="6" y="109"/>
+                    <a:pt x="6" y="109"/>
+                  </a:cubicBezTo>
+                  <a:cubicBezTo>
+                    <a:pt x="3" y="109"/>
+                    <a:pt x="0" y="107"/>
+                    <a:pt x="0" y="103"/>
+                  </a:cubicBezTo>
+                  <a:cubicBezTo>
+                    <a:pt x="0" y="79"/>
+                    <a:pt x="0" y="79"/>
+                    <a:pt x="0" y="79"/>
+                  </a:cubicBezTo>
+                  <a:cubicBezTo>
+                    <a:pt x="0" y="76"/>
+                    <a:pt x="3" y="73"/>
+                    <a:pt x="6" y="73"/>
+                  </a:cubicBezTo>
+                  <a:cubicBezTo>
+                    <a:pt x="72" y="73"/>
+                    <a:pt x="72" y="73"/>
+                    <a:pt x="72" y="73"/>
+                  </a:cubicBezTo>
+                  <a:cubicBezTo>
+                    <a:pt x="96" y="5"/>
+                    <a:pt x="96" y="5"/>
+                    <a:pt x="96" y="5"/>
+                  </a:cubicBezTo>
+                  <a:cubicBezTo>
+                    <a:pt x="97" y="2"/>
+                    <a:pt x="101" y="0"/>
+                    <a:pt x="104" y="1"/>
+                  </a:cubicBezTo>
+                  <a:cubicBezTo>
+                    <a:pt x="107" y="2"/>
+                    <a:pt x="108" y="6"/>
+                    <a:pt x="107" y="9"/>
+                  </a:cubicBezTo>
+                  <a:cubicBezTo>
+                    <a:pt x="81" y="81"/>
+                    <a:pt x="81" y="81"/>
+                    <a:pt x="81" y="81"/>
+                  </a:cubicBezTo>
+                  <a:cubicBezTo>
+                    <a:pt x="81" y="84"/>
+                    <a:pt x="78" y="85"/>
+                    <a:pt x="76" y="85"/>
+                  </a:cubicBezTo>
+                  <a:cubicBezTo>
+                    <a:pt x="12" y="85"/>
+                    <a:pt x="12" y="85"/>
+                    <a:pt x="12" y="85"/>
+                  </a:cubicBezTo>
+                  <a:cubicBezTo>
+                    <a:pt x="12" y="97"/>
+                    <a:pt x="12" y="97"/>
+                    <a:pt x="12" y="97"/>
+                  </a:cubicBezTo>
+                  <a:cubicBezTo>
+                    <a:pt x="98" y="97"/>
+                    <a:pt x="98" y="97"/>
+                    <a:pt x="98" y="97"/>
+                  </a:cubicBezTo>
+                  <a:cubicBezTo>
+                    <a:pt x="134" y="6"/>
+                    <a:pt x="134" y="6"/>
+                    <a:pt x="134" y="6"/>
+                  </a:cubicBezTo>
+                  <a:cubicBezTo>
+                    <a:pt x="136" y="3"/>
+                    <a:pt x="139" y="1"/>
+                    <a:pt x="142" y="2"/>
+                  </a:cubicBezTo>
+                  <a:cubicBezTo>
+                    <a:pt x="145" y="4"/>
+                    <a:pt x="147" y="7"/>
+                    <a:pt x="145" y="10"/>
+                  </a:cubicBezTo>
+                  <a:cubicBezTo>
+                    <a:pt x="108" y="105"/>
+                    <a:pt x="108" y="105"/>
+                    <a:pt x="108" y="105"/>
+                  </a:cubicBezTo>
+                  <a:cubicBezTo>
+                    <a:pt x="107" y="108"/>
+                    <a:pt x="105" y="109"/>
+                    <a:pt x="102" y="109"/>
+                  </a:cubicBezTo>
+                  <a:close/>
+                </a:path>
+              </a:pathLst>
+            </a:custGeom>
+            <a:grpFill/>
+            <a:ln>
+              <a:noFill/>
+            </a:ln>
+            <a:extLst>
+              <a:ext uri="{91240B29-F687-4F45-9708-019B960494DF}">
+                <a14:hiddenLine xmlns:a14="http://schemas.microsoft.com/office/drawing/2010/main" w="9525">
+                  <a:solidFill>
+                    <a:srgbClr val="000000"/>
+                  </a:solidFill>
+                  <a:round/>
+                  <a:headEnd/>
+                  <a:tailEnd/>
+                </a14:hiddenLine>
+              </a:ext>
+            </a:extLst>
+          </p:spPr>
+          <p:txBody>
+            <a:bodyPr vert="horz" wrap="square" lIns="91440" tIns="45720" rIns="91440" bIns="45720" numCol="1" anchor="t" anchorCtr="0" compatLnSpc="1">
+              <a:prstTxWarp prst="textNoShape">
+                <a:avLst/>
+              </a:prstTxWarp>
+            </a:bodyPr>
+            <a:lstStyle/>
+            <a:p>
+              <a:endParaRPr lang="en-US" dirty="0"/>
+            </a:p>
+          </p:txBody>
+        </p:sp>
+      </p:grpSp>
+      <p:grpSp>
+        <p:nvGrpSpPr>
+          <p:cNvPr id="53" name="Group 83">
+            <a:extLst>
+              <a:ext uri="{FF2B5EF4-FFF2-40B4-BE49-F238E27FC236}">
+                <a16:creationId xmlns:a16="http://schemas.microsoft.com/office/drawing/2014/main" id="{CE92689A-91A3-45D8-BFB3-0AA1A38899F1}"/>
+              </a:ext>
+            </a:extLst>
+          </p:cNvPr>
+          <p:cNvGrpSpPr>
+            <a:grpSpLocks noChangeAspect="1"/>
+          </p:cNvGrpSpPr>
+          <p:nvPr/>
+        </p:nvGrpSpPr>
+        <p:grpSpPr bwMode="auto">
+          <a:xfrm>
+            <a:off x="5706045" y="2238348"/>
+            <a:ext cx="479568" cy="490720"/>
+            <a:chOff x="1580" y="1910"/>
+            <a:chExt cx="387" cy="396"/>
+          </a:xfrm>
+          <a:solidFill>
+            <a:schemeClr val="tx2"/>
+          </a:solidFill>
+        </p:grpSpPr>
+        <p:sp>
+          <p:nvSpPr>
+            <p:cNvPr id="54" name="Freeform 84">
+              <a:extLst>
+                <a:ext uri="{FF2B5EF4-FFF2-40B4-BE49-F238E27FC236}">
+                  <a16:creationId xmlns:a16="http://schemas.microsoft.com/office/drawing/2014/main" id="{A5E1A9CD-62BB-450E-8A8F-3F55627E8A48}"/>
+                </a:ext>
+              </a:extLst>
+            </p:cNvPr>
+            <p:cNvSpPr>
+              <a:spLocks noEditPoints="1"/>
+            </p:cNvSpPr>
+            <p:nvPr/>
+          </p:nvSpPr>
+          <p:spPr bwMode="auto">
+            <a:xfrm>
+              <a:off x="1655" y="1982"/>
+              <a:ext cx="238" cy="252"/>
+            </a:xfrm>
+            <a:custGeom>
+              <a:avLst/>
+              <a:gdLst>
+                <a:gd name="T0" fmla="*/ 0 w 156"/>
+                <a:gd name="T1" fmla="*/ 78 h 169"/>
+                <a:gd name="T2" fmla="*/ 54 w 156"/>
+                <a:gd name="T3" fmla="*/ 163 h 169"/>
+                <a:gd name="T4" fmla="*/ 96 w 156"/>
+                <a:gd name="T5" fmla="*/ 169 h 169"/>
+                <a:gd name="T6" fmla="*/ 102 w 156"/>
+                <a:gd name="T7" fmla="*/ 153 h 169"/>
+                <a:gd name="T8" fmla="*/ 78 w 156"/>
+                <a:gd name="T9" fmla="*/ 0 h 169"/>
+                <a:gd name="T10" fmla="*/ 90 w 156"/>
+                <a:gd name="T11" fmla="*/ 148 h 169"/>
+                <a:gd name="T12" fmla="*/ 66 w 156"/>
+                <a:gd name="T13" fmla="*/ 157 h 169"/>
+                <a:gd name="T14" fmla="*/ 61 w 156"/>
+                <a:gd name="T15" fmla="*/ 142 h 169"/>
+                <a:gd name="T16" fmla="*/ 63 w 156"/>
+                <a:gd name="T17" fmla="*/ 133 h 169"/>
+                <a:gd name="T18" fmla="*/ 67 w 156"/>
+                <a:gd name="T19" fmla="*/ 110 h 169"/>
+                <a:gd name="T20" fmla="*/ 58 w 156"/>
+                <a:gd name="T21" fmla="*/ 89 h 169"/>
+                <a:gd name="T22" fmla="*/ 53 w 156"/>
+                <a:gd name="T23" fmla="*/ 78 h 169"/>
+                <a:gd name="T24" fmla="*/ 56 w 156"/>
+                <a:gd name="T25" fmla="*/ 67 h 169"/>
+                <a:gd name="T26" fmla="*/ 55 w 156"/>
+                <a:gd name="T27" fmla="*/ 57 h 169"/>
+                <a:gd name="T28" fmla="*/ 82 w 156"/>
+                <a:gd name="T29" fmla="*/ 44 h 169"/>
+                <a:gd name="T30" fmla="*/ 99 w 156"/>
+                <a:gd name="T31" fmla="*/ 67 h 169"/>
+                <a:gd name="T32" fmla="*/ 102 w 156"/>
+                <a:gd name="T33" fmla="*/ 78 h 169"/>
+                <a:gd name="T34" fmla="*/ 102 w 156"/>
+                <a:gd name="T35" fmla="*/ 83 h 169"/>
+                <a:gd name="T36" fmla="*/ 92 w 156"/>
+                <a:gd name="T37" fmla="*/ 105 h 169"/>
+                <a:gd name="T38" fmla="*/ 89 w 156"/>
+                <a:gd name="T39" fmla="*/ 127 h 169"/>
+                <a:gd name="T40" fmla="*/ 105 w 156"/>
+                <a:gd name="T41" fmla="*/ 138 h 169"/>
+                <a:gd name="T42" fmla="*/ 118 w 156"/>
+                <a:gd name="T43" fmla="*/ 131 h 169"/>
+                <a:gd name="T44" fmla="*/ 100 w 156"/>
+                <a:gd name="T45" fmla="*/ 114 h 169"/>
+                <a:gd name="T46" fmla="*/ 114 w 156"/>
+                <a:gd name="T47" fmla="*/ 80 h 169"/>
+                <a:gd name="T48" fmla="*/ 111 w 156"/>
+                <a:gd name="T49" fmla="*/ 69 h 169"/>
+                <a:gd name="T50" fmla="*/ 82 w 156"/>
+                <a:gd name="T51" fmla="*/ 33 h 169"/>
+                <a:gd name="T52" fmla="*/ 44 w 156"/>
+                <a:gd name="T53" fmla="*/ 49 h 169"/>
+                <a:gd name="T54" fmla="*/ 43 w 156"/>
+                <a:gd name="T55" fmla="*/ 71 h 169"/>
+                <a:gd name="T56" fmla="*/ 46 w 156"/>
+                <a:gd name="T57" fmla="*/ 93 h 169"/>
+                <a:gd name="T58" fmla="*/ 55 w 156"/>
+                <a:gd name="T59" fmla="*/ 123 h 169"/>
+                <a:gd name="T60" fmla="*/ 12 w 156"/>
+                <a:gd name="T61" fmla="*/ 78 h 169"/>
+                <a:gd name="T62" fmla="*/ 144 w 156"/>
+                <a:gd name="T63" fmla="*/ 78 h 169"/>
+              </a:gdLst>
+              <a:ahLst/>
+              <a:cxnLst>
+                <a:cxn ang="0">
+                  <a:pos x="T0" y="T1"/>
+                </a:cxn>
+                <a:cxn ang="0">
+                  <a:pos x="T2" y="T3"/>
+                </a:cxn>
+                <a:cxn ang="0">
+                  <a:pos x="T4" y="T5"/>
+                </a:cxn>
+                <a:cxn ang="0">
+                  <a:pos x="T6" y="T7"/>
+                </a:cxn>
+                <a:cxn ang="0">
+                  <a:pos x="T8" y="T9"/>
+                </a:cxn>
+                <a:cxn ang="0">
+                  <a:pos x="T10" y="T11"/>
+                </a:cxn>
+                <a:cxn ang="0">
+                  <a:pos x="T12" y="T13"/>
+                </a:cxn>
+                <a:cxn ang="0">
+                  <a:pos x="T14" y="T15"/>
+                </a:cxn>
+                <a:cxn ang="0">
+                  <a:pos x="T16" y="T17"/>
+                </a:cxn>
+                <a:cxn ang="0">
+                  <a:pos x="T18" y="T19"/>
+                </a:cxn>
+                <a:cxn ang="0">
+                  <a:pos x="T20" y="T21"/>
+                </a:cxn>
+                <a:cxn ang="0">
+                  <a:pos x="T22" y="T23"/>
+                </a:cxn>
+                <a:cxn ang="0">
+                  <a:pos x="T24" y="T25"/>
+                </a:cxn>
+                <a:cxn ang="0">
+                  <a:pos x="T26" y="T27"/>
+                </a:cxn>
+                <a:cxn ang="0">
+                  <a:pos x="T28" y="T29"/>
+                </a:cxn>
+                <a:cxn ang="0">
+                  <a:pos x="T30" y="T31"/>
+                </a:cxn>
+                <a:cxn ang="0">
+                  <a:pos x="T32" y="T33"/>
+                </a:cxn>
+                <a:cxn ang="0">
+                  <a:pos x="T34" y="T35"/>
+                </a:cxn>
+                <a:cxn ang="0">
+                  <a:pos x="T36" y="T37"/>
+                </a:cxn>
+                <a:cxn ang="0">
+                  <a:pos x="T38" y="T39"/>
+                </a:cxn>
+                <a:cxn ang="0">
+                  <a:pos x="T40" y="T41"/>
+                </a:cxn>
+                <a:cxn ang="0">
+                  <a:pos x="T42" y="T43"/>
+                </a:cxn>
+                <a:cxn ang="0">
+                  <a:pos x="T44" y="T45"/>
+                </a:cxn>
+                <a:cxn ang="0">
+                  <a:pos x="T46" y="T47"/>
+                </a:cxn>
+                <a:cxn ang="0">
+                  <a:pos x="T48" y="T49"/>
+                </a:cxn>
+                <a:cxn ang="0">
+                  <a:pos x="T50" y="T51"/>
+                </a:cxn>
+                <a:cxn ang="0">
+                  <a:pos x="T52" y="T53"/>
+                </a:cxn>
+                <a:cxn ang="0">
+                  <a:pos x="T54" y="T55"/>
+                </a:cxn>
+                <a:cxn ang="0">
+                  <a:pos x="T56" y="T57"/>
+                </a:cxn>
+                <a:cxn ang="0">
+                  <a:pos x="T58" y="T59"/>
+                </a:cxn>
+                <a:cxn ang="0">
+                  <a:pos x="T60" y="T61"/>
+                </a:cxn>
+                <a:cxn ang="0">
+                  <a:pos x="T62" y="T63"/>
+                </a:cxn>
+              </a:cxnLst>
+              <a:rect l="0" t="0" r="r" b="b"/>
+              <a:pathLst>
+                <a:path w="156" h="169">
+                  <a:moveTo>
+                    <a:pt x="78" y="0"/>
+                  </a:moveTo>
+                  <a:cubicBezTo>
+                    <a:pt x="35" y="0"/>
+                    <a:pt x="0" y="35"/>
+                    <a:pt x="0" y="78"/>
+                  </a:cubicBezTo>
+                  <a:cubicBezTo>
+                    <a:pt x="0" y="112"/>
+                    <a:pt x="22" y="142"/>
+                    <a:pt x="54" y="153"/>
+                  </a:cubicBezTo>
+                  <a:cubicBezTo>
+                    <a:pt x="54" y="163"/>
+                    <a:pt x="54" y="163"/>
+                    <a:pt x="54" y="163"/>
+                  </a:cubicBezTo>
+                  <a:cubicBezTo>
+                    <a:pt x="54" y="166"/>
+                    <a:pt x="56" y="169"/>
+                    <a:pt x="60" y="169"/>
+                  </a:cubicBezTo>
+                  <a:cubicBezTo>
+                    <a:pt x="96" y="169"/>
+                    <a:pt x="96" y="169"/>
+                    <a:pt x="96" y="169"/>
+                  </a:cubicBezTo>
+                  <a:cubicBezTo>
+                    <a:pt x="99" y="169"/>
+                    <a:pt x="102" y="166"/>
+                    <a:pt x="102" y="163"/>
+                  </a:cubicBezTo>
+                  <a:cubicBezTo>
+                    <a:pt x="102" y="153"/>
+                    <a:pt x="102" y="153"/>
+                    <a:pt x="102" y="153"/>
+                  </a:cubicBezTo>
+                  <a:cubicBezTo>
+                    <a:pt x="134" y="142"/>
+                    <a:pt x="156" y="112"/>
+                    <a:pt x="156" y="78"/>
+                  </a:cubicBezTo>
+                  <a:cubicBezTo>
+                    <a:pt x="156" y="35"/>
+                    <a:pt x="121" y="0"/>
+                    <a:pt x="78" y="0"/>
+                  </a:cubicBezTo>
+                  <a:close/>
+                  <a:moveTo>
+                    <a:pt x="94" y="142"/>
+                  </a:moveTo>
+                  <a:cubicBezTo>
+                    <a:pt x="92" y="143"/>
+                    <a:pt x="90" y="145"/>
+                    <a:pt x="90" y="148"/>
+                  </a:cubicBezTo>
+                  <a:cubicBezTo>
+                    <a:pt x="90" y="157"/>
+                    <a:pt x="90" y="157"/>
+                    <a:pt x="90" y="157"/>
+                  </a:cubicBezTo>
+                  <a:cubicBezTo>
+                    <a:pt x="66" y="157"/>
+                    <a:pt x="66" y="157"/>
+                    <a:pt x="66" y="157"/>
+                  </a:cubicBezTo>
+                  <a:cubicBezTo>
+                    <a:pt x="66" y="148"/>
+                    <a:pt x="66" y="148"/>
+                    <a:pt x="66" y="148"/>
+                  </a:cubicBezTo>
+                  <a:cubicBezTo>
+                    <a:pt x="66" y="145"/>
+                    <a:pt x="64" y="143"/>
+                    <a:pt x="61" y="142"/>
+                  </a:cubicBezTo>
+                  <a:cubicBezTo>
+                    <a:pt x="57" y="141"/>
+                    <a:pt x="54" y="140"/>
+                    <a:pt x="50" y="138"/>
+                  </a:cubicBezTo>
+                  <a:cubicBezTo>
+                    <a:pt x="54" y="136"/>
+                    <a:pt x="59" y="135"/>
+                    <a:pt x="63" y="133"/>
+                  </a:cubicBezTo>
+                  <a:cubicBezTo>
+                    <a:pt x="65" y="132"/>
+                    <a:pt x="67" y="130"/>
+                    <a:pt x="67" y="127"/>
+                  </a:cubicBezTo>
+                  <a:cubicBezTo>
+                    <a:pt x="67" y="110"/>
+                    <a:pt x="67" y="110"/>
+                    <a:pt x="67" y="110"/>
+                  </a:cubicBezTo>
+                  <a:cubicBezTo>
+                    <a:pt x="67" y="108"/>
+                    <a:pt x="65" y="106"/>
+                    <a:pt x="63" y="105"/>
+                  </a:cubicBezTo>
+                  <a:cubicBezTo>
+                    <a:pt x="63" y="105"/>
+                    <a:pt x="58" y="102"/>
+                    <a:pt x="58" y="89"/>
+                  </a:cubicBezTo>
+                  <a:cubicBezTo>
+                    <a:pt x="58" y="86"/>
+                    <a:pt x="56" y="84"/>
+                    <a:pt x="54" y="84"/>
+                  </a:cubicBezTo>
+                  <a:cubicBezTo>
+                    <a:pt x="53" y="83"/>
+                    <a:pt x="52" y="80"/>
+                    <a:pt x="53" y="78"/>
+                  </a:cubicBezTo>
+                  <a:cubicBezTo>
+                    <a:pt x="56" y="78"/>
+                    <a:pt x="58" y="75"/>
+                    <a:pt x="58" y="72"/>
+                  </a:cubicBezTo>
+                  <a:cubicBezTo>
+                    <a:pt x="58" y="71"/>
+                    <a:pt x="58" y="69"/>
+                    <a:pt x="56" y="67"/>
+                  </a:cubicBezTo>
+                  <a:cubicBezTo>
+                    <a:pt x="54" y="60"/>
+                    <a:pt x="53" y="58"/>
+                    <a:pt x="53" y="57"/>
+                  </a:cubicBezTo>
+                  <a:cubicBezTo>
+                    <a:pt x="54" y="57"/>
+                    <a:pt x="54" y="57"/>
+                    <a:pt x="55" y="57"/>
+                  </a:cubicBezTo>
+                  <a:cubicBezTo>
+                    <a:pt x="58" y="58"/>
+                    <a:pt x="61" y="56"/>
+                    <a:pt x="62" y="53"/>
+                  </a:cubicBezTo>
+                  <a:cubicBezTo>
+                    <a:pt x="63" y="48"/>
+                    <a:pt x="72" y="44"/>
+                    <a:pt x="82" y="44"/>
+                  </a:cubicBezTo>
+                  <a:cubicBezTo>
+                    <a:pt x="92" y="44"/>
+                    <a:pt x="100" y="48"/>
+                    <a:pt x="102" y="53"/>
+                  </a:cubicBezTo>
+                  <a:cubicBezTo>
+                    <a:pt x="103" y="58"/>
+                    <a:pt x="100" y="64"/>
+                    <a:pt x="99" y="67"/>
+                  </a:cubicBezTo>
+                  <a:cubicBezTo>
+                    <a:pt x="98" y="69"/>
+                    <a:pt x="97" y="71"/>
+                    <a:pt x="97" y="72"/>
+                  </a:cubicBezTo>
+                  <a:cubicBezTo>
+                    <a:pt x="97" y="75"/>
+                    <a:pt x="100" y="78"/>
+                    <a:pt x="102" y="78"/>
+                  </a:cubicBezTo>
+                  <a:cubicBezTo>
+                    <a:pt x="103" y="78"/>
+                    <a:pt x="103" y="79"/>
+                    <a:pt x="103" y="79"/>
+                  </a:cubicBezTo>
+                  <a:cubicBezTo>
+                    <a:pt x="103" y="81"/>
+                    <a:pt x="102" y="82"/>
+                    <a:pt x="102" y="83"/>
+                  </a:cubicBezTo>
+                  <a:cubicBezTo>
+                    <a:pt x="99" y="84"/>
+                    <a:pt x="97" y="86"/>
+                    <a:pt x="97" y="89"/>
+                  </a:cubicBezTo>
+                  <a:cubicBezTo>
+                    <a:pt x="97" y="101"/>
+                    <a:pt x="93" y="104"/>
+                    <a:pt x="92" y="105"/>
+                  </a:cubicBezTo>
+                  <a:cubicBezTo>
+                    <a:pt x="90" y="106"/>
+                    <a:pt x="89" y="108"/>
+                    <a:pt x="89" y="110"/>
+                  </a:cubicBezTo>
+                  <a:cubicBezTo>
+                    <a:pt x="89" y="127"/>
+                    <a:pt x="89" y="127"/>
+                    <a:pt x="89" y="127"/>
+                  </a:cubicBezTo>
+                  <a:cubicBezTo>
+                    <a:pt x="89" y="130"/>
+                    <a:pt x="90" y="132"/>
+                    <a:pt x="92" y="133"/>
+                  </a:cubicBezTo>
+                  <a:cubicBezTo>
+                    <a:pt x="97" y="135"/>
+                    <a:pt x="101" y="136"/>
+                    <a:pt x="105" y="138"/>
+                  </a:cubicBezTo>
+                  <a:cubicBezTo>
+                    <a:pt x="102" y="140"/>
+                    <a:pt x="98" y="141"/>
+                    <a:pt x="94" y="142"/>
+                  </a:cubicBezTo>
+                  <a:close/>
+                  <a:moveTo>
+                    <a:pt x="118" y="131"/>
+                  </a:moveTo>
+                  <a:cubicBezTo>
+                    <a:pt x="112" y="128"/>
+                    <a:pt x="106" y="126"/>
+                    <a:pt x="100" y="123"/>
+                  </a:cubicBezTo>
+                  <a:cubicBezTo>
+                    <a:pt x="100" y="114"/>
+                    <a:pt x="100" y="114"/>
+                    <a:pt x="100" y="114"/>
+                  </a:cubicBezTo>
+                  <a:cubicBezTo>
+                    <a:pt x="104" y="111"/>
+                    <a:pt x="108" y="105"/>
+                    <a:pt x="109" y="93"/>
+                  </a:cubicBezTo>
+                  <a:cubicBezTo>
+                    <a:pt x="112" y="90"/>
+                    <a:pt x="114" y="85"/>
+                    <a:pt x="114" y="80"/>
+                  </a:cubicBezTo>
+                  <a:cubicBezTo>
+                    <a:pt x="114" y="76"/>
+                    <a:pt x="114" y="74"/>
+                    <a:pt x="112" y="71"/>
+                  </a:cubicBezTo>
+                  <a:cubicBezTo>
+                    <a:pt x="112" y="71"/>
+                    <a:pt x="111" y="70"/>
+                    <a:pt x="111" y="69"/>
+                  </a:cubicBezTo>
+                  <a:cubicBezTo>
+                    <a:pt x="113" y="65"/>
+                    <a:pt x="115" y="57"/>
+                    <a:pt x="113" y="50"/>
+                  </a:cubicBezTo>
+                  <a:cubicBezTo>
+                    <a:pt x="110" y="37"/>
+                    <a:pt x="94" y="33"/>
+                    <a:pt x="82" y="33"/>
+                  </a:cubicBezTo>
+                  <a:cubicBezTo>
+                    <a:pt x="71" y="33"/>
+                    <a:pt x="58" y="36"/>
+                    <a:pt x="53" y="45"/>
+                  </a:cubicBezTo>
+                  <a:cubicBezTo>
+                    <a:pt x="49" y="45"/>
+                    <a:pt x="46" y="46"/>
+                    <a:pt x="44" y="49"/>
+                  </a:cubicBezTo>
+                  <a:cubicBezTo>
+                    <a:pt x="39" y="55"/>
+                    <a:pt x="42" y="64"/>
+                    <a:pt x="45" y="69"/>
+                  </a:cubicBezTo>
+                  <a:cubicBezTo>
+                    <a:pt x="44" y="70"/>
+                    <a:pt x="44" y="71"/>
+                    <a:pt x="43" y="71"/>
+                  </a:cubicBezTo>
+                  <a:cubicBezTo>
+                    <a:pt x="42" y="74"/>
+                    <a:pt x="41" y="77"/>
+                    <a:pt x="41" y="80"/>
+                  </a:cubicBezTo>
+                  <a:cubicBezTo>
+                    <a:pt x="41" y="85"/>
+                    <a:pt x="43" y="90"/>
+                    <a:pt x="46" y="93"/>
+                  </a:cubicBezTo>
+                  <a:cubicBezTo>
+                    <a:pt x="47" y="105"/>
+                    <a:pt x="51" y="111"/>
+                    <a:pt x="55" y="114"/>
+                  </a:cubicBezTo>
+                  <a:cubicBezTo>
+                    <a:pt x="55" y="123"/>
+                    <a:pt x="55" y="123"/>
+                    <a:pt x="55" y="123"/>
+                  </a:cubicBezTo>
+                  <a:cubicBezTo>
+                    <a:pt x="49" y="126"/>
+                    <a:pt x="43" y="128"/>
+                    <a:pt x="38" y="131"/>
+                  </a:cubicBezTo>
+                  <a:cubicBezTo>
+                    <a:pt x="22" y="119"/>
+                    <a:pt x="12" y="100"/>
+                    <a:pt x="12" y="78"/>
+                  </a:cubicBezTo>
+                  <a:cubicBezTo>
+                    <a:pt x="12" y="42"/>
+                    <a:pt x="41" y="12"/>
+                    <a:pt x="78" y="12"/>
+                  </a:cubicBezTo>
+                  <a:cubicBezTo>
+                    <a:pt x="114" y="12"/>
+                    <a:pt x="144" y="42"/>
+                    <a:pt x="144" y="78"/>
+                  </a:cubicBezTo>
+                  <a:cubicBezTo>
+                    <a:pt x="144" y="100"/>
+                    <a:pt x="134" y="119"/>
+                    <a:pt x="118" y="131"/>
+                  </a:cubicBezTo>
+                  <a:close/>
+                </a:path>
+              </a:pathLst>
+            </a:custGeom>
+            <a:grpFill/>
+            <a:ln>
+              <a:noFill/>
+            </a:ln>
+            <a:extLst>
+              <a:ext uri="{91240B29-F687-4F45-9708-019B960494DF}">
+                <a14:hiddenLine xmlns:a14="http://schemas.microsoft.com/office/drawing/2010/main" w="9525">
+                  <a:solidFill>
+                    <a:srgbClr val="000000"/>
+                  </a:solidFill>
+                  <a:round/>
+                  <a:headEnd/>
+                  <a:tailEnd/>
+                </a14:hiddenLine>
+              </a:ext>
+            </a:extLst>
+          </p:spPr>
+          <p:txBody>
+            <a:bodyPr vert="horz" wrap="square" lIns="91440" tIns="45720" rIns="91440" bIns="45720" numCol="1" anchor="t" anchorCtr="0" compatLnSpc="1">
+              <a:prstTxWarp prst="textNoShape">
+                <a:avLst/>
+              </a:prstTxWarp>
+            </a:bodyPr>
+            <a:lstStyle/>
+            <a:p>
+              <a:endParaRPr lang="en-US"/>
+            </a:p>
+          </p:txBody>
+        </p:sp>
+        <p:sp>
+          <p:nvSpPr>
+            <p:cNvPr id="55" name="Freeform 85">
+              <a:extLst>
+                <a:ext uri="{FF2B5EF4-FFF2-40B4-BE49-F238E27FC236}">
+                  <a16:creationId xmlns:a16="http://schemas.microsoft.com/office/drawing/2014/main" id="{E296B311-69C5-4939-BB50-056204D59193}"/>
+                </a:ext>
+              </a:extLst>
+            </p:cNvPr>
+            <p:cNvSpPr>
+              <a:spLocks/>
+            </p:cNvSpPr>
+            <p:nvPr/>
+          </p:nvSpPr>
+          <p:spPr bwMode="auto">
+            <a:xfrm>
+              <a:off x="1756" y="2288"/>
+              <a:ext cx="36" cy="18"/>
+            </a:xfrm>
+            <a:custGeom>
+              <a:avLst/>
+              <a:gdLst>
+                <a:gd name="T0" fmla="*/ 18 w 24"/>
+                <a:gd name="T1" fmla="*/ 0 h 12"/>
+                <a:gd name="T2" fmla="*/ 6 w 24"/>
+                <a:gd name="T3" fmla="*/ 0 h 12"/>
+                <a:gd name="T4" fmla="*/ 0 w 24"/>
+                <a:gd name="T5" fmla="*/ 6 h 12"/>
+                <a:gd name="T6" fmla="*/ 6 w 24"/>
+                <a:gd name="T7" fmla="*/ 12 h 12"/>
+                <a:gd name="T8" fmla="*/ 18 w 24"/>
+                <a:gd name="T9" fmla="*/ 12 h 12"/>
+                <a:gd name="T10" fmla="*/ 24 w 24"/>
+                <a:gd name="T11" fmla="*/ 6 h 12"/>
+                <a:gd name="T12" fmla="*/ 18 w 24"/>
+                <a:gd name="T13" fmla="*/ 0 h 12"/>
+              </a:gdLst>
+              <a:ahLst/>
+              <a:cxnLst>
+                <a:cxn ang="0">
+                  <a:pos x="T0" y="T1"/>
+                </a:cxn>
+                <a:cxn ang="0">
+                  <a:pos x="T2" y="T3"/>
+                </a:cxn>
+                <a:cxn ang="0">
+                  <a:pos x="T4" y="T5"/>
+                </a:cxn>
+                <a:cxn ang="0">
+                  <a:pos x="T6" y="T7"/>
+                </a:cxn>
+                <a:cxn ang="0">
+                  <a:pos x="T8" y="T9"/>
+                </a:cxn>
+                <a:cxn ang="0">
+                  <a:pos x="T10" y="T11"/>
+                </a:cxn>
+                <a:cxn ang="0">
+                  <a:pos x="T12" y="T13"/>
+                </a:cxn>
+              </a:cxnLst>
+              <a:rect l="0" t="0" r="r" b="b"/>
+              <a:pathLst>
+                <a:path w="24" h="12">
+                  <a:moveTo>
+                    <a:pt x="18" y="0"/>
+                  </a:moveTo>
+                  <a:cubicBezTo>
+                    <a:pt x="6" y="0"/>
+                    <a:pt x="6" y="0"/>
+                    <a:pt x="6" y="0"/>
+                  </a:cubicBezTo>
+                  <a:cubicBezTo>
+                    <a:pt x="2" y="0"/>
+                    <a:pt x="0" y="2"/>
+                    <a:pt x="0" y="6"/>
+                  </a:cubicBezTo>
+                  <a:cubicBezTo>
+                    <a:pt x="0" y="9"/>
+                    <a:pt x="2" y="12"/>
+                    <a:pt x="6" y="12"/>
+                  </a:cubicBezTo>
+                  <a:cubicBezTo>
+                    <a:pt x="18" y="12"/>
+                    <a:pt x="18" y="12"/>
+                    <a:pt x="18" y="12"/>
+                  </a:cubicBezTo>
+                  <a:cubicBezTo>
+                    <a:pt x="21" y="12"/>
+                    <a:pt x="24" y="9"/>
+                    <a:pt x="24" y="6"/>
+                  </a:cubicBezTo>
+                  <a:cubicBezTo>
+                    <a:pt x="24" y="2"/>
+                    <a:pt x="21" y="0"/>
+                    <a:pt x="18" y="0"/>
+                  </a:cubicBezTo>
+                  <a:close/>
+                </a:path>
+              </a:pathLst>
+            </a:custGeom>
+            <a:grpFill/>
+            <a:ln>
+              <a:noFill/>
+            </a:ln>
+            <a:extLst>
+              <a:ext uri="{91240B29-F687-4F45-9708-019B960494DF}">
+                <a14:hiddenLine xmlns:a14="http://schemas.microsoft.com/office/drawing/2010/main" w="9525">
+                  <a:solidFill>
+                    <a:srgbClr val="000000"/>
+                  </a:solidFill>
+                  <a:round/>
+                  <a:headEnd/>
+                  <a:tailEnd/>
+                </a14:hiddenLine>
+              </a:ext>
+            </a:extLst>
+          </p:spPr>
+          <p:txBody>
+            <a:bodyPr vert="horz" wrap="square" lIns="91440" tIns="45720" rIns="91440" bIns="45720" numCol="1" anchor="t" anchorCtr="0" compatLnSpc="1">
+              <a:prstTxWarp prst="textNoShape">
+                <a:avLst/>
+              </a:prstTxWarp>
+            </a:bodyPr>
+            <a:lstStyle/>
+            <a:p>
+              <a:endParaRPr lang="en-US"/>
+            </a:p>
+          </p:txBody>
+        </p:sp>
+        <p:sp>
+          <p:nvSpPr>
+            <p:cNvPr id="56" name="Freeform 86">
+              <a:extLst>
+                <a:ext uri="{FF2B5EF4-FFF2-40B4-BE49-F238E27FC236}">
+                  <a16:creationId xmlns:a16="http://schemas.microsoft.com/office/drawing/2014/main" id="{EAB50B55-D958-45F2-910E-679AA0C300AA}"/>
+                </a:ext>
+              </a:extLst>
+            </p:cNvPr>
+            <p:cNvSpPr>
+              <a:spLocks/>
+            </p:cNvSpPr>
+            <p:nvPr/>
+          </p:nvSpPr>
+          <p:spPr bwMode="auto">
+            <a:xfrm>
+              <a:off x="1737" y="2252"/>
+              <a:ext cx="74" cy="18"/>
+            </a:xfrm>
+            <a:custGeom>
+              <a:avLst/>
+              <a:gdLst>
+                <a:gd name="T0" fmla="*/ 42 w 48"/>
+                <a:gd name="T1" fmla="*/ 0 h 12"/>
+                <a:gd name="T2" fmla="*/ 6 w 48"/>
+                <a:gd name="T3" fmla="*/ 0 h 12"/>
+                <a:gd name="T4" fmla="*/ 0 w 48"/>
+                <a:gd name="T5" fmla="*/ 6 h 12"/>
+                <a:gd name="T6" fmla="*/ 6 w 48"/>
+                <a:gd name="T7" fmla="*/ 12 h 12"/>
+                <a:gd name="T8" fmla="*/ 42 w 48"/>
+                <a:gd name="T9" fmla="*/ 12 h 12"/>
+                <a:gd name="T10" fmla="*/ 48 w 48"/>
+                <a:gd name="T11" fmla="*/ 6 h 12"/>
+                <a:gd name="T12" fmla="*/ 42 w 48"/>
+                <a:gd name="T13" fmla="*/ 0 h 12"/>
+              </a:gdLst>
+              <a:ahLst/>
+              <a:cxnLst>
+                <a:cxn ang="0">
+                  <a:pos x="T0" y="T1"/>
+                </a:cxn>
+                <a:cxn ang="0">
+                  <a:pos x="T2" y="T3"/>
+                </a:cxn>
+                <a:cxn ang="0">
+                  <a:pos x="T4" y="T5"/>
+                </a:cxn>
+                <a:cxn ang="0">
+                  <a:pos x="T6" y="T7"/>
+                </a:cxn>
+                <a:cxn ang="0">
+                  <a:pos x="T8" y="T9"/>
+                </a:cxn>
+                <a:cxn ang="0">
+                  <a:pos x="T10" y="T11"/>
+                </a:cxn>
+                <a:cxn ang="0">
+                  <a:pos x="T12" y="T13"/>
+                </a:cxn>
+              </a:cxnLst>
+              <a:rect l="0" t="0" r="r" b="b"/>
+              <a:pathLst>
+                <a:path w="48" h="12">
+                  <a:moveTo>
+                    <a:pt x="42" y="0"/>
+                  </a:moveTo>
+                  <a:cubicBezTo>
+                    <a:pt x="6" y="0"/>
+                    <a:pt x="6" y="0"/>
+                    <a:pt x="6" y="0"/>
+                  </a:cubicBezTo>
+                  <a:cubicBezTo>
+                    <a:pt x="2" y="0"/>
+                    <a:pt x="0" y="2"/>
+                    <a:pt x="0" y="6"/>
+                  </a:cubicBezTo>
+                  <a:cubicBezTo>
+                    <a:pt x="0" y="9"/>
+                    <a:pt x="2" y="12"/>
+                    <a:pt x="6" y="12"/>
+                  </a:cubicBezTo>
+                  <a:cubicBezTo>
+                    <a:pt x="42" y="12"/>
+                    <a:pt x="42" y="12"/>
+                    <a:pt x="42" y="12"/>
+                  </a:cubicBezTo>
+                  <a:cubicBezTo>
+                    <a:pt x="45" y="12"/>
+                    <a:pt x="48" y="9"/>
+                    <a:pt x="48" y="6"/>
+                  </a:cubicBezTo>
+                  <a:cubicBezTo>
+                    <a:pt x="48" y="2"/>
+                    <a:pt x="45" y="0"/>
+                    <a:pt x="42" y="0"/>
+                  </a:cubicBezTo>
+                  <a:close/>
+                </a:path>
+              </a:pathLst>
+            </a:custGeom>
+            <a:grpFill/>
+            <a:ln>
+              <a:noFill/>
+            </a:ln>
+            <a:extLst>
+              <a:ext uri="{91240B29-F687-4F45-9708-019B960494DF}">
+                <a14:hiddenLine xmlns:a14="http://schemas.microsoft.com/office/drawing/2010/main" w="9525">
+                  <a:solidFill>
+                    <a:srgbClr val="000000"/>
+                  </a:solidFill>
+                  <a:round/>
+                  <a:headEnd/>
+                  <a:tailEnd/>
+                </a14:hiddenLine>
+              </a:ext>
+            </a:extLst>
+          </p:spPr>
+          <p:txBody>
+            <a:bodyPr vert="horz" wrap="square" lIns="91440" tIns="45720" rIns="91440" bIns="45720" numCol="1" anchor="t" anchorCtr="0" compatLnSpc="1">
+              <a:prstTxWarp prst="textNoShape">
+                <a:avLst/>
+              </a:prstTxWarp>
+            </a:bodyPr>
+            <a:lstStyle/>
+            <a:p>
+              <a:endParaRPr lang="en-US"/>
+            </a:p>
+          </p:txBody>
+        </p:sp>
+        <p:sp>
+          <p:nvSpPr>
+            <p:cNvPr id="57" name="Freeform 87">
+              <a:extLst>
+                <a:ext uri="{FF2B5EF4-FFF2-40B4-BE49-F238E27FC236}">
+                  <a16:creationId xmlns:a16="http://schemas.microsoft.com/office/drawing/2014/main" id="{6FD30ADB-462F-4833-960C-4DC6B28F6183}"/>
+                </a:ext>
+              </a:extLst>
+            </p:cNvPr>
+            <p:cNvSpPr>
+              <a:spLocks/>
+            </p:cNvSpPr>
+            <p:nvPr/>
+          </p:nvSpPr>
+          <p:spPr bwMode="auto">
+            <a:xfrm>
+              <a:off x="1765" y="1910"/>
+              <a:ext cx="18" cy="54"/>
+            </a:xfrm>
+            <a:custGeom>
+              <a:avLst/>
+              <a:gdLst>
+                <a:gd name="T0" fmla="*/ 6 w 12"/>
+                <a:gd name="T1" fmla="*/ 36 h 36"/>
+                <a:gd name="T2" fmla="*/ 12 w 12"/>
+                <a:gd name="T3" fmla="*/ 30 h 36"/>
+                <a:gd name="T4" fmla="*/ 12 w 12"/>
+                <a:gd name="T5" fmla="*/ 6 h 36"/>
+                <a:gd name="T6" fmla="*/ 6 w 12"/>
+                <a:gd name="T7" fmla="*/ 0 h 36"/>
+                <a:gd name="T8" fmla="*/ 0 w 12"/>
+                <a:gd name="T9" fmla="*/ 6 h 36"/>
+                <a:gd name="T10" fmla="*/ 0 w 12"/>
+                <a:gd name="T11" fmla="*/ 30 h 36"/>
+                <a:gd name="T12" fmla="*/ 6 w 12"/>
+                <a:gd name="T13" fmla="*/ 36 h 36"/>
+              </a:gdLst>
+              <a:ahLst/>
+              <a:cxnLst>
+                <a:cxn ang="0">
+                  <a:pos x="T0" y="T1"/>
+                </a:cxn>
+                <a:cxn ang="0">
+                  <a:pos x="T2" y="T3"/>
+                </a:cxn>
+                <a:cxn ang="0">
+                  <a:pos x="T4" y="T5"/>
+                </a:cxn>
+                <a:cxn ang="0">
+                  <a:pos x="T6" y="T7"/>
+                </a:cxn>
+                <a:cxn ang="0">
+                  <a:pos x="T8" y="T9"/>
+                </a:cxn>
+                <a:cxn ang="0">
+                  <a:pos x="T10" y="T11"/>
+                </a:cxn>
+                <a:cxn ang="0">
+                  <a:pos x="T12" y="T13"/>
+                </a:cxn>
+              </a:cxnLst>
+              <a:rect l="0" t="0" r="r" b="b"/>
+              <a:pathLst>
+                <a:path w="12" h="36">
+                  <a:moveTo>
+                    <a:pt x="6" y="36"/>
+                  </a:moveTo>
+                  <a:cubicBezTo>
+                    <a:pt x="9" y="36"/>
+                    <a:pt x="12" y="34"/>
+                    <a:pt x="12" y="30"/>
+                  </a:cubicBezTo>
+                  <a:cubicBezTo>
+                    <a:pt x="12" y="6"/>
+                    <a:pt x="12" y="6"/>
+                    <a:pt x="12" y="6"/>
+                  </a:cubicBezTo>
+                  <a:cubicBezTo>
+                    <a:pt x="12" y="3"/>
+                    <a:pt x="9" y="0"/>
+                    <a:pt x="6" y="0"/>
+                  </a:cubicBezTo>
+                  <a:cubicBezTo>
+                    <a:pt x="2" y="0"/>
+                    <a:pt x="0" y="3"/>
+                    <a:pt x="0" y="6"/>
+                  </a:cubicBezTo>
+                  <a:cubicBezTo>
+                    <a:pt x="0" y="30"/>
+                    <a:pt x="0" y="30"/>
+                    <a:pt x="0" y="30"/>
+                  </a:cubicBezTo>
+                  <a:cubicBezTo>
+                    <a:pt x="0" y="34"/>
+                    <a:pt x="2" y="36"/>
+                    <a:pt x="6" y="36"/>
+                  </a:cubicBezTo>
+                  <a:close/>
+                </a:path>
+              </a:pathLst>
+            </a:custGeom>
+            <a:grpFill/>
+            <a:ln>
+              <a:noFill/>
+            </a:ln>
+            <a:extLst>
+              <a:ext uri="{91240B29-F687-4F45-9708-019B960494DF}">
+                <a14:hiddenLine xmlns:a14="http://schemas.microsoft.com/office/drawing/2010/main" w="9525">
+                  <a:solidFill>
+                    <a:srgbClr val="000000"/>
+                  </a:solidFill>
+                  <a:round/>
+                  <a:headEnd/>
+                  <a:tailEnd/>
+                </a14:hiddenLine>
+              </a:ext>
+            </a:extLst>
+          </p:spPr>
+          <p:txBody>
+            <a:bodyPr vert="horz" wrap="square" lIns="91440" tIns="45720" rIns="91440" bIns="45720" numCol="1" anchor="t" anchorCtr="0" compatLnSpc="1">
+              <a:prstTxWarp prst="textNoShape">
+                <a:avLst/>
+              </a:prstTxWarp>
+            </a:bodyPr>
+            <a:lstStyle/>
+            <a:p>
+              <a:endParaRPr lang="en-US"/>
+            </a:p>
+          </p:txBody>
+        </p:sp>
+        <p:sp>
+          <p:nvSpPr>
+            <p:cNvPr id="58" name="Freeform 88">
+              <a:extLst>
+                <a:ext uri="{FF2B5EF4-FFF2-40B4-BE49-F238E27FC236}">
+                  <a16:creationId xmlns:a16="http://schemas.microsoft.com/office/drawing/2014/main" id="{9DA54BEA-3B19-40EE-8F63-EB99CE49E025}"/>
+                </a:ext>
+              </a:extLst>
+            </p:cNvPr>
+            <p:cNvSpPr>
+              <a:spLocks/>
+            </p:cNvSpPr>
+            <p:nvPr/>
+          </p:nvSpPr>
+          <p:spPr bwMode="auto">
+            <a:xfrm>
+              <a:off x="1912" y="2089"/>
+              <a:ext cx="55" cy="18"/>
+            </a:xfrm>
+            <a:custGeom>
+              <a:avLst/>
+              <a:gdLst>
+                <a:gd name="T0" fmla="*/ 30 w 36"/>
+                <a:gd name="T1" fmla="*/ 0 h 12"/>
+                <a:gd name="T2" fmla="*/ 6 w 36"/>
+                <a:gd name="T3" fmla="*/ 0 h 12"/>
+                <a:gd name="T4" fmla="*/ 0 w 36"/>
+                <a:gd name="T5" fmla="*/ 6 h 12"/>
+                <a:gd name="T6" fmla="*/ 6 w 36"/>
+                <a:gd name="T7" fmla="*/ 12 h 12"/>
+                <a:gd name="T8" fmla="*/ 30 w 36"/>
+                <a:gd name="T9" fmla="*/ 12 h 12"/>
+                <a:gd name="T10" fmla="*/ 36 w 36"/>
+                <a:gd name="T11" fmla="*/ 6 h 12"/>
+                <a:gd name="T12" fmla="*/ 30 w 36"/>
+                <a:gd name="T13" fmla="*/ 0 h 12"/>
+              </a:gdLst>
+              <a:ahLst/>
+              <a:cxnLst>
+                <a:cxn ang="0">
+                  <a:pos x="T0" y="T1"/>
+                </a:cxn>
+                <a:cxn ang="0">
+                  <a:pos x="T2" y="T3"/>
+                </a:cxn>
+                <a:cxn ang="0">
+                  <a:pos x="T4" y="T5"/>
+                </a:cxn>
+                <a:cxn ang="0">
+                  <a:pos x="T6" y="T7"/>
+                </a:cxn>
+                <a:cxn ang="0">
+                  <a:pos x="T8" y="T9"/>
+                </a:cxn>
+                <a:cxn ang="0">
+                  <a:pos x="T10" y="T11"/>
+                </a:cxn>
+                <a:cxn ang="0">
+                  <a:pos x="T12" y="T13"/>
+                </a:cxn>
+              </a:cxnLst>
+              <a:rect l="0" t="0" r="r" b="b"/>
+              <a:pathLst>
+                <a:path w="36" h="12">
+                  <a:moveTo>
+                    <a:pt x="30" y="0"/>
+                  </a:moveTo>
+                  <a:cubicBezTo>
+                    <a:pt x="6" y="0"/>
+                    <a:pt x="6" y="0"/>
+                    <a:pt x="6" y="0"/>
+                  </a:cubicBezTo>
+                  <a:cubicBezTo>
+                    <a:pt x="2" y="0"/>
+                    <a:pt x="0" y="3"/>
+                    <a:pt x="0" y="6"/>
+                  </a:cubicBezTo>
+                  <a:cubicBezTo>
+                    <a:pt x="0" y="10"/>
+                    <a:pt x="2" y="12"/>
+                    <a:pt x="6" y="12"/>
+                  </a:cubicBezTo>
+                  <a:cubicBezTo>
+                    <a:pt x="30" y="12"/>
+                    <a:pt x="30" y="12"/>
+                    <a:pt x="30" y="12"/>
+                  </a:cubicBezTo>
+                  <a:cubicBezTo>
+                    <a:pt x="33" y="12"/>
+                    <a:pt x="36" y="10"/>
+                    <a:pt x="36" y="6"/>
+                  </a:cubicBezTo>
+                  <a:cubicBezTo>
+                    <a:pt x="36" y="3"/>
+                    <a:pt x="33" y="0"/>
+                    <a:pt x="30" y="0"/>
+                  </a:cubicBezTo>
+                  <a:close/>
+                </a:path>
+              </a:pathLst>
+            </a:custGeom>
+            <a:grpFill/>
+            <a:ln>
+              <a:noFill/>
+            </a:ln>
+            <a:extLst>
+              <a:ext uri="{91240B29-F687-4F45-9708-019B960494DF}">
+                <a14:hiddenLine xmlns:a14="http://schemas.microsoft.com/office/drawing/2010/main" w="9525">
+                  <a:solidFill>
+                    <a:srgbClr val="000000"/>
+                  </a:solidFill>
+                  <a:round/>
+                  <a:headEnd/>
+                  <a:tailEnd/>
+                </a14:hiddenLine>
+              </a:ext>
+            </a:extLst>
+          </p:spPr>
+          <p:txBody>
+            <a:bodyPr vert="horz" wrap="square" lIns="91440" tIns="45720" rIns="91440" bIns="45720" numCol="1" anchor="t" anchorCtr="0" compatLnSpc="1">
+              <a:prstTxWarp prst="textNoShape">
+                <a:avLst/>
+              </a:prstTxWarp>
+            </a:bodyPr>
+            <a:lstStyle/>
+            <a:p>
+              <a:endParaRPr lang="en-US"/>
+            </a:p>
+          </p:txBody>
+        </p:sp>
+        <p:sp>
+          <p:nvSpPr>
+            <p:cNvPr id="59" name="Freeform 89">
+              <a:extLst>
+                <a:ext uri="{FF2B5EF4-FFF2-40B4-BE49-F238E27FC236}">
+                  <a16:creationId xmlns:a16="http://schemas.microsoft.com/office/drawing/2014/main" id="{18CF1A8A-E1E4-44C9-9825-D31846EC6546}"/>
+                </a:ext>
+              </a:extLst>
+            </p:cNvPr>
+            <p:cNvSpPr>
+              <a:spLocks/>
+            </p:cNvSpPr>
+            <p:nvPr/>
+          </p:nvSpPr>
+          <p:spPr bwMode="auto">
+            <a:xfrm>
+              <a:off x="1580" y="2089"/>
+              <a:ext cx="55" cy="18"/>
+            </a:xfrm>
+            <a:custGeom>
+              <a:avLst/>
+              <a:gdLst>
+                <a:gd name="T0" fmla="*/ 30 w 36"/>
+                <a:gd name="T1" fmla="*/ 0 h 12"/>
+                <a:gd name="T2" fmla="*/ 6 w 36"/>
+                <a:gd name="T3" fmla="*/ 0 h 12"/>
+                <a:gd name="T4" fmla="*/ 0 w 36"/>
+                <a:gd name="T5" fmla="*/ 6 h 12"/>
+                <a:gd name="T6" fmla="*/ 6 w 36"/>
+                <a:gd name="T7" fmla="*/ 12 h 12"/>
+                <a:gd name="T8" fmla="*/ 30 w 36"/>
+                <a:gd name="T9" fmla="*/ 12 h 12"/>
+                <a:gd name="T10" fmla="*/ 36 w 36"/>
+                <a:gd name="T11" fmla="*/ 6 h 12"/>
+                <a:gd name="T12" fmla="*/ 30 w 36"/>
+                <a:gd name="T13" fmla="*/ 0 h 12"/>
+              </a:gdLst>
+              <a:ahLst/>
+              <a:cxnLst>
+                <a:cxn ang="0">
+                  <a:pos x="T0" y="T1"/>
+                </a:cxn>
+                <a:cxn ang="0">
+                  <a:pos x="T2" y="T3"/>
+                </a:cxn>
+                <a:cxn ang="0">
+                  <a:pos x="T4" y="T5"/>
+                </a:cxn>
+                <a:cxn ang="0">
+                  <a:pos x="T6" y="T7"/>
+                </a:cxn>
+                <a:cxn ang="0">
+                  <a:pos x="T8" y="T9"/>
+                </a:cxn>
+                <a:cxn ang="0">
+                  <a:pos x="T10" y="T11"/>
+                </a:cxn>
+                <a:cxn ang="0">
+                  <a:pos x="T12" y="T13"/>
+                </a:cxn>
+              </a:cxnLst>
+              <a:rect l="0" t="0" r="r" b="b"/>
+              <a:pathLst>
+                <a:path w="36" h="12">
+                  <a:moveTo>
+                    <a:pt x="30" y="0"/>
+                  </a:moveTo>
+                  <a:cubicBezTo>
+                    <a:pt x="6" y="0"/>
+                    <a:pt x="6" y="0"/>
+                    <a:pt x="6" y="0"/>
+                  </a:cubicBezTo>
+                  <a:cubicBezTo>
+                    <a:pt x="3" y="0"/>
+                    <a:pt x="0" y="3"/>
+                    <a:pt x="0" y="6"/>
+                  </a:cubicBezTo>
+                  <a:cubicBezTo>
+                    <a:pt x="0" y="10"/>
+                    <a:pt x="3" y="12"/>
+                    <a:pt x="6" y="12"/>
+                  </a:cubicBezTo>
+                  <a:cubicBezTo>
+                    <a:pt x="30" y="12"/>
+                    <a:pt x="30" y="12"/>
+                    <a:pt x="30" y="12"/>
+                  </a:cubicBezTo>
+                  <a:cubicBezTo>
+                    <a:pt x="34" y="12"/>
+                    <a:pt x="36" y="10"/>
+                    <a:pt x="36" y="6"/>
+                  </a:cubicBezTo>
+                  <a:cubicBezTo>
+                    <a:pt x="36" y="3"/>
+                    <a:pt x="34" y="0"/>
+                    <a:pt x="30" y="0"/>
+                  </a:cubicBezTo>
+                  <a:close/>
+                </a:path>
+              </a:pathLst>
+            </a:custGeom>
+            <a:grpFill/>
+            <a:ln>
+              <a:noFill/>
+            </a:ln>
+            <a:extLst>
+              <a:ext uri="{91240B29-F687-4F45-9708-019B960494DF}">
+                <a14:hiddenLine xmlns:a14="http://schemas.microsoft.com/office/drawing/2010/main" w="9525">
+                  <a:solidFill>
+                    <a:srgbClr val="000000"/>
+                  </a:solidFill>
+                  <a:round/>
+                  <a:headEnd/>
+                  <a:tailEnd/>
+                </a14:hiddenLine>
+              </a:ext>
+            </a:extLst>
+          </p:spPr>
+          <p:txBody>
+            <a:bodyPr vert="horz" wrap="square" lIns="91440" tIns="45720" rIns="91440" bIns="45720" numCol="1" anchor="t" anchorCtr="0" compatLnSpc="1">
+              <a:prstTxWarp prst="textNoShape">
+                <a:avLst/>
+              </a:prstTxWarp>
+            </a:bodyPr>
+            <a:lstStyle/>
+            <a:p>
+              <a:endParaRPr lang="en-US"/>
+            </a:p>
+          </p:txBody>
+        </p:sp>
+        <p:sp>
+          <p:nvSpPr>
+            <p:cNvPr id="60" name="Freeform 90">
+              <a:extLst>
+                <a:ext uri="{FF2B5EF4-FFF2-40B4-BE49-F238E27FC236}">
+                  <a16:creationId xmlns:a16="http://schemas.microsoft.com/office/drawing/2014/main" id="{06263866-FEAA-439F-8D77-E95AF8068163}"/>
+                </a:ext>
+              </a:extLst>
+            </p:cNvPr>
+            <p:cNvSpPr>
+              <a:spLocks/>
+            </p:cNvSpPr>
+            <p:nvPr/>
+          </p:nvSpPr>
+          <p:spPr bwMode="auto">
+            <a:xfrm>
+              <a:off x="1621" y="1949"/>
+              <a:ext cx="58" cy="57"/>
+            </a:xfrm>
+            <a:custGeom>
+              <a:avLst/>
+              <a:gdLst>
+                <a:gd name="T0" fmla="*/ 27 w 38"/>
+                <a:gd name="T1" fmla="*/ 37 h 38"/>
+                <a:gd name="T2" fmla="*/ 32 w 38"/>
+                <a:gd name="T3" fmla="*/ 38 h 38"/>
+                <a:gd name="T4" fmla="*/ 36 w 38"/>
+                <a:gd name="T5" fmla="*/ 37 h 38"/>
+                <a:gd name="T6" fmla="*/ 36 w 38"/>
+                <a:gd name="T7" fmla="*/ 28 h 38"/>
+                <a:gd name="T8" fmla="*/ 10 w 38"/>
+                <a:gd name="T9" fmla="*/ 3 h 38"/>
+                <a:gd name="T10" fmla="*/ 2 w 38"/>
+                <a:gd name="T11" fmla="*/ 3 h 38"/>
+                <a:gd name="T12" fmla="*/ 2 w 38"/>
+                <a:gd name="T13" fmla="*/ 11 h 38"/>
+                <a:gd name="T14" fmla="*/ 27 w 38"/>
+                <a:gd name="T15" fmla="*/ 37 h 38"/>
+              </a:gdLst>
+              <a:ahLst/>
+              <a:cxnLst>
+                <a:cxn ang="0">
+                  <a:pos x="T0" y="T1"/>
+                </a:cxn>
+                <a:cxn ang="0">
+                  <a:pos x="T2" y="T3"/>
+                </a:cxn>
+                <a:cxn ang="0">
+                  <a:pos x="T4" y="T5"/>
+                </a:cxn>
+                <a:cxn ang="0">
+                  <a:pos x="T6" y="T7"/>
+                </a:cxn>
+                <a:cxn ang="0">
+                  <a:pos x="T8" y="T9"/>
+                </a:cxn>
+                <a:cxn ang="0">
+                  <a:pos x="T10" y="T11"/>
+                </a:cxn>
+                <a:cxn ang="0">
+                  <a:pos x="T12" y="T13"/>
+                </a:cxn>
+                <a:cxn ang="0">
+                  <a:pos x="T14" y="T15"/>
+                </a:cxn>
+              </a:cxnLst>
+              <a:rect l="0" t="0" r="r" b="b"/>
+              <a:pathLst>
+                <a:path w="38" h="38">
+                  <a:moveTo>
+                    <a:pt x="27" y="37"/>
+                  </a:moveTo>
+                  <a:cubicBezTo>
+                    <a:pt x="29" y="38"/>
+                    <a:pt x="30" y="38"/>
+                    <a:pt x="32" y="38"/>
+                  </a:cubicBezTo>
+                  <a:cubicBezTo>
+                    <a:pt x="33" y="38"/>
+                    <a:pt x="35" y="38"/>
+                    <a:pt x="36" y="37"/>
+                  </a:cubicBezTo>
+                  <a:cubicBezTo>
+                    <a:pt x="38" y="34"/>
+                    <a:pt x="38" y="31"/>
+                    <a:pt x="36" y="28"/>
+                  </a:cubicBezTo>
+                  <a:cubicBezTo>
+                    <a:pt x="10" y="3"/>
+                    <a:pt x="10" y="3"/>
+                    <a:pt x="10" y="3"/>
+                  </a:cubicBezTo>
+                  <a:cubicBezTo>
+                    <a:pt x="8" y="0"/>
+                    <a:pt x="4" y="0"/>
+                    <a:pt x="2" y="3"/>
+                  </a:cubicBezTo>
+                  <a:cubicBezTo>
+                    <a:pt x="0" y="5"/>
+                    <a:pt x="0" y="9"/>
+                    <a:pt x="2" y="11"/>
+                  </a:cubicBezTo>
+                  <a:lnTo>
+                    <a:pt x="27" y="37"/>
+                  </a:lnTo>
+                  <a:close/>
+                </a:path>
+              </a:pathLst>
+            </a:custGeom>
+            <a:grpFill/>
+            <a:ln>
+              <a:noFill/>
+            </a:ln>
+            <a:extLst>
+              <a:ext uri="{91240B29-F687-4F45-9708-019B960494DF}">
+                <a14:hiddenLine xmlns:a14="http://schemas.microsoft.com/office/drawing/2010/main" w="9525">
+                  <a:solidFill>
+                    <a:srgbClr val="000000"/>
+                  </a:solidFill>
+                  <a:round/>
+                  <a:headEnd/>
+                  <a:tailEnd/>
+                </a14:hiddenLine>
+              </a:ext>
+            </a:extLst>
+          </p:spPr>
+          <p:txBody>
+            <a:bodyPr vert="horz" wrap="square" lIns="91440" tIns="45720" rIns="91440" bIns="45720" numCol="1" anchor="t" anchorCtr="0" compatLnSpc="1">
+              <a:prstTxWarp prst="textNoShape">
+                <a:avLst/>
+              </a:prstTxWarp>
+            </a:bodyPr>
+            <a:lstStyle/>
+            <a:p>
+              <a:endParaRPr lang="en-US"/>
+            </a:p>
+          </p:txBody>
+        </p:sp>
+        <p:sp>
+          <p:nvSpPr>
+            <p:cNvPr id="61" name="Freeform 91">
+              <a:extLst>
+                <a:ext uri="{FF2B5EF4-FFF2-40B4-BE49-F238E27FC236}">
+                  <a16:creationId xmlns:a16="http://schemas.microsoft.com/office/drawing/2014/main" id="{3F4B5598-3290-4284-90B0-F227037C3EB3}"/>
+                </a:ext>
+              </a:extLst>
+            </p:cNvPr>
+            <p:cNvSpPr>
+              <a:spLocks/>
+            </p:cNvSpPr>
+            <p:nvPr/>
+          </p:nvSpPr>
+          <p:spPr bwMode="auto">
+            <a:xfrm>
+              <a:off x="1867" y="1949"/>
+              <a:ext cx="60" cy="57"/>
+            </a:xfrm>
+            <a:custGeom>
+              <a:avLst/>
+              <a:gdLst>
+                <a:gd name="T0" fmla="*/ 7 w 39"/>
+                <a:gd name="T1" fmla="*/ 38 h 38"/>
+                <a:gd name="T2" fmla="*/ 11 w 39"/>
+                <a:gd name="T3" fmla="*/ 37 h 38"/>
+                <a:gd name="T4" fmla="*/ 36 w 39"/>
+                <a:gd name="T5" fmla="*/ 11 h 38"/>
+                <a:gd name="T6" fmla="*/ 36 w 39"/>
+                <a:gd name="T7" fmla="*/ 3 h 38"/>
+                <a:gd name="T8" fmla="*/ 28 w 39"/>
+                <a:gd name="T9" fmla="*/ 3 h 38"/>
+                <a:gd name="T10" fmla="*/ 2 w 39"/>
+                <a:gd name="T11" fmla="*/ 28 h 38"/>
+                <a:gd name="T12" fmla="*/ 2 w 39"/>
+                <a:gd name="T13" fmla="*/ 37 h 38"/>
+                <a:gd name="T14" fmla="*/ 7 w 39"/>
+                <a:gd name="T15" fmla="*/ 38 h 38"/>
+              </a:gdLst>
+              <a:ahLst/>
+              <a:cxnLst>
+                <a:cxn ang="0">
+                  <a:pos x="T0" y="T1"/>
+                </a:cxn>
+                <a:cxn ang="0">
+                  <a:pos x="T2" y="T3"/>
+                </a:cxn>
+                <a:cxn ang="0">
+                  <a:pos x="T4" y="T5"/>
+                </a:cxn>
+                <a:cxn ang="0">
+                  <a:pos x="T6" y="T7"/>
+                </a:cxn>
+                <a:cxn ang="0">
+                  <a:pos x="T8" y="T9"/>
+                </a:cxn>
+                <a:cxn ang="0">
+                  <a:pos x="T10" y="T11"/>
+                </a:cxn>
+                <a:cxn ang="0">
+                  <a:pos x="T12" y="T13"/>
+                </a:cxn>
+                <a:cxn ang="0">
+                  <a:pos x="T14" y="T15"/>
+                </a:cxn>
+              </a:cxnLst>
+              <a:rect l="0" t="0" r="r" b="b"/>
+              <a:pathLst>
+                <a:path w="39" h="38">
+                  <a:moveTo>
+                    <a:pt x="7" y="38"/>
+                  </a:moveTo>
+                  <a:cubicBezTo>
+                    <a:pt x="8" y="38"/>
+                    <a:pt x="10" y="38"/>
+                    <a:pt x="11" y="37"/>
+                  </a:cubicBezTo>
+                  <a:cubicBezTo>
+                    <a:pt x="36" y="11"/>
+                    <a:pt x="36" y="11"/>
+                    <a:pt x="36" y="11"/>
+                  </a:cubicBezTo>
+                  <a:cubicBezTo>
+                    <a:pt x="39" y="9"/>
+                    <a:pt x="39" y="5"/>
+                    <a:pt x="36" y="3"/>
+                  </a:cubicBezTo>
+                  <a:cubicBezTo>
+                    <a:pt x="34" y="0"/>
+                    <a:pt x="30" y="0"/>
+                    <a:pt x="28" y="3"/>
+                  </a:cubicBezTo>
+                  <a:cubicBezTo>
+                    <a:pt x="2" y="28"/>
+                    <a:pt x="2" y="28"/>
+                    <a:pt x="2" y="28"/>
+                  </a:cubicBezTo>
+                  <a:cubicBezTo>
+                    <a:pt x="0" y="31"/>
+                    <a:pt x="0" y="34"/>
+                    <a:pt x="2" y="37"/>
+                  </a:cubicBezTo>
+                  <a:cubicBezTo>
+                    <a:pt x="4" y="38"/>
+                    <a:pt x="5" y="38"/>
+                    <a:pt x="7" y="38"/>
+                  </a:cubicBezTo>
+                  <a:close/>
+                </a:path>
+              </a:pathLst>
+            </a:custGeom>
+            <a:grpFill/>
+            <a:ln>
+              <a:noFill/>
+            </a:ln>
+            <a:extLst>
+              <a:ext uri="{91240B29-F687-4F45-9708-019B960494DF}">
+                <a14:hiddenLine xmlns:a14="http://schemas.microsoft.com/office/drawing/2010/main" w="9525">
+                  <a:solidFill>
+                    <a:srgbClr val="000000"/>
+                  </a:solidFill>
+                  <a:round/>
+                  <a:headEnd/>
+                  <a:tailEnd/>
+                </a14:hiddenLine>
+              </a:ext>
+            </a:extLst>
+          </p:spPr>
+          <p:txBody>
+            <a:bodyPr vert="horz" wrap="square" lIns="91440" tIns="45720" rIns="91440" bIns="45720" numCol="1" anchor="t" anchorCtr="0" compatLnSpc="1">
+              <a:prstTxWarp prst="textNoShape">
+                <a:avLst/>
+              </a:prstTxWarp>
+            </a:bodyPr>
+            <a:lstStyle/>
+            <a:p>
+              <a:endParaRPr lang="en-US"/>
+            </a:p>
+          </p:txBody>
+        </p:sp>
+      </p:grpSp>
+      <p:grpSp>
+        <p:nvGrpSpPr>
+          <p:cNvPr id="62" name="Group 60">
+            <a:extLst>
+              <a:ext uri="{FF2B5EF4-FFF2-40B4-BE49-F238E27FC236}">
+                <a16:creationId xmlns:a16="http://schemas.microsoft.com/office/drawing/2014/main" id="{DFB61F26-2072-4F25-842D-1FC3205DEA0D}"/>
+              </a:ext>
+            </a:extLst>
+          </p:cNvPr>
+          <p:cNvGrpSpPr>
+            <a:grpSpLocks noChangeAspect="1"/>
+          </p:cNvGrpSpPr>
+          <p:nvPr/>
+        </p:nvGrpSpPr>
+        <p:grpSpPr bwMode="auto">
+          <a:xfrm>
+            <a:off x="7230886" y="2260775"/>
+            <a:ext cx="481666" cy="480536"/>
+            <a:chOff x="348" y="1721"/>
+            <a:chExt cx="426" cy="425"/>
+          </a:xfrm>
+          <a:solidFill>
+            <a:schemeClr val="tx2"/>
+          </a:solidFill>
+        </p:grpSpPr>
+        <p:sp>
+          <p:nvSpPr>
+            <p:cNvPr id="63" name="Freeform 61">
+              <a:extLst>
+                <a:ext uri="{FF2B5EF4-FFF2-40B4-BE49-F238E27FC236}">
+                  <a16:creationId xmlns:a16="http://schemas.microsoft.com/office/drawing/2014/main" id="{10351EEB-56E6-49B2-8F5B-2347C641244F}"/>
+                </a:ext>
+              </a:extLst>
+            </p:cNvPr>
+            <p:cNvSpPr>
+              <a:spLocks noEditPoints="1"/>
+            </p:cNvSpPr>
+            <p:nvPr/>
+          </p:nvSpPr>
+          <p:spPr bwMode="auto">
+            <a:xfrm>
+              <a:off x="348" y="1721"/>
+              <a:ext cx="373" cy="372"/>
+            </a:xfrm>
+            <a:custGeom>
+              <a:avLst/>
+              <a:gdLst>
+                <a:gd name="T0" fmla="*/ 126 w 252"/>
+                <a:gd name="T1" fmla="*/ 252 h 252"/>
+                <a:gd name="T2" fmla="*/ 0 w 252"/>
+                <a:gd name="T3" fmla="*/ 126 h 252"/>
+                <a:gd name="T4" fmla="*/ 126 w 252"/>
+                <a:gd name="T5" fmla="*/ 0 h 252"/>
+                <a:gd name="T6" fmla="*/ 252 w 252"/>
+                <a:gd name="T7" fmla="*/ 126 h 252"/>
+                <a:gd name="T8" fmla="*/ 126 w 252"/>
+                <a:gd name="T9" fmla="*/ 252 h 252"/>
+                <a:gd name="T10" fmla="*/ 126 w 252"/>
+                <a:gd name="T11" fmla="*/ 12 h 252"/>
+                <a:gd name="T12" fmla="*/ 12 w 252"/>
+                <a:gd name="T13" fmla="*/ 126 h 252"/>
+                <a:gd name="T14" fmla="*/ 126 w 252"/>
+                <a:gd name="T15" fmla="*/ 240 h 252"/>
+                <a:gd name="T16" fmla="*/ 240 w 252"/>
+                <a:gd name="T17" fmla="*/ 126 h 252"/>
+                <a:gd name="T18" fmla="*/ 126 w 252"/>
+                <a:gd name="T19" fmla="*/ 12 h 252"/>
+              </a:gdLst>
+              <a:ahLst/>
+              <a:cxnLst>
+                <a:cxn ang="0">
+                  <a:pos x="T0" y="T1"/>
+                </a:cxn>
+                <a:cxn ang="0">
+                  <a:pos x="T2" y="T3"/>
+                </a:cxn>
+                <a:cxn ang="0">
+                  <a:pos x="T4" y="T5"/>
+                </a:cxn>
+                <a:cxn ang="0">
+                  <a:pos x="T6" y="T7"/>
+                </a:cxn>
+                <a:cxn ang="0">
+                  <a:pos x="T8" y="T9"/>
+                </a:cxn>
+                <a:cxn ang="0">
+                  <a:pos x="T10" y="T11"/>
+                </a:cxn>
+                <a:cxn ang="0">
+                  <a:pos x="T12" y="T13"/>
+                </a:cxn>
+                <a:cxn ang="0">
+                  <a:pos x="T14" y="T15"/>
+                </a:cxn>
+                <a:cxn ang="0">
+                  <a:pos x="T16" y="T17"/>
+                </a:cxn>
+                <a:cxn ang="0">
+                  <a:pos x="T18" y="T19"/>
+                </a:cxn>
+              </a:cxnLst>
+              <a:rect l="0" t="0" r="r" b="b"/>
+              <a:pathLst>
+                <a:path w="252" h="252">
+                  <a:moveTo>
+                    <a:pt x="126" y="252"/>
+                  </a:moveTo>
+                  <a:cubicBezTo>
+                    <a:pt x="56" y="252"/>
+                    <a:pt x="0" y="195"/>
+                    <a:pt x="0" y="126"/>
+                  </a:cubicBezTo>
+                  <a:cubicBezTo>
+                    <a:pt x="0" y="56"/>
+                    <a:pt x="56" y="0"/>
+                    <a:pt x="126" y="0"/>
+                  </a:cubicBezTo>
+                  <a:cubicBezTo>
+                    <a:pt x="195" y="0"/>
+                    <a:pt x="252" y="56"/>
+                    <a:pt x="252" y="126"/>
+                  </a:cubicBezTo>
+                  <a:cubicBezTo>
+                    <a:pt x="252" y="195"/>
+                    <a:pt x="195" y="252"/>
+                    <a:pt x="126" y="252"/>
+                  </a:cubicBezTo>
+                  <a:close/>
+                  <a:moveTo>
+                    <a:pt x="126" y="12"/>
+                  </a:moveTo>
+                  <a:cubicBezTo>
+                    <a:pt x="63" y="12"/>
+                    <a:pt x="12" y="63"/>
+                    <a:pt x="12" y="126"/>
+                  </a:cubicBezTo>
+                  <a:cubicBezTo>
+                    <a:pt x="12" y="188"/>
+                    <a:pt x="63" y="240"/>
+                    <a:pt x="126" y="240"/>
+                  </a:cubicBezTo>
+                  <a:cubicBezTo>
+                    <a:pt x="188" y="240"/>
+                    <a:pt x="240" y="188"/>
+                    <a:pt x="240" y="126"/>
+                  </a:cubicBezTo>
+                  <a:cubicBezTo>
+                    <a:pt x="240" y="63"/>
+                    <a:pt x="188" y="12"/>
+                    <a:pt x="126" y="12"/>
+                  </a:cubicBezTo>
+                  <a:close/>
+                </a:path>
+              </a:pathLst>
+            </a:custGeom>
+            <a:grpFill/>
+            <a:ln>
+              <a:noFill/>
+            </a:ln>
+            <a:extLst>
+              <a:ext uri="{91240B29-F687-4F45-9708-019B960494DF}">
+                <a14:hiddenLine xmlns:a14="http://schemas.microsoft.com/office/drawing/2010/main" w="9525">
+                  <a:solidFill>
+                    <a:srgbClr val="000000"/>
+                  </a:solidFill>
+                  <a:round/>
+                  <a:headEnd/>
+                  <a:tailEnd/>
+                </a14:hiddenLine>
+              </a:ext>
+            </a:extLst>
+          </p:spPr>
+          <p:txBody>
+            <a:bodyPr vert="horz" wrap="square" lIns="91440" tIns="45720" rIns="91440" bIns="45720" numCol="1" anchor="t" anchorCtr="0" compatLnSpc="1">
+              <a:prstTxWarp prst="textNoShape">
+                <a:avLst/>
+              </a:prstTxWarp>
+            </a:bodyPr>
+            <a:lstStyle/>
+            <a:p>
+              <a:endParaRPr lang="en-AU">
+                <a:latin typeface="+mj-lt"/>
+              </a:endParaRPr>
+            </a:p>
+          </p:txBody>
+        </p:sp>
+        <p:sp>
+          <p:nvSpPr>
+            <p:cNvPr id="64" name="Freeform 62">
+              <a:extLst>
+                <a:ext uri="{FF2B5EF4-FFF2-40B4-BE49-F238E27FC236}">
+                  <a16:creationId xmlns:a16="http://schemas.microsoft.com/office/drawing/2014/main" id="{54B3034C-67C1-4EDB-8199-D476DDC4F142}"/>
+                </a:ext>
+              </a:extLst>
+            </p:cNvPr>
+            <p:cNvSpPr>
+              <a:spLocks/>
+            </p:cNvSpPr>
+            <p:nvPr/>
+          </p:nvSpPr>
+          <p:spPr bwMode="auto">
+            <a:xfrm>
+              <a:off x="650" y="2022"/>
+              <a:ext cx="124" cy="124"/>
+            </a:xfrm>
+            <a:custGeom>
+              <a:avLst/>
+              <a:gdLst>
+                <a:gd name="T0" fmla="*/ 78 w 84"/>
+                <a:gd name="T1" fmla="*/ 84 h 84"/>
+                <a:gd name="T2" fmla="*/ 73 w 84"/>
+                <a:gd name="T3" fmla="*/ 82 h 84"/>
+                <a:gd name="T4" fmla="*/ 2 w 84"/>
+                <a:gd name="T5" fmla="*/ 11 h 84"/>
+                <a:gd name="T6" fmla="*/ 2 w 84"/>
+                <a:gd name="T7" fmla="*/ 2 h 84"/>
+                <a:gd name="T8" fmla="*/ 11 w 84"/>
+                <a:gd name="T9" fmla="*/ 2 h 84"/>
+                <a:gd name="T10" fmla="*/ 82 w 84"/>
+                <a:gd name="T11" fmla="*/ 73 h 84"/>
+                <a:gd name="T12" fmla="*/ 82 w 84"/>
+                <a:gd name="T13" fmla="*/ 82 h 84"/>
+                <a:gd name="T14" fmla="*/ 78 w 84"/>
+                <a:gd name="T15" fmla="*/ 84 h 84"/>
+              </a:gdLst>
+              <a:ahLst/>
+              <a:cxnLst>
+                <a:cxn ang="0">
+                  <a:pos x="T0" y="T1"/>
+                </a:cxn>
+                <a:cxn ang="0">
+                  <a:pos x="T2" y="T3"/>
+                </a:cxn>
+                <a:cxn ang="0">
+                  <a:pos x="T4" y="T5"/>
+                </a:cxn>
+                <a:cxn ang="0">
+                  <a:pos x="T6" y="T7"/>
+                </a:cxn>
+                <a:cxn ang="0">
+                  <a:pos x="T8" y="T9"/>
+                </a:cxn>
+                <a:cxn ang="0">
+                  <a:pos x="T10" y="T11"/>
+                </a:cxn>
+                <a:cxn ang="0">
+                  <a:pos x="T12" y="T13"/>
+                </a:cxn>
+                <a:cxn ang="0">
+                  <a:pos x="T14" y="T15"/>
+                </a:cxn>
+              </a:cxnLst>
+              <a:rect l="0" t="0" r="r" b="b"/>
+              <a:pathLst>
+                <a:path w="84" h="84">
+                  <a:moveTo>
+                    <a:pt x="78" y="84"/>
+                  </a:moveTo>
+                  <a:cubicBezTo>
+                    <a:pt x="76" y="84"/>
+                    <a:pt x="75" y="83"/>
+                    <a:pt x="73" y="82"/>
+                  </a:cubicBezTo>
+                  <a:cubicBezTo>
+                    <a:pt x="2" y="11"/>
+                    <a:pt x="2" y="11"/>
+                    <a:pt x="2" y="11"/>
+                  </a:cubicBezTo>
+                  <a:cubicBezTo>
+                    <a:pt x="0" y="8"/>
+                    <a:pt x="0" y="5"/>
+                    <a:pt x="2" y="2"/>
+                  </a:cubicBezTo>
+                  <a:cubicBezTo>
+                    <a:pt x="5" y="0"/>
+                    <a:pt x="8" y="0"/>
+                    <a:pt x="11" y="2"/>
+                  </a:cubicBezTo>
+                  <a:cubicBezTo>
+                    <a:pt x="82" y="73"/>
+                    <a:pt x="82" y="73"/>
+                    <a:pt x="82" y="73"/>
+                  </a:cubicBezTo>
+                  <a:cubicBezTo>
+                    <a:pt x="84" y="76"/>
+                    <a:pt x="84" y="80"/>
+                    <a:pt x="82" y="82"/>
+                  </a:cubicBezTo>
+                  <a:cubicBezTo>
+                    <a:pt x="81" y="83"/>
+                    <a:pt x="79" y="84"/>
+                    <a:pt x="78" y="84"/>
+                  </a:cubicBezTo>
+                  <a:close/>
+                </a:path>
+              </a:pathLst>
+            </a:custGeom>
+            <a:grpFill/>
+            <a:ln>
+              <a:noFill/>
+            </a:ln>
+            <a:extLst>
+              <a:ext uri="{91240B29-F687-4F45-9708-019B960494DF}">
+                <a14:hiddenLine xmlns:a14="http://schemas.microsoft.com/office/drawing/2010/main" w="9525">
+                  <a:solidFill>
+                    <a:srgbClr val="000000"/>
+                  </a:solidFill>
+                  <a:round/>
+                  <a:headEnd/>
+                  <a:tailEnd/>
+                </a14:hiddenLine>
+              </a:ext>
+            </a:extLst>
+          </p:spPr>
+          <p:txBody>
+            <a:bodyPr vert="horz" wrap="square" lIns="91440" tIns="45720" rIns="91440" bIns="45720" numCol="1" anchor="t" anchorCtr="0" compatLnSpc="1">
+              <a:prstTxWarp prst="textNoShape">
+                <a:avLst/>
+              </a:prstTxWarp>
+            </a:bodyPr>
+            <a:lstStyle/>
+            <a:p>
+              <a:endParaRPr lang="en-AU">
+                <a:latin typeface="+mj-lt"/>
+              </a:endParaRPr>
+            </a:p>
+          </p:txBody>
+        </p:sp>
+        <p:sp>
+          <p:nvSpPr>
+            <p:cNvPr id="65" name="Freeform 63">
+              <a:extLst>
+                <a:ext uri="{FF2B5EF4-FFF2-40B4-BE49-F238E27FC236}">
+                  <a16:creationId xmlns:a16="http://schemas.microsoft.com/office/drawing/2014/main" id="{6760142C-43D9-47DC-9D1E-68FBCD0CF1C8}"/>
+                </a:ext>
+              </a:extLst>
+            </p:cNvPr>
+            <p:cNvSpPr>
+              <a:spLocks noEditPoints="1"/>
+            </p:cNvSpPr>
+            <p:nvPr/>
+          </p:nvSpPr>
+          <p:spPr bwMode="auto">
+            <a:xfrm>
+              <a:off x="412" y="1783"/>
+              <a:ext cx="244" cy="248"/>
+            </a:xfrm>
+            <a:custGeom>
+              <a:avLst/>
+              <a:gdLst>
+                <a:gd name="T0" fmla="*/ 66 w 165"/>
+                <a:gd name="T1" fmla="*/ 168 h 168"/>
+                <a:gd name="T2" fmla="*/ 60 w 165"/>
+                <a:gd name="T3" fmla="*/ 146 h 168"/>
+                <a:gd name="T4" fmla="*/ 27 w 165"/>
+                <a:gd name="T5" fmla="*/ 143 h 168"/>
+                <a:gd name="T6" fmla="*/ 1 w 165"/>
+                <a:gd name="T7" fmla="*/ 110 h 168"/>
+                <a:gd name="T8" fmla="*/ 3 w 165"/>
+                <a:gd name="T9" fmla="*/ 102 h 168"/>
+                <a:gd name="T10" fmla="*/ 17 w 165"/>
+                <a:gd name="T11" fmla="*/ 74 h 168"/>
+                <a:gd name="T12" fmla="*/ 0 w 165"/>
+                <a:gd name="T13" fmla="*/ 62 h 168"/>
+                <a:gd name="T14" fmla="*/ 19 w 165"/>
+                <a:gd name="T15" fmla="*/ 26 h 168"/>
+                <a:gd name="T16" fmla="*/ 42 w 165"/>
+                <a:gd name="T17" fmla="*/ 32 h 168"/>
+                <a:gd name="T18" fmla="*/ 60 w 165"/>
+                <a:gd name="T19" fmla="*/ 6 h 168"/>
+                <a:gd name="T20" fmla="*/ 102 w 165"/>
+                <a:gd name="T21" fmla="*/ 0 h 168"/>
+                <a:gd name="T22" fmla="*/ 108 w 165"/>
+                <a:gd name="T23" fmla="*/ 23 h 168"/>
+                <a:gd name="T24" fmla="*/ 138 w 165"/>
+                <a:gd name="T25" fmla="*/ 24 h 168"/>
+                <a:gd name="T26" fmla="*/ 146 w 165"/>
+                <a:gd name="T27" fmla="*/ 26 h 168"/>
+                <a:gd name="T28" fmla="*/ 165 w 165"/>
+                <a:gd name="T29" fmla="*/ 62 h 168"/>
+                <a:gd name="T30" fmla="*/ 148 w 165"/>
+                <a:gd name="T31" fmla="*/ 74 h 168"/>
+                <a:gd name="T32" fmla="*/ 162 w 165"/>
+                <a:gd name="T33" fmla="*/ 102 h 168"/>
+                <a:gd name="T34" fmla="*/ 164 w 165"/>
+                <a:gd name="T35" fmla="*/ 110 h 168"/>
+                <a:gd name="T36" fmla="*/ 143 w 165"/>
+                <a:gd name="T37" fmla="*/ 144 h 168"/>
+                <a:gd name="T38" fmla="*/ 124 w 165"/>
+                <a:gd name="T39" fmla="*/ 135 h 168"/>
+                <a:gd name="T40" fmla="*/ 108 w 165"/>
+                <a:gd name="T41" fmla="*/ 162 h 168"/>
+                <a:gd name="T42" fmla="*/ 72 w 165"/>
+                <a:gd name="T43" fmla="*/ 156 h 168"/>
+                <a:gd name="T44" fmla="*/ 96 w 165"/>
+                <a:gd name="T45" fmla="*/ 141 h 168"/>
+                <a:gd name="T46" fmla="*/ 120 w 165"/>
+                <a:gd name="T47" fmla="*/ 123 h 168"/>
+                <a:gd name="T48" fmla="*/ 139 w 165"/>
+                <a:gd name="T49" fmla="*/ 130 h 168"/>
+                <a:gd name="T50" fmla="*/ 138 w 165"/>
+                <a:gd name="T51" fmla="*/ 102 h 168"/>
+                <a:gd name="T52" fmla="*/ 135 w 165"/>
+                <a:gd name="T53" fmla="*/ 72 h 168"/>
+                <a:gd name="T54" fmla="*/ 151 w 165"/>
+                <a:gd name="T55" fmla="*/ 58 h 168"/>
+                <a:gd name="T56" fmla="*/ 127 w 165"/>
+                <a:gd name="T57" fmla="*/ 45 h 168"/>
+                <a:gd name="T58" fmla="*/ 100 w 165"/>
+                <a:gd name="T59" fmla="*/ 32 h 168"/>
+                <a:gd name="T60" fmla="*/ 96 w 165"/>
+                <a:gd name="T61" fmla="*/ 12 h 168"/>
+                <a:gd name="T62" fmla="*/ 72 w 165"/>
+                <a:gd name="T63" fmla="*/ 26 h 168"/>
+                <a:gd name="T64" fmla="*/ 47 w 165"/>
+                <a:gd name="T65" fmla="*/ 44 h 168"/>
+                <a:gd name="T66" fmla="*/ 27 w 165"/>
+                <a:gd name="T67" fmla="*/ 37 h 168"/>
+                <a:gd name="T68" fmla="*/ 27 w 165"/>
+                <a:gd name="T69" fmla="*/ 65 h 168"/>
+                <a:gd name="T70" fmla="*/ 30 w 165"/>
+                <a:gd name="T71" fmla="*/ 95 h 168"/>
+                <a:gd name="T72" fmla="*/ 14 w 165"/>
+                <a:gd name="T73" fmla="*/ 109 h 168"/>
+                <a:gd name="T74" fmla="*/ 40 w 165"/>
+                <a:gd name="T75" fmla="*/ 123 h 168"/>
+                <a:gd name="T76" fmla="*/ 67 w 165"/>
+                <a:gd name="T77" fmla="*/ 135 h 168"/>
+                <a:gd name="T78" fmla="*/ 72 w 165"/>
+                <a:gd name="T79" fmla="*/ 156 h 168"/>
+              </a:gdLst>
+              <a:ahLst/>
+              <a:cxnLst>
+                <a:cxn ang="0">
+                  <a:pos x="T0" y="T1"/>
+                </a:cxn>
+                <a:cxn ang="0">
+                  <a:pos x="T2" y="T3"/>
+                </a:cxn>
+                <a:cxn ang="0">
+                  <a:pos x="T4" y="T5"/>
+                </a:cxn>
+                <a:cxn ang="0">
+                  <a:pos x="T6" y="T7"/>
+                </a:cxn>
+                <a:cxn ang="0">
+                  <a:pos x="T8" y="T9"/>
+                </a:cxn>
+                <a:cxn ang="0">
+                  <a:pos x="T10" y="T11"/>
+                </a:cxn>
+                <a:cxn ang="0">
+                  <a:pos x="T12" y="T13"/>
+                </a:cxn>
+                <a:cxn ang="0">
+                  <a:pos x="T14" y="T15"/>
+                </a:cxn>
+                <a:cxn ang="0">
+                  <a:pos x="T16" y="T17"/>
+                </a:cxn>
+                <a:cxn ang="0">
+                  <a:pos x="T18" y="T19"/>
+                </a:cxn>
+                <a:cxn ang="0">
+                  <a:pos x="T20" y="T21"/>
+                </a:cxn>
+                <a:cxn ang="0">
+                  <a:pos x="T22" y="T23"/>
+                </a:cxn>
+                <a:cxn ang="0">
+                  <a:pos x="T24" y="T25"/>
+                </a:cxn>
+                <a:cxn ang="0">
+                  <a:pos x="T26" y="T27"/>
+                </a:cxn>
+                <a:cxn ang="0">
+                  <a:pos x="T28" y="T29"/>
+                </a:cxn>
+                <a:cxn ang="0">
+                  <a:pos x="T30" y="T31"/>
+                </a:cxn>
+                <a:cxn ang="0">
+                  <a:pos x="T32" y="T33"/>
+                </a:cxn>
+                <a:cxn ang="0">
+                  <a:pos x="T34" y="T35"/>
+                </a:cxn>
+                <a:cxn ang="0">
+                  <a:pos x="T36" y="T37"/>
+                </a:cxn>
+                <a:cxn ang="0">
+                  <a:pos x="T38" y="T39"/>
+                </a:cxn>
+                <a:cxn ang="0">
+                  <a:pos x="T40" y="T41"/>
+                </a:cxn>
+                <a:cxn ang="0">
+                  <a:pos x="T42" y="T43"/>
+                </a:cxn>
+                <a:cxn ang="0">
+                  <a:pos x="T44" y="T45"/>
+                </a:cxn>
+                <a:cxn ang="0">
+                  <a:pos x="T46" y="T47"/>
+                </a:cxn>
+                <a:cxn ang="0">
+                  <a:pos x="T48" y="T49"/>
+                </a:cxn>
+                <a:cxn ang="0">
+                  <a:pos x="T50" y="T51"/>
+                </a:cxn>
+                <a:cxn ang="0">
+                  <a:pos x="T52" y="T53"/>
+                </a:cxn>
+                <a:cxn ang="0">
+                  <a:pos x="T54" y="T55"/>
+                </a:cxn>
+                <a:cxn ang="0">
+                  <a:pos x="T56" y="T57"/>
+                </a:cxn>
+                <a:cxn ang="0">
+                  <a:pos x="T58" y="T59"/>
+                </a:cxn>
+                <a:cxn ang="0">
+                  <a:pos x="T60" y="T61"/>
+                </a:cxn>
+                <a:cxn ang="0">
+                  <a:pos x="T62" y="T63"/>
+                </a:cxn>
+                <a:cxn ang="0">
+                  <a:pos x="T64" y="T65"/>
+                </a:cxn>
+                <a:cxn ang="0">
+                  <a:pos x="T66" y="T67"/>
+                </a:cxn>
+                <a:cxn ang="0">
+                  <a:pos x="T68" y="T69"/>
+                </a:cxn>
+                <a:cxn ang="0">
+                  <a:pos x="T70" y="T71"/>
+                </a:cxn>
+                <a:cxn ang="0">
+                  <a:pos x="T72" y="T73"/>
+                </a:cxn>
+                <a:cxn ang="0">
+                  <a:pos x="T74" y="T75"/>
+                </a:cxn>
+                <a:cxn ang="0">
+                  <a:pos x="T76" y="T77"/>
+                </a:cxn>
+                <a:cxn ang="0">
+                  <a:pos x="T78" y="T79"/>
+                </a:cxn>
+              </a:cxnLst>
+              <a:rect l="0" t="0" r="r" b="b"/>
+              <a:pathLst>
+                <a:path w="165" h="168">
+                  <a:moveTo>
+                    <a:pt x="102" y="168"/>
+                  </a:moveTo>
+                  <a:cubicBezTo>
+                    <a:pt x="66" y="168"/>
+                    <a:pt x="66" y="168"/>
+                    <a:pt x="66" y="168"/>
+                  </a:cubicBezTo>
+                  <a:cubicBezTo>
+                    <a:pt x="63" y="168"/>
+                    <a:pt x="60" y="165"/>
+                    <a:pt x="60" y="162"/>
+                  </a:cubicBezTo>
+                  <a:cubicBezTo>
+                    <a:pt x="60" y="146"/>
+                    <a:pt x="60" y="146"/>
+                    <a:pt x="60" y="146"/>
+                  </a:cubicBezTo>
+                  <a:cubicBezTo>
+                    <a:pt x="52" y="143"/>
+                    <a:pt x="47" y="139"/>
+                    <a:pt x="42" y="135"/>
+                  </a:cubicBezTo>
+                  <a:cubicBezTo>
+                    <a:pt x="27" y="143"/>
+                    <a:pt x="27" y="143"/>
+                    <a:pt x="27" y="143"/>
+                  </a:cubicBezTo>
+                  <a:cubicBezTo>
+                    <a:pt x="24" y="145"/>
+                    <a:pt x="21" y="144"/>
+                    <a:pt x="19" y="141"/>
+                  </a:cubicBezTo>
+                  <a:cubicBezTo>
+                    <a:pt x="1" y="110"/>
+                    <a:pt x="1" y="110"/>
+                    <a:pt x="1" y="110"/>
+                  </a:cubicBezTo>
+                  <a:cubicBezTo>
+                    <a:pt x="0" y="109"/>
+                    <a:pt x="0" y="107"/>
+                    <a:pt x="0" y="106"/>
+                  </a:cubicBezTo>
+                  <a:cubicBezTo>
+                    <a:pt x="1" y="104"/>
+                    <a:pt x="2" y="103"/>
+                    <a:pt x="3" y="102"/>
+                  </a:cubicBezTo>
+                  <a:cubicBezTo>
+                    <a:pt x="17" y="94"/>
+                    <a:pt x="17" y="94"/>
+                    <a:pt x="17" y="94"/>
+                  </a:cubicBezTo>
+                  <a:cubicBezTo>
+                    <a:pt x="16" y="87"/>
+                    <a:pt x="16" y="80"/>
+                    <a:pt x="17" y="74"/>
+                  </a:cubicBezTo>
+                  <a:cubicBezTo>
+                    <a:pt x="3" y="65"/>
+                    <a:pt x="3" y="65"/>
+                    <a:pt x="3" y="65"/>
+                  </a:cubicBezTo>
+                  <a:cubicBezTo>
+                    <a:pt x="2" y="65"/>
+                    <a:pt x="1" y="63"/>
+                    <a:pt x="0" y="62"/>
+                  </a:cubicBezTo>
+                  <a:cubicBezTo>
+                    <a:pt x="0" y="60"/>
+                    <a:pt x="0" y="59"/>
+                    <a:pt x="1" y="57"/>
+                  </a:cubicBezTo>
+                  <a:cubicBezTo>
+                    <a:pt x="19" y="26"/>
+                    <a:pt x="19" y="26"/>
+                    <a:pt x="19" y="26"/>
+                  </a:cubicBezTo>
+                  <a:cubicBezTo>
+                    <a:pt x="21" y="23"/>
+                    <a:pt x="25" y="22"/>
+                    <a:pt x="27" y="24"/>
+                  </a:cubicBezTo>
+                  <a:cubicBezTo>
+                    <a:pt x="42" y="32"/>
+                    <a:pt x="42" y="32"/>
+                    <a:pt x="42" y="32"/>
+                  </a:cubicBezTo>
+                  <a:cubicBezTo>
+                    <a:pt x="47" y="28"/>
+                    <a:pt x="52" y="24"/>
+                    <a:pt x="60" y="22"/>
+                  </a:cubicBezTo>
+                  <a:cubicBezTo>
+                    <a:pt x="60" y="6"/>
+                    <a:pt x="60" y="6"/>
+                    <a:pt x="60" y="6"/>
+                  </a:cubicBezTo>
+                  <a:cubicBezTo>
+                    <a:pt x="60" y="2"/>
+                    <a:pt x="63" y="0"/>
+                    <a:pt x="66" y="0"/>
+                  </a:cubicBezTo>
+                  <a:cubicBezTo>
+                    <a:pt x="102" y="0"/>
+                    <a:pt x="102" y="0"/>
+                    <a:pt x="102" y="0"/>
+                  </a:cubicBezTo>
+                  <a:cubicBezTo>
+                    <a:pt x="105" y="0"/>
+                    <a:pt x="108" y="2"/>
+                    <a:pt x="108" y="6"/>
+                  </a:cubicBezTo>
+                  <a:cubicBezTo>
+                    <a:pt x="108" y="23"/>
+                    <a:pt x="108" y="23"/>
+                    <a:pt x="108" y="23"/>
+                  </a:cubicBezTo>
+                  <a:cubicBezTo>
+                    <a:pt x="115" y="26"/>
+                    <a:pt x="120" y="29"/>
+                    <a:pt x="124" y="32"/>
+                  </a:cubicBezTo>
+                  <a:cubicBezTo>
+                    <a:pt x="138" y="24"/>
+                    <a:pt x="138" y="24"/>
+                    <a:pt x="138" y="24"/>
+                  </a:cubicBezTo>
+                  <a:cubicBezTo>
+                    <a:pt x="139" y="23"/>
+                    <a:pt x="141" y="23"/>
+                    <a:pt x="143" y="23"/>
+                  </a:cubicBezTo>
+                  <a:cubicBezTo>
+                    <a:pt x="144" y="24"/>
+                    <a:pt x="146" y="25"/>
+                    <a:pt x="146" y="26"/>
+                  </a:cubicBezTo>
+                  <a:cubicBezTo>
+                    <a:pt x="164" y="57"/>
+                    <a:pt x="164" y="57"/>
+                    <a:pt x="164" y="57"/>
+                  </a:cubicBezTo>
+                  <a:cubicBezTo>
+                    <a:pt x="165" y="59"/>
+                    <a:pt x="165" y="60"/>
+                    <a:pt x="165" y="62"/>
+                  </a:cubicBezTo>
+                  <a:cubicBezTo>
+                    <a:pt x="165" y="63"/>
+                    <a:pt x="164" y="65"/>
+                    <a:pt x="162" y="65"/>
+                  </a:cubicBezTo>
+                  <a:cubicBezTo>
+                    <a:pt x="148" y="74"/>
+                    <a:pt x="148" y="74"/>
+                    <a:pt x="148" y="74"/>
+                  </a:cubicBezTo>
+                  <a:cubicBezTo>
+                    <a:pt x="149" y="80"/>
+                    <a:pt x="149" y="87"/>
+                    <a:pt x="148" y="94"/>
+                  </a:cubicBezTo>
+                  <a:cubicBezTo>
+                    <a:pt x="162" y="102"/>
+                    <a:pt x="162" y="102"/>
+                    <a:pt x="162" y="102"/>
+                  </a:cubicBezTo>
+                  <a:cubicBezTo>
+                    <a:pt x="164" y="103"/>
+                    <a:pt x="165" y="104"/>
+                    <a:pt x="165" y="106"/>
+                  </a:cubicBezTo>
+                  <a:cubicBezTo>
+                    <a:pt x="165" y="107"/>
+                    <a:pt x="165" y="109"/>
+                    <a:pt x="164" y="110"/>
+                  </a:cubicBezTo>
+                  <a:cubicBezTo>
+                    <a:pt x="146" y="141"/>
+                    <a:pt x="146" y="141"/>
+                    <a:pt x="146" y="141"/>
+                  </a:cubicBezTo>
+                  <a:cubicBezTo>
+                    <a:pt x="146" y="143"/>
+                    <a:pt x="144" y="144"/>
+                    <a:pt x="143" y="144"/>
+                  </a:cubicBezTo>
+                  <a:cubicBezTo>
+                    <a:pt x="141" y="144"/>
+                    <a:pt x="139" y="144"/>
+                    <a:pt x="138" y="143"/>
+                  </a:cubicBezTo>
+                  <a:cubicBezTo>
+                    <a:pt x="124" y="135"/>
+                    <a:pt x="124" y="135"/>
+                    <a:pt x="124" y="135"/>
+                  </a:cubicBezTo>
+                  <a:cubicBezTo>
+                    <a:pt x="120" y="138"/>
+                    <a:pt x="115" y="142"/>
+                    <a:pt x="108" y="145"/>
+                  </a:cubicBezTo>
+                  <a:cubicBezTo>
+                    <a:pt x="108" y="162"/>
+                    <a:pt x="108" y="162"/>
+                    <a:pt x="108" y="162"/>
+                  </a:cubicBezTo>
+                  <a:cubicBezTo>
+                    <a:pt x="108" y="165"/>
+                    <a:pt x="105" y="168"/>
+                    <a:pt x="102" y="168"/>
+                  </a:cubicBezTo>
+                  <a:close/>
+                  <a:moveTo>
+                    <a:pt x="72" y="156"/>
+                  </a:moveTo>
+                  <a:cubicBezTo>
+                    <a:pt x="96" y="156"/>
+                    <a:pt x="96" y="156"/>
+                    <a:pt x="96" y="156"/>
+                  </a:cubicBezTo>
+                  <a:cubicBezTo>
+                    <a:pt x="96" y="141"/>
+                    <a:pt x="96" y="141"/>
+                    <a:pt x="96" y="141"/>
+                  </a:cubicBezTo>
+                  <a:cubicBezTo>
+                    <a:pt x="96" y="139"/>
+                    <a:pt x="97" y="136"/>
+                    <a:pt x="100" y="135"/>
+                  </a:cubicBezTo>
+                  <a:cubicBezTo>
+                    <a:pt x="109" y="131"/>
+                    <a:pt x="115" y="127"/>
+                    <a:pt x="120" y="123"/>
+                  </a:cubicBezTo>
+                  <a:cubicBezTo>
+                    <a:pt x="122" y="122"/>
+                    <a:pt x="125" y="121"/>
+                    <a:pt x="127" y="123"/>
+                  </a:cubicBezTo>
+                  <a:cubicBezTo>
+                    <a:pt x="139" y="130"/>
+                    <a:pt x="139" y="130"/>
+                    <a:pt x="139" y="130"/>
+                  </a:cubicBezTo>
+                  <a:cubicBezTo>
+                    <a:pt x="151" y="109"/>
+                    <a:pt x="151" y="109"/>
+                    <a:pt x="151" y="109"/>
+                  </a:cubicBezTo>
+                  <a:cubicBezTo>
+                    <a:pt x="138" y="102"/>
+                    <a:pt x="138" y="102"/>
+                    <a:pt x="138" y="102"/>
+                  </a:cubicBezTo>
+                  <a:cubicBezTo>
+                    <a:pt x="136" y="101"/>
+                    <a:pt x="135" y="98"/>
+                    <a:pt x="135" y="95"/>
+                  </a:cubicBezTo>
+                  <a:cubicBezTo>
+                    <a:pt x="137" y="87"/>
+                    <a:pt x="137" y="80"/>
+                    <a:pt x="135" y="72"/>
+                  </a:cubicBezTo>
+                  <a:cubicBezTo>
+                    <a:pt x="135" y="69"/>
+                    <a:pt x="136" y="67"/>
+                    <a:pt x="138" y="65"/>
+                  </a:cubicBezTo>
+                  <a:cubicBezTo>
+                    <a:pt x="151" y="58"/>
+                    <a:pt x="151" y="58"/>
+                    <a:pt x="151" y="58"/>
+                  </a:cubicBezTo>
+                  <a:cubicBezTo>
+                    <a:pt x="139" y="37"/>
+                    <a:pt x="139" y="37"/>
+                    <a:pt x="139" y="37"/>
+                  </a:cubicBezTo>
+                  <a:cubicBezTo>
+                    <a:pt x="127" y="45"/>
+                    <a:pt x="127" y="45"/>
+                    <a:pt x="127" y="45"/>
+                  </a:cubicBezTo>
+                  <a:cubicBezTo>
+                    <a:pt x="125" y="46"/>
+                    <a:pt x="122" y="46"/>
+                    <a:pt x="120" y="44"/>
+                  </a:cubicBezTo>
+                  <a:cubicBezTo>
+                    <a:pt x="116" y="40"/>
+                    <a:pt x="109" y="36"/>
+                    <a:pt x="100" y="32"/>
+                  </a:cubicBezTo>
+                  <a:cubicBezTo>
+                    <a:pt x="97" y="31"/>
+                    <a:pt x="96" y="29"/>
+                    <a:pt x="96" y="26"/>
+                  </a:cubicBezTo>
+                  <a:cubicBezTo>
+                    <a:pt x="96" y="12"/>
+                    <a:pt x="96" y="12"/>
+                    <a:pt x="96" y="12"/>
+                  </a:cubicBezTo>
+                  <a:cubicBezTo>
+                    <a:pt x="72" y="12"/>
+                    <a:pt x="72" y="12"/>
+                    <a:pt x="72" y="12"/>
+                  </a:cubicBezTo>
+                  <a:cubicBezTo>
+                    <a:pt x="72" y="26"/>
+                    <a:pt x="72" y="26"/>
+                    <a:pt x="72" y="26"/>
+                  </a:cubicBezTo>
+                  <a:cubicBezTo>
+                    <a:pt x="72" y="29"/>
+                    <a:pt x="70" y="32"/>
+                    <a:pt x="67" y="32"/>
+                  </a:cubicBezTo>
+                  <a:cubicBezTo>
+                    <a:pt x="57" y="35"/>
+                    <a:pt x="53" y="38"/>
+                    <a:pt x="47" y="44"/>
+                  </a:cubicBezTo>
+                  <a:cubicBezTo>
+                    <a:pt x="45" y="45"/>
+                    <a:pt x="42" y="46"/>
+                    <a:pt x="40" y="45"/>
+                  </a:cubicBezTo>
+                  <a:cubicBezTo>
+                    <a:pt x="27" y="37"/>
+                    <a:pt x="27" y="37"/>
+                    <a:pt x="27" y="37"/>
+                  </a:cubicBezTo>
+                  <a:cubicBezTo>
+                    <a:pt x="14" y="58"/>
+                    <a:pt x="14" y="58"/>
+                    <a:pt x="14" y="58"/>
+                  </a:cubicBezTo>
+                  <a:cubicBezTo>
+                    <a:pt x="27" y="65"/>
+                    <a:pt x="27" y="65"/>
+                    <a:pt x="27" y="65"/>
+                  </a:cubicBezTo>
+                  <a:cubicBezTo>
+                    <a:pt x="29" y="67"/>
+                    <a:pt x="31" y="69"/>
+                    <a:pt x="30" y="72"/>
+                  </a:cubicBezTo>
+                  <a:cubicBezTo>
+                    <a:pt x="28" y="80"/>
+                    <a:pt x="28" y="88"/>
+                    <a:pt x="30" y="95"/>
+                  </a:cubicBezTo>
+                  <a:cubicBezTo>
+                    <a:pt x="31" y="98"/>
+                    <a:pt x="29" y="101"/>
+                    <a:pt x="27" y="102"/>
+                  </a:cubicBezTo>
+                  <a:cubicBezTo>
+                    <a:pt x="14" y="109"/>
+                    <a:pt x="14" y="109"/>
+                    <a:pt x="14" y="109"/>
+                  </a:cubicBezTo>
+                  <a:cubicBezTo>
+                    <a:pt x="26" y="130"/>
+                    <a:pt x="26" y="130"/>
+                    <a:pt x="26" y="130"/>
+                  </a:cubicBezTo>
+                  <a:cubicBezTo>
+                    <a:pt x="40" y="123"/>
+                    <a:pt x="40" y="123"/>
+                    <a:pt x="40" y="123"/>
+                  </a:cubicBezTo>
+                  <a:cubicBezTo>
+                    <a:pt x="42" y="121"/>
+                    <a:pt x="45" y="122"/>
+                    <a:pt x="47" y="123"/>
+                  </a:cubicBezTo>
+                  <a:cubicBezTo>
+                    <a:pt x="53" y="129"/>
+                    <a:pt x="57" y="133"/>
+                    <a:pt x="67" y="135"/>
+                  </a:cubicBezTo>
+                  <a:cubicBezTo>
+                    <a:pt x="70" y="136"/>
+                    <a:pt x="72" y="138"/>
+                    <a:pt x="72" y="141"/>
+                  </a:cubicBezTo>
+                  <a:lnTo>
+                    <a:pt x="72" y="156"/>
+                  </a:lnTo>
+                  <a:close/>
+                </a:path>
+              </a:pathLst>
+            </a:custGeom>
+            <a:grpFill/>
+            <a:ln>
+              <a:noFill/>
+            </a:ln>
+            <a:extLst>
+              <a:ext uri="{91240B29-F687-4F45-9708-019B960494DF}">
+                <a14:hiddenLine xmlns:a14="http://schemas.microsoft.com/office/drawing/2010/main" w="9525">
+                  <a:solidFill>
+                    <a:srgbClr val="000000"/>
+                  </a:solidFill>
+                  <a:round/>
+                  <a:headEnd/>
+                  <a:tailEnd/>
+                </a14:hiddenLine>
+              </a:ext>
+            </a:extLst>
+          </p:spPr>
+          <p:txBody>
+            <a:bodyPr vert="horz" wrap="square" lIns="91440" tIns="45720" rIns="91440" bIns="45720" numCol="1" anchor="t" anchorCtr="0" compatLnSpc="1">
+              <a:prstTxWarp prst="textNoShape">
+                <a:avLst/>
+              </a:prstTxWarp>
+            </a:bodyPr>
+            <a:lstStyle/>
+            <a:p>
+              <a:endParaRPr lang="en-AU">
+                <a:latin typeface="+mj-lt"/>
+              </a:endParaRPr>
+            </a:p>
+          </p:txBody>
+        </p:sp>
+        <p:sp>
+          <p:nvSpPr>
+            <p:cNvPr id="66" name="Freeform 64">
+              <a:extLst>
+                <a:ext uri="{FF2B5EF4-FFF2-40B4-BE49-F238E27FC236}">
+                  <a16:creationId xmlns:a16="http://schemas.microsoft.com/office/drawing/2014/main" id="{9ED5B616-F3A7-4771-8318-4FBE32DD042D}"/>
+                </a:ext>
+              </a:extLst>
+            </p:cNvPr>
+            <p:cNvSpPr>
+              <a:spLocks noEditPoints="1"/>
+            </p:cNvSpPr>
+            <p:nvPr/>
+          </p:nvSpPr>
+          <p:spPr bwMode="auto">
+            <a:xfrm>
+              <a:off x="490" y="1863"/>
+              <a:ext cx="89" cy="88"/>
+            </a:xfrm>
+            <a:custGeom>
+              <a:avLst/>
+              <a:gdLst>
+                <a:gd name="T0" fmla="*/ 30 w 60"/>
+                <a:gd name="T1" fmla="*/ 60 h 60"/>
+                <a:gd name="T2" fmla="*/ 0 w 60"/>
+                <a:gd name="T3" fmla="*/ 30 h 60"/>
+                <a:gd name="T4" fmla="*/ 30 w 60"/>
+                <a:gd name="T5" fmla="*/ 0 h 60"/>
+                <a:gd name="T6" fmla="*/ 60 w 60"/>
+                <a:gd name="T7" fmla="*/ 30 h 60"/>
+                <a:gd name="T8" fmla="*/ 30 w 60"/>
+                <a:gd name="T9" fmla="*/ 60 h 60"/>
+                <a:gd name="T10" fmla="*/ 30 w 60"/>
+                <a:gd name="T11" fmla="*/ 12 h 60"/>
+                <a:gd name="T12" fmla="*/ 12 w 60"/>
+                <a:gd name="T13" fmla="*/ 30 h 60"/>
+                <a:gd name="T14" fmla="*/ 30 w 60"/>
+                <a:gd name="T15" fmla="*/ 48 h 60"/>
+                <a:gd name="T16" fmla="*/ 48 w 60"/>
+                <a:gd name="T17" fmla="*/ 30 h 60"/>
+                <a:gd name="T18" fmla="*/ 30 w 60"/>
+                <a:gd name="T19" fmla="*/ 12 h 60"/>
+              </a:gdLst>
+              <a:ahLst/>
+              <a:cxnLst>
+                <a:cxn ang="0">
+                  <a:pos x="T0" y="T1"/>
+                </a:cxn>
+                <a:cxn ang="0">
+                  <a:pos x="T2" y="T3"/>
+                </a:cxn>
+                <a:cxn ang="0">
+                  <a:pos x="T4" y="T5"/>
+                </a:cxn>
+                <a:cxn ang="0">
+                  <a:pos x="T6" y="T7"/>
+                </a:cxn>
+                <a:cxn ang="0">
+                  <a:pos x="T8" y="T9"/>
+                </a:cxn>
+                <a:cxn ang="0">
+                  <a:pos x="T10" y="T11"/>
+                </a:cxn>
+                <a:cxn ang="0">
+                  <a:pos x="T12" y="T13"/>
+                </a:cxn>
+                <a:cxn ang="0">
+                  <a:pos x="T14" y="T15"/>
+                </a:cxn>
+                <a:cxn ang="0">
+                  <a:pos x="T16" y="T17"/>
+                </a:cxn>
+                <a:cxn ang="0">
+                  <a:pos x="T18" y="T19"/>
+                </a:cxn>
+              </a:cxnLst>
+              <a:rect l="0" t="0" r="r" b="b"/>
+              <a:pathLst>
+                <a:path w="60" h="60">
+                  <a:moveTo>
+                    <a:pt x="30" y="60"/>
+                  </a:moveTo>
+                  <a:cubicBezTo>
+                    <a:pt x="13" y="60"/>
+                    <a:pt x="0" y="46"/>
+                    <a:pt x="0" y="30"/>
+                  </a:cubicBezTo>
+                  <a:cubicBezTo>
+                    <a:pt x="0" y="13"/>
+                    <a:pt x="13" y="0"/>
+                    <a:pt x="30" y="0"/>
+                  </a:cubicBezTo>
+                  <a:cubicBezTo>
+                    <a:pt x="46" y="0"/>
+                    <a:pt x="60" y="13"/>
+                    <a:pt x="60" y="30"/>
+                  </a:cubicBezTo>
+                  <a:cubicBezTo>
+                    <a:pt x="60" y="46"/>
+                    <a:pt x="46" y="60"/>
+                    <a:pt x="30" y="60"/>
+                  </a:cubicBezTo>
+                  <a:close/>
+                  <a:moveTo>
+                    <a:pt x="30" y="12"/>
+                  </a:moveTo>
+                  <a:cubicBezTo>
+                    <a:pt x="20" y="12"/>
+                    <a:pt x="12" y="20"/>
+                    <a:pt x="12" y="30"/>
+                  </a:cubicBezTo>
+                  <a:cubicBezTo>
+                    <a:pt x="12" y="40"/>
+                    <a:pt x="20" y="48"/>
+                    <a:pt x="30" y="48"/>
+                  </a:cubicBezTo>
+                  <a:cubicBezTo>
+                    <a:pt x="40" y="48"/>
+                    <a:pt x="48" y="40"/>
+                    <a:pt x="48" y="30"/>
+                  </a:cubicBezTo>
+                  <a:cubicBezTo>
+                    <a:pt x="48" y="20"/>
+                    <a:pt x="40" y="12"/>
+                    <a:pt x="30" y="12"/>
+                  </a:cubicBezTo>
+                  <a:close/>
+                </a:path>
+              </a:pathLst>
+            </a:custGeom>
+            <a:grpFill/>
+            <a:ln>
+              <a:noFill/>
+            </a:ln>
+            <a:extLst>
+              <a:ext uri="{91240B29-F687-4F45-9708-019B960494DF}">
+                <a14:hiddenLine xmlns:a14="http://schemas.microsoft.com/office/drawing/2010/main" w="9525">
+                  <a:solidFill>
+                    <a:srgbClr val="000000"/>
+                  </a:solidFill>
+                  <a:round/>
+                  <a:headEnd/>
+                  <a:tailEnd/>
+                </a14:hiddenLine>
+              </a:ext>
+            </a:extLst>
+          </p:spPr>
+          <p:txBody>
+            <a:bodyPr vert="horz" wrap="square" lIns="91440" tIns="45720" rIns="91440" bIns="45720" numCol="1" anchor="t" anchorCtr="0" compatLnSpc="1">
+              <a:prstTxWarp prst="textNoShape">
+                <a:avLst/>
+              </a:prstTxWarp>
+            </a:bodyPr>
+            <a:lstStyle/>
+            <a:p>
+              <a:endParaRPr lang="en-AU">
+                <a:latin typeface="+mj-lt"/>
+              </a:endParaRPr>
+            </a:p>
+          </p:txBody>
+        </p:sp>
+      </p:grpSp>
+      <p:grpSp>
+        <p:nvGrpSpPr>
+          <p:cNvPr id="67" name="Group 35">
+            <a:extLst>
+              <a:ext uri="{FF2B5EF4-FFF2-40B4-BE49-F238E27FC236}">
+                <a16:creationId xmlns:a16="http://schemas.microsoft.com/office/drawing/2014/main" id="{BFC6A09F-5905-485B-A255-CBF33A5FB1E9}"/>
+              </a:ext>
+            </a:extLst>
+          </p:cNvPr>
+          <p:cNvGrpSpPr>
+            <a:grpSpLocks noChangeAspect="1"/>
+          </p:cNvGrpSpPr>
+          <p:nvPr/>
+        </p:nvGrpSpPr>
+        <p:grpSpPr bwMode="auto">
+          <a:xfrm>
+            <a:off x="8706592" y="2227438"/>
+            <a:ext cx="525048" cy="501630"/>
+            <a:chOff x="4654" y="673"/>
+            <a:chExt cx="426" cy="407"/>
+          </a:xfrm>
+          <a:solidFill>
+            <a:schemeClr val="tx2"/>
+          </a:solidFill>
+        </p:grpSpPr>
+        <p:sp>
+          <p:nvSpPr>
+            <p:cNvPr id="68" name="Freeform 36">
+              <a:extLst>
+                <a:ext uri="{FF2B5EF4-FFF2-40B4-BE49-F238E27FC236}">
+                  <a16:creationId xmlns:a16="http://schemas.microsoft.com/office/drawing/2014/main" id="{E1DCCFF6-F049-418D-A43F-A33CE6B4B633}"/>
+                </a:ext>
+              </a:extLst>
+            </p:cNvPr>
+            <p:cNvSpPr>
+              <a:spLocks/>
+            </p:cNvSpPr>
+            <p:nvPr/>
+          </p:nvSpPr>
+          <p:spPr bwMode="auto">
+            <a:xfrm>
+              <a:off x="4654" y="673"/>
+              <a:ext cx="254" cy="354"/>
+            </a:xfrm>
+            <a:custGeom>
+              <a:avLst/>
+              <a:gdLst>
+                <a:gd name="T0" fmla="*/ 132 w 172"/>
+                <a:gd name="T1" fmla="*/ 239 h 239"/>
+                <a:gd name="T2" fmla="*/ 6 w 172"/>
+                <a:gd name="T3" fmla="*/ 239 h 239"/>
+                <a:gd name="T4" fmla="*/ 2 w 172"/>
+                <a:gd name="T5" fmla="*/ 237 h 239"/>
+                <a:gd name="T6" fmla="*/ 0 w 172"/>
+                <a:gd name="T7" fmla="*/ 233 h 239"/>
+                <a:gd name="T8" fmla="*/ 7 w 172"/>
+                <a:gd name="T9" fmla="*/ 183 h 239"/>
+                <a:gd name="T10" fmla="*/ 62 w 172"/>
+                <a:gd name="T11" fmla="*/ 153 h 239"/>
+                <a:gd name="T12" fmla="*/ 84 w 172"/>
+                <a:gd name="T13" fmla="*/ 145 h 239"/>
+                <a:gd name="T14" fmla="*/ 84 w 172"/>
+                <a:gd name="T15" fmla="*/ 123 h 239"/>
+                <a:gd name="T16" fmla="*/ 67 w 172"/>
+                <a:gd name="T17" fmla="*/ 88 h 239"/>
+                <a:gd name="T18" fmla="*/ 59 w 172"/>
+                <a:gd name="T19" fmla="*/ 71 h 239"/>
+                <a:gd name="T20" fmla="*/ 62 w 172"/>
+                <a:gd name="T21" fmla="*/ 60 h 239"/>
+                <a:gd name="T22" fmla="*/ 65 w 172"/>
+                <a:gd name="T23" fmla="*/ 56 h 239"/>
+                <a:gd name="T24" fmla="*/ 66 w 172"/>
+                <a:gd name="T25" fmla="*/ 22 h 239"/>
+                <a:gd name="T26" fmla="*/ 81 w 172"/>
+                <a:gd name="T27" fmla="*/ 17 h 239"/>
+                <a:gd name="T28" fmla="*/ 123 w 172"/>
+                <a:gd name="T29" fmla="*/ 0 h 239"/>
+                <a:gd name="T30" fmla="*/ 123 w 172"/>
+                <a:gd name="T31" fmla="*/ 0 h 239"/>
+                <a:gd name="T32" fmla="*/ 168 w 172"/>
+                <a:gd name="T33" fmla="*/ 22 h 239"/>
+                <a:gd name="T34" fmla="*/ 164 w 172"/>
+                <a:gd name="T35" fmla="*/ 55 h 239"/>
+                <a:gd name="T36" fmla="*/ 169 w 172"/>
+                <a:gd name="T37" fmla="*/ 71 h 239"/>
+                <a:gd name="T38" fmla="*/ 167 w 172"/>
+                <a:gd name="T39" fmla="*/ 82 h 239"/>
+                <a:gd name="T40" fmla="*/ 162 w 172"/>
+                <a:gd name="T41" fmla="*/ 88 h 239"/>
+                <a:gd name="T42" fmla="*/ 144 w 172"/>
+                <a:gd name="T43" fmla="*/ 123 h 239"/>
+                <a:gd name="T44" fmla="*/ 144 w 172"/>
+                <a:gd name="T45" fmla="*/ 145 h 239"/>
+                <a:gd name="T46" fmla="*/ 168 w 172"/>
+                <a:gd name="T47" fmla="*/ 153 h 239"/>
+                <a:gd name="T48" fmla="*/ 170 w 172"/>
+                <a:gd name="T49" fmla="*/ 154 h 239"/>
+                <a:gd name="T50" fmla="*/ 166 w 172"/>
+                <a:gd name="T51" fmla="*/ 165 h 239"/>
+                <a:gd name="T52" fmla="*/ 164 w 172"/>
+                <a:gd name="T53" fmla="*/ 165 h 239"/>
+                <a:gd name="T54" fmla="*/ 136 w 172"/>
+                <a:gd name="T55" fmla="*/ 155 h 239"/>
+                <a:gd name="T56" fmla="*/ 132 w 172"/>
+                <a:gd name="T57" fmla="*/ 149 h 239"/>
+                <a:gd name="T58" fmla="*/ 132 w 172"/>
+                <a:gd name="T59" fmla="*/ 119 h 239"/>
+                <a:gd name="T60" fmla="*/ 136 w 172"/>
+                <a:gd name="T61" fmla="*/ 114 h 239"/>
+                <a:gd name="T62" fmla="*/ 150 w 172"/>
+                <a:gd name="T63" fmla="*/ 83 h 239"/>
+                <a:gd name="T64" fmla="*/ 156 w 172"/>
+                <a:gd name="T65" fmla="*/ 77 h 239"/>
+                <a:gd name="T66" fmla="*/ 157 w 172"/>
+                <a:gd name="T67" fmla="*/ 71 h 239"/>
+                <a:gd name="T68" fmla="*/ 156 w 172"/>
+                <a:gd name="T69" fmla="*/ 64 h 239"/>
+                <a:gd name="T70" fmla="*/ 150 w 172"/>
+                <a:gd name="T71" fmla="*/ 58 h 239"/>
+                <a:gd name="T72" fmla="*/ 152 w 172"/>
+                <a:gd name="T73" fmla="*/ 52 h 239"/>
+                <a:gd name="T74" fmla="*/ 157 w 172"/>
+                <a:gd name="T75" fmla="*/ 25 h 239"/>
+                <a:gd name="T76" fmla="*/ 123 w 172"/>
+                <a:gd name="T77" fmla="*/ 12 h 239"/>
+                <a:gd name="T78" fmla="*/ 123 w 172"/>
+                <a:gd name="T79" fmla="*/ 12 h 239"/>
+                <a:gd name="T80" fmla="*/ 90 w 172"/>
+                <a:gd name="T81" fmla="*/ 25 h 239"/>
+                <a:gd name="T82" fmla="*/ 83 w 172"/>
+                <a:gd name="T83" fmla="*/ 29 h 239"/>
+                <a:gd name="T84" fmla="*/ 75 w 172"/>
+                <a:gd name="T85" fmla="*/ 30 h 239"/>
+                <a:gd name="T86" fmla="*/ 77 w 172"/>
+                <a:gd name="T87" fmla="*/ 53 h 239"/>
+                <a:gd name="T88" fmla="*/ 78 w 172"/>
+                <a:gd name="T89" fmla="*/ 59 h 239"/>
+                <a:gd name="T90" fmla="*/ 73 w 172"/>
+                <a:gd name="T91" fmla="*/ 65 h 239"/>
+                <a:gd name="T92" fmla="*/ 71 w 172"/>
+                <a:gd name="T93" fmla="*/ 71 h 239"/>
+                <a:gd name="T94" fmla="*/ 73 w 172"/>
+                <a:gd name="T95" fmla="*/ 77 h 239"/>
+                <a:gd name="T96" fmla="*/ 78 w 172"/>
+                <a:gd name="T97" fmla="*/ 83 h 239"/>
+                <a:gd name="T98" fmla="*/ 93 w 172"/>
+                <a:gd name="T99" fmla="*/ 114 h 239"/>
+                <a:gd name="T100" fmla="*/ 96 w 172"/>
+                <a:gd name="T101" fmla="*/ 119 h 239"/>
+                <a:gd name="T102" fmla="*/ 96 w 172"/>
+                <a:gd name="T103" fmla="*/ 149 h 239"/>
+                <a:gd name="T104" fmla="*/ 93 w 172"/>
+                <a:gd name="T105" fmla="*/ 155 h 239"/>
+                <a:gd name="T106" fmla="*/ 66 w 172"/>
+                <a:gd name="T107" fmla="*/ 164 h 239"/>
+                <a:gd name="T108" fmla="*/ 18 w 172"/>
+                <a:gd name="T109" fmla="*/ 187 h 239"/>
+                <a:gd name="T110" fmla="*/ 13 w 172"/>
+                <a:gd name="T111" fmla="*/ 227 h 239"/>
+                <a:gd name="T112" fmla="*/ 132 w 172"/>
+                <a:gd name="T113" fmla="*/ 227 h 239"/>
+                <a:gd name="T114" fmla="*/ 132 w 172"/>
+                <a:gd name="T115" fmla="*/ 239 h 239"/>
+              </a:gdLst>
+              <a:ahLst/>
+              <a:cxnLst>
+                <a:cxn ang="0">
+                  <a:pos x="T0" y="T1"/>
+                </a:cxn>
+                <a:cxn ang="0">
+                  <a:pos x="T2" y="T3"/>
+                </a:cxn>
+                <a:cxn ang="0">
+                  <a:pos x="T4" y="T5"/>
+                </a:cxn>
+                <a:cxn ang="0">
+                  <a:pos x="T6" y="T7"/>
+                </a:cxn>
+                <a:cxn ang="0">
+                  <a:pos x="T8" y="T9"/>
+                </a:cxn>
+                <a:cxn ang="0">
+                  <a:pos x="T10" y="T11"/>
+                </a:cxn>
+                <a:cxn ang="0">
+                  <a:pos x="T12" y="T13"/>
+                </a:cxn>
+                <a:cxn ang="0">
+                  <a:pos x="T14" y="T15"/>
+                </a:cxn>
+                <a:cxn ang="0">
+                  <a:pos x="T16" y="T17"/>
+                </a:cxn>
+                <a:cxn ang="0">
+                  <a:pos x="T18" y="T19"/>
+                </a:cxn>
+                <a:cxn ang="0">
+                  <a:pos x="T20" y="T21"/>
+                </a:cxn>
+                <a:cxn ang="0">
+                  <a:pos x="T22" y="T23"/>
+                </a:cxn>
+                <a:cxn ang="0">
+                  <a:pos x="T24" y="T25"/>
+                </a:cxn>
+                <a:cxn ang="0">
+                  <a:pos x="T26" y="T27"/>
+                </a:cxn>
+                <a:cxn ang="0">
+                  <a:pos x="T28" y="T29"/>
+                </a:cxn>
+                <a:cxn ang="0">
+                  <a:pos x="T30" y="T31"/>
+                </a:cxn>
+                <a:cxn ang="0">
+                  <a:pos x="T32" y="T33"/>
+                </a:cxn>
+                <a:cxn ang="0">
+                  <a:pos x="T34" y="T35"/>
+                </a:cxn>
+                <a:cxn ang="0">
+                  <a:pos x="T36" y="T37"/>
+                </a:cxn>
+                <a:cxn ang="0">
+                  <a:pos x="T38" y="T39"/>
+                </a:cxn>
+                <a:cxn ang="0">
+                  <a:pos x="T40" y="T41"/>
+                </a:cxn>
+                <a:cxn ang="0">
+                  <a:pos x="T42" y="T43"/>
+                </a:cxn>
+                <a:cxn ang="0">
+                  <a:pos x="T44" y="T45"/>
+                </a:cxn>
+                <a:cxn ang="0">
+                  <a:pos x="T46" y="T47"/>
+                </a:cxn>
+                <a:cxn ang="0">
+                  <a:pos x="T48" y="T49"/>
+                </a:cxn>
+                <a:cxn ang="0">
+                  <a:pos x="T50" y="T51"/>
+                </a:cxn>
+                <a:cxn ang="0">
+                  <a:pos x="T52" y="T53"/>
+                </a:cxn>
+                <a:cxn ang="0">
+                  <a:pos x="T54" y="T55"/>
+                </a:cxn>
+                <a:cxn ang="0">
+                  <a:pos x="T56" y="T57"/>
+                </a:cxn>
+                <a:cxn ang="0">
+                  <a:pos x="T58" y="T59"/>
+                </a:cxn>
+                <a:cxn ang="0">
+                  <a:pos x="T60" y="T61"/>
+                </a:cxn>
+                <a:cxn ang="0">
+                  <a:pos x="T62" y="T63"/>
+                </a:cxn>
+                <a:cxn ang="0">
+                  <a:pos x="T64" y="T65"/>
+                </a:cxn>
+                <a:cxn ang="0">
+                  <a:pos x="T66" y="T67"/>
+                </a:cxn>
+                <a:cxn ang="0">
+                  <a:pos x="T68" y="T69"/>
+                </a:cxn>
+                <a:cxn ang="0">
+                  <a:pos x="T70" y="T71"/>
+                </a:cxn>
+                <a:cxn ang="0">
+                  <a:pos x="T72" y="T73"/>
+                </a:cxn>
+                <a:cxn ang="0">
+                  <a:pos x="T74" y="T75"/>
+                </a:cxn>
+                <a:cxn ang="0">
+                  <a:pos x="T76" y="T77"/>
+                </a:cxn>
+                <a:cxn ang="0">
+                  <a:pos x="T78" y="T79"/>
+                </a:cxn>
+                <a:cxn ang="0">
+                  <a:pos x="T80" y="T81"/>
+                </a:cxn>
+                <a:cxn ang="0">
+                  <a:pos x="T82" y="T83"/>
+                </a:cxn>
+                <a:cxn ang="0">
+                  <a:pos x="T84" y="T85"/>
+                </a:cxn>
+                <a:cxn ang="0">
+                  <a:pos x="T86" y="T87"/>
+                </a:cxn>
+                <a:cxn ang="0">
+                  <a:pos x="T88" y="T89"/>
+                </a:cxn>
+                <a:cxn ang="0">
+                  <a:pos x="T90" y="T91"/>
+                </a:cxn>
+                <a:cxn ang="0">
+                  <a:pos x="T92" y="T93"/>
+                </a:cxn>
+                <a:cxn ang="0">
+                  <a:pos x="T94" y="T95"/>
+                </a:cxn>
+                <a:cxn ang="0">
+                  <a:pos x="T96" y="T97"/>
+                </a:cxn>
+                <a:cxn ang="0">
+                  <a:pos x="T98" y="T99"/>
+                </a:cxn>
+                <a:cxn ang="0">
+                  <a:pos x="T100" y="T101"/>
+                </a:cxn>
+                <a:cxn ang="0">
+                  <a:pos x="T102" y="T103"/>
+                </a:cxn>
+                <a:cxn ang="0">
+                  <a:pos x="T104" y="T105"/>
+                </a:cxn>
+                <a:cxn ang="0">
+                  <a:pos x="T106" y="T107"/>
+                </a:cxn>
+                <a:cxn ang="0">
+                  <a:pos x="T108" y="T109"/>
+                </a:cxn>
+                <a:cxn ang="0">
+                  <a:pos x="T110" y="T111"/>
+                </a:cxn>
+                <a:cxn ang="0">
+                  <a:pos x="T112" y="T113"/>
+                </a:cxn>
+                <a:cxn ang="0">
+                  <a:pos x="T114" y="T115"/>
+                </a:cxn>
+              </a:cxnLst>
+              <a:rect l="0" t="0" r="r" b="b"/>
+              <a:pathLst>
+                <a:path w="172" h="239">
+                  <a:moveTo>
+                    <a:pt x="132" y="239"/>
+                  </a:moveTo>
+                  <a:cubicBezTo>
+                    <a:pt x="6" y="239"/>
+                    <a:pt x="6" y="239"/>
+                    <a:pt x="6" y="239"/>
+                  </a:cubicBezTo>
+                  <a:cubicBezTo>
+                    <a:pt x="5" y="239"/>
+                    <a:pt x="3" y="239"/>
+                    <a:pt x="2" y="237"/>
+                  </a:cubicBezTo>
+                  <a:cubicBezTo>
+                    <a:pt x="1" y="236"/>
+                    <a:pt x="0" y="235"/>
+                    <a:pt x="0" y="233"/>
+                  </a:cubicBezTo>
+                  <a:cubicBezTo>
+                    <a:pt x="0" y="232"/>
+                    <a:pt x="1" y="201"/>
+                    <a:pt x="7" y="183"/>
+                  </a:cubicBezTo>
+                  <a:cubicBezTo>
+                    <a:pt x="11" y="169"/>
+                    <a:pt x="34" y="162"/>
+                    <a:pt x="62" y="153"/>
+                  </a:cubicBezTo>
+                  <a:cubicBezTo>
+                    <a:pt x="69" y="150"/>
+                    <a:pt x="77" y="148"/>
+                    <a:pt x="84" y="145"/>
+                  </a:cubicBezTo>
+                  <a:cubicBezTo>
+                    <a:pt x="84" y="123"/>
+                    <a:pt x="84" y="123"/>
+                    <a:pt x="84" y="123"/>
+                  </a:cubicBezTo>
+                  <a:cubicBezTo>
+                    <a:pt x="79" y="119"/>
+                    <a:pt x="68" y="109"/>
+                    <a:pt x="67" y="88"/>
+                  </a:cubicBezTo>
+                  <a:cubicBezTo>
+                    <a:pt x="62" y="85"/>
+                    <a:pt x="59" y="79"/>
+                    <a:pt x="59" y="71"/>
+                  </a:cubicBezTo>
+                  <a:cubicBezTo>
+                    <a:pt x="59" y="67"/>
+                    <a:pt x="60" y="63"/>
+                    <a:pt x="62" y="60"/>
+                  </a:cubicBezTo>
+                  <a:cubicBezTo>
+                    <a:pt x="63" y="58"/>
+                    <a:pt x="64" y="57"/>
+                    <a:pt x="65" y="56"/>
+                  </a:cubicBezTo>
+                  <a:cubicBezTo>
+                    <a:pt x="63" y="47"/>
+                    <a:pt x="58" y="30"/>
+                    <a:pt x="66" y="22"/>
+                  </a:cubicBezTo>
+                  <a:cubicBezTo>
+                    <a:pt x="70" y="18"/>
+                    <a:pt x="74" y="16"/>
+                    <a:pt x="81" y="17"/>
+                  </a:cubicBezTo>
+                  <a:cubicBezTo>
+                    <a:pt x="88" y="5"/>
+                    <a:pt x="107" y="0"/>
+                    <a:pt x="123" y="0"/>
+                  </a:cubicBezTo>
+                  <a:cubicBezTo>
+                    <a:pt x="123" y="0"/>
+                    <a:pt x="123" y="0"/>
+                    <a:pt x="123" y="0"/>
+                  </a:cubicBezTo>
+                  <a:cubicBezTo>
+                    <a:pt x="142" y="0"/>
+                    <a:pt x="164" y="6"/>
+                    <a:pt x="168" y="22"/>
+                  </a:cubicBezTo>
+                  <a:cubicBezTo>
+                    <a:pt x="172" y="35"/>
+                    <a:pt x="167" y="48"/>
+                    <a:pt x="164" y="55"/>
+                  </a:cubicBezTo>
+                  <a:cubicBezTo>
+                    <a:pt x="167" y="58"/>
+                    <a:pt x="169" y="64"/>
+                    <a:pt x="169" y="71"/>
+                  </a:cubicBezTo>
+                  <a:cubicBezTo>
+                    <a:pt x="169" y="75"/>
+                    <a:pt x="169" y="79"/>
+                    <a:pt x="167" y="82"/>
+                  </a:cubicBezTo>
+                  <a:cubicBezTo>
+                    <a:pt x="166" y="84"/>
+                    <a:pt x="164" y="86"/>
+                    <a:pt x="162" y="88"/>
+                  </a:cubicBezTo>
+                  <a:cubicBezTo>
+                    <a:pt x="161" y="109"/>
+                    <a:pt x="150" y="119"/>
+                    <a:pt x="144" y="123"/>
+                  </a:cubicBezTo>
+                  <a:cubicBezTo>
+                    <a:pt x="144" y="145"/>
+                    <a:pt x="144" y="145"/>
+                    <a:pt x="144" y="145"/>
+                  </a:cubicBezTo>
+                  <a:cubicBezTo>
+                    <a:pt x="153" y="148"/>
+                    <a:pt x="161" y="151"/>
+                    <a:pt x="168" y="153"/>
+                  </a:cubicBezTo>
+                  <a:cubicBezTo>
+                    <a:pt x="170" y="154"/>
+                    <a:pt x="170" y="154"/>
+                    <a:pt x="170" y="154"/>
+                  </a:cubicBezTo>
+                  <a:cubicBezTo>
+                    <a:pt x="166" y="165"/>
+                    <a:pt x="166" y="165"/>
+                    <a:pt x="166" y="165"/>
+                  </a:cubicBezTo>
+                  <a:cubicBezTo>
+                    <a:pt x="164" y="165"/>
+                    <a:pt x="164" y="165"/>
+                    <a:pt x="164" y="165"/>
+                  </a:cubicBezTo>
+                  <a:cubicBezTo>
+                    <a:pt x="155" y="162"/>
+                    <a:pt x="146" y="158"/>
+                    <a:pt x="136" y="155"/>
+                  </a:cubicBezTo>
+                  <a:cubicBezTo>
+                    <a:pt x="134" y="154"/>
+                    <a:pt x="132" y="152"/>
+                    <a:pt x="132" y="149"/>
+                  </a:cubicBezTo>
+                  <a:cubicBezTo>
+                    <a:pt x="132" y="119"/>
+                    <a:pt x="132" y="119"/>
+                    <a:pt x="132" y="119"/>
+                  </a:cubicBezTo>
+                  <a:cubicBezTo>
+                    <a:pt x="132" y="117"/>
+                    <a:pt x="134" y="115"/>
+                    <a:pt x="136" y="114"/>
+                  </a:cubicBezTo>
+                  <a:cubicBezTo>
+                    <a:pt x="137" y="113"/>
+                    <a:pt x="150" y="107"/>
+                    <a:pt x="150" y="83"/>
+                  </a:cubicBezTo>
+                  <a:cubicBezTo>
+                    <a:pt x="150" y="80"/>
+                    <a:pt x="153" y="77"/>
+                    <a:pt x="156" y="77"/>
+                  </a:cubicBezTo>
+                  <a:cubicBezTo>
+                    <a:pt x="157" y="77"/>
+                    <a:pt x="157" y="74"/>
+                    <a:pt x="157" y="71"/>
+                  </a:cubicBezTo>
+                  <a:cubicBezTo>
+                    <a:pt x="157" y="67"/>
+                    <a:pt x="157" y="65"/>
+                    <a:pt x="156" y="64"/>
+                  </a:cubicBezTo>
+                  <a:cubicBezTo>
+                    <a:pt x="153" y="64"/>
+                    <a:pt x="150" y="62"/>
+                    <a:pt x="150" y="58"/>
+                  </a:cubicBezTo>
+                  <a:cubicBezTo>
+                    <a:pt x="150" y="57"/>
+                    <a:pt x="151" y="55"/>
+                    <a:pt x="152" y="52"/>
+                  </a:cubicBezTo>
+                  <a:cubicBezTo>
+                    <a:pt x="155" y="46"/>
+                    <a:pt x="159" y="35"/>
+                    <a:pt x="157" y="25"/>
+                  </a:cubicBezTo>
+                  <a:cubicBezTo>
+                    <a:pt x="155" y="17"/>
+                    <a:pt x="141" y="12"/>
+                    <a:pt x="123" y="12"/>
+                  </a:cubicBezTo>
+                  <a:cubicBezTo>
+                    <a:pt x="123" y="12"/>
+                    <a:pt x="123" y="12"/>
+                    <a:pt x="123" y="12"/>
+                  </a:cubicBezTo>
+                  <a:cubicBezTo>
+                    <a:pt x="106" y="12"/>
+                    <a:pt x="92" y="17"/>
+                    <a:pt x="90" y="25"/>
+                  </a:cubicBezTo>
+                  <a:cubicBezTo>
+                    <a:pt x="89" y="28"/>
+                    <a:pt x="86" y="30"/>
+                    <a:pt x="83" y="29"/>
+                  </a:cubicBezTo>
+                  <a:cubicBezTo>
+                    <a:pt x="79" y="28"/>
+                    <a:pt x="76" y="29"/>
+                    <a:pt x="75" y="30"/>
+                  </a:cubicBezTo>
+                  <a:cubicBezTo>
+                    <a:pt x="71" y="34"/>
+                    <a:pt x="76" y="48"/>
+                    <a:pt x="77" y="53"/>
+                  </a:cubicBezTo>
+                  <a:cubicBezTo>
+                    <a:pt x="78" y="56"/>
+                    <a:pt x="78" y="58"/>
+                    <a:pt x="78" y="59"/>
+                  </a:cubicBezTo>
+                  <a:cubicBezTo>
+                    <a:pt x="78" y="62"/>
+                    <a:pt x="76" y="65"/>
+                    <a:pt x="73" y="65"/>
+                  </a:cubicBezTo>
+                  <a:cubicBezTo>
+                    <a:pt x="72" y="66"/>
+                    <a:pt x="71" y="68"/>
+                    <a:pt x="71" y="71"/>
+                  </a:cubicBezTo>
+                  <a:cubicBezTo>
+                    <a:pt x="71" y="75"/>
+                    <a:pt x="72" y="77"/>
+                    <a:pt x="73" y="77"/>
+                  </a:cubicBezTo>
+                  <a:cubicBezTo>
+                    <a:pt x="76" y="77"/>
+                    <a:pt x="78" y="80"/>
+                    <a:pt x="78" y="83"/>
+                  </a:cubicBezTo>
+                  <a:cubicBezTo>
+                    <a:pt x="78" y="107"/>
+                    <a:pt x="92" y="113"/>
+                    <a:pt x="93" y="114"/>
+                  </a:cubicBezTo>
+                  <a:cubicBezTo>
+                    <a:pt x="95" y="115"/>
+                    <a:pt x="96" y="117"/>
+                    <a:pt x="96" y="119"/>
+                  </a:cubicBezTo>
+                  <a:cubicBezTo>
+                    <a:pt x="96" y="149"/>
+                    <a:pt x="96" y="149"/>
+                    <a:pt x="96" y="149"/>
+                  </a:cubicBezTo>
+                  <a:cubicBezTo>
+                    <a:pt x="96" y="152"/>
+                    <a:pt x="95" y="154"/>
+                    <a:pt x="93" y="155"/>
+                  </a:cubicBezTo>
+                  <a:cubicBezTo>
+                    <a:pt x="84" y="158"/>
+                    <a:pt x="74" y="161"/>
+                    <a:pt x="66" y="164"/>
+                  </a:cubicBezTo>
+                  <a:cubicBezTo>
+                    <a:pt x="45" y="171"/>
+                    <a:pt x="21" y="179"/>
+                    <a:pt x="18" y="187"/>
+                  </a:cubicBezTo>
+                  <a:cubicBezTo>
+                    <a:pt x="14" y="199"/>
+                    <a:pt x="13" y="218"/>
+                    <a:pt x="13" y="227"/>
+                  </a:cubicBezTo>
+                  <a:cubicBezTo>
+                    <a:pt x="132" y="227"/>
+                    <a:pt x="132" y="227"/>
+                    <a:pt x="132" y="227"/>
+                  </a:cubicBezTo>
+                  <a:lnTo>
+                    <a:pt x="132" y="239"/>
+                  </a:lnTo>
+                  <a:close/>
+                </a:path>
+              </a:pathLst>
+            </a:custGeom>
+            <a:grpFill/>
+            <a:ln>
+              <a:noFill/>
+            </a:ln>
+            <a:extLst>
+              <a:ext uri="{91240B29-F687-4F45-9708-019B960494DF}">
+                <a14:hiddenLine xmlns:a14="http://schemas.microsoft.com/office/drawing/2010/main" w="9525">
+                  <a:solidFill>
+                    <a:srgbClr val="000000"/>
+                  </a:solidFill>
+                  <a:round/>
+                  <a:headEnd/>
+                  <a:tailEnd/>
+                </a14:hiddenLine>
+              </a:ext>
+            </a:extLst>
+          </p:spPr>
+          <p:txBody>
+            <a:bodyPr vert="horz" wrap="square" lIns="91440" tIns="45720" rIns="91440" bIns="45720" numCol="1" anchor="t" anchorCtr="0" compatLnSpc="1">
+              <a:prstTxWarp prst="textNoShape">
+                <a:avLst/>
+              </a:prstTxWarp>
+            </a:bodyPr>
+            <a:lstStyle/>
+            <a:p>
+              <a:endParaRPr lang="en-AU">
+                <a:latin typeface="+mn-lt"/>
+              </a:endParaRPr>
+            </a:p>
+          </p:txBody>
+        </p:sp>
+        <p:sp>
+          <p:nvSpPr>
+            <p:cNvPr id="69" name="Freeform 37">
+              <a:extLst>
+                <a:ext uri="{FF2B5EF4-FFF2-40B4-BE49-F238E27FC236}">
+                  <a16:creationId xmlns:a16="http://schemas.microsoft.com/office/drawing/2014/main" id="{0A8517A2-1578-4600-A74B-760D6D2F713D}"/>
+                </a:ext>
+              </a:extLst>
+            </p:cNvPr>
+            <p:cNvSpPr>
+              <a:spLocks noEditPoints="1"/>
+            </p:cNvSpPr>
+            <p:nvPr/>
+          </p:nvSpPr>
+          <p:spPr bwMode="auto">
+            <a:xfrm>
+              <a:off x="4885" y="884"/>
+              <a:ext cx="195" cy="196"/>
+            </a:xfrm>
+            <a:custGeom>
+              <a:avLst/>
+              <a:gdLst>
+                <a:gd name="T0" fmla="*/ 66 w 132"/>
+                <a:gd name="T1" fmla="*/ 132 h 132"/>
+                <a:gd name="T2" fmla="*/ 0 w 132"/>
+                <a:gd name="T3" fmla="*/ 66 h 132"/>
+                <a:gd name="T4" fmla="*/ 66 w 132"/>
+                <a:gd name="T5" fmla="*/ 0 h 132"/>
+                <a:gd name="T6" fmla="*/ 132 w 132"/>
+                <a:gd name="T7" fmla="*/ 66 h 132"/>
+                <a:gd name="T8" fmla="*/ 66 w 132"/>
+                <a:gd name="T9" fmla="*/ 132 h 132"/>
+                <a:gd name="T10" fmla="*/ 66 w 132"/>
+                <a:gd name="T11" fmla="*/ 12 h 132"/>
+                <a:gd name="T12" fmla="*/ 12 w 132"/>
+                <a:gd name="T13" fmla="*/ 66 h 132"/>
+                <a:gd name="T14" fmla="*/ 66 w 132"/>
+                <a:gd name="T15" fmla="*/ 120 h 132"/>
+                <a:gd name="T16" fmla="*/ 120 w 132"/>
+                <a:gd name="T17" fmla="*/ 66 h 132"/>
+                <a:gd name="T18" fmla="*/ 66 w 132"/>
+                <a:gd name="T19" fmla="*/ 12 h 132"/>
+              </a:gdLst>
+              <a:ahLst/>
+              <a:cxnLst>
+                <a:cxn ang="0">
+                  <a:pos x="T0" y="T1"/>
+                </a:cxn>
+                <a:cxn ang="0">
+                  <a:pos x="T2" y="T3"/>
+                </a:cxn>
+                <a:cxn ang="0">
+                  <a:pos x="T4" y="T5"/>
+                </a:cxn>
+                <a:cxn ang="0">
+                  <a:pos x="T6" y="T7"/>
+                </a:cxn>
+                <a:cxn ang="0">
+                  <a:pos x="T8" y="T9"/>
+                </a:cxn>
+                <a:cxn ang="0">
+                  <a:pos x="T10" y="T11"/>
+                </a:cxn>
+                <a:cxn ang="0">
+                  <a:pos x="T12" y="T13"/>
+                </a:cxn>
+                <a:cxn ang="0">
+                  <a:pos x="T14" y="T15"/>
+                </a:cxn>
+                <a:cxn ang="0">
+                  <a:pos x="T16" y="T17"/>
+                </a:cxn>
+                <a:cxn ang="0">
+                  <a:pos x="T18" y="T19"/>
+                </a:cxn>
+              </a:cxnLst>
+              <a:rect l="0" t="0" r="r" b="b"/>
+              <a:pathLst>
+                <a:path w="132" h="132">
+                  <a:moveTo>
+                    <a:pt x="66" y="132"/>
+                  </a:moveTo>
+                  <a:cubicBezTo>
+                    <a:pt x="30" y="132"/>
+                    <a:pt x="0" y="103"/>
+                    <a:pt x="0" y="66"/>
+                  </a:cubicBezTo>
+                  <a:cubicBezTo>
+                    <a:pt x="0" y="30"/>
+                    <a:pt x="30" y="0"/>
+                    <a:pt x="66" y="0"/>
+                  </a:cubicBezTo>
+                  <a:cubicBezTo>
+                    <a:pt x="102" y="0"/>
+                    <a:pt x="132" y="30"/>
+                    <a:pt x="132" y="66"/>
+                  </a:cubicBezTo>
+                  <a:cubicBezTo>
+                    <a:pt x="132" y="103"/>
+                    <a:pt x="102" y="132"/>
+                    <a:pt x="66" y="132"/>
+                  </a:cubicBezTo>
+                  <a:close/>
+                  <a:moveTo>
+                    <a:pt x="66" y="12"/>
+                  </a:moveTo>
+                  <a:cubicBezTo>
+                    <a:pt x="36" y="12"/>
+                    <a:pt x="12" y="36"/>
+                    <a:pt x="12" y="66"/>
+                  </a:cubicBezTo>
+                  <a:cubicBezTo>
+                    <a:pt x="12" y="96"/>
+                    <a:pt x="36" y="120"/>
+                    <a:pt x="66" y="120"/>
+                  </a:cubicBezTo>
+                  <a:cubicBezTo>
+                    <a:pt x="96" y="120"/>
+                    <a:pt x="120" y="96"/>
+                    <a:pt x="120" y="66"/>
+                  </a:cubicBezTo>
+                  <a:cubicBezTo>
+                    <a:pt x="120" y="36"/>
+                    <a:pt x="96" y="12"/>
+                    <a:pt x="66" y="12"/>
+                  </a:cubicBezTo>
+                  <a:close/>
+                </a:path>
+              </a:pathLst>
+            </a:custGeom>
+            <a:grpFill/>
+            <a:ln>
+              <a:noFill/>
+            </a:ln>
+            <a:extLst>
+              <a:ext uri="{91240B29-F687-4F45-9708-019B960494DF}">
+                <a14:hiddenLine xmlns:a14="http://schemas.microsoft.com/office/drawing/2010/main" w="9525">
+                  <a:solidFill>
+                    <a:srgbClr val="000000"/>
+                  </a:solidFill>
+                  <a:round/>
+                  <a:headEnd/>
+                  <a:tailEnd/>
+                </a14:hiddenLine>
+              </a:ext>
+            </a:extLst>
+          </p:spPr>
+          <p:txBody>
+            <a:bodyPr vert="horz" wrap="square" lIns="91440" tIns="45720" rIns="91440" bIns="45720" numCol="1" anchor="t" anchorCtr="0" compatLnSpc="1">
+              <a:prstTxWarp prst="textNoShape">
+                <a:avLst/>
+              </a:prstTxWarp>
+            </a:bodyPr>
+            <a:lstStyle/>
+            <a:p>
+              <a:endParaRPr lang="en-AU">
+                <a:latin typeface="+mn-lt"/>
+              </a:endParaRPr>
+            </a:p>
+          </p:txBody>
+        </p:sp>
+        <p:sp>
+          <p:nvSpPr>
+            <p:cNvPr id="70" name="Oval 38">
+              <a:extLst>
+                <a:ext uri="{FF2B5EF4-FFF2-40B4-BE49-F238E27FC236}">
+                  <a16:creationId xmlns:a16="http://schemas.microsoft.com/office/drawing/2014/main" id="{27DEC139-8219-43A9-B2E5-72FC4BF8FE1B}"/>
+                </a:ext>
+              </a:extLst>
+            </p:cNvPr>
+            <p:cNvSpPr>
+              <a:spLocks noChangeArrowheads="1"/>
+            </p:cNvSpPr>
+            <p:nvPr/>
+          </p:nvSpPr>
+          <p:spPr bwMode="auto">
+            <a:xfrm>
+              <a:off x="4974" y="1022"/>
+              <a:ext cx="17" cy="18"/>
+            </a:xfrm>
+            <a:prstGeom prst="ellipse">
+              <a:avLst/>
+            </a:prstGeom>
+            <a:grpFill/>
+            <a:ln>
+              <a:noFill/>
+            </a:ln>
+            <a:extLst>
+              <a:ext uri="{91240B29-F687-4F45-9708-019B960494DF}">
+                <a14:hiddenLine xmlns:a14="http://schemas.microsoft.com/office/drawing/2010/main" w="9525">
+                  <a:solidFill>
+                    <a:srgbClr val="000000"/>
+                  </a:solidFill>
+                  <a:round/>
+                  <a:headEnd/>
+                  <a:tailEnd/>
+                </a14:hiddenLine>
+              </a:ext>
+            </a:extLst>
+          </p:spPr>
+          <p:txBody>
+            <a:bodyPr vert="horz" wrap="square" lIns="91440" tIns="45720" rIns="91440" bIns="45720" numCol="1" anchor="t" anchorCtr="0" compatLnSpc="1">
+              <a:prstTxWarp prst="textNoShape">
+                <a:avLst/>
+              </a:prstTxWarp>
+            </a:bodyPr>
+            <a:lstStyle/>
+            <a:p>
+              <a:endParaRPr lang="en-AU">
+                <a:latin typeface="+mn-lt"/>
+              </a:endParaRPr>
+            </a:p>
+          </p:txBody>
+        </p:sp>
+        <p:sp>
+          <p:nvSpPr>
+            <p:cNvPr id="71" name="Freeform 39">
+              <a:extLst>
+                <a:ext uri="{FF2B5EF4-FFF2-40B4-BE49-F238E27FC236}">
+                  <a16:creationId xmlns:a16="http://schemas.microsoft.com/office/drawing/2014/main" id="{0D803E9B-2446-4309-8EB1-07CC4B25E01D}"/>
+                </a:ext>
+              </a:extLst>
+            </p:cNvPr>
+            <p:cNvSpPr>
+              <a:spLocks/>
+            </p:cNvSpPr>
+            <p:nvPr/>
+          </p:nvSpPr>
+          <p:spPr bwMode="auto">
+            <a:xfrm>
+              <a:off x="4947" y="921"/>
+              <a:ext cx="71" cy="97"/>
+            </a:xfrm>
+            <a:custGeom>
+              <a:avLst/>
+              <a:gdLst>
+                <a:gd name="T0" fmla="*/ 24 w 48"/>
+                <a:gd name="T1" fmla="*/ 65 h 65"/>
+                <a:gd name="T2" fmla="*/ 18 w 48"/>
+                <a:gd name="T3" fmla="*/ 59 h 65"/>
+                <a:gd name="T4" fmla="*/ 18 w 48"/>
+                <a:gd name="T5" fmla="*/ 41 h 65"/>
+                <a:gd name="T6" fmla="*/ 24 w 48"/>
+                <a:gd name="T7" fmla="*/ 35 h 65"/>
+                <a:gd name="T8" fmla="*/ 36 w 48"/>
+                <a:gd name="T9" fmla="*/ 23 h 65"/>
+                <a:gd name="T10" fmla="*/ 24 w 48"/>
+                <a:gd name="T11" fmla="*/ 12 h 65"/>
+                <a:gd name="T12" fmla="*/ 12 w 48"/>
+                <a:gd name="T13" fmla="*/ 23 h 65"/>
+                <a:gd name="T14" fmla="*/ 6 w 48"/>
+                <a:gd name="T15" fmla="*/ 29 h 65"/>
+                <a:gd name="T16" fmla="*/ 0 w 48"/>
+                <a:gd name="T17" fmla="*/ 23 h 65"/>
+                <a:gd name="T18" fmla="*/ 24 w 48"/>
+                <a:gd name="T19" fmla="*/ 0 h 65"/>
+                <a:gd name="T20" fmla="*/ 48 w 48"/>
+                <a:gd name="T21" fmla="*/ 23 h 65"/>
+                <a:gd name="T22" fmla="*/ 30 w 48"/>
+                <a:gd name="T23" fmla="*/ 46 h 65"/>
+                <a:gd name="T24" fmla="*/ 30 w 48"/>
+                <a:gd name="T25" fmla="*/ 59 h 65"/>
+                <a:gd name="T26" fmla="*/ 24 w 48"/>
+                <a:gd name="T27" fmla="*/ 65 h 65"/>
+              </a:gdLst>
+              <a:ahLst/>
+              <a:cxnLst>
+                <a:cxn ang="0">
+                  <a:pos x="T0" y="T1"/>
+                </a:cxn>
+                <a:cxn ang="0">
+                  <a:pos x="T2" y="T3"/>
+                </a:cxn>
+                <a:cxn ang="0">
+                  <a:pos x="T4" y="T5"/>
+                </a:cxn>
+                <a:cxn ang="0">
+                  <a:pos x="T6" y="T7"/>
+                </a:cxn>
+                <a:cxn ang="0">
+                  <a:pos x="T8" y="T9"/>
+                </a:cxn>
+                <a:cxn ang="0">
+                  <a:pos x="T10" y="T11"/>
+                </a:cxn>
+                <a:cxn ang="0">
+                  <a:pos x="T12" y="T13"/>
+                </a:cxn>
+                <a:cxn ang="0">
+                  <a:pos x="T14" y="T15"/>
+                </a:cxn>
+                <a:cxn ang="0">
+                  <a:pos x="T16" y="T17"/>
+                </a:cxn>
+                <a:cxn ang="0">
+                  <a:pos x="T18" y="T19"/>
+                </a:cxn>
+                <a:cxn ang="0">
+                  <a:pos x="T20" y="T21"/>
+                </a:cxn>
+                <a:cxn ang="0">
+                  <a:pos x="T22" y="T23"/>
+                </a:cxn>
+                <a:cxn ang="0">
+                  <a:pos x="T24" y="T25"/>
+                </a:cxn>
+                <a:cxn ang="0">
+                  <a:pos x="T26" y="T27"/>
+                </a:cxn>
+              </a:cxnLst>
+              <a:rect l="0" t="0" r="r" b="b"/>
+              <a:pathLst>
+                <a:path w="48" h="65">
+                  <a:moveTo>
+                    <a:pt x="24" y="65"/>
+                  </a:moveTo>
+                  <a:cubicBezTo>
+                    <a:pt x="21" y="65"/>
+                    <a:pt x="18" y="62"/>
+                    <a:pt x="18" y="59"/>
+                  </a:cubicBezTo>
+                  <a:cubicBezTo>
+                    <a:pt x="18" y="41"/>
+                    <a:pt x="18" y="41"/>
+                    <a:pt x="18" y="41"/>
+                  </a:cubicBezTo>
+                  <a:cubicBezTo>
+                    <a:pt x="18" y="38"/>
+                    <a:pt x="21" y="35"/>
+                    <a:pt x="24" y="35"/>
+                  </a:cubicBezTo>
+                  <a:cubicBezTo>
+                    <a:pt x="31" y="35"/>
+                    <a:pt x="36" y="30"/>
+                    <a:pt x="36" y="23"/>
+                  </a:cubicBezTo>
+                  <a:cubicBezTo>
+                    <a:pt x="36" y="17"/>
+                    <a:pt x="31" y="12"/>
+                    <a:pt x="24" y="12"/>
+                  </a:cubicBezTo>
+                  <a:cubicBezTo>
+                    <a:pt x="18" y="12"/>
+                    <a:pt x="12" y="17"/>
+                    <a:pt x="12" y="23"/>
+                  </a:cubicBezTo>
+                  <a:cubicBezTo>
+                    <a:pt x="12" y="27"/>
+                    <a:pt x="10" y="29"/>
+                    <a:pt x="6" y="29"/>
+                  </a:cubicBezTo>
+                  <a:cubicBezTo>
+                    <a:pt x="3" y="29"/>
+                    <a:pt x="0" y="27"/>
+                    <a:pt x="0" y="23"/>
+                  </a:cubicBezTo>
+                  <a:cubicBezTo>
+                    <a:pt x="0" y="10"/>
+                    <a:pt x="11" y="0"/>
+                    <a:pt x="24" y="0"/>
+                  </a:cubicBezTo>
+                  <a:cubicBezTo>
+                    <a:pt x="37" y="0"/>
+                    <a:pt x="48" y="10"/>
+                    <a:pt x="48" y="23"/>
+                  </a:cubicBezTo>
+                  <a:cubicBezTo>
+                    <a:pt x="48" y="35"/>
+                    <a:pt x="40" y="44"/>
+                    <a:pt x="30" y="46"/>
+                  </a:cubicBezTo>
+                  <a:cubicBezTo>
+                    <a:pt x="30" y="59"/>
+                    <a:pt x="30" y="59"/>
+                    <a:pt x="30" y="59"/>
+                  </a:cubicBezTo>
+                  <a:cubicBezTo>
+                    <a:pt x="30" y="62"/>
+                    <a:pt x="27" y="65"/>
+                    <a:pt x="24" y="65"/>
+                  </a:cubicBezTo>
+                  <a:close/>
+                </a:path>
+              </a:pathLst>
+            </a:custGeom>
+            <a:grpFill/>
+            <a:ln>
+              <a:noFill/>
+            </a:ln>
+            <a:extLst>
+              <a:ext uri="{91240B29-F687-4F45-9708-019B960494DF}">
+                <a14:hiddenLine xmlns:a14="http://schemas.microsoft.com/office/drawing/2010/main" w="9525">
+                  <a:solidFill>
+                    <a:srgbClr val="000000"/>
+                  </a:solidFill>
+                  <a:round/>
+                  <a:headEnd/>
+                  <a:tailEnd/>
+                </a14:hiddenLine>
+              </a:ext>
+            </a:extLst>
+          </p:spPr>
+          <p:txBody>
+            <a:bodyPr vert="horz" wrap="square" lIns="91440" tIns="45720" rIns="91440" bIns="45720" numCol="1" anchor="t" anchorCtr="0" compatLnSpc="1">
+              <a:prstTxWarp prst="textNoShape">
+                <a:avLst/>
+              </a:prstTxWarp>
+            </a:bodyPr>
+            <a:lstStyle/>
+            <a:p>
+              <a:endParaRPr lang="en-AU">
+                <a:latin typeface="+mn-lt"/>
+              </a:endParaRPr>
+            </a:p>
+          </p:txBody>
+        </p:sp>
+      </p:grpSp>
+      <p:sp>
+        <p:nvSpPr>
+          <p:cNvPr id="3" name="TextBox 2">
+            <a:extLst>
+              <a:ext uri="{FF2B5EF4-FFF2-40B4-BE49-F238E27FC236}">
+                <a16:creationId xmlns:a16="http://schemas.microsoft.com/office/drawing/2014/main" id="{4B53B75F-EC54-473C-B073-32FA157F61A4}"/>
+              </a:ext>
+            </a:extLst>
+          </p:cNvPr>
+          <p:cNvSpPr txBox="1"/>
+          <p:nvPr/>
+        </p:nvSpPr>
+        <p:spPr>
+          <a:xfrm>
+            <a:off x="2546123" y="2739157"/>
+            <a:ext cx="785793" cy="261610"/>
+          </a:xfrm>
+          <a:prstGeom prst="rect">
+            <a:avLst/>
+          </a:prstGeom>
+          <a:noFill/>
+        </p:spPr>
+        <p:txBody>
+          <a:bodyPr wrap="none" rtlCol="0">
+            <a:spAutoFit/>
+          </a:bodyPr>
+          <a:lstStyle/>
+          <a:p>
+            <a:r>
+              <a:rPr lang="en-US" sz="1050" dirty="0">
+                <a:solidFill>
+                  <a:schemeClr val="accent1"/>
+                </a:solidFill>
+              </a:rPr>
+              <a:t>Empathize</a:t>
+            </a:r>
+          </a:p>
+        </p:txBody>
+      </p:sp>
+      <p:sp>
+        <p:nvSpPr>
+          <p:cNvPr id="5" name="TextBox 4">
+            <a:extLst>
+              <a:ext uri="{FF2B5EF4-FFF2-40B4-BE49-F238E27FC236}">
+                <a16:creationId xmlns:a16="http://schemas.microsoft.com/office/drawing/2014/main" id="{91554C18-6630-4D24-B290-E31FB17E825D}"/>
+              </a:ext>
+            </a:extLst>
+          </p:cNvPr>
+          <p:cNvSpPr txBox="1"/>
+          <p:nvPr/>
+        </p:nvSpPr>
+        <p:spPr>
+          <a:xfrm>
+            <a:off x="4199269" y="2733335"/>
+            <a:ext cx="545342" cy="253916"/>
+          </a:xfrm>
+          <a:prstGeom prst="rect">
+            <a:avLst/>
+          </a:prstGeom>
+          <a:noFill/>
+        </p:spPr>
+        <p:txBody>
+          <a:bodyPr wrap="none" rtlCol="0">
+            <a:spAutoFit/>
+          </a:bodyPr>
+          <a:lstStyle/>
+          <a:p>
+            <a:pPr algn="ctr"/>
+            <a:r>
+              <a:rPr lang="en-US" sz="1050" dirty="0">
+                <a:solidFill>
+                  <a:schemeClr val="accent1"/>
+                </a:solidFill>
+              </a:rPr>
+              <a:t>Define</a:t>
+            </a:r>
+          </a:p>
+        </p:txBody>
+      </p:sp>
+      <p:sp>
+        <p:nvSpPr>
+          <p:cNvPr id="7" name="TextBox 6">
+            <a:extLst>
+              <a:ext uri="{FF2B5EF4-FFF2-40B4-BE49-F238E27FC236}">
+                <a16:creationId xmlns:a16="http://schemas.microsoft.com/office/drawing/2014/main" id="{ACA5A0E8-172A-44D6-9692-256C215D8BA0}"/>
+              </a:ext>
+            </a:extLst>
+          </p:cNvPr>
+          <p:cNvSpPr txBox="1"/>
+          <p:nvPr/>
+        </p:nvSpPr>
+        <p:spPr>
+          <a:xfrm>
+            <a:off x="5687809" y="2747094"/>
+            <a:ext cx="532518" cy="253916"/>
+          </a:xfrm>
+          <a:prstGeom prst="rect">
+            <a:avLst/>
+          </a:prstGeom>
+          <a:noFill/>
+        </p:spPr>
+        <p:txBody>
+          <a:bodyPr wrap="none" rtlCol="0">
+            <a:spAutoFit/>
+          </a:bodyPr>
+          <a:lstStyle/>
+          <a:p>
+            <a:pPr algn="ctr"/>
+            <a:r>
+              <a:rPr lang="en-US" sz="1050" dirty="0">
+                <a:solidFill>
+                  <a:schemeClr val="accent1"/>
+                </a:solidFill>
+              </a:rPr>
+              <a:t>Ideate</a:t>
+            </a:r>
+          </a:p>
+        </p:txBody>
+      </p:sp>
+      <p:sp>
+        <p:nvSpPr>
+          <p:cNvPr id="9" name="TextBox 8">
+            <a:extLst>
+              <a:ext uri="{FF2B5EF4-FFF2-40B4-BE49-F238E27FC236}">
+                <a16:creationId xmlns:a16="http://schemas.microsoft.com/office/drawing/2014/main" id="{80CDE850-2AC5-4191-8C86-D19EAB6D6D99}"/>
+              </a:ext>
+            </a:extLst>
+          </p:cNvPr>
+          <p:cNvSpPr txBox="1"/>
+          <p:nvPr/>
+        </p:nvSpPr>
+        <p:spPr>
+          <a:xfrm>
+            <a:off x="7094661" y="2729068"/>
+            <a:ext cx="729688" cy="253916"/>
+          </a:xfrm>
+          <a:prstGeom prst="rect">
+            <a:avLst/>
+          </a:prstGeom>
+          <a:noFill/>
+        </p:spPr>
+        <p:txBody>
+          <a:bodyPr wrap="none" rtlCol="0">
+            <a:spAutoFit/>
+          </a:bodyPr>
+          <a:lstStyle/>
+          <a:p>
+            <a:pPr algn="ctr"/>
+            <a:r>
+              <a:rPr lang="en-US" sz="1050" dirty="0">
+                <a:solidFill>
+                  <a:schemeClr val="accent1"/>
+                </a:solidFill>
+              </a:rPr>
+              <a:t>Prototype</a:t>
+            </a:r>
+          </a:p>
+        </p:txBody>
+      </p:sp>
+      <p:sp>
+        <p:nvSpPr>
+          <p:cNvPr id="12" name="TextBox 11">
+            <a:extLst>
+              <a:ext uri="{FF2B5EF4-FFF2-40B4-BE49-F238E27FC236}">
+                <a16:creationId xmlns:a16="http://schemas.microsoft.com/office/drawing/2014/main" id="{EE5B13D8-896F-4F96-9C3D-B2DCBBF26A4B}"/>
+              </a:ext>
+            </a:extLst>
+          </p:cNvPr>
+          <p:cNvSpPr txBox="1"/>
+          <p:nvPr/>
+        </p:nvSpPr>
+        <p:spPr>
+          <a:xfrm>
+            <a:off x="8727111" y="2746851"/>
+            <a:ext cx="415499" cy="253916"/>
+          </a:xfrm>
+          <a:prstGeom prst="rect">
+            <a:avLst/>
+          </a:prstGeom>
+          <a:noFill/>
+        </p:spPr>
+        <p:txBody>
+          <a:bodyPr wrap="none" rtlCol="0">
+            <a:spAutoFit/>
+          </a:bodyPr>
+          <a:lstStyle/>
+          <a:p>
+            <a:pPr algn="ctr"/>
+            <a:r>
+              <a:rPr lang="en-US" sz="1050" dirty="0">
+                <a:solidFill>
+                  <a:schemeClr val="accent1"/>
+                </a:solidFill>
+              </a:rPr>
+              <a:t>Test</a:t>
+            </a:r>
+          </a:p>
+        </p:txBody>
+      </p:sp>
     </p:spTree>
     <p:extLst>
       <p:ext uri="{BB962C8B-B14F-4D97-AF65-F5344CB8AC3E}">
